--- a/Lecture 3- Measure of Dispersion/Lecture 3- Measure of Dispersion.pptx
+++ b/Lecture 3- Measure of Dispersion/Lecture 3- Measure of Dispersion.pptx
@@ -5,10 +5,10 @@
     <p:sldMasterId id="2147483648" r:id="rId1"/>
   </p:sldMasterIdLst>
   <p:notesMasterIdLst>
-    <p:notesMasterId r:id="rId14"/>
+    <p:notesMasterId r:id="rId23"/>
   </p:notesMasterIdLst>
   <p:handoutMasterIdLst>
-    <p:handoutMasterId r:id="rId15"/>
+    <p:handoutMasterId r:id="rId24"/>
   </p:handoutMasterIdLst>
   <p:sldIdLst>
     <p:sldId id="256" r:id="rId2"/>
@@ -18,11 +18,20 @@
     <p:sldId id="294" r:id="rId6"/>
     <p:sldId id="295" r:id="rId7"/>
     <p:sldId id="296" r:id="rId8"/>
-    <p:sldId id="288" r:id="rId9"/>
-    <p:sldId id="289" r:id="rId10"/>
-    <p:sldId id="300" r:id="rId11"/>
-    <p:sldId id="290" r:id="rId12"/>
-    <p:sldId id="291" r:id="rId13"/>
+    <p:sldId id="303" r:id="rId9"/>
+    <p:sldId id="288" r:id="rId10"/>
+    <p:sldId id="289" r:id="rId11"/>
+    <p:sldId id="300" r:id="rId12"/>
+    <p:sldId id="290" r:id="rId13"/>
+    <p:sldId id="291" r:id="rId14"/>
+    <p:sldId id="306" r:id="rId15"/>
+    <p:sldId id="311" r:id="rId16"/>
+    <p:sldId id="307" r:id="rId17"/>
+    <p:sldId id="305" r:id="rId18"/>
+    <p:sldId id="308" r:id="rId19"/>
+    <p:sldId id="309" r:id="rId20"/>
+    <p:sldId id="310" r:id="rId21"/>
+    <p:sldId id="304" r:id="rId22"/>
   </p:sldIdLst>
   <p:sldSz cx="9144000" cy="6858000" type="screen4x3"/>
   <p:notesSz cx="7315200" cy="9601200"/>
@@ -222,7 +231,7 @@
           <a:p>
             <a:fld id="{BC2C9D67-2894-46E8-A621-C43BB8A942DE}" type="datetimeFigureOut">
               <a:rPr lang="en-US" smtClean="0"/>
-              <a:t>12/30/17</a:t>
+              <a:t>1/29/18</a:t>
             </a:fld>
             <a:endParaRPr lang="en-US"/>
           </a:p>
@@ -387,7 +396,7 @@
           <a:p>
             <a:fld id="{22FED149-BAF0-4A18-86DF-12A2D0010507}" type="datetimeFigureOut">
               <a:rPr lang="en-US" smtClean="0"/>
-              <a:t>12/30/17</a:t>
+              <a:t>1/29/18</a:t>
             </a:fld>
             <a:endParaRPr lang="en-US"/>
           </a:p>
@@ -964,7 +973,10 @@
           </a:bodyPr>
           <a:lstStyle/>
           <a:p>
-            <a:endParaRPr lang="en-US" dirty="0"/>
+            <a:r>
+              <a:rPr lang="en-US" dirty="0"/>
+              <a:t>kat4dhey</a:t>
+            </a:r>
           </a:p>
         </p:txBody>
       </p:sp>
@@ -986,7 +998,7 @@
             <a:fld id="{259D6929-1D84-4AC5-8E58-AEAC9F451A26}" type="slidenum">
               <a:rPr lang="en-US" smtClean="0"/>
               <a:pPr/>
-              <a:t>9</a:t>
+              <a:t>8</a:t>
             </a:fld>
             <a:endParaRPr lang="en-US" dirty="0"/>
           </a:p>
@@ -995,7 +1007,7 @@
     </p:spTree>
     <p:extLst>
       <p:ext uri="{BB962C8B-B14F-4D97-AF65-F5344CB8AC3E}">
-        <p14:creationId xmlns:p14="http://schemas.microsoft.com/office/powerpoint/2010/main" val="1108178633"/>
+        <p14:creationId xmlns:p14="http://schemas.microsoft.com/office/powerpoint/2010/main" val="2095797857"/>
       </p:ext>
     </p:extLst>
   </p:cSld>
@@ -1082,7 +1094,7 @@
     </p:spTree>
     <p:extLst>
       <p:ext uri="{BB962C8B-B14F-4D97-AF65-F5344CB8AC3E}">
-        <p14:creationId xmlns:p14="http://schemas.microsoft.com/office/powerpoint/2010/main" val="2944346996"/>
+        <p14:creationId xmlns:p14="http://schemas.microsoft.com/office/powerpoint/2010/main" val="1108178633"/>
       </p:ext>
     </p:extLst>
   </p:cSld>
@@ -1169,7 +1181,7 @@
     </p:spTree>
     <p:extLst>
       <p:ext uri="{BB962C8B-B14F-4D97-AF65-F5344CB8AC3E}">
-        <p14:creationId xmlns:p14="http://schemas.microsoft.com/office/powerpoint/2010/main" val="4207714908"/>
+        <p14:creationId xmlns:p14="http://schemas.microsoft.com/office/powerpoint/2010/main" val="2944346996"/>
       </p:ext>
     </p:extLst>
   </p:cSld>
@@ -1248,6 +1260,93 @@
               <a:rPr lang="en-US" smtClean="0"/>
               <a:pPr/>
               <a:t>12</a:t>
+            </a:fld>
+            <a:endParaRPr lang="en-US" dirty="0"/>
+          </a:p>
+        </p:txBody>
+      </p:sp>
+    </p:spTree>
+    <p:extLst>
+      <p:ext uri="{BB962C8B-B14F-4D97-AF65-F5344CB8AC3E}">
+        <p14:creationId xmlns:p14="http://schemas.microsoft.com/office/powerpoint/2010/main" val="4207714908"/>
+      </p:ext>
+    </p:extLst>
+  </p:cSld>
+  <p:clrMapOvr>
+    <a:masterClrMapping/>
+  </p:clrMapOvr>
+</p:notes>
+</file>
+
+<file path=ppt/notesSlides/notesSlide8.xml><?xml version="1.0" encoding="utf-8"?>
+<p:notes xmlns:a="http://schemas.openxmlformats.org/drawingml/2006/main" xmlns:r="http://schemas.openxmlformats.org/officeDocument/2006/relationships" xmlns:p="http://schemas.openxmlformats.org/presentationml/2006/main">
+  <p:cSld>
+    <p:spTree>
+      <p:nvGrpSpPr>
+        <p:cNvPr id="1" name=""/>
+        <p:cNvGrpSpPr/>
+        <p:nvPr/>
+      </p:nvGrpSpPr>
+      <p:grpSpPr>
+        <a:xfrm>
+          <a:off x="0" y="0"/>
+          <a:ext cx="0" cy="0"/>
+          <a:chOff x="0" y="0"/>
+          <a:chExt cx="0" cy="0"/>
+        </a:xfrm>
+      </p:grpSpPr>
+      <p:sp>
+        <p:nvSpPr>
+          <p:cNvPr id="2" name="Slide Image Placeholder 1"/>
+          <p:cNvSpPr>
+            <a:spLocks noGrp="1" noRot="1" noChangeAspect="1"/>
+          </p:cNvSpPr>
+          <p:nvPr>
+            <p:ph type="sldImg"/>
+          </p:nvPr>
+        </p:nvSpPr>
+        <p:spPr/>
+      </p:sp>
+      <p:sp>
+        <p:nvSpPr>
+          <p:cNvPr id="3" name="Notes Placeholder 2"/>
+          <p:cNvSpPr>
+            <a:spLocks noGrp="1"/>
+          </p:cNvSpPr>
+          <p:nvPr>
+            <p:ph type="body" idx="1"/>
+          </p:nvPr>
+        </p:nvSpPr>
+        <p:spPr/>
+        <p:txBody>
+          <a:bodyPr>
+            <a:normAutofit/>
+          </a:bodyPr>
+          <a:lstStyle/>
+          <a:p>
+            <a:endParaRPr lang="en-US" dirty="0"/>
+          </a:p>
+        </p:txBody>
+      </p:sp>
+      <p:sp>
+        <p:nvSpPr>
+          <p:cNvPr id="4" name="Slide Number Placeholder 3"/>
+          <p:cNvSpPr>
+            <a:spLocks noGrp="1"/>
+          </p:cNvSpPr>
+          <p:nvPr>
+            <p:ph type="sldNum" sz="quarter" idx="10"/>
+          </p:nvPr>
+        </p:nvSpPr>
+        <p:spPr/>
+        <p:txBody>
+          <a:bodyPr/>
+          <a:lstStyle/>
+          <a:p>
+            <a:fld id="{259D6929-1D84-4AC5-8E58-AEAC9F451A26}" type="slidenum">
+              <a:rPr lang="en-US" smtClean="0"/>
+              <a:pPr/>
+              <a:t>13</a:t>
             </a:fld>
             <a:endParaRPr lang="en-US" dirty="0"/>
           </a:p>
@@ -1443,9 +1542,9 @@
           <a:bodyPr/>
           <a:lstStyle/>
           <a:p>
-            <a:fld id="{18E339B3-82CF-4F4C-9300-E01EE70FF8CB}" type="datetimeFigureOut">
+            <a:fld id="{387AFFB7-327E-4244-BF99-9EC937550CC8}" type="datetime1">
               <a:rPr lang="en-US" smtClean="0"/>
-              <a:t>12/30/17</a:t>
+              <a:t>1/29/18</a:t>
             </a:fld>
             <a:endParaRPr lang="en-US"/>
           </a:p>
@@ -1611,9 +1710,9 @@
           <a:bodyPr/>
           <a:lstStyle/>
           <a:p>
-            <a:fld id="{18E339B3-82CF-4F4C-9300-E01EE70FF8CB}" type="datetimeFigureOut">
+            <a:fld id="{78509075-CBA1-0148-815B-229E0E0ED975}" type="datetime1">
               <a:rPr lang="en-US" smtClean="0"/>
-              <a:t>12/30/17</a:t>
+              <a:t>1/29/18</a:t>
             </a:fld>
             <a:endParaRPr lang="en-US"/>
           </a:p>
@@ -1789,9 +1888,9 @@
           <a:bodyPr/>
           <a:lstStyle/>
           <a:p>
-            <a:fld id="{18E339B3-82CF-4F4C-9300-E01EE70FF8CB}" type="datetimeFigureOut">
+            <a:fld id="{B19CC703-417E-AC4D-B8B0-F8BFFF55B67F}" type="datetime1">
               <a:rPr lang="en-US" smtClean="0"/>
-              <a:t>12/30/17</a:t>
+              <a:t>1/29/18</a:t>
             </a:fld>
             <a:endParaRPr lang="en-US"/>
           </a:p>
@@ -1957,9 +2056,9 @@
           <a:bodyPr/>
           <a:lstStyle/>
           <a:p>
-            <a:fld id="{18E339B3-82CF-4F4C-9300-E01EE70FF8CB}" type="datetimeFigureOut">
+            <a:fld id="{3F8851D0-A4C8-EA45-98EB-437854DD1D1A}" type="datetime1">
               <a:rPr lang="en-US" smtClean="0"/>
-              <a:t>12/30/17</a:t>
+              <a:t>1/29/18</a:t>
             </a:fld>
             <a:endParaRPr lang="en-US"/>
           </a:p>
@@ -2202,9 +2301,9 @@
           <a:bodyPr/>
           <a:lstStyle/>
           <a:p>
-            <a:fld id="{18E339B3-82CF-4F4C-9300-E01EE70FF8CB}" type="datetimeFigureOut">
+            <a:fld id="{7DD8A815-1B75-914C-BC24-DC6A4DAE0827}" type="datetime1">
               <a:rPr lang="en-US" smtClean="0"/>
-              <a:t>12/30/17</a:t>
+              <a:t>1/29/18</a:t>
             </a:fld>
             <a:endParaRPr lang="en-US"/>
           </a:p>
@@ -2487,9 +2586,9 @@
           <a:bodyPr/>
           <a:lstStyle/>
           <a:p>
-            <a:fld id="{18E339B3-82CF-4F4C-9300-E01EE70FF8CB}" type="datetimeFigureOut">
+            <a:fld id="{FEC03772-402C-8048-8FCC-16AB8C74EC67}" type="datetime1">
               <a:rPr lang="en-US" smtClean="0"/>
-              <a:t>12/30/17</a:t>
+              <a:t>1/29/18</a:t>
             </a:fld>
             <a:endParaRPr lang="en-US"/>
           </a:p>
@@ -2906,9 +3005,9 @@
           <a:bodyPr/>
           <a:lstStyle/>
           <a:p>
-            <a:fld id="{18E339B3-82CF-4F4C-9300-E01EE70FF8CB}" type="datetimeFigureOut">
+            <a:fld id="{7B6DB347-E9DB-604D-8E45-00ABBE2BF3E1}" type="datetime1">
               <a:rPr lang="en-US" smtClean="0"/>
-              <a:t>12/30/17</a:t>
+              <a:t>1/29/18</a:t>
             </a:fld>
             <a:endParaRPr lang="en-US"/>
           </a:p>
@@ -3023,9 +3122,9 @@
           <a:bodyPr/>
           <a:lstStyle/>
           <a:p>
-            <a:fld id="{18E339B3-82CF-4F4C-9300-E01EE70FF8CB}" type="datetimeFigureOut">
+            <a:fld id="{30B0D79E-3FF4-C04C-B396-76602DF43FF7}" type="datetime1">
               <a:rPr lang="en-US" smtClean="0"/>
-              <a:t>12/30/17</a:t>
+              <a:t>1/29/18</a:t>
             </a:fld>
             <a:endParaRPr lang="en-US"/>
           </a:p>
@@ -3118,9 +3217,9 @@
           <a:bodyPr/>
           <a:lstStyle/>
           <a:p>
-            <a:fld id="{18E339B3-82CF-4F4C-9300-E01EE70FF8CB}" type="datetimeFigureOut">
+            <a:fld id="{47730428-692E-B34F-9E5C-D4DEECDC384F}" type="datetime1">
               <a:rPr lang="en-US" smtClean="0"/>
-              <a:t>12/30/17</a:t>
+              <a:t>1/29/18</a:t>
             </a:fld>
             <a:endParaRPr lang="en-US"/>
           </a:p>
@@ -3393,9 +3492,9 @@
           <a:bodyPr/>
           <a:lstStyle/>
           <a:p>
-            <a:fld id="{18E339B3-82CF-4F4C-9300-E01EE70FF8CB}" type="datetimeFigureOut">
+            <a:fld id="{4D76951C-75D2-794D-8F9B-9036B45AB683}" type="datetime1">
               <a:rPr lang="en-US" smtClean="0"/>
-              <a:t>12/30/17</a:t>
+              <a:t>1/29/18</a:t>
             </a:fld>
             <a:endParaRPr lang="en-US"/>
           </a:p>
@@ -3645,9 +3744,9 @@
           <a:bodyPr/>
           <a:lstStyle/>
           <a:p>
-            <a:fld id="{18E339B3-82CF-4F4C-9300-E01EE70FF8CB}" type="datetimeFigureOut">
+            <a:fld id="{7B76F858-7D35-A448-B378-D6CD46B1BD89}" type="datetime1">
               <a:rPr lang="en-US" smtClean="0"/>
-              <a:t>12/30/17</a:t>
+              <a:t>1/29/18</a:t>
             </a:fld>
             <a:endParaRPr lang="en-US"/>
           </a:p>
@@ -3856,9 +3955,9 @@
             </a:lvl1pPr>
           </a:lstStyle>
           <a:p>
-            <a:fld id="{18E339B3-82CF-4F4C-9300-E01EE70FF8CB}" type="datetimeFigureOut">
+            <a:fld id="{EA946669-154F-F947-B4D6-A8687781ABE6}" type="datetime1">
               <a:rPr lang="en-US" smtClean="0"/>
-              <a:t>12/30/17</a:t>
+              <a:t>1/29/18</a:t>
             </a:fld>
             <a:endParaRPr lang="en-US"/>
           </a:p>
@@ -3963,6 +4062,7 @@
     <p:sldLayoutId id="2147483658" r:id="rId10"/>
     <p:sldLayoutId id="2147483659" r:id="rId11"/>
   </p:sldLayoutIdLst>
+  <p:hf hdr="0" ftr="0" dt="0"/>
   <p:txStyles>
     <p:titleStyle>
       <a:lvl1pPr algn="ctr" defTabSz="914400" rtl="0" eaLnBrk="1" latinLnBrk="0" hangingPunct="1">
@@ -4424,6 +4524,35 @@
           </a:p>
         </p:txBody>
       </p:sp>
+      <p:sp>
+        <p:nvSpPr>
+          <p:cNvPr id="4" name="Slide Number Placeholder 3">
+            <a:extLst>
+              <a:ext uri="{FF2B5EF4-FFF2-40B4-BE49-F238E27FC236}">
+                <a16:creationId xmlns:a16="http://schemas.microsoft.com/office/drawing/2014/main" id="{04B5A287-4E1A-544D-A8CA-306FA13AA340}"/>
+              </a:ext>
+            </a:extLst>
+          </p:cNvPr>
+          <p:cNvSpPr>
+            <a:spLocks noGrp="1"/>
+          </p:cNvSpPr>
+          <p:nvPr>
+            <p:ph type="sldNum" sz="quarter" idx="12"/>
+          </p:nvPr>
+        </p:nvSpPr>
+        <p:spPr/>
+        <p:txBody>
+          <a:bodyPr/>
+          <a:lstStyle/>
+          <a:p>
+            <a:fld id="{DF9221D8-3A4D-495B-963C-88FDE081B2F3}" type="slidenum">
+              <a:rPr lang="en-US" smtClean="0"/>
+              <a:t>1</a:t>
+            </a:fld>
+            <a:endParaRPr lang="en-US"/>
+          </a:p>
+        </p:txBody>
+      </p:sp>
     </p:spTree>
     <p:extLst>
       <p:ext uri="{BB962C8B-B14F-4D97-AF65-F5344CB8AC3E}">
@@ -4472,16 +4601,16 @@
           <a:lstStyle/>
           <a:p>
             <a:r>
-              <a:rPr lang="en-US" b="1" dirty="0">
+              <a:rPr lang="en-US" sz="3700" b="1" dirty="0">
                 <a:solidFill>
                   <a:srgbClr val="000099"/>
                 </a:solidFill>
                 <a:latin typeface="Palatino Linotype" pitchFamily="18" charset="0"/>
                 <a:ea typeface="Cambria Math" pitchFamily="18" charset="0"/>
               </a:rPr>
-              <a:t>Descriptive Statistics: Spread</a:t>
-            </a:r>
-            <a:endParaRPr lang="en-US" dirty="0">
+              <a:t>Measures of Dispersion: Deviations</a:t>
+            </a:r>
+            <a:endParaRPr lang="en-US" sz="3700" dirty="0">
               <a:solidFill>
                 <a:srgbClr val="000099"/>
               </a:solidFill>
@@ -4509,9 +4638,37 @@
         </p:spPr>
         <p:txBody>
           <a:bodyPr>
-            <a:normAutofit fontScale="92500" lnSpcReduction="20000"/>
+            <a:normAutofit/>
           </a:bodyPr>
           <a:lstStyle/>
+          <a:p>
+            <a:pPr>
+              <a:defRPr/>
+            </a:pPr>
+            <a:r>
+              <a:rPr lang="en-US" sz="2800" dirty="0">
+                <a:latin typeface="Palatino Linotype" pitchFamily="18" charset="0"/>
+              </a:rPr>
+              <a:t>Deviations from the mean</a:t>
+            </a:r>
+          </a:p>
+          <a:p>
+            <a:pPr lvl="1">
+              <a:defRPr/>
+            </a:pPr>
+            <a:r>
+              <a:rPr lang="en-US" sz="2400" dirty="0">
+                <a:latin typeface="Palatino Linotype" pitchFamily="18" charset="0"/>
+              </a:rPr>
+              <a:t>The mean deviation</a:t>
+            </a:r>
+            <a:endParaRPr lang="en-US" sz="2400" dirty="0">
+              <a:latin typeface="Palatino Linotype" pitchFamily="18" charset="0"/>
+              <a:ea typeface="Cambria Math" pitchFamily="18" charset="0"/>
+              <a:cs typeface="Times New Roman" pitchFamily="18" charset="0"/>
+              <a:sym typeface="Wingdings" pitchFamily="2" charset="2"/>
+            </a:endParaRPr>
+          </a:p>
           <a:p>
             <a:r>
               <a:rPr lang="en-US" sz="2800" dirty="0">
@@ -4520,11 +4677,18 @@
                 <a:cs typeface="Times New Roman" pitchFamily="18" charset="0"/>
                 <a:sym typeface="Wingdings" pitchFamily="2" charset="2"/>
               </a:rPr>
-              <a:t>Mean absolute deviation (MAD):</a:t>
-            </a:r>
-          </a:p>
-          <a:p>
-            <a:endParaRPr lang="en-US" sz="2800" dirty="0">
+              <a:t>Indexes the degree to which scores in the sample differ with respect to </a:t>
+            </a:r>
+            <a:r>
+              <a:rPr lang="en-US" sz="2800" b="1" dirty="0">
+                <a:latin typeface="Palatino Linotype" pitchFamily="18" charset="0"/>
+                <a:ea typeface="Cambria Math" pitchFamily="18" charset="0"/>
+                <a:cs typeface="Times New Roman" pitchFamily="18" charset="0"/>
+                <a:sym typeface="Wingdings" pitchFamily="2" charset="2"/>
+              </a:rPr>
+              <a:t>the mean</a:t>
+            </a:r>
+            <a:endParaRPr lang="en-US" sz="2400" b="1" dirty="0">
               <a:latin typeface="Palatino Linotype" pitchFamily="18" charset="0"/>
               <a:ea typeface="Cambria Math" pitchFamily="18" charset="0"/>
               <a:cs typeface="Times New Roman" pitchFamily="18" charset="0"/>
@@ -4532,7 +4696,8 @@
             </a:endParaRPr>
           </a:p>
           <a:p>
-            <a:endParaRPr lang="en-US" sz="2800" dirty="0">
+            <a:pPr lvl="1"/>
+            <a:endParaRPr lang="en-US" sz="1050" dirty="0">
               <a:latin typeface="Palatino Linotype" pitchFamily="18" charset="0"/>
               <a:ea typeface="Cambria Math" pitchFamily="18" charset="0"/>
               <a:cs typeface="Times New Roman" pitchFamily="18" charset="0"/>
@@ -4540,10 +4705,17 @@
             </a:endParaRPr>
           </a:p>
           <a:p>
-            <a:pPr marL="0" indent="0">
-              <a:buNone/>
-            </a:pPr>
-            <a:endParaRPr lang="en-US" sz="2800" dirty="0">
+            <a:pPr lvl="1"/>
+            <a:r>
+              <a:rPr lang="en-US" sz="2400" dirty="0">
+                <a:latin typeface="Palatino Linotype" pitchFamily="18" charset="0"/>
+                <a:ea typeface="Cambria Math" pitchFamily="18" charset="0"/>
+                <a:cs typeface="Times New Roman" pitchFamily="18" charset="0"/>
+                <a:sym typeface="Wingdings" pitchFamily="2" charset="2"/>
+              </a:rPr>
+              <a:t>Deviation scores:</a:t>
+            </a:r>
+            <a:endParaRPr lang="en-US" sz="700" dirty="0">
               <a:latin typeface="Palatino Linotype" pitchFamily="18" charset="0"/>
               <a:ea typeface="Cambria Math" pitchFamily="18" charset="0"/>
               <a:cs typeface="Times New Roman" pitchFamily="18" charset="0"/>
@@ -4551,55 +4723,31 @@
             </a:endParaRPr>
           </a:p>
           <a:p>
-            <a:r>
-              <a:rPr lang="en-US" sz="2800" dirty="0">
+            <a:pPr lvl="1"/>
+            <a:endParaRPr lang="en-US" sz="2400" dirty="0">
+              <a:latin typeface="Palatino Linotype" pitchFamily="18" charset="0"/>
+              <a:ea typeface="Cambria Math" pitchFamily="18" charset="0"/>
+              <a:cs typeface="Times New Roman" pitchFamily="18" charset="0"/>
+              <a:sym typeface="Wingdings" pitchFamily="2" charset="2"/>
+            </a:endParaRPr>
+          </a:p>
+          <a:p>
+            <a:pPr lvl="1"/>
+            <a:r>
+              <a:rPr lang="en-US" sz="2400" dirty="0">
                 <a:latin typeface="Palatino Linotype" pitchFamily="18" charset="0"/>
                 <a:ea typeface="Cambria Math" pitchFamily="18" charset="0"/>
                 <a:cs typeface="Times New Roman" pitchFamily="18" charset="0"/>
                 <a:sym typeface="Wingdings" pitchFamily="2" charset="2"/>
               </a:rPr>
-              <a:t>Sum of squares</a:t>
-            </a:r>
-          </a:p>
-          <a:p>
+              <a:t>Mean of the deviation scores:</a:t>
+            </a:r>
+          </a:p>
+          <a:p>
+            <a:pPr marL="457200" lvl="1" indent="0">
+              <a:buNone/>
+            </a:pPr>
             <a:endParaRPr lang="en-US" dirty="0">
-              <a:latin typeface="Palatino Linotype" pitchFamily="18" charset="0"/>
-              <a:ea typeface="Cambria Math" pitchFamily="18" charset="0"/>
-              <a:cs typeface="Times New Roman" pitchFamily="18" charset="0"/>
-              <a:sym typeface="Wingdings" pitchFamily="2" charset="2"/>
-            </a:endParaRPr>
-          </a:p>
-          <a:p>
-            <a:endParaRPr lang="en-US" dirty="0">
-              <a:latin typeface="Palatino Linotype" pitchFamily="18" charset="0"/>
-              <a:ea typeface="Cambria Math" pitchFamily="18" charset="0"/>
-              <a:cs typeface="Times New Roman" pitchFamily="18" charset="0"/>
-              <a:sym typeface="Wingdings" pitchFamily="2" charset="2"/>
-            </a:endParaRPr>
-          </a:p>
-          <a:p>
-            <a:r>
-              <a:rPr lang="en-US" sz="2800" dirty="0">
-                <a:latin typeface="Palatino Linotype" pitchFamily="18" charset="0"/>
-              </a:rPr>
-              <a:t>The sum of the squared deviations of the scores about the mean is usually not zero, but it is </a:t>
-            </a:r>
-            <a:r>
-              <a:rPr lang="en-US" sz="2800" dirty="0">
-                <a:solidFill>
-                  <a:srgbClr val="C00000"/>
-                </a:solidFill>
-                <a:latin typeface="Palatino Linotype" pitchFamily="18" charset="0"/>
-              </a:rPr>
-              <a:t>smaller</a:t>
-            </a:r>
-            <a:r>
-              <a:rPr lang="en-US" sz="2800" dirty="0">
-                <a:latin typeface="Palatino Linotype" pitchFamily="18" charset="0"/>
-              </a:rPr>
-              <a:t> than the sum of the squared deviations about any other number.</a:t>
-            </a:r>
-            <a:endParaRPr lang="en-US" sz="2800" dirty="0">
               <a:latin typeface="Palatino Linotype" pitchFamily="18" charset="0"/>
               <a:ea typeface="Cambria Math" pitchFamily="18" charset="0"/>
               <a:cs typeface="Times New Roman" pitchFamily="18" charset="0"/>
@@ -4650,2889 +4798,6 @@
       </p:sp>
       <p:graphicFrame>
         <p:nvGraphicFramePr>
-          <p:cNvPr id="156676" name="Object 4"/>
-          <p:cNvGraphicFramePr>
-            <a:graphicFrameLocks noChangeAspect="1"/>
-          </p:cNvGraphicFramePr>
-          <p:nvPr>
-            <p:extLst>
-              <p:ext uri="{D42A27DB-BD31-4B8C-83A1-F6EECF244321}">
-                <p14:modId xmlns:p14="http://schemas.microsoft.com/office/powerpoint/2010/main" val="2490111737"/>
-              </p:ext>
-            </p:extLst>
-          </p:nvPr>
-        </p:nvGraphicFramePr>
-        <p:xfrm>
-          <a:off x="3429000" y="2057400"/>
-          <a:ext cx="1289050" cy="1066800"/>
-        </p:xfrm>
-        <a:graphic>
-          <a:graphicData uri="http://schemas.openxmlformats.org/presentationml/2006/ole">
-            <mc:AlternateContent xmlns:mc="http://schemas.openxmlformats.org/markup-compatibility/2006">
-              <mc:Choice xmlns:v="urn:schemas-microsoft-com:vml" Requires="v">
-                <p:oleObj spid="_x0000_s17544" name="Equation" r:id="rId4" imgW="736560" imgH="609480" progId="Equation.DSMT4">
-                  <p:embed/>
-                </p:oleObj>
-              </mc:Choice>
-              <mc:Fallback>
-                <p:oleObj name="Equation" r:id="rId4" imgW="736560" imgH="609480" progId="Equation.DSMT4">
-                  <p:embed/>
-                  <p:pic>
-                    <p:nvPicPr>
-                      <p:cNvPr id="0" name=""/>
-                      <p:cNvPicPr>
-                        <a:picLocks noChangeAspect="1" noChangeArrowheads="1"/>
-                      </p:cNvPicPr>
-                      <p:nvPr/>
-                    </p:nvPicPr>
-                    <p:blipFill>
-                      <a:blip r:embed="rId5"/>
-                      <a:srcRect/>
-                      <a:stretch>
-                        <a:fillRect/>
-                      </a:stretch>
-                    </p:blipFill>
-                    <p:spPr bwMode="auto">
-                      <a:xfrm>
-                        <a:off x="3429000" y="2057400"/>
-                        <a:ext cx="1289050" cy="1066800"/>
-                      </a:xfrm>
-                      <a:prstGeom prst="rect">
-                        <a:avLst/>
-                      </a:prstGeom>
-                      <a:noFill/>
-                      <a:extLst/>
-                    </p:spPr>
-                  </p:pic>
-                </p:oleObj>
-              </mc:Fallback>
-            </mc:AlternateContent>
-          </a:graphicData>
-        </a:graphic>
-      </p:graphicFrame>
-      <p:graphicFrame>
-        <p:nvGraphicFramePr>
-          <p:cNvPr id="157700" name="Object 4"/>
-          <p:cNvGraphicFramePr>
-            <a:graphicFrameLocks noChangeAspect="1"/>
-          </p:cNvGraphicFramePr>
-          <p:nvPr>
-            <p:extLst>
-              <p:ext uri="{D42A27DB-BD31-4B8C-83A1-F6EECF244321}">
-                <p14:modId xmlns:p14="http://schemas.microsoft.com/office/powerpoint/2010/main" val="2663935189"/>
-              </p:ext>
-            </p:extLst>
-          </p:nvPr>
-        </p:nvGraphicFramePr>
-        <p:xfrm>
-          <a:off x="3352800" y="3429000"/>
-          <a:ext cx="2438400" cy="909808"/>
-        </p:xfrm>
-        <a:graphic>
-          <a:graphicData uri="http://schemas.openxmlformats.org/presentationml/2006/ole">
-            <mc:AlternateContent xmlns:mc="http://schemas.openxmlformats.org/markup-compatibility/2006">
-              <mc:Choice xmlns:v="urn:schemas-microsoft-com:vml" Requires="v">
-                <p:oleObj spid="_x0000_s17545" name="Equation" r:id="rId6" imgW="1155600" imgH="431640" progId="Equation.DSMT4">
-                  <p:embed/>
-                </p:oleObj>
-              </mc:Choice>
-              <mc:Fallback>
-                <p:oleObj name="Equation" r:id="rId6" imgW="1155600" imgH="431640" progId="Equation.DSMT4">
-                  <p:embed/>
-                  <p:pic>
-                    <p:nvPicPr>
-                      <p:cNvPr id="0" name=""/>
-                      <p:cNvPicPr>
-                        <a:picLocks noChangeAspect="1" noChangeArrowheads="1"/>
-                      </p:cNvPicPr>
-                      <p:nvPr/>
-                    </p:nvPicPr>
-                    <p:blipFill>
-                      <a:blip r:embed="rId7"/>
-                      <a:srcRect/>
-                      <a:stretch>
-                        <a:fillRect/>
-                      </a:stretch>
-                    </p:blipFill>
-                    <p:spPr bwMode="auto">
-                      <a:xfrm>
-                        <a:off x="3352800" y="3429000"/>
-                        <a:ext cx="2438400" cy="909808"/>
-                      </a:xfrm>
-                      <a:prstGeom prst="rect">
-                        <a:avLst/>
-                      </a:prstGeom>
-                      <a:noFill/>
-                      <a:extLst/>
-                    </p:spPr>
-                  </p:pic>
-                </p:oleObj>
-              </mc:Fallback>
-            </mc:AlternateContent>
-          </a:graphicData>
-        </a:graphic>
-      </p:graphicFrame>
-    </p:spTree>
-    <p:extLst>
-      <p:ext uri="{BB962C8B-B14F-4D97-AF65-F5344CB8AC3E}">
-        <p14:creationId xmlns:p14="http://schemas.microsoft.com/office/powerpoint/2010/main" val="3891274595"/>
-      </p:ext>
-    </p:extLst>
-  </p:cSld>
-  <p:clrMapOvr>
-    <a:masterClrMapping/>
-  </p:clrMapOvr>
-  <p:timing>
-    <p:tnLst>
-      <p:par>
-        <p:cTn id="1" dur="indefinite" restart="never" nodeType="tmRoot">
-          <p:childTnLst>
-            <p:seq concurrent="1" nextAc="seek">
-              <p:cTn id="2" dur="indefinite" nodeType="mainSeq">
-                <p:childTnLst>
-                  <p:par>
-                    <p:cTn id="3" fill="hold">
-                      <p:stCondLst>
-                        <p:cond delay="indefinite"/>
-                        <p:cond evt="onBegin" delay="0">
-                          <p:tn val="2"/>
-                        </p:cond>
-                      </p:stCondLst>
-                      <p:childTnLst>
-                        <p:par>
-                          <p:cTn id="4" fill="hold">
-                            <p:stCondLst>
-                              <p:cond delay="0"/>
-                            </p:stCondLst>
-                            <p:childTnLst>
-                              <p:par>
-                                <p:cTn id="5" presetID="1" presetClass="entr" presetSubtype="0" fill="hold" nodeType="withEffect">
-                                  <p:stCondLst>
-                                    <p:cond delay="0"/>
-                                  </p:stCondLst>
-                                  <p:childTnLst>
-                                    <p:set>
-                                      <p:cBhvr>
-                                        <p:cTn id="6" dur="1" fill="hold">
-                                          <p:stCondLst>
-                                            <p:cond delay="0"/>
-                                          </p:stCondLst>
-                                        </p:cTn>
-                                        <p:tgtEl>
-                                          <p:spTgt spid="3">
-                                            <p:txEl>
-                                              <p:pRg st="0" end="0"/>
-                                            </p:txEl>
-                                          </p:spTgt>
-                                        </p:tgtEl>
-                                        <p:attrNameLst>
-                                          <p:attrName>style.visibility</p:attrName>
-                                        </p:attrNameLst>
-                                      </p:cBhvr>
-                                      <p:to>
-                                        <p:strVal val="visible"/>
-                                      </p:to>
-                                    </p:set>
-                                  </p:childTnLst>
-                                </p:cTn>
-                              </p:par>
-                              <p:par>
-                                <p:cTn id="7" presetID="1" presetClass="entr" presetSubtype="0" fill="hold" nodeType="withEffect">
-                                  <p:stCondLst>
-                                    <p:cond delay="0"/>
-                                  </p:stCondLst>
-                                  <p:childTnLst>
-                                    <p:set>
-                                      <p:cBhvr>
-                                        <p:cTn id="8" dur="1" fill="hold">
-                                          <p:stCondLst>
-                                            <p:cond delay="0"/>
-                                          </p:stCondLst>
-                                        </p:cTn>
-                                        <p:tgtEl>
-                                          <p:spTgt spid="156676"/>
-                                        </p:tgtEl>
-                                        <p:attrNameLst>
-                                          <p:attrName>style.visibility</p:attrName>
-                                        </p:attrNameLst>
-                                      </p:cBhvr>
-                                      <p:to>
-                                        <p:strVal val="visible"/>
-                                      </p:to>
-                                    </p:set>
-                                  </p:childTnLst>
-                                </p:cTn>
-                              </p:par>
-                            </p:childTnLst>
-                          </p:cTn>
-                        </p:par>
-                      </p:childTnLst>
-                    </p:cTn>
-                  </p:par>
-                  <p:par>
-                    <p:cTn id="9" fill="hold">
-                      <p:stCondLst>
-                        <p:cond delay="indefinite"/>
-                      </p:stCondLst>
-                      <p:childTnLst>
-                        <p:par>
-                          <p:cTn id="10" fill="hold">
-                            <p:stCondLst>
-                              <p:cond delay="0"/>
-                            </p:stCondLst>
-                            <p:childTnLst>
-                              <p:par>
-                                <p:cTn id="11" presetID="1" presetClass="entr" presetSubtype="0" fill="hold" nodeType="clickEffect">
-                                  <p:stCondLst>
-                                    <p:cond delay="0"/>
-                                  </p:stCondLst>
-                                  <p:childTnLst>
-                                    <p:set>
-                                      <p:cBhvr>
-                                        <p:cTn id="12" dur="1" fill="hold">
-                                          <p:stCondLst>
-                                            <p:cond delay="0"/>
-                                          </p:stCondLst>
-                                        </p:cTn>
-                                        <p:tgtEl>
-                                          <p:spTgt spid="3">
-                                            <p:txEl>
-                                              <p:pRg st="4" end="4"/>
-                                            </p:txEl>
-                                          </p:spTgt>
-                                        </p:tgtEl>
-                                        <p:attrNameLst>
-                                          <p:attrName>style.visibility</p:attrName>
-                                        </p:attrNameLst>
-                                      </p:cBhvr>
-                                      <p:to>
-                                        <p:strVal val="visible"/>
-                                      </p:to>
-                                    </p:set>
-                                  </p:childTnLst>
-                                </p:cTn>
-                              </p:par>
-                            </p:childTnLst>
-                          </p:cTn>
-                        </p:par>
-                      </p:childTnLst>
-                    </p:cTn>
-                  </p:par>
-                  <p:par>
-                    <p:cTn id="13" fill="hold">
-                      <p:stCondLst>
-                        <p:cond delay="indefinite"/>
-                      </p:stCondLst>
-                      <p:childTnLst>
-                        <p:par>
-                          <p:cTn id="14" fill="hold">
-                            <p:stCondLst>
-                              <p:cond delay="0"/>
-                            </p:stCondLst>
-                            <p:childTnLst>
-                              <p:par>
-                                <p:cTn id="15" presetID="1" presetClass="entr" presetSubtype="0" fill="hold" nodeType="clickEffect">
-                                  <p:stCondLst>
-                                    <p:cond delay="0"/>
-                                  </p:stCondLst>
-                                  <p:childTnLst>
-                                    <p:set>
-                                      <p:cBhvr>
-                                        <p:cTn id="16" dur="1" fill="hold">
-                                          <p:stCondLst>
-                                            <p:cond delay="0"/>
-                                          </p:stCondLst>
-                                        </p:cTn>
-                                        <p:tgtEl>
-                                          <p:spTgt spid="3">
-                                            <p:txEl>
-                                              <p:pRg st="7" end="7"/>
-                                            </p:txEl>
-                                          </p:spTgt>
-                                        </p:tgtEl>
-                                        <p:attrNameLst>
-                                          <p:attrName>style.visibility</p:attrName>
-                                        </p:attrNameLst>
-                                      </p:cBhvr>
-                                      <p:to>
-                                        <p:strVal val="visible"/>
-                                      </p:to>
-                                    </p:set>
-                                  </p:childTnLst>
-                                </p:cTn>
-                              </p:par>
-                              <p:par>
-                                <p:cTn id="17" presetID="1" presetClass="entr" presetSubtype="0" fill="hold" nodeType="withEffect">
-                                  <p:stCondLst>
-                                    <p:cond delay="0"/>
-                                  </p:stCondLst>
-                                  <p:childTnLst>
-                                    <p:set>
-                                      <p:cBhvr>
-                                        <p:cTn id="18" dur="1" fill="hold">
-                                          <p:stCondLst>
-                                            <p:cond delay="0"/>
-                                          </p:stCondLst>
-                                        </p:cTn>
-                                        <p:tgtEl>
-                                          <p:spTgt spid="157700"/>
-                                        </p:tgtEl>
-                                        <p:attrNameLst>
-                                          <p:attrName>style.visibility</p:attrName>
-                                        </p:attrNameLst>
-                                      </p:cBhvr>
-                                      <p:to>
-                                        <p:strVal val="visible"/>
-                                      </p:to>
-                                    </p:set>
-                                  </p:childTnLst>
-                                </p:cTn>
-                              </p:par>
-                            </p:childTnLst>
-                          </p:cTn>
-                        </p:par>
-                      </p:childTnLst>
-                    </p:cTn>
-                  </p:par>
-                </p:childTnLst>
-              </p:cTn>
-              <p:prevCondLst>
-                <p:cond evt="onPrev" delay="0">
-                  <p:tgtEl>
-                    <p:sldTgt/>
-                  </p:tgtEl>
-                </p:cond>
-              </p:prevCondLst>
-              <p:nextCondLst>
-                <p:cond evt="onNext" delay="0">
-                  <p:tgtEl>
-                    <p:sldTgt/>
-                  </p:tgtEl>
-                </p:cond>
-              </p:nextCondLst>
-            </p:seq>
-          </p:childTnLst>
-        </p:cTn>
-      </p:par>
-    </p:tnLst>
-  </p:timing>
-</p:sld>
-</file>
-
-<file path=ppt/slides/slide11.xml><?xml version="1.0" encoding="utf-8"?>
-<p:sld xmlns:a="http://schemas.openxmlformats.org/drawingml/2006/main" xmlns:r="http://schemas.openxmlformats.org/officeDocument/2006/relationships" xmlns:p="http://schemas.openxmlformats.org/presentationml/2006/main">
-  <p:cSld>
-    <p:spTree>
-      <p:nvGrpSpPr>
-        <p:cNvPr id="1" name=""/>
-        <p:cNvGrpSpPr/>
-        <p:nvPr/>
-      </p:nvGrpSpPr>
-      <p:grpSpPr>
-        <a:xfrm>
-          <a:off x="0" y="0"/>
-          <a:ext cx="0" cy="0"/>
-          <a:chOff x="0" y="0"/>
-          <a:chExt cx="0" cy="0"/>
-        </a:xfrm>
-      </p:grpSpPr>
-      <p:sp>
-        <p:nvSpPr>
-          <p:cNvPr id="2" name="Title 1"/>
-          <p:cNvSpPr>
-            <a:spLocks noGrp="1"/>
-          </p:cNvSpPr>
-          <p:nvPr>
-            <p:ph type="title"/>
-          </p:nvPr>
-        </p:nvSpPr>
-        <p:spPr/>
-        <p:txBody>
-          <a:bodyPr>
-            <a:normAutofit/>
-          </a:bodyPr>
-          <a:lstStyle/>
-          <a:p>
-            <a:r>
-              <a:rPr lang="en-US" b="1" dirty="0">
-                <a:solidFill>
-                  <a:srgbClr val="000099"/>
-                </a:solidFill>
-                <a:latin typeface="Palatino Linotype" pitchFamily="18" charset="0"/>
-                <a:ea typeface="Cambria Math" pitchFamily="18" charset="0"/>
-              </a:rPr>
-              <a:t>Population Standard Deviation</a:t>
-            </a:r>
-            <a:endParaRPr lang="en-US" dirty="0">
-              <a:solidFill>
-                <a:srgbClr val="000099"/>
-              </a:solidFill>
-              <a:latin typeface="Palatino Linotype" pitchFamily="18" charset="0"/>
-              <a:ea typeface="Cambria Math" pitchFamily="18" charset="0"/>
-            </a:endParaRPr>
-          </a:p>
-        </p:txBody>
-      </p:sp>
-      <p:sp>
-        <p:nvSpPr>
-          <p:cNvPr id="3" name="Subtitle 2"/>
-          <p:cNvSpPr>
-            <a:spLocks noGrp="1"/>
-          </p:cNvSpPr>
-          <p:nvPr>
-            <p:ph idx="1"/>
-          </p:nvPr>
-        </p:nvSpPr>
-        <p:spPr>
-          <a:xfrm>
-            <a:off x="457200" y="1600200"/>
-            <a:ext cx="8534400" cy="4572000"/>
-          </a:xfrm>
-        </p:spPr>
-        <p:txBody>
-          <a:bodyPr>
-            <a:normAutofit/>
-          </a:bodyPr>
-          <a:lstStyle/>
-          <a:p>
-            <a:r>
-              <a:rPr lang="en-US" dirty="0">
-                <a:latin typeface="Palatino Linotype" pitchFamily="18" charset="0"/>
-                <a:ea typeface="Cambria Math" pitchFamily="18" charset="0"/>
-                <a:cs typeface="Times New Roman" pitchFamily="18" charset="0"/>
-              </a:rPr>
-              <a:t>Variance</a:t>
-            </a:r>
-          </a:p>
-          <a:p>
-            <a:pPr lvl="1"/>
-            <a:endParaRPr lang="en-US" dirty="0">
-              <a:latin typeface="Palatino Linotype" pitchFamily="18" charset="0"/>
-              <a:ea typeface="Cambria Math" pitchFamily="18" charset="0"/>
-              <a:cs typeface="Times New Roman" pitchFamily="18" charset="0"/>
-            </a:endParaRPr>
-          </a:p>
-          <a:p>
-            <a:pPr lvl="1"/>
-            <a:endParaRPr lang="en-US" dirty="0">
-              <a:latin typeface="Palatino Linotype" pitchFamily="18" charset="0"/>
-              <a:ea typeface="Cambria Math" pitchFamily="18" charset="0"/>
-              <a:cs typeface="Times New Roman" pitchFamily="18" charset="0"/>
-            </a:endParaRPr>
-          </a:p>
-          <a:p>
-            <a:pPr lvl="1"/>
-            <a:endParaRPr lang="en-US" dirty="0">
-              <a:latin typeface="Palatino Linotype" pitchFamily="18" charset="0"/>
-              <a:ea typeface="Cambria Math" pitchFamily="18" charset="0"/>
-              <a:cs typeface="Times New Roman" pitchFamily="18" charset="0"/>
-            </a:endParaRPr>
-          </a:p>
-          <a:p>
-            <a:r>
-              <a:rPr lang="en-US" dirty="0">
-                <a:latin typeface="Palatino Linotype" pitchFamily="18" charset="0"/>
-                <a:ea typeface="Cambria Math" pitchFamily="18" charset="0"/>
-                <a:cs typeface="Times New Roman" pitchFamily="18" charset="0"/>
-              </a:rPr>
-              <a:t>Standard deviation </a:t>
-            </a:r>
-          </a:p>
-          <a:p>
-            <a:pPr marL="457200" lvl="1" indent="0">
-              <a:buNone/>
-            </a:pPr>
-            <a:r>
-              <a:rPr lang="en-US" dirty="0">
-                <a:latin typeface="Palatino Linotype" pitchFamily="18" charset="0"/>
-                <a:ea typeface="Cambria Math" pitchFamily="18" charset="0"/>
-                <a:cs typeface="Times New Roman" pitchFamily="18" charset="0"/>
-              </a:rPr>
-              <a:t>	</a:t>
-            </a:r>
-          </a:p>
-          <a:p>
-            <a:pPr lvl="1"/>
-            <a:endParaRPr lang="en-US" dirty="0">
-              <a:latin typeface="Palatino Linotype" pitchFamily="18" charset="0"/>
-              <a:ea typeface="Cambria Math" pitchFamily="18" charset="0"/>
-              <a:cs typeface="Times New Roman" pitchFamily="18" charset="0"/>
-            </a:endParaRPr>
-          </a:p>
-          <a:p>
-            <a:pPr lvl="1"/>
-            <a:endParaRPr lang="en-US" dirty="0">
-              <a:latin typeface="Palatino Linotype" pitchFamily="18" charset="0"/>
-              <a:ea typeface="Cambria Math" pitchFamily="18" charset="0"/>
-              <a:cs typeface="Times New Roman" pitchFamily="18" charset="0"/>
-            </a:endParaRPr>
-          </a:p>
-          <a:p>
-            <a:pPr marL="457200" lvl="1" indent="0">
-              <a:buNone/>
-            </a:pPr>
-            <a:endParaRPr lang="en-US" dirty="0">
-              <a:latin typeface="Palatino Linotype" pitchFamily="18" charset="0"/>
-              <a:ea typeface="Cambria Math" pitchFamily="18" charset="0"/>
-              <a:cs typeface="Times New Roman" pitchFamily="18" charset="0"/>
-            </a:endParaRPr>
-          </a:p>
-        </p:txBody>
-      </p:sp>
-      <p:sp>
-        <p:nvSpPr>
-          <p:cNvPr id="2050" name="Rectangle 2"/>
-          <p:cNvSpPr>
-            <a:spLocks noChangeArrowheads="1"/>
-          </p:cNvSpPr>
-          <p:nvPr/>
-        </p:nvSpPr>
-        <p:spPr bwMode="auto">
-          <a:xfrm>
-            <a:off x="0" y="-184666"/>
-            <a:ext cx="184731" cy="369332"/>
-          </a:xfrm>
-          <a:prstGeom prst="rect">
-            <a:avLst/>
-          </a:prstGeom>
-          <a:noFill/>
-          <a:ln w="9525">
-            <a:noFill/>
-            <a:miter lim="800000"/>
-            <a:headEnd/>
-            <a:tailEnd/>
-          </a:ln>
-          <a:effectLst/>
-        </p:spPr>
-        <p:txBody>
-          <a:bodyPr vert="horz" wrap="none" lIns="91440" tIns="45720" rIns="91440" bIns="45720" numCol="1" anchor="ctr" anchorCtr="0" compatLnSpc="1">
-            <a:prstTxWarp prst="textNoShape">
-              <a:avLst/>
-            </a:prstTxWarp>
-            <a:spAutoFit/>
-          </a:bodyPr>
-          <a:lstStyle/>
-          <a:p>
-            <a:endParaRPr lang="en-US" dirty="0">
-              <a:latin typeface="Palatino Linotype" pitchFamily="18" charset="0"/>
-            </a:endParaRPr>
-          </a:p>
-        </p:txBody>
-      </p:sp>
-      <p:graphicFrame>
-        <p:nvGraphicFramePr>
-          <p:cNvPr id="6" name="Object 5"/>
-          <p:cNvGraphicFramePr>
-            <a:graphicFrameLocks noChangeAspect="1"/>
-          </p:cNvGraphicFramePr>
-          <p:nvPr>
-            <p:extLst>
-              <p:ext uri="{D42A27DB-BD31-4B8C-83A1-F6EECF244321}">
-                <p14:modId xmlns:p14="http://schemas.microsoft.com/office/powerpoint/2010/main" val="292481102"/>
-              </p:ext>
-            </p:extLst>
-          </p:nvPr>
-        </p:nvGraphicFramePr>
-        <p:xfrm>
-          <a:off x="800100" y="2286000"/>
-          <a:ext cx="6330950" cy="1096963"/>
-        </p:xfrm>
-        <a:graphic>
-          <a:graphicData uri="http://schemas.openxmlformats.org/presentationml/2006/ole">
-            <mc:AlternateContent xmlns:mc="http://schemas.openxmlformats.org/markup-compatibility/2006">
-              <mc:Choice xmlns:v="urn:schemas-microsoft-com:vml" Requires="v">
-                <p:oleObj spid="_x0000_s15523" name="Equation" r:id="rId4" imgW="3517560" imgH="609480" progId="Equation.DSMT4">
-                  <p:embed/>
-                </p:oleObj>
-              </mc:Choice>
-              <mc:Fallback>
-                <p:oleObj name="Equation" r:id="rId4" imgW="3517560" imgH="609480" progId="Equation.DSMT4">
-                  <p:embed/>
-                  <p:pic>
-                    <p:nvPicPr>
-                      <p:cNvPr id="0" name=""/>
-                      <p:cNvPicPr>
-                        <a:picLocks noChangeAspect="1" noChangeArrowheads="1"/>
-                      </p:cNvPicPr>
-                      <p:nvPr/>
-                    </p:nvPicPr>
-                    <p:blipFill>
-                      <a:blip r:embed="rId5"/>
-                      <a:srcRect/>
-                      <a:stretch>
-                        <a:fillRect/>
-                      </a:stretch>
-                    </p:blipFill>
-                    <p:spPr bwMode="auto">
-                      <a:xfrm>
-                        <a:off x="800100" y="2286000"/>
-                        <a:ext cx="6330950" cy="1096963"/>
-                      </a:xfrm>
-                      <a:prstGeom prst="rect">
-                        <a:avLst/>
-                      </a:prstGeom>
-                      <a:noFill/>
-                      <a:ln>
-                        <a:noFill/>
-                      </a:ln>
-                      <a:extLst>
-                        <a:ext uri="{909E8E84-426E-40DD-AFC4-6F175D3DCCD1}">
-                          <a14:hiddenFill xmlns:a14="http://schemas.microsoft.com/office/drawing/2010/main">
-                            <a:solidFill>
-                              <a:srgbClr val="FFFFFF"/>
-                            </a:solidFill>
-                          </a14:hiddenFill>
-                        </a:ext>
-                        <a:ext uri="{91240B29-F687-4F45-9708-019B960494DF}">
-                          <a14:hiddenLine xmlns:a14="http://schemas.microsoft.com/office/drawing/2010/main" w="9525">
-                            <a:solidFill>
-                              <a:srgbClr val="000000"/>
-                            </a:solidFill>
-                            <a:miter lim="800000"/>
-                            <a:headEnd/>
-                            <a:tailEnd/>
-                          </a14:hiddenLine>
-                        </a:ext>
-                      </a:extLst>
-                    </p:spPr>
-                  </p:pic>
-                </p:oleObj>
-              </mc:Fallback>
-            </mc:AlternateContent>
-          </a:graphicData>
-        </a:graphic>
-      </p:graphicFrame>
-      <p:graphicFrame>
-        <p:nvGraphicFramePr>
-          <p:cNvPr id="7" name="Object 6"/>
-          <p:cNvGraphicFramePr>
-            <a:graphicFrameLocks noChangeAspect="1"/>
-          </p:cNvGraphicFramePr>
-          <p:nvPr>
-            <p:extLst>
-              <p:ext uri="{D42A27DB-BD31-4B8C-83A1-F6EECF244321}">
-                <p14:modId xmlns:p14="http://schemas.microsoft.com/office/powerpoint/2010/main" val="1675037974"/>
-              </p:ext>
-            </p:extLst>
-          </p:nvPr>
-        </p:nvGraphicFramePr>
-        <p:xfrm>
-          <a:off x="1851025" y="4495800"/>
-          <a:ext cx="2951163" cy="1189038"/>
-        </p:xfrm>
-        <a:graphic>
-          <a:graphicData uri="http://schemas.openxmlformats.org/presentationml/2006/ole">
-            <mc:AlternateContent xmlns:mc="http://schemas.openxmlformats.org/markup-compatibility/2006">
-              <mc:Choice xmlns:v="urn:schemas-microsoft-com:vml" Requires="v">
-                <p:oleObj spid="_x0000_s15524" name="Equation" r:id="rId6" imgW="1638000" imgH="660240" progId="Equation.DSMT4">
-                  <p:embed/>
-                </p:oleObj>
-              </mc:Choice>
-              <mc:Fallback>
-                <p:oleObj name="Equation" r:id="rId6" imgW="1638000" imgH="660240" progId="Equation.DSMT4">
-                  <p:embed/>
-                  <p:pic>
-                    <p:nvPicPr>
-                      <p:cNvPr id="0" name=""/>
-                      <p:cNvPicPr>
-                        <a:picLocks noChangeAspect="1" noChangeArrowheads="1"/>
-                      </p:cNvPicPr>
-                      <p:nvPr/>
-                    </p:nvPicPr>
-                    <p:blipFill>
-                      <a:blip r:embed="rId7"/>
-                      <a:srcRect/>
-                      <a:stretch>
-                        <a:fillRect/>
-                      </a:stretch>
-                    </p:blipFill>
-                    <p:spPr bwMode="auto">
-                      <a:xfrm>
-                        <a:off x="1851025" y="4495800"/>
-                        <a:ext cx="2951163" cy="1189038"/>
-                      </a:xfrm>
-                      <a:prstGeom prst="rect">
-                        <a:avLst/>
-                      </a:prstGeom>
-                      <a:noFill/>
-                      <a:ln>
-                        <a:noFill/>
-                      </a:ln>
-                      <a:extLst>
-                        <a:ext uri="{909E8E84-426E-40DD-AFC4-6F175D3DCCD1}">
-                          <a14:hiddenFill xmlns:a14="http://schemas.microsoft.com/office/drawing/2010/main">
-                            <a:solidFill>
-                              <a:srgbClr val="FFFFFF"/>
-                            </a:solidFill>
-                          </a14:hiddenFill>
-                        </a:ext>
-                        <a:ext uri="{91240B29-F687-4F45-9708-019B960494DF}">
-                          <a14:hiddenLine xmlns:a14="http://schemas.microsoft.com/office/drawing/2010/main" w="9525">
-                            <a:solidFill>
-                              <a:srgbClr val="000000"/>
-                            </a:solidFill>
-                            <a:miter lim="800000"/>
-                            <a:headEnd/>
-                            <a:tailEnd/>
-                          </a14:hiddenLine>
-                        </a:ext>
-                      </a:extLst>
-                    </p:spPr>
-                  </p:pic>
-                </p:oleObj>
-              </mc:Fallback>
-            </mc:AlternateContent>
-          </a:graphicData>
-        </a:graphic>
-      </p:graphicFrame>
-    </p:spTree>
-    <p:extLst>
-      <p:ext uri="{BB962C8B-B14F-4D97-AF65-F5344CB8AC3E}">
-        <p14:creationId xmlns:p14="http://schemas.microsoft.com/office/powerpoint/2010/main" val="149823157"/>
-      </p:ext>
-    </p:extLst>
-  </p:cSld>
-  <p:clrMapOvr>
-    <a:masterClrMapping/>
-  </p:clrMapOvr>
-</p:sld>
-</file>
-
-<file path=ppt/slides/slide12.xml><?xml version="1.0" encoding="utf-8"?>
-<p:sld xmlns:a="http://schemas.openxmlformats.org/drawingml/2006/main" xmlns:r="http://schemas.openxmlformats.org/officeDocument/2006/relationships" xmlns:p="http://schemas.openxmlformats.org/presentationml/2006/main">
-  <p:cSld>
-    <p:spTree>
-      <p:nvGrpSpPr>
-        <p:cNvPr id="1" name=""/>
-        <p:cNvGrpSpPr/>
-        <p:nvPr/>
-      </p:nvGrpSpPr>
-      <p:grpSpPr>
-        <a:xfrm>
-          <a:off x="0" y="0"/>
-          <a:ext cx="0" cy="0"/>
-          <a:chOff x="0" y="0"/>
-          <a:chExt cx="0" cy="0"/>
-        </a:xfrm>
-      </p:grpSpPr>
-      <p:sp>
-        <p:nvSpPr>
-          <p:cNvPr id="2" name="Title 1"/>
-          <p:cNvSpPr>
-            <a:spLocks noGrp="1"/>
-          </p:cNvSpPr>
-          <p:nvPr>
-            <p:ph type="title"/>
-          </p:nvPr>
-        </p:nvSpPr>
-        <p:spPr/>
-        <p:txBody>
-          <a:bodyPr>
-            <a:normAutofit/>
-          </a:bodyPr>
-          <a:lstStyle/>
-          <a:p>
-            <a:r>
-              <a:rPr lang="en-US" b="1" dirty="0">
-                <a:solidFill>
-                  <a:srgbClr val="000099"/>
-                </a:solidFill>
-                <a:latin typeface="Palatino Linotype" pitchFamily="18" charset="0"/>
-                <a:ea typeface="Cambria Math" pitchFamily="18" charset="0"/>
-              </a:rPr>
-              <a:t>Sample Standard Deviation</a:t>
-            </a:r>
-            <a:endParaRPr lang="en-US" dirty="0">
-              <a:solidFill>
-                <a:srgbClr val="000099"/>
-              </a:solidFill>
-              <a:latin typeface="Palatino Linotype" pitchFamily="18" charset="0"/>
-              <a:ea typeface="Cambria Math" pitchFamily="18" charset="0"/>
-            </a:endParaRPr>
-          </a:p>
-        </p:txBody>
-      </p:sp>
-      <p:sp>
-        <p:nvSpPr>
-          <p:cNvPr id="3" name="Subtitle 2"/>
-          <p:cNvSpPr>
-            <a:spLocks noGrp="1"/>
-          </p:cNvSpPr>
-          <p:nvPr>
-            <p:ph idx="1"/>
-          </p:nvPr>
-        </p:nvSpPr>
-        <p:spPr>
-          <a:xfrm>
-            <a:off x="457200" y="1600200"/>
-            <a:ext cx="8534400" cy="4572000"/>
-          </a:xfrm>
-        </p:spPr>
-        <p:txBody>
-          <a:bodyPr>
-            <a:normAutofit/>
-          </a:bodyPr>
-          <a:lstStyle/>
-          <a:p>
-            <a:r>
-              <a:rPr lang="en-US" dirty="0">
-                <a:latin typeface="Palatino Linotype" pitchFamily="18" charset="0"/>
-                <a:ea typeface="Cambria Math" pitchFamily="18" charset="0"/>
-                <a:cs typeface="Times New Roman" pitchFamily="18" charset="0"/>
-              </a:rPr>
-              <a:t>Variance</a:t>
-            </a:r>
-          </a:p>
-          <a:p>
-            <a:pPr lvl="1"/>
-            <a:endParaRPr lang="en-US" dirty="0">
-              <a:latin typeface="Palatino Linotype" pitchFamily="18" charset="0"/>
-              <a:ea typeface="Cambria Math" pitchFamily="18" charset="0"/>
-              <a:cs typeface="Times New Roman" pitchFamily="18" charset="0"/>
-            </a:endParaRPr>
-          </a:p>
-          <a:p>
-            <a:pPr lvl="1"/>
-            <a:endParaRPr lang="en-US" dirty="0">
-              <a:latin typeface="Palatino Linotype" pitchFamily="18" charset="0"/>
-              <a:ea typeface="Cambria Math" pitchFamily="18" charset="0"/>
-              <a:cs typeface="Times New Roman" pitchFamily="18" charset="0"/>
-            </a:endParaRPr>
-          </a:p>
-          <a:p>
-            <a:pPr lvl="1"/>
-            <a:endParaRPr lang="en-US" dirty="0">
-              <a:latin typeface="Palatino Linotype" pitchFamily="18" charset="0"/>
-              <a:ea typeface="Cambria Math" pitchFamily="18" charset="0"/>
-              <a:cs typeface="Times New Roman" pitchFamily="18" charset="0"/>
-            </a:endParaRPr>
-          </a:p>
-          <a:p>
-            <a:r>
-              <a:rPr lang="en-US" dirty="0">
-                <a:latin typeface="Palatino Linotype" pitchFamily="18" charset="0"/>
-                <a:ea typeface="Cambria Math" pitchFamily="18" charset="0"/>
-                <a:cs typeface="Times New Roman" pitchFamily="18" charset="0"/>
-              </a:rPr>
-              <a:t>Standard deviation </a:t>
-            </a:r>
-          </a:p>
-          <a:p>
-            <a:pPr marL="457200" lvl="1" indent="0">
-              <a:buNone/>
-            </a:pPr>
-            <a:r>
-              <a:rPr lang="en-US" dirty="0">
-                <a:latin typeface="Palatino Linotype" pitchFamily="18" charset="0"/>
-                <a:ea typeface="Cambria Math" pitchFamily="18" charset="0"/>
-                <a:cs typeface="Times New Roman" pitchFamily="18" charset="0"/>
-              </a:rPr>
-              <a:t>	</a:t>
-            </a:r>
-          </a:p>
-          <a:p>
-            <a:pPr lvl="1"/>
-            <a:endParaRPr lang="en-US" dirty="0">
-              <a:latin typeface="Palatino Linotype" pitchFamily="18" charset="0"/>
-              <a:ea typeface="Cambria Math" pitchFamily="18" charset="0"/>
-              <a:cs typeface="Times New Roman" pitchFamily="18" charset="0"/>
-            </a:endParaRPr>
-          </a:p>
-          <a:p>
-            <a:pPr lvl="1"/>
-            <a:endParaRPr lang="en-US" dirty="0">
-              <a:latin typeface="Palatino Linotype" pitchFamily="18" charset="0"/>
-              <a:ea typeface="Cambria Math" pitchFamily="18" charset="0"/>
-              <a:cs typeface="Times New Roman" pitchFamily="18" charset="0"/>
-            </a:endParaRPr>
-          </a:p>
-          <a:p>
-            <a:pPr marL="457200" lvl="1" indent="0">
-              <a:buNone/>
-            </a:pPr>
-            <a:endParaRPr lang="en-US" dirty="0">
-              <a:latin typeface="Palatino Linotype" pitchFamily="18" charset="0"/>
-              <a:ea typeface="Cambria Math" pitchFamily="18" charset="0"/>
-              <a:cs typeface="Times New Roman" pitchFamily="18" charset="0"/>
-            </a:endParaRPr>
-          </a:p>
-        </p:txBody>
-      </p:sp>
-      <p:sp>
-        <p:nvSpPr>
-          <p:cNvPr id="2050" name="Rectangle 2"/>
-          <p:cNvSpPr>
-            <a:spLocks noChangeArrowheads="1"/>
-          </p:cNvSpPr>
-          <p:nvPr/>
-        </p:nvSpPr>
-        <p:spPr bwMode="auto">
-          <a:xfrm>
-            <a:off x="0" y="-184666"/>
-            <a:ext cx="184731" cy="369332"/>
-          </a:xfrm>
-          <a:prstGeom prst="rect">
-            <a:avLst/>
-          </a:prstGeom>
-          <a:noFill/>
-          <a:ln w="9525">
-            <a:noFill/>
-            <a:miter lim="800000"/>
-            <a:headEnd/>
-            <a:tailEnd/>
-          </a:ln>
-          <a:effectLst/>
-        </p:spPr>
-        <p:txBody>
-          <a:bodyPr vert="horz" wrap="none" lIns="91440" tIns="45720" rIns="91440" bIns="45720" numCol="1" anchor="ctr" anchorCtr="0" compatLnSpc="1">
-            <a:prstTxWarp prst="textNoShape">
-              <a:avLst/>
-            </a:prstTxWarp>
-            <a:spAutoFit/>
-          </a:bodyPr>
-          <a:lstStyle/>
-          <a:p>
-            <a:endParaRPr lang="en-US" dirty="0">
-              <a:latin typeface="Palatino Linotype" pitchFamily="18" charset="0"/>
-            </a:endParaRPr>
-          </a:p>
-        </p:txBody>
-      </p:sp>
-      <p:graphicFrame>
-        <p:nvGraphicFramePr>
-          <p:cNvPr id="6" name="Object 5"/>
-          <p:cNvGraphicFramePr>
-            <a:graphicFrameLocks noChangeAspect="1"/>
-          </p:cNvGraphicFramePr>
-          <p:nvPr>
-            <p:extLst>
-              <p:ext uri="{D42A27DB-BD31-4B8C-83A1-F6EECF244321}">
-                <p14:modId xmlns:p14="http://schemas.microsoft.com/office/powerpoint/2010/main" val="2325499881"/>
-              </p:ext>
-            </p:extLst>
-          </p:nvPr>
-        </p:nvGraphicFramePr>
-        <p:xfrm>
-          <a:off x="754063" y="2286000"/>
-          <a:ext cx="6421437" cy="1096963"/>
-        </p:xfrm>
-        <a:graphic>
-          <a:graphicData uri="http://schemas.openxmlformats.org/presentationml/2006/ole">
-            <mc:AlternateContent xmlns:mc="http://schemas.openxmlformats.org/markup-compatibility/2006">
-              <mc:Choice xmlns:v="urn:schemas-microsoft-com:vml" Requires="v">
-                <p:oleObj spid="_x0000_s16547" name="Equation" r:id="rId4" imgW="3568680" imgH="609480" progId="Equation.DSMT4">
-                  <p:embed/>
-                </p:oleObj>
-              </mc:Choice>
-              <mc:Fallback>
-                <p:oleObj name="Equation" r:id="rId4" imgW="3568680" imgH="609480" progId="Equation.DSMT4">
-                  <p:embed/>
-                  <p:pic>
-                    <p:nvPicPr>
-                      <p:cNvPr id="0" name=""/>
-                      <p:cNvPicPr>
-                        <a:picLocks noChangeAspect="1" noChangeArrowheads="1"/>
-                      </p:cNvPicPr>
-                      <p:nvPr/>
-                    </p:nvPicPr>
-                    <p:blipFill>
-                      <a:blip r:embed="rId5"/>
-                      <a:srcRect/>
-                      <a:stretch>
-                        <a:fillRect/>
-                      </a:stretch>
-                    </p:blipFill>
-                    <p:spPr bwMode="auto">
-                      <a:xfrm>
-                        <a:off x="754063" y="2286000"/>
-                        <a:ext cx="6421437" cy="1096963"/>
-                      </a:xfrm>
-                      <a:prstGeom prst="rect">
-                        <a:avLst/>
-                      </a:prstGeom>
-                      <a:noFill/>
-                      <a:ln>
-                        <a:noFill/>
-                      </a:ln>
-                      <a:extLst>
-                        <a:ext uri="{909E8E84-426E-40DD-AFC4-6F175D3DCCD1}">
-                          <a14:hiddenFill xmlns:a14="http://schemas.microsoft.com/office/drawing/2010/main">
-                            <a:solidFill>
-                              <a:srgbClr val="FFFFFF"/>
-                            </a:solidFill>
-                          </a14:hiddenFill>
-                        </a:ext>
-                        <a:ext uri="{91240B29-F687-4F45-9708-019B960494DF}">
-                          <a14:hiddenLine xmlns:a14="http://schemas.microsoft.com/office/drawing/2010/main" w="9525">
-                            <a:solidFill>
-                              <a:srgbClr val="000000"/>
-                            </a:solidFill>
-                            <a:miter lim="800000"/>
-                            <a:headEnd/>
-                            <a:tailEnd/>
-                          </a14:hiddenLine>
-                        </a:ext>
-                      </a:extLst>
-                    </p:spPr>
-                  </p:pic>
-                </p:oleObj>
-              </mc:Fallback>
-            </mc:AlternateContent>
-          </a:graphicData>
-        </a:graphic>
-      </p:graphicFrame>
-      <p:graphicFrame>
-        <p:nvGraphicFramePr>
-          <p:cNvPr id="7" name="Object 6"/>
-          <p:cNvGraphicFramePr>
-            <a:graphicFrameLocks noChangeAspect="1"/>
-          </p:cNvGraphicFramePr>
-          <p:nvPr>
-            <p:extLst>
-              <p:ext uri="{D42A27DB-BD31-4B8C-83A1-F6EECF244321}">
-                <p14:modId xmlns:p14="http://schemas.microsoft.com/office/powerpoint/2010/main" val="2156890333"/>
-              </p:ext>
-            </p:extLst>
-          </p:nvPr>
-        </p:nvGraphicFramePr>
-        <p:xfrm>
-          <a:off x="1885950" y="4495800"/>
-          <a:ext cx="2881313" cy="1189038"/>
-        </p:xfrm>
-        <a:graphic>
-          <a:graphicData uri="http://schemas.openxmlformats.org/presentationml/2006/ole">
-            <mc:AlternateContent xmlns:mc="http://schemas.openxmlformats.org/markup-compatibility/2006">
-              <mc:Choice xmlns:v="urn:schemas-microsoft-com:vml" Requires="v">
-                <p:oleObj spid="_x0000_s16548" name="Equation" r:id="rId6" imgW="1600200" imgH="660240" progId="Equation.DSMT4">
-                  <p:embed/>
-                </p:oleObj>
-              </mc:Choice>
-              <mc:Fallback>
-                <p:oleObj name="Equation" r:id="rId6" imgW="1600200" imgH="660240" progId="Equation.DSMT4">
-                  <p:embed/>
-                  <p:pic>
-                    <p:nvPicPr>
-                      <p:cNvPr id="0" name=""/>
-                      <p:cNvPicPr>
-                        <a:picLocks noChangeAspect="1" noChangeArrowheads="1"/>
-                      </p:cNvPicPr>
-                      <p:nvPr/>
-                    </p:nvPicPr>
-                    <p:blipFill>
-                      <a:blip r:embed="rId7"/>
-                      <a:srcRect/>
-                      <a:stretch>
-                        <a:fillRect/>
-                      </a:stretch>
-                    </p:blipFill>
-                    <p:spPr bwMode="auto">
-                      <a:xfrm>
-                        <a:off x="1885950" y="4495800"/>
-                        <a:ext cx="2881313" cy="1189038"/>
-                      </a:xfrm>
-                      <a:prstGeom prst="rect">
-                        <a:avLst/>
-                      </a:prstGeom>
-                      <a:noFill/>
-                      <a:ln>
-                        <a:noFill/>
-                      </a:ln>
-                      <a:extLst>
-                        <a:ext uri="{909E8E84-426E-40DD-AFC4-6F175D3DCCD1}">
-                          <a14:hiddenFill xmlns:a14="http://schemas.microsoft.com/office/drawing/2010/main">
-                            <a:solidFill>
-                              <a:srgbClr val="FFFFFF"/>
-                            </a:solidFill>
-                          </a14:hiddenFill>
-                        </a:ext>
-                        <a:ext uri="{91240B29-F687-4F45-9708-019B960494DF}">
-                          <a14:hiddenLine xmlns:a14="http://schemas.microsoft.com/office/drawing/2010/main" w="9525">
-                            <a:solidFill>
-                              <a:srgbClr val="000000"/>
-                            </a:solidFill>
-                            <a:miter lim="800000"/>
-                            <a:headEnd/>
-                            <a:tailEnd/>
-                          </a14:hiddenLine>
-                        </a:ext>
-                      </a:extLst>
-                    </p:spPr>
-                  </p:pic>
-                </p:oleObj>
-              </mc:Fallback>
-            </mc:AlternateContent>
-          </a:graphicData>
-        </a:graphic>
-      </p:graphicFrame>
-      <p:sp>
-        <p:nvSpPr>
-          <p:cNvPr id="4" name="Rectangle 3"/>
-          <p:cNvSpPr/>
-          <p:nvPr/>
-        </p:nvSpPr>
-        <p:spPr>
-          <a:xfrm>
-            <a:off x="4953000" y="3505200"/>
-            <a:ext cx="4038600" cy="2062103"/>
-          </a:xfrm>
-          <a:prstGeom prst="rect">
-            <a:avLst/>
-          </a:prstGeom>
-        </p:spPr>
-        <p:txBody>
-          <a:bodyPr wrap="square">
-            <a:spAutoFit/>
-          </a:bodyPr>
-          <a:lstStyle/>
-          <a:p>
-            <a:pPr algn="ctr"/>
-            <a:r>
-              <a:rPr lang="en-US" sz="2800" dirty="0">
-                <a:latin typeface="Palatino Linotype" pitchFamily="18" charset="0"/>
-              </a:rPr>
-              <a:t>There are </a:t>
-            </a:r>
-            <a:r>
-              <a:rPr lang="en-US" sz="2800" i="1" dirty="0">
-                <a:latin typeface="Palatino Linotype" pitchFamily="18" charset="0"/>
-              </a:rPr>
-              <a:t>n-1</a:t>
-            </a:r>
-            <a:r>
-              <a:rPr lang="en-US" sz="2800" dirty="0">
-                <a:latin typeface="Palatino Linotype" pitchFamily="18" charset="0"/>
-              </a:rPr>
-              <a:t> </a:t>
-            </a:r>
-            <a:r>
-              <a:rPr lang="ja-JP" altLang="en-US" sz="2800" dirty="0">
-                <a:latin typeface="Palatino Linotype" pitchFamily="18" charset="0"/>
-              </a:rPr>
-              <a:t>“</a:t>
-            </a:r>
-            <a:r>
-              <a:rPr lang="en-US" altLang="ja-JP" sz="2800" dirty="0">
-                <a:latin typeface="Palatino Linotype" pitchFamily="18" charset="0"/>
-              </a:rPr>
-              <a:t>degrees of freedom</a:t>
-            </a:r>
-            <a:r>
-              <a:rPr lang="ja-JP" altLang="en-US" sz="2800" dirty="0">
-                <a:latin typeface="Palatino Linotype" pitchFamily="18" charset="0"/>
-              </a:rPr>
-              <a:t>”</a:t>
-            </a:r>
-            <a:endParaRPr lang="en-US" altLang="ja-JP" sz="2800" dirty="0">
-              <a:latin typeface="Palatino Linotype" pitchFamily="18" charset="0"/>
-            </a:endParaRPr>
-          </a:p>
-          <a:p>
-            <a:r>
-              <a:rPr lang="en-US" dirty="0">
-                <a:latin typeface="Palatino Linotype" pitchFamily="18" charset="0"/>
-              </a:rPr>
-              <a:t>(If you know the mean and n-1 observations</a:t>
-            </a:r>
-          </a:p>
-          <a:p>
-            <a:r>
-              <a:rPr lang="en-US" dirty="0">
-                <a:latin typeface="Palatino Linotype" pitchFamily="18" charset="0"/>
-              </a:rPr>
-              <a:t>then you can figure out the n</a:t>
-            </a:r>
-            <a:r>
-              <a:rPr lang="ja-JP" altLang="en-US" dirty="0">
-                <a:latin typeface="Palatino Linotype" pitchFamily="18" charset="0"/>
-              </a:rPr>
-              <a:t>’</a:t>
-            </a:r>
-            <a:r>
-              <a:rPr lang="en-US" altLang="ja-JP" dirty="0" err="1">
-                <a:latin typeface="Palatino Linotype" pitchFamily="18" charset="0"/>
-              </a:rPr>
-              <a:t>th</a:t>
-            </a:r>
-            <a:r>
-              <a:rPr lang="en-US" altLang="ja-JP" dirty="0">
-                <a:latin typeface="Palatino Linotype" pitchFamily="18" charset="0"/>
-              </a:rPr>
-              <a:t> observation)</a:t>
-            </a:r>
-            <a:endParaRPr lang="en-US" dirty="0">
-              <a:latin typeface="Palatino Linotype" pitchFamily="18" charset="0"/>
-            </a:endParaRPr>
-          </a:p>
-        </p:txBody>
-      </p:sp>
-      <p:sp>
-        <p:nvSpPr>
-          <p:cNvPr id="8" name="Oval 7"/>
-          <p:cNvSpPr>
-            <a:spLocks noChangeArrowheads="1"/>
-          </p:cNvSpPr>
-          <p:nvPr/>
-        </p:nvSpPr>
-        <p:spPr bwMode="auto">
-          <a:xfrm>
-            <a:off x="4648200" y="3031526"/>
-            <a:ext cx="838200" cy="411892"/>
-          </a:xfrm>
-          <a:prstGeom prst="ellipse">
-            <a:avLst/>
-          </a:prstGeom>
-          <a:noFill/>
-          <a:ln w="38100">
-            <a:solidFill>
-              <a:srgbClr val="FF0066"/>
-            </a:solidFill>
-            <a:round/>
-            <a:headEnd/>
-            <a:tailEnd/>
-          </a:ln>
-          <a:effectLst/>
-          <a:extLst>
-            <a:ext uri="{909E8E84-426E-40DD-AFC4-6F175D3DCCD1}">
-              <a14:hiddenFill xmlns:a14="http://schemas.microsoft.com/office/drawing/2010/main">
-                <a:solidFill>
-                  <a:schemeClr val="accent1"/>
-                </a:solidFill>
-              </a14:hiddenFill>
-            </a:ext>
-            <a:ext uri="{AF507438-7753-43E0-B8FC-AC1667EBCBE1}">
-              <a14:hiddenEffects xmlns:a14="http://schemas.microsoft.com/office/drawing/2010/main">
-                <a:effectLst>
-                  <a:outerShdw blurRad="63500" dist="38099" dir="2700000" algn="ctr" rotWithShape="0">
-                    <a:schemeClr val="bg2">
-                      <a:alpha val="74998"/>
-                    </a:schemeClr>
-                  </a:outerShdw>
-                </a:effectLst>
-              </a14:hiddenEffects>
-            </a:ext>
-          </a:extLst>
-        </p:spPr>
-        <p:txBody>
-          <a:bodyPr wrap="none" anchor="ctr"/>
-          <a:lstStyle/>
-          <a:p>
-            <a:endParaRPr lang="en-US">
-              <a:latin typeface="Palatino Linotype" pitchFamily="18" charset="0"/>
-            </a:endParaRPr>
-          </a:p>
-        </p:txBody>
-      </p:sp>
-    </p:spTree>
-    <p:extLst>
-      <p:ext uri="{BB962C8B-B14F-4D97-AF65-F5344CB8AC3E}">
-        <p14:creationId xmlns:p14="http://schemas.microsoft.com/office/powerpoint/2010/main" val="3292316261"/>
-      </p:ext>
-    </p:extLst>
-  </p:cSld>
-  <p:clrMapOvr>
-    <a:masterClrMapping/>
-  </p:clrMapOvr>
-  <p:timing>
-    <p:tnLst>
-      <p:par>
-        <p:cTn id="1" dur="indefinite" restart="never" nodeType="tmRoot">
-          <p:childTnLst>
-            <p:seq concurrent="1" nextAc="seek">
-              <p:cTn id="2" dur="indefinite" nodeType="mainSeq">
-                <p:childTnLst>
-                  <p:par>
-                    <p:cTn id="3" fill="hold">
-                      <p:stCondLst>
-                        <p:cond delay="indefinite"/>
-                      </p:stCondLst>
-                      <p:childTnLst>
-                        <p:par>
-                          <p:cTn id="4" fill="hold">
-                            <p:stCondLst>
-                              <p:cond delay="0"/>
-                            </p:stCondLst>
-                            <p:childTnLst>
-                              <p:par>
-                                <p:cTn id="5" presetID="1" presetClass="entr" presetSubtype="0" fill="hold" grpId="0" nodeType="clickEffect">
-                                  <p:stCondLst>
-                                    <p:cond delay="0"/>
-                                  </p:stCondLst>
-                                  <p:childTnLst>
-                                    <p:set>
-                                      <p:cBhvr>
-                                        <p:cTn id="6" dur="1" fill="hold">
-                                          <p:stCondLst>
-                                            <p:cond delay="499"/>
-                                          </p:stCondLst>
-                                        </p:cTn>
-                                        <p:tgtEl>
-                                          <p:spTgt spid="8"/>
-                                        </p:tgtEl>
-                                        <p:attrNameLst>
-                                          <p:attrName>style.visibility</p:attrName>
-                                        </p:attrNameLst>
-                                      </p:cBhvr>
-                                      <p:to>
-                                        <p:strVal val="visible"/>
-                                      </p:to>
-                                    </p:set>
-                                  </p:childTnLst>
-                                </p:cTn>
-                              </p:par>
-                            </p:childTnLst>
-                          </p:cTn>
-                        </p:par>
-                      </p:childTnLst>
-                    </p:cTn>
-                  </p:par>
-                </p:childTnLst>
-              </p:cTn>
-              <p:prevCondLst>
-                <p:cond evt="onPrev" delay="0">
-                  <p:tgtEl>
-                    <p:sldTgt/>
-                  </p:tgtEl>
-                </p:cond>
-              </p:prevCondLst>
-              <p:nextCondLst>
-                <p:cond evt="onNext" delay="0">
-                  <p:tgtEl>
-                    <p:sldTgt/>
-                  </p:tgtEl>
-                </p:cond>
-              </p:nextCondLst>
-            </p:seq>
-          </p:childTnLst>
-        </p:cTn>
-      </p:par>
-    </p:tnLst>
-    <p:bldLst>
-      <p:bldP spid="8" grpId="0" animBg="1"/>
-    </p:bldLst>
-  </p:timing>
-</p:sld>
-</file>
-
-<file path=ppt/slides/slide2.xml><?xml version="1.0" encoding="utf-8"?>
-<p:sld xmlns:a="http://schemas.openxmlformats.org/drawingml/2006/main" xmlns:r="http://schemas.openxmlformats.org/officeDocument/2006/relationships" xmlns:p="http://schemas.openxmlformats.org/presentationml/2006/main">
-  <p:cSld>
-    <p:spTree>
-      <p:nvGrpSpPr>
-        <p:cNvPr id="1" name=""/>
-        <p:cNvGrpSpPr/>
-        <p:nvPr/>
-      </p:nvGrpSpPr>
-      <p:grpSpPr>
-        <a:xfrm>
-          <a:off x="0" y="0"/>
-          <a:ext cx="0" cy="0"/>
-          <a:chOff x="0" y="0"/>
-          <a:chExt cx="0" cy="0"/>
-        </a:xfrm>
-      </p:grpSpPr>
-      <p:sp>
-        <p:nvSpPr>
-          <p:cNvPr id="2" name="Title 1"/>
-          <p:cNvSpPr>
-            <a:spLocks noGrp="1"/>
-          </p:cNvSpPr>
-          <p:nvPr>
-            <p:ph type="title"/>
-          </p:nvPr>
-        </p:nvSpPr>
-        <p:spPr/>
-        <p:txBody>
-          <a:bodyPr/>
-          <a:lstStyle/>
-          <a:p>
-            <a:r>
-              <a:rPr lang="en-US" b="1" dirty="0">
-                <a:solidFill>
-                  <a:srgbClr val="000099"/>
-                </a:solidFill>
-                <a:latin typeface="Palatino Linotype" pitchFamily="18" charset="0"/>
-                <a:ea typeface="Cambria Math" pitchFamily="18" charset="0"/>
-              </a:rPr>
-              <a:t>Review from last lecture</a:t>
-            </a:r>
-            <a:endParaRPr lang="en-US" dirty="0">
-              <a:latin typeface="Palatino Linotype" pitchFamily="18" charset="0"/>
-            </a:endParaRPr>
-          </a:p>
-        </p:txBody>
-      </p:sp>
-      <p:sp>
-        <p:nvSpPr>
-          <p:cNvPr id="3" name="Content Placeholder 2"/>
-          <p:cNvSpPr>
-            <a:spLocks noGrp="1"/>
-          </p:cNvSpPr>
-          <p:nvPr>
-            <p:ph idx="1"/>
-          </p:nvPr>
-        </p:nvSpPr>
-        <p:spPr/>
-        <p:txBody>
-          <a:bodyPr/>
-          <a:lstStyle/>
-          <a:p>
-            <a:r>
-              <a:rPr lang="en-US" dirty="0">
-                <a:latin typeface="Palatino Linotype" pitchFamily="18" charset="0"/>
-              </a:rPr>
-              <a:t>Frequency table</a:t>
-            </a:r>
-          </a:p>
-          <a:p>
-            <a:pPr lvl="1"/>
-            <a:r>
-              <a:rPr lang="en-US" dirty="0">
-                <a:latin typeface="Palatino Linotype" pitchFamily="18" charset="0"/>
-              </a:rPr>
-              <a:t>Histogram</a:t>
-            </a:r>
-          </a:p>
-          <a:p>
-            <a:pPr lvl="1"/>
-            <a:r>
-              <a:rPr lang="en-US" dirty="0">
-                <a:latin typeface="Palatino Linotype" pitchFamily="18" charset="0"/>
-              </a:rPr>
-              <a:t>Frequency polygon</a:t>
-            </a:r>
-          </a:p>
-          <a:p>
-            <a:r>
-              <a:rPr lang="en-US" dirty="0">
-                <a:latin typeface="Palatino Linotype" pitchFamily="18" charset="0"/>
-              </a:rPr>
-              <a:t>Bar graph / Pie graph</a:t>
-            </a:r>
-          </a:p>
-          <a:p>
-            <a:r>
-              <a:rPr lang="en-US" dirty="0">
-                <a:latin typeface="Palatino Linotype" pitchFamily="18" charset="0"/>
-              </a:rPr>
-              <a:t>Measure of central tendency</a:t>
-            </a:r>
-          </a:p>
-          <a:p>
-            <a:pPr lvl="1"/>
-            <a:r>
-              <a:rPr lang="en-US" dirty="0">
-                <a:latin typeface="Palatino Linotype" pitchFamily="18" charset="0"/>
-              </a:rPr>
-              <a:t>Mode</a:t>
-            </a:r>
-          </a:p>
-          <a:p>
-            <a:pPr lvl="1"/>
-            <a:r>
-              <a:rPr lang="en-US" dirty="0">
-                <a:latin typeface="Palatino Linotype" pitchFamily="18" charset="0"/>
-              </a:rPr>
-              <a:t>Median </a:t>
-            </a:r>
-          </a:p>
-          <a:p>
-            <a:pPr lvl="1"/>
-            <a:r>
-              <a:rPr lang="en-US" dirty="0">
-                <a:latin typeface="Palatino Linotype" pitchFamily="18" charset="0"/>
-              </a:rPr>
-              <a:t>Mean</a:t>
-            </a:r>
-          </a:p>
-          <a:p>
-            <a:pPr lvl="1"/>
-            <a:endParaRPr lang="en-US" dirty="0">
-              <a:latin typeface="Palatino Linotype" pitchFamily="18" charset="0"/>
-            </a:endParaRPr>
-          </a:p>
-        </p:txBody>
-      </p:sp>
-    </p:spTree>
-    <p:extLst>
-      <p:ext uri="{BB962C8B-B14F-4D97-AF65-F5344CB8AC3E}">
-        <p14:creationId xmlns:p14="http://schemas.microsoft.com/office/powerpoint/2010/main" val="4103434553"/>
-      </p:ext>
-    </p:extLst>
-  </p:cSld>
-  <p:clrMapOvr>
-    <a:masterClrMapping/>
-  </p:clrMapOvr>
-</p:sld>
-</file>
-
-<file path=ppt/slides/slide3.xml><?xml version="1.0" encoding="utf-8"?>
-<p:sld xmlns:a="http://schemas.openxmlformats.org/drawingml/2006/main" xmlns:r="http://schemas.openxmlformats.org/officeDocument/2006/relationships" xmlns:p="http://schemas.openxmlformats.org/presentationml/2006/main">
-  <p:cSld>
-    <p:spTree>
-      <p:nvGrpSpPr>
-        <p:cNvPr id="1" name=""/>
-        <p:cNvGrpSpPr/>
-        <p:nvPr/>
-      </p:nvGrpSpPr>
-      <p:grpSpPr>
-        <a:xfrm>
-          <a:off x="0" y="0"/>
-          <a:ext cx="0" cy="0"/>
-          <a:chOff x="0" y="0"/>
-          <a:chExt cx="0" cy="0"/>
-        </a:xfrm>
-      </p:grpSpPr>
-      <p:sp>
-        <p:nvSpPr>
-          <p:cNvPr id="2" name="Title 1"/>
-          <p:cNvSpPr>
-            <a:spLocks noGrp="1"/>
-          </p:cNvSpPr>
-          <p:nvPr>
-            <p:ph type="title"/>
-          </p:nvPr>
-        </p:nvSpPr>
-        <p:spPr/>
-        <p:txBody>
-          <a:bodyPr>
-            <a:normAutofit fontScale="90000"/>
-          </a:bodyPr>
-          <a:lstStyle/>
-          <a:p>
-            <a:pPr>
-              <a:defRPr/>
-            </a:pPr>
-            <a:r>
-              <a:rPr lang="en-US" sz="4800" b="1" dirty="0">
-                <a:solidFill>
-                  <a:srgbClr val="000099"/>
-                </a:solidFill>
-                <a:latin typeface="Palatino Linotype" pitchFamily="18" charset="0"/>
-                <a:ea typeface="Cambria Math" pitchFamily="18" charset="0"/>
-              </a:rPr>
-              <a:t>Frequency Distribution: </a:t>
-            </a:r>
-            <a:r>
-              <a:rPr lang="en-US" sz="4800" b="1" dirty="0">
-                <a:solidFill>
-                  <a:srgbClr val="C00000"/>
-                </a:solidFill>
-                <a:latin typeface="Palatino Linotype" pitchFamily="18" charset="0"/>
-                <a:ea typeface="Cambria Math" pitchFamily="18" charset="0"/>
-              </a:rPr>
-              <a:t>Shape</a:t>
-            </a:r>
-          </a:p>
-        </p:txBody>
-      </p:sp>
-      <p:sp>
-        <p:nvSpPr>
-          <p:cNvPr id="3" name="Content Placeholder 2"/>
-          <p:cNvSpPr>
-            <a:spLocks noGrp="1"/>
-          </p:cNvSpPr>
-          <p:nvPr>
-            <p:ph idx="1"/>
-          </p:nvPr>
-        </p:nvSpPr>
-        <p:spPr/>
-        <p:txBody>
-          <a:bodyPr/>
-          <a:lstStyle/>
-          <a:p>
-            <a:r>
-              <a:rPr lang="en-US" dirty="0">
-                <a:latin typeface="Palatino Linotype" pitchFamily="18" charset="0"/>
-              </a:rPr>
-              <a:t>Symmetric distribution</a:t>
-            </a:r>
-          </a:p>
-          <a:p>
-            <a:pPr lvl="1"/>
-            <a:r>
-              <a:rPr lang="en-US" dirty="0">
-                <a:latin typeface="Palatino Linotype" pitchFamily="18" charset="0"/>
-              </a:rPr>
-              <a:t>Mean=median=mode</a:t>
-            </a:r>
-          </a:p>
-          <a:p>
-            <a:pPr lvl="1"/>
-            <a:endParaRPr lang="en-US" dirty="0">
-              <a:latin typeface="Palatino Linotype" pitchFamily="18" charset="0"/>
-            </a:endParaRPr>
-          </a:p>
-          <a:p>
-            <a:pPr lvl="1"/>
-            <a:endParaRPr lang="en-US" dirty="0">
-              <a:latin typeface="Palatino Linotype" pitchFamily="18" charset="0"/>
-            </a:endParaRPr>
-          </a:p>
-          <a:p>
-            <a:pPr lvl="1"/>
-            <a:endParaRPr lang="en-US" dirty="0">
-              <a:latin typeface="Palatino Linotype" pitchFamily="18" charset="0"/>
-            </a:endParaRPr>
-          </a:p>
-          <a:p>
-            <a:pPr marL="457200" lvl="1" indent="0">
-              <a:buNone/>
-            </a:pPr>
-            <a:endParaRPr lang="en-US" dirty="0">
-              <a:latin typeface="Palatino Linotype" pitchFamily="18" charset="0"/>
-            </a:endParaRPr>
-          </a:p>
-          <a:p>
-            <a:r>
-              <a:rPr lang="en-US" dirty="0">
-                <a:latin typeface="Palatino Linotype" pitchFamily="18" charset="0"/>
-              </a:rPr>
-              <a:t>Bi-modal distribution</a:t>
-            </a:r>
-          </a:p>
-        </p:txBody>
-      </p:sp>
-      <p:pic>
-        <p:nvPicPr>
-          <p:cNvPr id="4" name="Picture 3"/>
-          <p:cNvPicPr/>
-          <p:nvPr/>
-        </p:nvPicPr>
-        <p:blipFill>
-          <a:blip r:embed="rId2" cstate="print">
-            <a:extLst>
-              <a:ext uri="{28A0092B-C50C-407E-A947-70E740481C1C}">
-                <a14:useLocalDpi xmlns:a14="http://schemas.microsoft.com/office/drawing/2010/main" val="0"/>
-              </a:ext>
-            </a:extLst>
-          </a:blip>
-          <a:stretch>
-            <a:fillRect/>
-          </a:stretch>
-        </p:blipFill>
-        <p:spPr>
-          <a:xfrm>
-            <a:off x="5032218" y="2286000"/>
-            <a:ext cx="3733800" cy="2913698"/>
-          </a:xfrm>
-          <a:prstGeom prst="rect">
-            <a:avLst/>
-          </a:prstGeom>
-        </p:spPr>
-      </p:pic>
-    </p:spTree>
-    <p:extLst>
-      <p:ext uri="{BB962C8B-B14F-4D97-AF65-F5344CB8AC3E}">
-        <p14:creationId xmlns:p14="http://schemas.microsoft.com/office/powerpoint/2010/main" val="271924892"/>
-      </p:ext>
-    </p:extLst>
-  </p:cSld>
-  <p:clrMapOvr>
-    <a:masterClrMapping/>
-  </p:clrMapOvr>
-</p:sld>
-</file>
-
-<file path=ppt/slides/slide4.xml><?xml version="1.0" encoding="utf-8"?>
-<p:sld xmlns:a="http://schemas.openxmlformats.org/drawingml/2006/main" xmlns:r="http://schemas.openxmlformats.org/officeDocument/2006/relationships" xmlns:p="http://schemas.openxmlformats.org/presentationml/2006/main">
-  <p:cSld>
-    <p:spTree>
-      <p:nvGrpSpPr>
-        <p:cNvPr id="1" name=""/>
-        <p:cNvGrpSpPr/>
-        <p:nvPr/>
-      </p:nvGrpSpPr>
-      <p:grpSpPr>
-        <a:xfrm>
-          <a:off x="0" y="0"/>
-          <a:ext cx="0" cy="0"/>
-          <a:chOff x="0" y="0"/>
-          <a:chExt cx="0" cy="0"/>
-        </a:xfrm>
-      </p:grpSpPr>
-      <p:sp>
-        <p:nvSpPr>
-          <p:cNvPr id="2" name="Title 1"/>
-          <p:cNvSpPr>
-            <a:spLocks noGrp="1"/>
-          </p:cNvSpPr>
-          <p:nvPr>
-            <p:ph type="title"/>
-          </p:nvPr>
-        </p:nvSpPr>
-        <p:spPr/>
-        <p:txBody>
-          <a:bodyPr>
-            <a:normAutofit fontScale="90000"/>
-          </a:bodyPr>
-          <a:lstStyle/>
-          <a:p>
-            <a:pPr>
-              <a:defRPr/>
-            </a:pPr>
-            <a:r>
-              <a:rPr lang="en-US" sz="4800" b="1" dirty="0">
-                <a:solidFill>
-                  <a:srgbClr val="000099"/>
-                </a:solidFill>
-                <a:latin typeface="Palatino Linotype" pitchFamily="18" charset="0"/>
-                <a:ea typeface="Cambria Math" pitchFamily="18" charset="0"/>
-              </a:rPr>
-              <a:t>Frequency Distribution: </a:t>
-            </a:r>
-            <a:r>
-              <a:rPr lang="en-US" sz="4800" b="1" dirty="0">
-                <a:solidFill>
-                  <a:srgbClr val="C00000"/>
-                </a:solidFill>
-                <a:latin typeface="Palatino Linotype" pitchFamily="18" charset="0"/>
-                <a:ea typeface="Cambria Math" pitchFamily="18" charset="0"/>
-              </a:rPr>
-              <a:t>Shape</a:t>
-            </a:r>
-          </a:p>
-        </p:txBody>
-      </p:sp>
-      <p:sp>
-        <p:nvSpPr>
-          <p:cNvPr id="3" name="Content Placeholder 2"/>
-          <p:cNvSpPr>
-            <a:spLocks noGrp="1"/>
-          </p:cNvSpPr>
-          <p:nvPr>
-            <p:ph idx="1"/>
-          </p:nvPr>
-        </p:nvSpPr>
-        <p:spPr/>
-        <p:txBody>
-          <a:bodyPr/>
-          <a:lstStyle/>
-          <a:p>
-            <a:pPr marL="457200" lvl="1" indent="0">
-              <a:buNone/>
-            </a:pPr>
-            <a:endParaRPr lang="en-US" dirty="0">
-              <a:latin typeface="Palatino Linotype" pitchFamily="18" charset="0"/>
-            </a:endParaRPr>
-          </a:p>
-          <a:p>
-            <a:r>
-              <a:rPr lang="en-US" dirty="0">
-                <a:latin typeface="Palatino Linotype" pitchFamily="18" charset="0"/>
-              </a:rPr>
-              <a:t>Bi-modal distribution</a:t>
-            </a:r>
-          </a:p>
-        </p:txBody>
-      </p:sp>
-    </p:spTree>
-    <p:extLst>
-      <p:ext uri="{BB962C8B-B14F-4D97-AF65-F5344CB8AC3E}">
-        <p14:creationId xmlns:p14="http://schemas.microsoft.com/office/powerpoint/2010/main" val="3265901851"/>
-      </p:ext>
-    </p:extLst>
-  </p:cSld>
-  <p:clrMapOvr>
-    <a:masterClrMapping/>
-  </p:clrMapOvr>
-</p:sld>
-</file>
-
-<file path=ppt/slides/slide5.xml><?xml version="1.0" encoding="utf-8"?>
-<p:sld xmlns:a="http://schemas.openxmlformats.org/drawingml/2006/main" xmlns:r="http://schemas.openxmlformats.org/officeDocument/2006/relationships" xmlns:p="http://schemas.openxmlformats.org/presentationml/2006/main">
-  <p:cSld>
-    <p:spTree>
-      <p:nvGrpSpPr>
-        <p:cNvPr id="1" name=""/>
-        <p:cNvGrpSpPr/>
-        <p:nvPr/>
-      </p:nvGrpSpPr>
-      <p:grpSpPr>
-        <a:xfrm>
-          <a:off x="0" y="0"/>
-          <a:ext cx="0" cy="0"/>
-          <a:chOff x="0" y="0"/>
-          <a:chExt cx="0" cy="0"/>
-        </a:xfrm>
-      </p:grpSpPr>
-      <p:sp>
-        <p:nvSpPr>
-          <p:cNvPr id="2" name="Title 1"/>
-          <p:cNvSpPr>
-            <a:spLocks noGrp="1"/>
-          </p:cNvSpPr>
-          <p:nvPr>
-            <p:ph type="title"/>
-          </p:nvPr>
-        </p:nvSpPr>
-        <p:spPr/>
-        <p:txBody>
-          <a:bodyPr>
-            <a:noAutofit/>
-          </a:bodyPr>
-          <a:lstStyle/>
-          <a:p>
-            <a:pPr>
-              <a:defRPr/>
-            </a:pPr>
-            <a:r>
-              <a:rPr lang="en-US" sz="4800" b="1" dirty="0">
-                <a:solidFill>
-                  <a:srgbClr val="000099"/>
-                </a:solidFill>
-                <a:latin typeface="Palatino Linotype" pitchFamily="18" charset="0"/>
-                <a:ea typeface="Cambria Math" pitchFamily="18" charset="0"/>
-              </a:rPr>
-              <a:t>Frequency Distribution</a:t>
-            </a:r>
-          </a:p>
-        </p:txBody>
-      </p:sp>
-      <p:sp>
-        <p:nvSpPr>
-          <p:cNvPr id="2050" name="Rectangle 2"/>
-          <p:cNvSpPr>
-            <a:spLocks noChangeArrowheads="1"/>
-          </p:cNvSpPr>
-          <p:nvPr/>
-        </p:nvSpPr>
-        <p:spPr bwMode="auto">
-          <a:xfrm>
-            <a:off x="0" y="-184666"/>
-            <a:ext cx="184731" cy="369332"/>
-          </a:xfrm>
-          <a:prstGeom prst="rect">
-            <a:avLst/>
-          </a:prstGeom>
-          <a:noFill/>
-          <a:ln w="9525">
-            <a:noFill/>
-            <a:miter lim="800000"/>
-            <a:headEnd/>
-            <a:tailEnd/>
-          </a:ln>
-          <a:effectLst/>
-        </p:spPr>
-        <p:txBody>
-          <a:bodyPr vert="horz" wrap="none" lIns="91440" tIns="45720" rIns="91440" bIns="45720" numCol="1" anchor="ctr" anchorCtr="0" compatLnSpc="1">
-            <a:prstTxWarp prst="textNoShape">
-              <a:avLst/>
-            </a:prstTxWarp>
-            <a:spAutoFit/>
-          </a:bodyPr>
-          <a:lstStyle/>
-          <a:p>
-            <a:endParaRPr lang="en-US" dirty="0">
-              <a:latin typeface="Palatino Linotype" pitchFamily="18" charset="0"/>
-            </a:endParaRPr>
-          </a:p>
-        </p:txBody>
-      </p:sp>
-      <p:sp>
-        <p:nvSpPr>
-          <p:cNvPr id="5" name="Content Placeholder 4"/>
-          <p:cNvSpPr>
-            <a:spLocks noGrp="1"/>
-          </p:cNvSpPr>
-          <p:nvPr>
-            <p:ph idx="1"/>
-          </p:nvPr>
-        </p:nvSpPr>
-        <p:spPr>
-          <a:xfrm>
-            <a:off x="457200" y="1295400"/>
-            <a:ext cx="8229600" cy="4525963"/>
-          </a:xfrm>
-        </p:spPr>
-        <p:txBody>
-          <a:bodyPr/>
-          <a:lstStyle/>
-          <a:p>
-            <a:endParaRPr lang="en-US" sz="1200" dirty="0">
-              <a:latin typeface="Palatino Linotype" pitchFamily="18" charset="0"/>
-            </a:endParaRPr>
-          </a:p>
-          <a:p>
-            <a:r>
-              <a:rPr lang="en-US" dirty="0">
-                <a:latin typeface="Palatino Linotype" pitchFamily="18" charset="0"/>
-                <a:cs typeface="Times New Roman" pitchFamily="18" charset="0"/>
-              </a:rPr>
-              <a:t>Normal distribution</a:t>
-            </a:r>
-          </a:p>
-        </p:txBody>
-      </p:sp>
-      <p:pic>
-        <p:nvPicPr>
-          <p:cNvPr id="59394" name="Picture 2"/>
-          <p:cNvPicPr>
-            <a:picLocks noChangeAspect="1" noChangeArrowheads="1"/>
-          </p:cNvPicPr>
-          <p:nvPr/>
-        </p:nvPicPr>
-        <p:blipFill>
-          <a:blip r:embed="rId3" cstate="print"/>
-          <a:srcRect/>
-          <a:stretch>
-            <a:fillRect/>
-          </a:stretch>
-        </p:blipFill>
-        <p:spPr bwMode="auto">
-          <a:xfrm>
-            <a:off x="609600" y="2362200"/>
-            <a:ext cx="7943850" cy="4086225"/>
-          </a:xfrm>
-          <a:prstGeom prst="rect">
-            <a:avLst/>
-          </a:prstGeom>
-          <a:noFill/>
-          <a:ln w="9525">
-            <a:noFill/>
-            <a:miter lim="800000"/>
-            <a:headEnd/>
-            <a:tailEnd/>
-          </a:ln>
-        </p:spPr>
-      </p:pic>
-      <p:pic>
-        <p:nvPicPr>
-          <p:cNvPr id="7" name="Picture 7"/>
-          <p:cNvPicPr>
-            <a:picLocks noChangeAspect="1" noChangeArrowheads="1"/>
-          </p:cNvPicPr>
-          <p:nvPr/>
-        </p:nvPicPr>
-        <p:blipFill>
-          <a:blip r:embed="rId4" cstate="print"/>
-          <a:srcRect/>
-          <a:stretch>
-            <a:fillRect/>
-          </a:stretch>
-        </p:blipFill>
-        <p:spPr bwMode="auto">
-          <a:xfrm>
-            <a:off x="6096000" y="2895600"/>
-            <a:ext cx="2209800" cy="1039262"/>
-          </a:xfrm>
-          <a:prstGeom prst="rect">
-            <a:avLst/>
-          </a:prstGeom>
-          <a:noFill/>
-          <a:ln w="9525">
-            <a:noFill/>
-            <a:miter lim="800000"/>
-            <a:headEnd/>
-            <a:tailEnd/>
-          </a:ln>
-        </p:spPr>
-      </p:pic>
-    </p:spTree>
-    <p:extLst>
-      <p:ext uri="{BB962C8B-B14F-4D97-AF65-F5344CB8AC3E}">
-        <p14:creationId xmlns:p14="http://schemas.microsoft.com/office/powerpoint/2010/main" val="1975152303"/>
-      </p:ext>
-    </p:extLst>
-  </p:cSld>
-  <p:clrMapOvr>
-    <a:masterClrMapping/>
-  </p:clrMapOvr>
-</p:sld>
-</file>
-
-<file path=ppt/slides/slide6.xml><?xml version="1.0" encoding="utf-8"?>
-<p:sld xmlns:a="http://schemas.openxmlformats.org/drawingml/2006/main" xmlns:r="http://schemas.openxmlformats.org/officeDocument/2006/relationships" xmlns:p="http://schemas.openxmlformats.org/presentationml/2006/main">
-  <p:cSld>
-    <p:spTree>
-      <p:nvGrpSpPr>
-        <p:cNvPr id="1" name=""/>
-        <p:cNvGrpSpPr/>
-        <p:nvPr/>
-      </p:nvGrpSpPr>
-      <p:grpSpPr>
-        <a:xfrm>
-          <a:off x="0" y="0"/>
-          <a:ext cx="0" cy="0"/>
-          <a:chOff x="0" y="0"/>
-          <a:chExt cx="0" cy="0"/>
-        </a:xfrm>
-      </p:grpSpPr>
-      <p:sp>
-        <p:nvSpPr>
-          <p:cNvPr id="2" name="Title 1"/>
-          <p:cNvSpPr>
-            <a:spLocks noGrp="1"/>
-          </p:cNvSpPr>
-          <p:nvPr>
-            <p:ph type="title"/>
-          </p:nvPr>
-        </p:nvSpPr>
-        <p:spPr/>
-        <p:txBody>
-          <a:bodyPr>
-            <a:normAutofit/>
-          </a:bodyPr>
-          <a:lstStyle/>
-          <a:p>
-            <a:r>
-              <a:rPr lang="en-US" b="1" dirty="0">
-                <a:solidFill>
-                  <a:srgbClr val="000099"/>
-                </a:solidFill>
-                <a:latin typeface="Palatino Linotype" pitchFamily="18" charset="0"/>
-                <a:ea typeface="Cambria Math" pitchFamily="18" charset="0"/>
-              </a:rPr>
-              <a:t>Frequency Distribution</a:t>
-            </a:r>
-            <a:endParaRPr lang="en-US" dirty="0">
-              <a:solidFill>
-                <a:srgbClr val="000099"/>
-              </a:solidFill>
-              <a:latin typeface="Palatino Linotype" pitchFamily="18" charset="0"/>
-              <a:ea typeface="Cambria Math" pitchFamily="18" charset="0"/>
-            </a:endParaRPr>
-          </a:p>
-        </p:txBody>
-      </p:sp>
-      <p:sp>
-        <p:nvSpPr>
-          <p:cNvPr id="3" name="Subtitle 2"/>
-          <p:cNvSpPr>
-            <a:spLocks noGrp="1"/>
-          </p:cNvSpPr>
-          <p:nvPr>
-            <p:ph idx="1"/>
-          </p:nvPr>
-        </p:nvSpPr>
-        <p:spPr>
-          <a:xfrm>
-            <a:off x="457200" y="1600200"/>
-            <a:ext cx="8534400" cy="4572000"/>
-          </a:xfrm>
-        </p:spPr>
-        <p:txBody>
-          <a:bodyPr>
-            <a:normAutofit/>
-          </a:bodyPr>
-          <a:lstStyle/>
-          <a:p>
-            <a:r>
-              <a:rPr lang="en-US" dirty="0">
-                <a:latin typeface="Palatino Linotype" pitchFamily="18" charset="0"/>
-                <a:ea typeface="Cambria Math" pitchFamily="18" charset="0"/>
-                <a:cs typeface="Times New Roman" pitchFamily="18" charset="0"/>
-              </a:rPr>
-              <a:t>Skew</a:t>
-            </a:r>
-          </a:p>
-          <a:p>
-            <a:pPr lvl="1"/>
-            <a:r>
-              <a:rPr lang="en-US" dirty="0">
-                <a:latin typeface="Palatino Linotype" pitchFamily="18" charset="0"/>
-                <a:ea typeface="Cambria Math" pitchFamily="18" charset="0"/>
-                <a:cs typeface="Times New Roman" pitchFamily="18" charset="0"/>
-              </a:rPr>
-              <a:t>Skew will be negative when the left tail is longer:</a:t>
-            </a:r>
-          </a:p>
-          <a:p>
-            <a:pPr lvl="2"/>
-            <a:r>
-              <a:rPr lang="en-US" dirty="0">
-                <a:latin typeface="Palatino Linotype" pitchFamily="18" charset="0"/>
-                <a:ea typeface="Cambria Math" pitchFamily="18" charset="0"/>
-                <a:cs typeface="Times New Roman" pitchFamily="18" charset="0"/>
-              </a:rPr>
-              <a:t>“Skewed to the left”</a:t>
-            </a:r>
-          </a:p>
-        </p:txBody>
-      </p:sp>
-      <p:sp>
-        <p:nvSpPr>
-          <p:cNvPr id="2050" name="Rectangle 2"/>
-          <p:cNvSpPr>
-            <a:spLocks noChangeArrowheads="1"/>
-          </p:cNvSpPr>
-          <p:nvPr/>
-        </p:nvSpPr>
-        <p:spPr bwMode="auto">
-          <a:xfrm>
-            <a:off x="0" y="-184666"/>
-            <a:ext cx="184731" cy="369332"/>
-          </a:xfrm>
-          <a:prstGeom prst="rect">
-            <a:avLst/>
-          </a:prstGeom>
-          <a:noFill/>
-          <a:ln w="9525">
-            <a:noFill/>
-            <a:miter lim="800000"/>
-            <a:headEnd/>
-            <a:tailEnd/>
-          </a:ln>
-          <a:effectLst/>
-        </p:spPr>
-        <p:txBody>
-          <a:bodyPr vert="horz" wrap="none" lIns="91440" tIns="45720" rIns="91440" bIns="45720" numCol="1" anchor="ctr" anchorCtr="0" compatLnSpc="1">
-            <a:prstTxWarp prst="textNoShape">
-              <a:avLst/>
-            </a:prstTxWarp>
-            <a:spAutoFit/>
-          </a:bodyPr>
-          <a:lstStyle/>
-          <a:p>
-            <a:endParaRPr lang="en-US" dirty="0">
-              <a:latin typeface="Palatino Linotype" pitchFamily="18" charset="0"/>
-            </a:endParaRPr>
-          </a:p>
-        </p:txBody>
-      </p:sp>
-      <p:pic>
-        <p:nvPicPr>
-          <p:cNvPr id="5" name="Picture 3"/>
-          <p:cNvPicPr>
-            <a:picLocks noChangeAspect="1" noChangeArrowheads="1"/>
-          </p:cNvPicPr>
-          <p:nvPr/>
-        </p:nvPicPr>
-        <p:blipFill>
-          <a:blip r:embed="rId3" cstate="print"/>
-          <a:srcRect/>
-          <a:stretch>
-            <a:fillRect/>
-          </a:stretch>
-        </p:blipFill>
-        <p:spPr>
-          <a:xfrm>
-            <a:off x="4648200" y="2929550"/>
-            <a:ext cx="3581400" cy="3578009"/>
-          </a:xfrm>
-          <a:prstGeom prst="rect">
-            <a:avLst/>
-          </a:prstGeom>
-          <a:noFill/>
-          <a:ln/>
-        </p:spPr>
-      </p:pic>
-    </p:spTree>
-    <p:extLst>
-      <p:ext uri="{BB962C8B-B14F-4D97-AF65-F5344CB8AC3E}">
-        <p14:creationId xmlns:p14="http://schemas.microsoft.com/office/powerpoint/2010/main" val="2451889657"/>
-      </p:ext>
-    </p:extLst>
-  </p:cSld>
-  <p:clrMapOvr>
-    <a:masterClrMapping/>
-  </p:clrMapOvr>
-  <p:timing>
-    <p:tnLst>
-      <p:par>
-        <p:cTn id="1" dur="indefinite" restart="never" nodeType="tmRoot">
-          <p:childTnLst>
-            <p:seq concurrent="1" nextAc="seek">
-              <p:cTn id="2" dur="indefinite" nodeType="mainSeq">
-                <p:childTnLst>
-                  <p:par>
-                    <p:cTn id="3" fill="hold">
-                      <p:stCondLst>
-                        <p:cond delay="indefinite"/>
-                        <p:cond evt="onBegin" delay="0">
-                          <p:tn val="2"/>
-                        </p:cond>
-                      </p:stCondLst>
-                      <p:childTnLst>
-                        <p:par>
-                          <p:cTn id="4" fill="hold">
-                            <p:stCondLst>
-                              <p:cond delay="0"/>
-                            </p:stCondLst>
-                            <p:childTnLst>
-                              <p:par>
-                                <p:cTn id="5" presetID="1" presetClass="entr" presetSubtype="0" fill="hold" nodeType="withEffect">
-                                  <p:stCondLst>
-                                    <p:cond delay="0"/>
-                                  </p:stCondLst>
-                                  <p:childTnLst>
-                                    <p:set>
-                                      <p:cBhvr>
-                                        <p:cTn id="6" dur="1" fill="hold">
-                                          <p:stCondLst>
-                                            <p:cond delay="0"/>
-                                          </p:stCondLst>
-                                        </p:cTn>
-                                        <p:tgtEl>
-                                          <p:spTgt spid="5"/>
-                                        </p:tgtEl>
-                                        <p:attrNameLst>
-                                          <p:attrName>style.visibility</p:attrName>
-                                        </p:attrNameLst>
-                                      </p:cBhvr>
-                                      <p:to>
-                                        <p:strVal val="visible"/>
-                                      </p:to>
-                                    </p:set>
-                                  </p:childTnLst>
-                                </p:cTn>
-                              </p:par>
-                            </p:childTnLst>
-                          </p:cTn>
-                        </p:par>
-                      </p:childTnLst>
-                    </p:cTn>
-                  </p:par>
-                </p:childTnLst>
-              </p:cTn>
-              <p:prevCondLst>
-                <p:cond evt="onPrev" delay="0">
-                  <p:tgtEl>
-                    <p:sldTgt/>
-                  </p:tgtEl>
-                </p:cond>
-              </p:prevCondLst>
-              <p:nextCondLst>
-                <p:cond evt="onNext" delay="0">
-                  <p:tgtEl>
-                    <p:sldTgt/>
-                  </p:tgtEl>
-                </p:cond>
-              </p:nextCondLst>
-            </p:seq>
-          </p:childTnLst>
-        </p:cTn>
-      </p:par>
-    </p:tnLst>
-  </p:timing>
-</p:sld>
-</file>
-
-<file path=ppt/slides/slide7.xml><?xml version="1.0" encoding="utf-8"?>
-<p:sld xmlns:a="http://schemas.openxmlformats.org/drawingml/2006/main" xmlns:r="http://schemas.openxmlformats.org/officeDocument/2006/relationships" xmlns:p="http://schemas.openxmlformats.org/presentationml/2006/main">
-  <p:cSld>
-    <p:spTree>
-      <p:nvGrpSpPr>
-        <p:cNvPr id="1" name=""/>
-        <p:cNvGrpSpPr/>
-        <p:nvPr/>
-      </p:nvGrpSpPr>
-      <p:grpSpPr>
-        <a:xfrm>
-          <a:off x="0" y="0"/>
-          <a:ext cx="0" cy="0"/>
-          <a:chOff x="0" y="0"/>
-          <a:chExt cx="0" cy="0"/>
-        </a:xfrm>
-      </p:grpSpPr>
-      <p:sp>
-        <p:nvSpPr>
-          <p:cNvPr id="2" name="Title 1"/>
-          <p:cNvSpPr>
-            <a:spLocks noGrp="1"/>
-          </p:cNvSpPr>
-          <p:nvPr>
-            <p:ph type="title"/>
-          </p:nvPr>
-        </p:nvSpPr>
-        <p:spPr/>
-        <p:txBody>
-          <a:bodyPr>
-            <a:noAutofit/>
-          </a:bodyPr>
-          <a:lstStyle/>
-          <a:p>
-            <a:r>
-              <a:rPr lang="en-US" b="1" dirty="0">
-                <a:solidFill>
-                  <a:srgbClr val="000099"/>
-                </a:solidFill>
-                <a:latin typeface="Palatino Linotype" pitchFamily="18" charset="0"/>
-                <a:ea typeface="Cambria Math" pitchFamily="18" charset="0"/>
-              </a:rPr>
-              <a:t>Frequency Distribution</a:t>
-            </a:r>
-          </a:p>
-        </p:txBody>
-      </p:sp>
-      <p:sp>
-        <p:nvSpPr>
-          <p:cNvPr id="3" name="Subtitle 2"/>
-          <p:cNvSpPr>
-            <a:spLocks noGrp="1"/>
-          </p:cNvSpPr>
-          <p:nvPr>
-            <p:ph idx="1"/>
-          </p:nvPr>
-        </p:nvSpPr>
-        <p:spPr>
-          <a:xfrm>
-            <a:off x="457200" y="1600200"/>
-            <a:ext cx="8534400" cy="5029200"/>
-          </a:xfrm>
-        </p:spPr>
-        <p:txBody>
-          <a:bodyPr>
-            <a:normAutofit/>
-          </a:bodyPr>
-          <a:lstStyle/>
-          <a:p>
-            <a:r>
-              <a:rPr lang="en-US" dirty="0">
-                <a:latin typeface="Palatino Linotype" pitchFamily="18" charset="0"/>
-                <a:ea typeface="Cambria Math" pitchFamily="18" charset="0"/>
-                <a:cs typeface="Times New Roman" pitchFamily="18" charset="0"/>
-              </a:rPr>
-              <a:t>Skew</a:t>
-            </a:r>
-          </a:p>
-          <a:p>
-            <a:pPr lvl="1"/>
-            <a:r>
-              <a:rPr lang="en-US" dirty="0">
-                <a:latin typeface="Palatino Linotype" pitchFamily="18" charset="0"/>
-                <a:ea typeface="Cambria Math" pitchFamily="18" charset="0"/>
-                <a:cs typeface="Times New Roman" pitchFamily="18" charset="0"/>
-              </a:rPr>
-              <a:t>Skew will be positive when the right tail is longer:</a:t>
-            </a:r>
-          </a:p>
-          <a:p>
-            <a:pPr lvl="2"/>
-            <a:r>
-              <a:rPr lang="en-US" dirty="0">
-                <a:latin typeface="Palatino Linotype" pitchFamily="18" charset="0"/>
-                <a:ea typeface="Cambria Math" pitchFamily="18" charset="0"/>
-                <a:cs typeface="Times New Roman" pitchFamily="18" charset="0"/>
-              </a:rPr>
-              <a:t>“Skewed to the right”</a:t>
-            </a:r>
-          </a:p>
-        </p:txBody>
-      </p:sp>
-      <p:sp>
-        <p:nvSpPr>
-          <p:cNvPr id="2050" name="Rectangle 2"/>
-          <p:cNvSpPr>
-            <a:spLocks noChangeArrowheads="1"/>
-          </p:cNvSpPr>
-          <p:nvPr/>
-        </p:nvSpPr>
-        <p:spPr bwMode="auto">
-          <a:xfrm>
-            <a:off x="0" y="-184666"/>
-            <a:ext cx="184731" cy="369332"/>
-          </a:xfrm>
-          <a:prstGeom prst="rect">
-            <a:avLst/>
-          </a:prstGeom>
-          <a:noFill/>
-          <a:ln w="9525">
-            <a:noFill/>
-            <a:miter lim="800000"/>
-            <a:headEnd/>
-            <a:tailEnd/>
-          </a:ln>
-          <a:effectLst/>
-        </p:spPr>
-        <p:txBody>
-          <a:bodyPr vert="horz" wrap="none" lIns="91440" tIns="45720" rIns="91440" bIns="45720" numCol="1" anchor="ctr" anchorCtr="0" compatLnSpc="1">
-            <a:prstTxWarp prst="textNoShape">
-              <a:avLst/>
-            </a:prstTxWarp>
-            <a:spAutoFit/>
-          </a:bodyPr>
-          <a:lstStyle/>
-          <a:p>
-            <a:endParaRPr lang="en-US" dirty="0">
-              <a:latin typeface="Palatino Linotype" pitchFamily="18" charset="0"/>
-            </a:endParaRPr>
-          </a:p>
-        </p:txBody>
-      </p:sp>
-      <p:pic>
-        <p:nvPicPr>
-          <p:cNvPr id="5" name="Picture 4"/>
-          <p:cNvPicPr>
-            <a:picLocks noChangeAspect="1" noChangeArrowheads="1"/>
-          </p:cNvPicPr>
-          <p:nvPr/>
-        </p:nvPicPr>
-        <p:blipFill>
-          <a:blip r:embed="rId3" cstate="print"/>
-          <a:srcRect/>
-          <a:stretch>
-            <a:fillRect/>
-          </a:stretch>
-        </p:blipFill>
-        <p:spPr>
-          <a:xfrm>
-            <a:off x="4800600" y="2895600"/>
-            <a:ext cx="3657600" cy="3654191"/>
-          </a:xfrm>
-          <a:prstGeom prst="rect">
-            <a:avLst/>
-          </a:prstGeom>
-          <a:noFill/>
-          <a:ln/>
-        </p:spPr>
-      </p:pic>
-    </p:spTree>
-    <p:extLst>
-      <p:ext uri="{BB962C8B-B14F-4D97-AF65-F5344CB8AC3E}">
-        <p14:creationId xmlns:p14="http://schemas.microsoft.com/office/powerpoint/2010/main" val="149717954"/>
-      </p:ext>
-    </p:extLst>
-  </p:cSld>
-  <p:clrMapOvr>
-    <a:masterClrMapping/>
-  </p:clrMapOvr>
-  <p:timing>
-    <p:tnLst>
-      <p:par>
-        <p:cTn id="1" dur="indefinite" restart="never" nodeType="tmRoot">
-          <p:childTnLst>
-            <p:seq concurrent="1" nextAc="seek">
-              <p:cTn id="2" dur="indefinite" nodeType="mainSeq">
-                <p:childTnLst>
-                  <p:par>
-                    <p:cTn id="3" fill="hold">
-                      <p:stCondLst>
-                        <p:cond delay="indefinite"/>
-                        <p:cond evt="onBegin" delay="0">
-                          <p:tn val="2"/>
-                        </p:cond>
-                      </p:stCondLst>
-                      <p:childTnLst>
-                        <p:par>
-                          <p:cTn id="4" fill="hold">
-                            <p:stCondLst>
-                              <p:cond delay="0"/>
-                            </p:stCondLst>
-                            <p:childTnLst>
-                              <p:par>
-                                <p:cTn id="5" presetID="1" presetClass="entr" presetSubtype="0" fill="hold" nodeType="withEffect">
-                                  <p:stCondLst>
-                                    <p:cond delay="0"/>
-                                  </p:stCondLst>
-                                  <p:childTnLst>
-                                    <p:set>
-                                      <p:cBhvr>
-                                        <p:cTn id="6" dur="1" fill="hold">
-                                          <p:stCondLst>
-                                            <p:cond delay="0"/>
-                                          </p:stCondLst>
-                                        </p:cTn>
-                                        <p:tgtEl>
-                                          <p:spTgt spid="5"/>
-                                        </p:tgtEl>
-                                        <p:attrNameLst>
-                                          <p:attrName>style.visibility</p:attrName>
-                                        </p:attrNameLst>
-                                      </p:cBhvr>
-                                      <p:to>
-                                        <p:strVal val="visible"/>
-                                      </p:to>
-                                    </p:set>
-                                  </p:childTnLst>
-                                </p:cTn>
-                              </p:par>
-                            </p:childTnLst>
-                          </p:cTn>
-                        </p:par>
-                      </p:childTnLst>
-                    </p:cTn>
-                  </p:par>
-                </p:childTnLst>
-              </p:cTn>
-              <p:prevCondLst>
-                <p:cond evt="onPrev" delay="0">
-                  <p:tgtEl>
-                    <p:sldTgt/>
-                  </p:tgtEl>
-                </p:cond>
-              </p:prevCondLst>
-              <p:nextCondLst>
-                <p:cond evt="onNext" delay="0">
-                  <p:tgtEl>
-                    <p:sldTgt/>
-                  </p:tgtEl>
-                </p:cond>
-              </p:nextCondLst>
-            </p:seq>
-          </p:childTnLst>
-        </p:cTn>
-      </p:par>
-    </p:tnLst>
-  </p:timing>
-</p:sld>
-</file>
-
-<file path=ppt/slides/slide8.xml><?xml version="1.0" encoding="utf-8"?>
-<p:sld xmlns:a="http://schemas.openxmlformats.org/drawingml/2006/main" xmlns:r="http://schemas.openxmlformats.org/officeDocument/2006/relationships" xmlns:p="http://schemas.openxmlformats.org/presentationml/2006/main">
-  <p:cSld>
-    <p:spTree>
-      <p:nvGrpSpPr>
-        <p:cNvPr id="1" name=""/>
-        <p:cNvGrpSpPr/>
-        <p:nvPr/>
-      </p:nvGrpSpPr>
-      <p:grpSpPr>
-        <a:xfrm>
-          <a:off x="0" y="0"/>
-          <a:ext cx="0" cy="0"/>
-          <a:chOff x="0" y="0"/>
-          <a:chExt cx="0" cy="0"/>
-        </a:xfrm>
-      </p:grpSpPr>
-      <p:sp>
-        <p:nvSpPr>
-          <p:cNvPr id="35842" name="Rectangle 2"/>
-          <p:cNvSpPr>
-            <a:spLocks noGrp="1" noChangeArrowheads="1"/>
-          </p:cNvSpPr>
-          <p:nvPr>
-            <p:ph type="title"/>
-          </p:nvPr>
-        </p:nvSpPr>
-        <p:spPr/>
-        <p:txBody>
-          <a:bodyPr>
-            <a:normAutofit/>
-          </a:bodyPr>
-          <a:lstStyle/>
-          <a:p>
-            <a:pPr>
-              <a:defRPr/>
-            </a:pPr>
-            <a:r>
-              <a:rPr lang="en-US" b="1" dirty="0">
-                <a:solidFill>
-                  <a:srgbClr val="000099"/>
-                </a:solidFill>
-                <a:latin typeface="Palatino Linotype" pitchFamily="18" charset="0"/>
-                <a:ea typeface="Cambria Math" pitchFamily="18" charset="0"/>
-              </a:rPr>
-              <a:t>Measures of Dispersion: Range</a:t>
-            </a:r>
-          </a:p>
-        </p:txBody>
-      </p:sp>
-      <p:sp>
-        <p:nvSpPr>
-          <p:cNvPr id="35843" name="Rectangle 3"/>
-          <p:cNvSpPr>
-            <a:spLocks noGrp="1" noChangeArrowheads="1"/>
-          </p:cNvSpPr>
-          <p:nvPr>
-            <p:ph type="body" idx="1"/>
-          </p:nvPr>
-        </p:nvSpPr>
-        <p:spPr/>
-        <p:txBody>
-          <a:bodyPr/>
-          <a:lstStyle/>
-          <a:p>
-            <a:pPr eaLnBrk="1" hangingPunct="1">
-              <a:defRPr/>
-            </a:pPr>
-            <a:r>
-              <a:rPr lang="en-US" dirty="0">
-                <a:latin typeface="Palatino Linotype" pitchFamily="18" charset="0"/>
-              </a:rPr>
-              <a:t>Range</a:t>
-            </a:r>
-          </a:p>
-          <a:p>
-            <a:pPr lvl="1">
-              <a:defRPr/>
-            </a:pPr>
-            <a:r>
-              <a:rPr lang="en-US" dirty="0">
-                <a:latin typeface="Palatino Linotype" pitchFamily="18" charset="0"/>
-              </a:rPr>
-              <a:t>A simple statement of the highest and lowest scores in a distribution </a:t>
-            </a:r>
-          </a:p>
-          <a:p>
-            <a:pPr lvl="2">
-              <a:defRPr/>
-            </a:pPr>
-            <a:r>
-              <a:rPr lang="en-US" dirty="0">
-                <a:latin typeface="Palatino Linotype" pitchFamily="18" charset="0"/>
-              </a:rPr>
-              <a:t>Test scores 23-98</a:t>
-            </a:r>
-          </a:p>
-          <a:p>
-            <a:pPr lvl="2">
-              <a:defRPr/>
-            </a:pPr>
-            <a:r>
-              <a:rPr lang="en-US" dirty="0">
-                <a:latin typeface="Palatino Linotype" pitchFamily="18" charset="0"/>
-              </a:rPr>
-              <a:t>Incomes $15,000--$70,000</a:t>
-            </a:r>
-          </a:p>
-          <a:p>
-            <a:pPr lvl="2">
-              <a:defRPr/>
-            </a:pPr>
-            <a:r>
-              <a:rPr lang="en-US" dirty="0">
-                <a:latin typeface="Palatino Linotype" pitchFamily="18" charset="0"/>
-              </a:rPr>
-              <a:t>Temperature 62F-81F</a:t>
-            </a:r>
-          </a:p>
-        </p:txBody>
-      </p:sp>
-    </p:spTree>
-    <p:extLst>
-      <p:ext uri="{BB962C8B-B14F-4D97-AF65-F5344CB8AC3E}">
-        <p14:creationId xmlns:p14="http://schemas.microsoft.com/office/powerpoint/2010/main" val="2229382210"/>
-      </p:ext>
-    </p:extLst>
-  </p:cSld>
-  <p:clrMapOvr>
-    <a:masterClrMapping/>
-  </p:clrMapOvr>
-</p:sld>
-</file>
-
-<file path=ppt/slides/slide9.xml><?xml version="1.0" encoding="utf-8"?>
-<p:sld xmlns:a="http://schemas.openxmlformats.org/drawingml/2006/main" xmlns:r="http://schemas.openxmlformats.org/officeDocument/2006/relationships" xmlns:p="http://schemas.openxmlformats.org/presentationml/2006/main">
-  <p:cSld>
-    <p:spTree>
-      <p:nvGrpSpPr>
-        <p:cNvPr id="1" name=""/>
-        <p:cNvGrpSpPr/>
-        <p:nvPr/>
-      </p:nvGrpSpPr>
-      <p:grpSpPr>
-        <a:xfrm>
-          <a:off x="0" y="0"/>
-          <a:ext cx="0" cy="0"/>
-          <a:chOff x="0" y="0"/>
-          <a:chExt cx="0" cy="0"/>
-        </a:xfrm>
-      </p:grpSpPr>
-      <p:sp>
-        <p:nvSpPr>
-          <p:cNvPr id="2" name="Title 1"/>
-          <p:cNvSpPr>
-            <a:spLocks noGrp="1"/>
-          </p:cNvSpPr>
-          <p:nvPr>
-            <p:ph type="title"/>
-          </p:nvPr>
-        </p:nvSpPr>
-        <p:spPr/>
-        <p:txBody>
-          <a:bodyPr>
-            <a:normAutofit/>
-          </a:bodyPr>
-          <a:lstStyle/>
-          <a:p>
-            <a:r>
-              <a:rPr lang="en-US" sz="3700" b="1" dirty="0">
-                <a:solidFill>
-                  <a:srgbClr val="000099"/>
-                </a:solidFill>
-                <a:latin typeface="Palatino Linotype" pitchFamily="18" charset="0"/>
-                <a:ea typeface="Cambria Math" pitchFamily="18" charset="0"/>
-              </a:rPr>
-              <a:t>Measures of Dispersion: Deviations</a:t>
-            </a:r>
-            <a:endParaRPr lang="en-US" sz="3700" dirty="0">
-              <a:solidFill>
-                <a:srgbClr val="000099"/>
-              </a:solidFill>
-              <a:latin typeface="Palatino Linotype" pitchFamily="18" charset="0"/>
-              <a:ea typeface="Cambria Math" pitchFamily="18" charset="0"/>
-            </a:endParaRPr>
-          </a:p>
-        </p:txBody>
-      </p:sp>
-      <p:sp>
-        <p:nvSpPr>
-          <p:cNvPr id="3" name="Subtitle 2"/>
-          <p:cNvSpPr>
-            <a:spLocks noGrp="1"/>
-          </p:cNvSpPr>
-          <p:nvPr>
-            <p:ph idx="1"/>
-          </p:nvPr>
-        </p:nvSpPr>
-        <p:spPr>
-          <a:xfrm>
-            <a:off x="457200" y="1600200"/>
-            <a:ext cx="8534400" cy="4572000"/>
-          </a:xfrm>
-        </p:spPr>
-        <p:txBody>
-          <a:bodyPr>
-            <a:normAutofit/>
-          </a:bodyPr>
-          <a:lstStyle/>
-          <a:p>
-            <a:pPr>
-              <a:defRPr/>
-            </a:pPr>
-            <a:r>
-              <a:rPr lang="en-US" sz="2800" dirty="0">
-                <a:latin typeface="Palatino Linotype" pitchFamily="18" charset="0"/>
-              </a:rPr>
-              <a:t>Deviations from the mean</a:t>
-            </a:r>
-          </a:p>
-          <a:p>
-            <a:pPr lvl="1">
-              <a:defRPr/>
-            </a:pPr>
-            <a:r>
-              <a:rPr lang="en-US" sz="2400" dirty="0">
-                <a:latin typeface="Palatino Linotype" pitchFamily="18" charset="0"/>
-              </a:rPr>
-              <a:t>The mean deviation</a:t>
-            </a:r>
-            <a:endParaRPr lang="en-US" sz="2400" dirty="0">
-              <a:latin typeface="Palatino Linotype" pitchFamily="18" charset="0"/>
-              <a:ea typeface="Cambria Math" pitchFamily="18" charset="0"/>
-              <a:cs typeface="Times New Roman" pitchFamily="18" charset="0"/>
-              <a:sym typeface="Wingdings" pitchFamily="2" charset="2"/>
-            </a:endParaRPr>
-          </a:p>
-          <a:p>
-            <a:r>
-              <a:rPr lang="en-US" sz="2800" dirty="0">
-                <a:latin typeface="Palatino Linotype" pitchFamily="18" charset="0"/>
-                <a:ea typeface="Cambria Math" pitchFamily="18" charset="0"/>
-                <a:cs typeface="Times New Roman" pitchFamily="18" charset="0"/>
-                <a:sym typeface="Wingdings" pitchFamily="2" charset="2"/>
-              </a:rPr>
-              <a:t>Indexes the degree to which scores in the sample differ with respect to </a:t>
-            </a:r>
-            <a:r>
-              <a:rPr lang="en-US" sz="2800" b="1" dirty="0">
-                <a:latin typeface="Palatino Linotype" pitchFamily="18" charset="0"/>
-                <a:ea typeface="Cambria Math" pitchFamily="18" charset="0"/>
-                <a:cs typeface="Times New Roman" pitchFamily="18" charset="0"/>
-                <a:sym typeface="Wingdings" pitchFamily="2" charset="2"/>
-              </a:rPr>
-              <a:t>the mean</a:t>
-            </a:r>
-            <a:endParaRPr lang="en-US" sz="2400" b="1" dirty="0">
-              <a:latin typeface="Palatino Linotype" pitchFamily="18" charset="0"/>
-              <a:ea typeface="Cambria Math" pitchFamily="18" charset="0"/>
-              <a:cs typeface="Times New Roman" pitchFamily="18" charset="0"/>
-              <a:sym typeface="Wingdings" pitchFamily="2" charset="2"/>
-            </a:endParaRPr>
-          </a:p>
-          <a:p>
-            <a:pPr lvl="1"/>
-            <a:endParaRPr lang="en-US" sz="1050" dirty="0">
-              <a:latin typeface="Palatino Linotype" pitchFamily="18" charset="0"/>
-              <a:ea typeface="Cambria Math" pitchFamily="18" charset="0"/>
-              <a:cs typeface="Times New Roman" pitchFamily="18" charset="0"/>
-              <a:sym typeface="Wingdings" pitchFamily="2" charset="2"/>
-            </a:endParaRPr>
-          </a:p>
-          <a:p>
-            <a:pPr lvl="1"/>
-            <a:r>
-              <a:rPr lang="en-US" sz="2400" dirty="0">
-                <a:latin typeface="Palatino Linotype" pitchFamily="18" charset="0"/>
-                <a:ea typeface="Cambria Math" pitchFamily="18" charset="0"/>
-                <a:cs typeface="Times New Roman" pitchFamily="18" charset="0"/>
-                <a:sym typeface="Wingdings" pitchFamily="2" charset="2"/>
-              </a:rPr>
-              <a:t>Deviation scores:</a:t>
-            </a:r>
-            <a:endParaRPr lang="en-US" sz="700" dirty="0">
-              <a:latin typeface="Palatino Linotype" pitchFamily="18" charset="0"/>
-              <a:ea typeface="Cambria Math" pitchFamily="18" charset="0"/>
-              <a:cs typeface="Times New Roman" pitchFamily="18" charset="0"/>
-              <a:sym typeface="Wingdings" pitchFamily="2" charset="2"/>
-            </a:endParaRPr>
-          </a:p>
-          <a:p>
-            <a:pPr lvl="1"/>
-            <a:endParaRPr lang="en-US" sz="2400" dirty="0">
-              <a:latin typeface="Palatino Linotype" pitchFamily="18" charset="0"/>
-              <a:ea typeface="Cambria Math" pitchFamily="18" charset="0"/>
-              <a:cs typeface="Times New Roman" pitchFamily="18" charset="0"/>
-              <a:sym typeface="Wingdings" pitchFamily="2" charset="2"/>
-            </a:endParaRPr>
-          </a:p>
-          <a:p>
-            <a:pPr lvl="1"/>
-            <a:r>
-              <a:rPr lang="en-US" sz="2400" dirty="0">
-                <a:latin typeface="Palatino Linotype" pitchFamily="18" charset="0"/>
-                <a:ea typeface="Cambria Math" pitchFamily="18" charset="0"/>
-                <a:cs typeface="Times New Roman" pitchFamily="18" charset="0"/>
-                <a:sym typeface="Wingdings" pitchFamily="2" charset="2"/>
-              </a:rPr>
-              <a:t>Mean of the deviation scores:</a:t>
-            </a:r>
-          </a:p>
-          <a:p>
-            <a:pPr marL="457200" lvl="1" indent="0">
-              <a:buNone/>
-            </a:pPr>
-            <a:endParaRPr lang="en-US" dirty="0">
-              <a:latin typeface="Palatino Linotype" pitchFamily="18" charset="0"/>
-              <a:ea typeface="Cambria Math" pitchFamily="18" charset="0"/>
-              <a:cs typeface="Times New Roman" pitchFamily="18" charset="0"/>
-              <a:sym typeface="Wingdings" pitchFamily="2" charset="2"/>
-            </a:endParaRPr>
-          </a:p>
-        </p:txBody>
-      </p:sp>
-      <p:sp>
-        <p:nvSpPr>
-          <p:cNvPr id="2050" name="Rectangle 2"/>
-          <p:cNvSpPr>
-            <a:spLocks noChangeArrowheads="1"/>
-          </p:cNvSpPr>
-          <p:nvPr/>
-        </p:nvSpPr>
-        <p:spPr bwMode="auto">
-          <a:xfrm>
-            <a:off x="0" y="-184666"/>
-            <a:ext cx="184731" cy="369332"/>
-          </a:xfrm>
-          <a:prstGeom prst="rect">
-            <a:avLst/>
-          </a:prstGeom>
-          <a:noFill/>
-          <a:ln w="9525">
-            <a:noFill/>
-            <a:miter lim="800000"/>
-            <a:headEnd/>
-            <a:tailEnd/>
-          </a:ln>
-          <a:effectLst/>
-        </p:spPr>
-        <p:txBody>
-          <a:bodyPr vert="horz" wrap="none" lIns="91440" tIns="45720" rIns="91440" bIns="45720" numCol="1" anchor="ctr" anchorCtr="0" compatLnSpc="1">
-            <a:prstTxWarp prst="textNoShape">
-              <a:avLst/>
-            </a:prstTxWarp>
-            <a:spAutoFit/>
-          </a:bodyPr>
-          <a:lstStyle/>
-          <a:p>
-            <a:endParaRPr lang="en-US" dirty="0">
-              <a:latin typeface="Palatino Linotype" pitchFamily="18" charset="0"/>
-            </a:endParaRPr>
-          </a:p>
-        </p:txBody>
-      </p:sp>
-      <p:graphicFrame>
-        <p:nvGraphicFramePr>
           <p:cNvPr id="156675" name="Object 3"/>
           <p:cNvGraphicFramePr>
             <a:graphicFrameLocks noChangeAspect="1"/>
@@ -7553,7 +4818,7 @@
           <a:graphicData uri="http://schemas.openxmlformats.org/presentationml/2006/ole">
             <mc:AlternateContent xmlns:mc="http://schemas.openxmlformats.org/markup-compatibility/2006">
               <mc:Choice xmlns:v="urn:schemas-microsoft-com:vml" Requires="v">
-                <p:oleObj spid="_x0000_s14498" name="Equation" r:id="rId4" imgW="596880" imgH="279360" progId="Equation.DSMT4">
+                <p:oleObj spid="_x0000_s14648" name="Equation" r:id="rId4" imgW="596880" imgH="279360" progId="Equation.DSMT4">
                   <p:embed/>
                 </p:oleObj>
               </mc:Choice>
@@ -7629,7 +4894,7 @@
           <a:graphicData uri="http://schemas.openxmlformats.org/presentationml/2006/ole">
             <mc:AlternateContent xmlns:mc="http://schemas.openxmlformats.org/markup-compatibility/2006">
               <mc:Choice xmlns:v="urn:schemas-microsoft-com:vml" Requires="v">
-                <p:oleObj spid="_x0000_s14499" name="Equation" r:id="rId6" imgW="799920" imgH="609480" progId="Equation.DSMT4">
+                <p:oleObj spid="_x0000_s14649" name="Equation" r:id="rId6" imgW="799920" imgH="609480" progId="Equation.DSMT4">
                   <p:embed/>
                 </p:oleObj>
               </mc:Choice>
@@ -7677,6 +4942,35 @@
           </a:graphicData>
         </a:graphic>
       </p:graphicFrame>
+      <p:sp>
+        <p:nvSpPr>
+          <p:cNvPr id="4" name="Slide Number Placeholder 3">
+            <a:extLst>
+              <a:ext uri="{FF2B5EF4-FFF2-40B4-BE49-F238E27FC236}">
+                <a16:creationId xmlns:a16="http://schemas.microsoft.com/office/drawing/2014/main" id="{8BFA34C6-E215-4C48-AEAB-567546E18F87}"/>
+              </a:ext>
+            </a:extLst>
+          </p:cNvPr>
+          <p:cNvSpPr>
+            <a:spLocks noGrp="1"/>
+          </p:cNvSpPr>
+          <p:nvPr>
+            <p:ph type="sldNum" sz="quarter" idx="12"/>
+          </p:nvPr>
+        </p:nvSpPr>
+        <p:spPr/>
+        <p:txBody>
+          <a:bodyPr/>
+          <a:lstStyle/>
+          <a:p>
+            <a:fld id="{DF9221D8-3A4D-495B-963C-88FDE081B2F3}" type="slidenum">
+              <a:rPr lang="en-US" smtClean="0"/>
+              <a:t>10</a:t>
+            </a:fld>
+            <a:endParaRPr lang="en-US"/>
+          </a:p>
+        </p:txBody>
+      </p:sp>
     </p:spTree>
     <p:extLst>
       <p:ext uri="{BB962C8B-B14F-4D97-AF65-F5344CB8AC3E}">
@@ -7965,6 +5259,5210 @@
       </p:par>
     </p:tnLst>
   </p:timing>
+</p:sld>
+</file>
+
+<file path=ppt/slides/slide11.xml><?xml version="1.0" encoding="utf-8"?>
+<p:sld xmlns:a="http://schemas.openxmlformats.org/drawingml/2006/main" xmlns:r="http://schemas.openxmlformats.org/officeDocument/2006/relationships" xmlns:p="http://schemas.openxmlformats.org/presentationml/2006/main">
+  <p:cSld>
+    <p:spTree>
+      <p:nvGrpSpPr>
+        <p:cNvPr id="1" name=""/>
+        <p:cNvGrpSpPr/>
+        <p:nvPr/>
+      </p:nvGrpSpPr>
+      <p:grpSpPr>
+        <a:xfrm>
+          <a:off x="0" y="0"/>
+          <a:ext cx="0" cy="0"/>
+          <a:chOff x="0" y="0"/>
+          <a:chExt cx="0" cy="0"/>
+        </a:xfrm>
+      </p:grpSpPr>
+      <p:sp>
+        <p:nvSpPr>
+          <p:cNvPr id="2" name="Title 1"/>
+          <p:cNvSpPr>
+            <a:spLocks noGrp="1"/>
+          </p:cNvSpPr>
+          <p:nvPr>
+            <p:ph type="title"/>
+          </p:nvPr>
+        </p:nvSpPr>
+        <p:spPr/>
+        <p:txBody>
+          <a:bodyPr>
+            <a:normAutofit/>
+          </a:bodyPr>
+          <a:lstStyle/>
+          <a:p>
+            <a:r>
+              <a:rPr lang="en-US" b="1" dirty="0">
+                <a:solidFill>
+                  <a:srgbClr val="000099"/>
+                </a:solidFill>
+                <a:latin typeface="Palatino Linotype" pitchFamily="18" charset="0"/>
+                <a:ea typeface="Cambria Math" pitchFamily="18" charset="0"/>
+              </a:rPr>
+              <a:t>Descriptive Statistics: Spread</a:t>
+            </a:r>
+            <a:endParaRPr lang="en-US" dirty="0">
+              <a:solidFill>
+                <a:srgbClr val="000099"/>
+              </a:solidFill>
+              <a:latin typeface="Palatino Linotype" pitchFamily="18" charset="0"/>
+              <a:ea typeface="Cambria Math" pitchFamily="18" charset="0"/>
+            </a:endParaRPr>
+          </a:p>
+        </p:txBody>
+      </p:sp>
+      <p:sp>
+        <p:nvSpPr>
+          <p:cNvPr id="3" name="Subtitle 2"/>
+          <p:cNvSpPr>
+            <a:spLocks noGrp="1"/>
+          </p:cNvSpPr>
+          <p:nvPr>
+            <p:ph idx="1"/>
+          </p:nvPr>
+        </p:nvSpPr>
+        <p:spPr>
+          <a:xfrm>
+            <a:off x="457200" y="1600200"/>
+            <a:ext cx="8534400" cy="4572000"/>
+          </a:xfrm>
+        </p:spPr>
+        <p:txBody>
+          <a:bodyPr>
+            <a:normAutofit fontScale="92500" lnSpcReduction="20000"/>
+          </a:bodyPr>
+          <a:lstStyle/>
+          <a:p>
+            <a:r>
+              <a:rPr lang="en-US" sz="2800" dirty="0">
+                <a:latin typeface="Palatino Linotype" pitchFamily="18" charset="0"/>
+                <a:ea typeface="Cambria Math" pitchFamily="18" charset="0"/>
+                <a:cs typeface="Times New Roman" pitchFamily="18" charset="0"/>
+                <a:sym typeface="Wingdings" pitchFamily="2" charset="2"/>
+              </a:rPr>
+              <a:t>Mean absolute deviation (MAD):</a:t>
+            </a:r>
+          </a:p>
+          <a:p>
+            <a:endParaRPr lang="en-US" sz="2800" dirty="0">
+              <a:latin typeface="Palatino Linotype" pitchFamily="18" charset="0"/>
+              <a:ea typeface="Cambria Math" pitchFamily="18" charset="0"/>
+              <a:cs typeface="Times New Roman" pitchFamily="18" charset="0"/>
+              <a:sym typeface="Wingdings" pitchFamily="2" charset="2"/>
+            </a:endParaRPr>
+          </a:p>
+          <a:p>
+            <a:endParaRPr lang="en-US" sz="2800" dirty="0">
+              <a:latin typeface="Palatino Linotype" pitchFamily="18" charset="0"/>
+              <a:ea typeface="Cambria Math" pitchFamily="18" charset="0"/>
+              <a:cs typeface="Times New Roman" pitchFamily="18" charset="0"/>
+              <a:sym typeface="Wingdings" pitchFamily="2" charset="2"/>
+            </a:endParaRPr>
+          </a:p>
+          <a:p>
+            <a:pPr marL="0" indent="0">
+              <a:buNone/>
+            </a:pPr>
+            <a:endParaRPr lang="en-US" sz="2800" dirty="0">
+              <a:latin typeface="Palatino Linotype" pitchFamily="18" charset="0"/>
+              <a:ea typeface="Cambria Math" pitchFamily="18" charset="0"/>
+              <a:cs typeface="Times New Roman" pitchFamily="18" charset="0"/>
+              <a:sym typeface="Wingdings" pitchFamily="2" charset="2"/>
+            </a:endParaRPr>
+          </a:p>
+          <a:p>
+            <a:r>
+              <a:rPr lang="en-US" sz="2800" dirty="0">
+                <a:latin typeface="Palatino Linotype" pitchFamily="18" charset="0"/>
+                <a:ea typeface="Cambria Math" pitchFamily="18" charset="0"/>
+                <a:cs typeface="Times New Roman" pitchFamily="18" charset="0"/>
+                <a:sym typeface="Wingdings" pitchFamily="2" charset="2"/>
+              </a:rPr>
+              <a:t>Sum of squares</a:t>
+            </a:r>
+          </a:p>
+          <a:p>
+            <a:endParaRPr lang="en-US" dirty="0">
+              <a:latin typeface="Palatino Linotype" pitchFamily="18" charset="0"/>
+              <a:ea typeface="Cambria Math" pitchFamily="18" charset="0"/>
+              <a:cs typeface="Times New Roman" pitchFamily="18" charset="0"/>
+              <a:sym typeface="Wingdings" pitchFamily="2" charset="2"/>
+            </a:endParaRPr>
+          </a:p>
+          <a:p>
+            <a:endParaRPr lang="en-US" dirty="0">
+              <a:latin typeface="Palatino Linotype" pitchFamily="18" charset="0"/>
+              <a:ea typeface="Cambria Math" pitchFamily="18" charset="0"/>
+              <a:cs typeface="Times New Roman" pitchFamily="18" charset="0"/>
+              <a:sym typeface="Wingdings" pitchFamily="2" charset="2"/>
+            </a:endParaRPr>
+          </a:p>
+          <a:p>
+            <a:r>
+              <a:rPr lang="en-US" sz="2800" dirty="0">
+                <a:latin typeface="Palatino Linotype" pitchFamily="18" charset="0"/>
+              </a:rPr>
+              <a:t>The sum of the squared deviations of the scores about the mean is usually not zero, but it is </a:t>
+            </a:r>
+            <a:r>
+              <a:rPr lang="en-US" sz="2800" dirty="0">
+                <a:solidFill>
+                  <a:srgbClr val="C00000"/>
+                </a:solidFill>
+                <a:latin typeface="Palatino Linotype" pitchFamily="18" charset="0"/>
+              </a:rPr>
+              <a:t>smaller</a:t>
+            </a:r>
+            <a:r>
+              <a:rPr lang="en-US" sz="2800" dirty="0">
+                <a:latin typeface="Palatino Linotype" pitchFamily="18" charset="0"/>
+              </a:rPr>
+              <a:t> than the sum of the squared deviations about any other number.</a:t>
+            </a:r>
+            <a:endParaRPr lang="en-US" sz="2800" dirty="0">
+              <a:latin typeface="Palatino Linotype" pitchFamily="18" charset="0"/>
+              <a:ea typeface="Cambria Math" pitchFamily="18" charset="0"/>
+              <a:cs typeface="Times New Roman" pitchFamily="18" charset="0"/>
+              <a:sym typeface="Wingdings" pitchFamily="2" charset="2"/>
+            </a:endParaRPr>
+          </a:p>
+        </p:txBody>
+      </p:sp>
+      <p:sp>
+        <p:nvSpPr>
+          <p:cNvPr id="2050" name="Rectangle 2"/>
+          <p:cNvSpPr>
+            <a:spLocks noChangeArrowheads="1"/>
+          </p:cNvSpPr>
+          <p:nvPr/>
+        </p:nvSpPr>
+        <p:spPr bwMode="auto">
+          <a:xfrm>
+            <a:off x="0" y="-184666"/>
+            <a:ext cx="184731" cy="369332"/>
+          </a:xfrm>
+          <a:prstGeom prst="rect">
+            <a:avLst/>
+          </a:prstGeom>
+          <a:noFill/>
+          <a:ln w="9525">
+            <a:noFill/>
+            <a:miter lim="800000"/>
+            <a:headEnd/>
+            <a:tailEnd/>
+          </a:ln>
+          <a:effectLst/>
+        </p:spPr>
+        <p:txBody>
+          <a:bodyPr vert="horz" wrap="none" lIns="91440" tIns="45720" rIns="91440" bIns="45720" numCol="1" anchor="ctr" anchorCtr="0" compatLnSpc="1">
+            <a:prstTxWarp prst="textNoShape">
+              <a:avLst/>
+            </a:prstTxWarp>
+            <a:spAutoFit/>
+          </a:bodyPr>
+          <a:lstStyle/>
+          <a:p>
+            <a:endParaRPr lang="en-US" dirty="0">
+              <a:latin typeface="Palatino Linotype" pitchFamily="18" charset="0"/>
+            </a:endParaRPr>
+          </a:p>
+        </p:txBody>
+      </p:sp>
+      <p:graphicFrame>
+        <p:nvGraphicFramePr>
+          <p:cNvPr id="156676" name="Object 4"/>
+          <p:cNvGraphicFramePr>
+            <a:graphicFrameLocks noChangeAspect="1"/>
+          </p:cNvGraphicFramePr>
+          <p:nvPr>
+            <p:extLst>
+              <p:ext uri="{D42A27DB-BD31-4B8C-83A1-F6EECF244321}">
+                <p14:modId xmlns:p14="http://schemas.microsoft.com/office/powerpoint/2010/main" val="2490111737"/>
+              </p:ext>
+            </p:extLst>
+          </p:nvPr>
+        </p:nvGraphicFramePr>
+        <p:xfrm>
+          <a:off x="3429000" y="2057400"/>
+          <a:ext cx="1289050" cy="1066800"/>
+        </p:xfrm>
+        <a:graphic>
+          <a:graphicData uri="http://schemas.openxmlformats.org/presentationml/2006/ole">
+            <mc:AlternateContent xmlns:mc="http://schemas.openxmlformats.org/markup-compatibility/2006">
+              <mc:Choice xmlns:v="urn:schemas-microsoft-com:vml" Requires="v">
+                <p:oleObj spid="_x0000_s17694" name="Equation" r:id="rId4" imgW="736560" imgH="609480" progId="Equation.DSMT4">
+                  <p:embed/>
+                </p:oleObj>
+              </mc:Choice>
+              <mc:Fallback>
+                <p:oleObj name="Equation" r:id="rId4" imgW="736560" imgH="609480" progId="Equation.DSMT4">
+                  <p:embed/>
+                  <p:pic>
+                    <p:nvPicPr>
+                      <p:cNvPr id="0" name=""/>
+                      <p:cNvPicPr>
+                        <a:picLocks noChangeAspect="1" noChangeArrowheads="1"/>
+                      </p:cNvPicPr>
+                      <p:nvPr/>
+                    </p:nvPicPr>
+                    <p:blipFill>
+                      <a:blip r:embed="rId5"/>
+                      <a:srcRect/>
+                      <a:stretch>
+                        <a:fillRect/>
+                      </a:stretch>
+                    </p:blipFill>
+                    <p:spPr bwMode="auto">
+                      <a:xfrm>
+                        <a:off x="3429000" y="2057400"/>
+                        <a:ext cx="1289050" cy="1066800"/>
+                      </a:xfrm>
+                      <a:prstGeom prst="rect">
+                        <a:avLst/>
+                      </a:prstGeom>
+                      <a:noFill/>
+                      <a:extLst/>
+                    </p:spPr>
+                  </p:pic>
+                </p:oleObj>
+              </mc:Fallback>
+            </mc:AlternateContent>
+          </a:graphicData>
+        </a:graphic>
+      </p:graphicFrame>
+      <p:graphicFrame>
+        <p:nvGraphicFramePr>
+          <p:cNvPr id="157700" name="Object 4"/>
+          <p:cNvGraphicFramePr>
+            <a:graphicFrameLocks noChangeAspect="1"/>
+          </p:cNvGraphicFramePr>
+          <p:nvPr>
+            <p:extLst>
+              <p:ext uri="{D42A27DB-BD31-4B8C-83A1-F6EECF244321}">
+                <p14:modId xmlns:p14="http://schemas.microsoft.com/office/powerpoint/2010/main" val="2663935189"/>
+              </p:ext>
+            </p:extLst>
+          </p:nvPr>
+        </p:nvGraphicFramePr>
+        <p:xfrm>
+          <a:off x="3352800" y="3429000"/>
+          <a:ext cx="2438400" cy="909808"/>
+        </p:xfrm>
+        <a:graphic>
+          <a:graphicData uri="http://schemas.openxmlformats.org/presentationml/2006/ole">
+            <mc:AlternateContent xmlns:mc="http://schemas.openxmlformats.org/markup-compatibility/2006">
+              <mc:Choice xmlns:v="urn:schemas-microsoft-com:vml" Requires="v">
+                <p:oleObj spid="_x0000_s17695" name="Equation" r:id="rId6" imgW="1155600" imgH="431640" progId="Equation.DSMT4">
+                  <p:embed/>
+                </p:oleObj>
+              </mc:Choice>
+              <mc:Fallback>
+                <p:oleObj name="Equation" r:id="rId6" imgW="1155600" imgH="431640" progId="Equation.DSMT4">
+                  <p:embed/>
+                  <p:pic>
+                    <p:nvPicPr>
+                      <p:cNvPr id="0" name=""/>
+                      <p:cNvPicPr>
+                        <a:picLocks noChangeAspect="1" noChangeArrowheads="1"/>
+                      </p:cNvPicPr>
+                      <p:nvPr/>
+                    </p:nvPicPr>
+                    <p:blipFill>
+                      <a:blip r:embed="rId7"/>
+                      <a:srcRect/>
+                      <a:stretch>
+                        <a:fillRect/>
+                      </a:stretch>
+                    </p:blipFill>
+                    <p:spPr bwMode="auto">
+                      <a:xfrm>
+                        <a:off x="3352800" y="3429000"/>
+                        <a:ext cx="2438400" cy="909808"/>
+                      </a:xfrm>
+                      <a:prstGeom prst="rect">
+                        <a:avLst/>
+                      </a:prstGeom>
+                      <a:noFill/>
+                      <a:extLst/>
+                    </p:spPr>
+                  </p:pic>
+                </p:oleObj>
+              </mc:Fallback>
+            </mc:AlternateContent>
+          </a:graphicData>
+        </a:graphic>
+      </p:graphicFrame>
+      <p:sp>
+        <p:nvSpPr>
+          <p:cNvPr id="4" name="Slide Number Placeholder 3">
+            <a:extLst>
+              <a:ext uri="{FF2B5EF4-FFF2-40B4-BE49-F238E27FC236}">
+                <a16:creationId xmlns:a16="http://schemas.microsoft.com/office/drawing/2014/main" id="{EAAB81A8-A5D3-1144-B066-233E58E0932B}"/>
+              </a:ext>
+            </a:extLst>
+          </p:cNvPr>
+          <p:cNvSpPr>
+            <a:spLocks noGrp="1"/>
+          </p:cNvSpPr>
+          <p:nvPr>
+            <p:ph type="sldNum" sz="quarter" idx="12"/>
+          </p:nvPr>
+        </p:nvSpPr>
+        <p:spPr/>
+        <p:txBody>
+          <a:bodyPr/>
+          <a:lstStyle/>
+          <a:p>
+            <a:fld id="{DF9221D8-3A4D-495B-963C-88FDE081B2F3}" type="slidenum">
+              <a:rPr lang="en-US" smtClean="0"/>
+              <a:t>11</a:t>
+            </a:fld>
+            <a:endParaRPr lang="en-US"/>
+          </a:p>
+        </p:txBody>
+      </p:sp>
+    </p:spTree>
+    <p:extLst>
+      <p:ext uri="{BB962C8B-B14F-4D97-AF65-F5344CB8AC3E}">
+        <p14:creationId xmlns:p14="http://schemas.microsoft.com/office/powerpoint/2010/main" val="3891274595"/>
+      </p:ext>
+    </p:extLst>
+  </p:cSld>
+  <p:clrMapOvr>
+    <a:masterClrMapping/>
+  </p:clrMapOvr>
+  <p:timing>
+    <p:tnLst>
+      <p:par>
+        <p:cTn id="1" dur="indefinite" restart="never" nodeType="tmRoot">
+          <p:childTnLst>
+            <p:seq concurrent="1" nextAc="seek">
+              <p:cTn id="2" dur="indefinite" nodeType="mainSeq">
+                <p:childTnLst>
+                  <p:par>
+                    <p:cTn id="3" fill="hold">
+                      <p:stCondLst>
+                        <p:cond delay="indefinite"/>
+                        <p:cond evt="onBegin" delay="0">
+                          <p:tn val="2"/>
+                        </p:cond>
+                      </p:stCondLst>
+                      <p:childTnLst>
+                        <p:par>
+                          <p:cTn id="4" fill="hold">
+                            <p:stCondLst>
+                              <p:cond delay="0"/>
+                            </p:stCondLst>
+                            <p:childTnLst>
+                              <p:par>
+                                <p:cTn id="5" presetID="1" presetClass="entr" presetSubtype="0" fill="hold" nodeType="withEffect">
+                                  <p:stCondLst>
+                                    <p:cond delay="0"/>
+                                  </p:stCondLst>
+                                  <p:childTnLst>
+                                    <p:set>
+                                      <p:cBhvr>
+                                        <p:cTn id="6" dur="1" fill="hold">
+                                          <p:stCondLst>
+                                            <p:cond delay="0"/>
+                                          </p:stCondLst>
+                                        </p:cTn>
+                                        <p:tgtEl>
+                                          <p:spTgt spid="3">
+                                            <p:txEl>
+                                              <p:pRg st="0" end="0"/>
+                                            </p:txEl>
+                                          </p:spTgt>
+                                        </p:tgtEl>
+                                        <p:attrNameLst>
+                                          <p:attrName>style.visibility</p:attrName>
+                                        </p:attrNameLst>
+                                      </p:cBhvr>
+                                      <p:to>
+                                        <p:strVal val="visible"/>
+                                      </p:to>
+                                    </p:set>
+                                  </p:childTnLst>
+                                </p:cTn>
+                              </p:par>
+                              <p:par>
+                                <p:cTn id="7" presetID="1" presetClass="entr" presetSubtype="0" fill="hold" nodeType="withEffect">
+                                  <p:stCondLst>
+                                    <p:cond delay="0"/>
+                                  </p:stCondLst>
+                                  <p:childTnLst>
+                                    <p:set>
+                                      <p:cBhvr>
+                                        <p:cTn id="8" dur="1" fill="hold">
+                                          <p:stCondLst>
+                                            <p:cond delay="0"/>
+                                          </p:stCondLst>
+                                        </p:cTn>
+                                        <p:tgtEl>
+                                          <p:spTgt spid="156676"/>
+                                        </p:tgtEl>
+                                        <p:attrNameLst>
+                                          <p:attrName>style.visibility</p:attrName>
+                                        </p:attrNameLst>
+                                      </p:cBhvr>
+                                      <p:to>
+                                        <p:strVal val="visible"/>
+                                      </p:to>
+                                    </p:set>
+                                  </p:childTnLst>
+                                </p:cTn>
+                              </p:par>
+                            </p:childTnLst>
+                          </p:cTn>
+                        </p:par>
+                      </p:childTnLst>
+                    </p:cTn>
+                  </p:par>
+                  <p:par>
+                    <p:cTn id="9" fill="hold">
+                      <p:stCondLst>
+                        <p:cond delay="indefinite"/>
+                      </p:stCondLst>
+                      <p:childTnLst>
+                        <p:par>
+                          <p:cTn id="10" fill="hold">
+                            <p:stCondLst>
+                              <p:cond delay="0"/>
+                            </p:stCondLst>
+                            <p:childTnLst>
+                              <p:par>
+                                <p:cTn id="11" presetID="1" presetClass="entr" presetSubtype="0" fill="hold" nodeType="clickEffect">
+                                  <p:stCondLst>
+                                    <p:cond delay="0"/>
+                                  </p:stCondLst>
+                                  <p:childTnLst>
+                                    <p:set>
+                                      <p:cBhvr>
+                                        <p:cTn id="12" dur="1" fill="hold">
+                                          <p:stCondLst>
+                                            <p:cond delay="0"/>
+                                          </p:stCondLst>
+                                        </p:cTn>
+                                        <p:tgtEl>
+                                          <p:spTgt spid="3">
+                                            <p:txEl>
+                                              <p:pRg st="4" end="4"/>
+                                            </p:txEl>
+                                          </p:spTgt>
+                                        </p:tgtEl>
+                                        <p:attrNameLst>
+                                          <p:attrName>style.visibility</p:attrName>
+                                        </p:attrNameLst>
+                                      </p:cBhvr>
+                                      <p:to>
+                                        <p:strVal val="visible"/>
+                                      </p:to>
+                                    </p:set>
+                                  </p:childTnLst>
+                                </p:cTn>
+                              </p:par>
+                            </p:childTnLst>
+                          </p:cTn>
+                        </p:par>
+                      </p:childTnLst>
+                    </p:cTn>
+                  </p:par>
+                  <p:par>
+                    <p:cTn id="13" fill="hold">
+                      <p:stCondLst>
+                        <p:cond delay="indefinite"/>
+                      </p:stCondLst>
+                      <p:childTnLst>
+                        <p:par>
+                          <p:cTn id="14" fill="hold">
+                            <p:stCondLst>
+                              <p:cond delay="0"/>
+                            </p:stCondLst>
+                            <p:childTnLst>
+                              <p:par>
+                                <p:cTn id="15" presetID="1" presetClass="entr" presetSubtype="0" fill="hold" nodeType="clickEffect">
+                                  <p:stCondLst>
+                                    <p:cond delay="0"/>
+                                  </p:stCondLst>
+                                  <p:childTnLst>
+                                    <p:set>
+                                      <p:cBhvr>
+                                        <p:cTn id="16" dur="1" fill="hold">
+                                          <p:stCondLst>
+                                            <p:cond delay="0"/>
+                                          </p:stCondLst>
+                                        </p:cTn>
+                                        <p:tgtEl>
+                                          <p:spTgt spid="3">
+                                            <p:txEl>
+                                              <p:pRg st="7" end="7"/>
+                                            </p:txEl>
+                                          </p:spTgt>
+                                        </p:tgtEl>
+                                        <p:attrNameLst>
+                                          <p:attrName>style.visibility</p:attrName>
+                                        </p:attrNameLst>
+                                      </p:cBhvr>
+                                      <p:to>
+                                        <p:strVal val="visible"/>
+                                      </p:to>
+                                    </p:set>
+                                  </p:childTnLst>
+                                </p:cTn>
+                              </p:par>
+                              <p:par>
+                                <p:cTn id="17" presetID="1" presetClass="entr" presetSubtype="0" fill="hold" nodeType="withEffect">
+                                  <p:stCondLst>
+                                    <p:cond delay="0"/>
+                                  </p:stCondLst>
+                                  <p:childTnLst>
+                                    <p:set>
+                                      <p:cBhvr>
+                                        <p:cTn id="18" dur="1" fill="hold">
+                                          <p:stCondLst>
+                                            <p:cond delay="0"/>
+                                          </p:stCondLst>
+                                        </p:cTn>
+                                        <p:tgtEl>
+                                          <p:spTgt spid="157700"/>
+                                        </p:tgtEl>
+                                        <p:attrNameLst>
+                                          <p:attrName>style.visibility</p:attrName>
+                                        </p:attrNameLst>
+                                      </p:cBhvr>
+                                      <p:to>
+                                        <p:strVal val="visible"/>
+                                      </p:to>
+                                    </p:set>
+                                  </p:childTnLst>
+                                </p:cTn>
+                              </p:par>
+                            </p:childTnLst>
+                          </p:cTn>
+                        </p:par>
+                      </p:childTnLst>
+                    </p:cTn>
+                  </p:par>
+                </p:childTnLst>
+              </p:cTn>
+              <p:prevCondLst>
+                <p:cond evt="onPrev" delay="0">
+                  <p:tgtEl>
+                    <p:sldTgt/>
+                  </p:tgtEl>
+                </p:cond>
+              </p:prevCondLst>
+              <p:nextCondLst>
+                <p:cond evt="onNext" delay="0">
+                  <p:tgtEl>
+                    <p:sldTgt/>
+                  </p:tgtEl>
+                </p:cond>
+              </p:nextCondLst>
+            </p:seq>
+          </p:childTnLst>
+        </p:cTn>
+      </p:par>
+    </p:tnLst>
+  </p:timing>
+</p:sld>
+</file>
+
+<file path=ppt/slides/slide12.xml><?xml version="1.0" encoding="utf-8"?>
+<p:sld xmlns:a="http://schemas.openxmlformats.org/drawingml/2006/main" xmlns:r="http://schemas.openxmlformats.org/officeDocument/2006/relationships" xmlns:p="http://schemas.openxmlformats.org/presentationml/2006/main">
+  <p:cSld>
+    <p:spTree>
+      <p:nvGrpSpPr>
+        <p:cNvPr id="1" name=""/>
+        <p:cNvGrpSpPr/>
+        <p:nvPr/>
+      </p:nvGrpSpPr>
+      <p:grpSpPr>
+        <a:xfrm>
+          <a:off x="0" y="0"/>
+          <a:ext cx="0" cy="0"/>
+          <a:chOff x="0" y="0"/>
+          <a:chExt cx="0" cy="0"/>
+        </a:xfrm>
+      </p:grpSpPr>
+      <p:sp>
+        <p:nvSpPr>
+          <p:cNvPr id="2" name="Title 1"/>
+          <p:cNvSpPr>
+            <a:spLocks noGrp="1"/>
+          </p:cNvSpPr>
+          <p:nvPr>
+            <p:ph type="title"/>
+          </p:nvPr>
+        </p:nvSpPr>
+        <p:spPr/>
+        <p:txBody>
+          <a:bodyPr>
+            <a:normAutofit/>
+          </a:bodyPr>
+          <a:lstStyle/>
+          <a:p>
+            <a:r>
+              <a:rPr lang="en-US" b="1" dirty="0">
+                <a:solidFill>
+                  <a:srgbClr val="000099"/>
+                </a:solidFill>
+                <a:latin typeface="Palatino Linotype" pitchFamily="18" charset="0"/>
+                <a:ea typeface="Cambria Math" pitchFamily="18" charset="0"/>
+              </a:rPr>
+              <a:t>Population Standard Deviation</a:t>
+            </a:r>
+            <a:endParaRPr lang="en-US" dirty="0">
+              <a:solidFill>
+                <a:srgbClr val="000099"/>
+              </a:solidFill>
+              <a:latin typeface="Palatino Linotype" pitchFamily="18" charset="0"/>
+              <a:ea typeface="Cambria Math" pitchFamily="18" charset="0"/>
+            </a:endParaRPr>
+          </a:p>
+        </p:txBody>
+      </p:sp>
+      <p:sp>
+        <p:nvSpPr>
+          <p:cNvPr id="3" name="Subtitle 2"/>
+          <p:cNvSpPr>
+            <a:spLocks noGrp="1"/>
+          </p:cNvSpPr>
+          <p:nvPr>
+            <p:ph idx="1"/>
+          </p:nvPr>
+        </p:nvSpPr>
+        <p:spPr>
+          <a:xfrm>
+            <a:off x="457200" y="1600200"/>
+            <a:ext cx="8534400" cy="4572000"/>
+          </a:xfrm>
+        </p:spPr>
+        <p:txBody>
+          <a:bodyPr>
+            <a:normAutofit/>
+          </a:bodyPr>
+          <a:lstStyle/>
+          <a:p>
+            <a:r>
+              <a:rPr lang="en-US" dirty="0">
+                <a:latin typeface="Palatino Linotype" pitchFamily="18" charset="0"/>
+                <a:ea typeface="Cambria Math" pitchFamily="18" charset="0"/>
+                <a:cs typeface="Times New Roman" pitchFamily="18" charset="0"/>
+              </a:rPr>
+              <a:t>Variance</a:t>
+            </a:r>
+          </a:p>
+          <a:p>
+            <a:pPr lvl="1"/>
+            <a:endParaRPr lang="en-US" dirty="0">
+              <a:latin typeface="Palatino Linotype" pitchFamily="18" charset="0"/>
+              <a:ea typeface="Cambria Math" pitchFamily="18" charset="0"/>
+              <a:cs typeface="Times New Roman" pitchFamily="18" charset="0"/>
+            </a:endParaRPr>
+          </a:p>
+          <a:p>
+            <a:pPr lvl="1"/>
+            <a:endParaRPr lang="en-US" dirty="0">
+              <a:latin typeface="Palatino Linotype" pitchFamily="18" charset="0"/>
+              <a:ea typeface="Cambria Math" pitchFamily="18" charset="0"/>
+              <a:cs typeface="Times New Roman" pitchFamily="18" charset="0"/>
+            </a:endParaRPr>
+          </a:p>
+          <a:p>
+            <a:pPr lvl="1"/>
+            <a:endParaRPr lang="en-US" dirty="0">
+              <a:latin typeface="Palatino Linotype" pitchFamily="18" charset="0"/>
+              <a:ea typeface="Cambria Math" pitchFamily="18" charset="0"/>
+              <a:cs typeface="Times New Roman" pitchFamily="18" charset="0"/>
+            </a:endParaRPr>
+          </a:p>
+          <a:p>
+            <a:r>
+              <a:rPr lang="en-US" dirty="0">
+                <a:latin typeface="Palatino Linotype" pitchFamily="18" charset="0"/>
+                <a:ea typeface="Cambria Math" pitchFamily="18" charset="0"/>
+                <a:cs typeface="Times New Roman" pitchFamily="18" charset="0"/>
+              </a:rPr>
+              <a:t>Standard deviation </a:t>
+            </a:r>
+          </a:p>
+          <a:p>
+            <a:pPr marL="457200" lvl="1" indent="0">
+              <a:buNone/>
+            </a:pPr>
+            <a:r>
+              <a:rPr lang="en-US" dirty="0">
+                <a:latin typeface="Palatino Linotype" pitchFamily="18" charset="0"/>
+                <a:ea typeface="Cambria Math" pitchFamily="18" charset="0"/>
+                <a:cs typeface="Times New Roman" pitchFamily="18" charset="0"/>
+              </a:rPr>
+              <a:t>	</a:t>
+            </a:r>
+          </a:p>
+          <a:p>
+            <a:pPr lvl="1"/>
+            <a:endParaRPr lang="en-US" dirty="0">
+              <a:latin typeface="Palatino Linotype" pitchFamily="18" charset="0"/>
+              <a:ea typeface="Cambria Math" pitchFamily="18" charset="0"/>
+              <a:cs typeface="Times New Roman" pitchFamily="18" charset="0"/>
+            </a:endParaRPr>
+          </a:p>
+          <a:p>
+            <a:pPr lvl="1"/>
+            <a:endParaRPr lang="en-US" dirty="0">
+              <a:latin typeface="Palatino Linotype" pitchFamily="18" charset="0"/>
+              <a:ea typeface="Cambria Math" pitchFamily="18" charset="0"/>
+              <a:cs typeface="Times New Roman" pitchFamily="18" charset="0"/>
+            </a:endParaRPr>
+          </a:p>
+          <a:p>
+            <a:pPr marL="457200" lvl="1" indent="0">
+              <a:buNone/>
+            </a:pPr>
+            <a:endParaRPr lang="en-US" dirty="0">
+              <a:latin typeface="Palatino Linotype" pitchFamily="18" charset="0"/>
+              <a:ea typeface="Cambria Math" pitchFamily="18" charset="0"/>
+              <a:cs typeface="Times New Roman" pitchFamily="18" charset="0"/>
+            </a:endParaRPr>
+          </a:p>
+        </p:txBody>
+      </p:sp>
+      <p:sp>
+        <p:nvSpPr>
+          <p:cNvPr id="2050" name="Rectangle 2"/>
+          <p:cNvSpPr>
+            <a:spLocks noChangeArrowheads="1"/>
+          </p:cNvSpPr>
+          <p:nvPr/>
+        </p:nvSpPr>
+        <p:spPr bwMode="auto">
+          <a:xfrm>
+            <a:off x="0" y="-184666"/>
+            <a:ext cx="184731" cy="369332"/>
+          </a:xfrm>
+          <a:prstGeom prst="rect">
+            <a:avLst/>
+          </a:prstGeom>
+          <a:noFill/>
+          <a:ln w="9525">
+            <a:noFill/>
+            <a:miter lim="800000"/>
+            <a:headEnd/>
+            <a:tailEnd/>
+          </a:ln>
+          <a:effectLst/>
+        </p:spPr>
+        <p:txBody>
+          <a:bodyPr vert="horz" wrap="none" lIns="91440" tIns="45720" rIns="91440" bIns="45720" numCol="1" anchor="ctr" anchorCtr="0" compatLnSpc="1">
+            <a:prstTxWarp prst="textNoShape">
+              <a:avLst/>
+            </a:prstTxWarp>
+            <a:spAutoFit/>
+          </a:bodyPr>
+          <a:lstStyle/>
+          <a:p>
+            <a:endParaRPr lang="en-US" dirty="0">
+              <a:latin typeface="Palatino Linotype" pitchFamily="18" charset="0"/>
+            </a:endParaRPr>
+          </a:p>
+        </p:txBody>
+      </p:sp>
+      <p:graphicFrame>
+        <p:nvGraphicFramePr>
+          <p:cNvPr id="6" name="Object 5"/>
+          <p:cNvGraphicFramePr>
+            <a:graphicFrameLocks noChangeAspect="1"/>
+          </p:cNvGraphicFramePr>
+          <p:nvPr>
+            <p:extLst>
+              <p:ext uri="{D42A27DB-BD31-4B8C-83A1-F6EECF244321}">
+                <p14:modId xmlns:p14="http://schemas.microsoft.com/office/powerpoint/2010/main" val="292481102"/>
+              </p:ext>
+            </p:extLst>
+          </p:nvPr>
+        </p:nvGraphicFramePr>
+        <p:xfrm>
+          <a:off x="800100" y="2286000"/>
+          <a:ext cx="6330950" cy="1096963"/>
+        </p:xfrm>
+        <a:graphic>
+          <a:graphicData uri="http://schemas.openxmlformats.org/presentationml/2006/ole">
+            <mc:AlternateContent xmlns:mc="http://schemas.openxmlformats.org/markup-compatibility/2006">
+              <mc:Choice xmlns:v="urn:schemas-microsoft-com:vml" Requires="v">
+                <p:oleObj spid="_x0000_s15673" name="Equation" r:id="rId4" imgW="3517560" imgH="609480" progId="Equation.DSMT4">
+                  <p:embed/>
+                </p:oleObj>
+              </mc:Choice>
+              <mc:Fallback>
+                <p:oleObj name="Equation" r:id="rId4" imgW="3517560" imgH="609480" progId="Equation.DSMT4">
+                  <p:embed/>
+                  <p:pic>
+                    <p:nvPicPr>
+                      <p:cNvPr id="0" name=""/>
+                      <p:cNvPicPr>
+                        <a:picLocks noChangeAspect="1" noChangeArrowheads="1"/>
+                      </p:cNvPicPr>
+                      <p:nvPr/>
+                    </p:nvPicPr>
+                    <p:blipFill>
+                      <a:blip r:embed="rId5"/>
+                      <a:srcRect/>
+                      <a:stretch>
+                        <a:fillRect/>
+                      </a:stretch>
+                    </p:blipFill>
+                    <p:spPr bwMode="auto">
+                      <a:xfrm>
+                        <a:off x="800100" y="2286000"/>
+                        <a:ext cx="6330950" cy="1096963"/>
+                      </a:xfrm>
+                      <a:prstGeom prst="rect">
+                        <a:avLst/>
+                      </a:prstGeom>
+                      <a:noFill/>
+                      <a:ln>
+                        <a:noFill/>
+                      </a:ln>
+                      <a:extLst>
+                        <a:ext uri="{909E8E84-426E-40DD-AFC4-6F175D3DCCD1}">
+                          <a14:hiddenFill xmlns:a14="http://schemas.microsoft.com/office/drawing/2010/main">
+                            <a:solidFill>
+                              <a:srgbClr val="FFFFFF"/>
+                            </a:solidFill>
+                          </a14:hiddenFill>
+                        </a:ext>
+                        <a:ext uri="{91240B29-F687-4F45-9708-019B960494DF}">
+                          <a14:hiddenLine xmlns:a14="http://schemas.microsoft.com/office/drawing/2010/main" w="9525">
+                            <a:solidFill>
+                              <a:srgbClr val="000000"/>
+                            </a:solidFill>
+                            <a:miter lim="800000"/>
+                            <a:headEnd/>
+                            <a:tailEnd/>
+                          </a14:hiddenLine>
+                        </a:ext>
+                      </a:extLst>
+                    </p:spPr>
+                  </p:pic>
+                </p:oleObj>
+              </mc:Fallback>
+            </mc:AlternateContent>
+          </a:graphicData>
+        </a:graphic>
+      </p:graphicFrame>
+      <p:graphicFrame>
+        <p:nvGraphicFramePr>
+          <p:cNvPr id="7" name="Object 6"/>
+          <p:cNvGraphicFramePr>
+            <a:graphicFrameLocks noChangeAspect="1"/>
+          </p:cNvGraphicFramePr>
+          <p:nvPr>
+            <p:extLst>
+              <p:ext uri="{D42A27DB-BD31-4B8C-83A1-F6EECF244321}">
+                <p14:modId xmlns:p14="http://schemas.microsoft.com/office/powerpoint/2010/main" val="1675037974"/>
+              </p:ext>
+            </p:extLst>
+          </p:nvPr>
+        </p:nvGraphicFramePr>
+        <p:xfrm>
+          <a:off x="1851025" y="4495800"/>
+          <a:ext cx="2951163" cy="1189038"/>
+        </p:xfrm>
+        <a:graphic>
+          <a:graphicData uri="http://schemas.openxmlformats.org/presentationml/2006/ole">
+            <mc:AlternateContent xmlns:mc="http://schemas.openxmlformats.org/markup-compatibility/2006">
+              <mc:Choice xmlns:v="urn:schemas-microsoft-com:vml" Requires="v">
+                <p:oleObj spid="_x0000_s15674" name="Equation" r:id="rId6" imgW="1638000" imgH="660240" progId="Equation.DSMT4">
+                  <p:embed/>
+                </p:oleObj>
+              </mc:Choice>
+              <mc:Fallback>
+                <p:oleObj name="Equation" r:id="rId6" imgW="1638000" imgH="660240" progId="Equation.DSMT4">
+                  <p:embed/>
+                  <p:pic>
+                    <p:nvPicPr>
+                      <p:cNvPr id="0" name=""/>
+                      <p:cNvPicPr>
+                        <a:picLocks noChangeAspect="1" noChangeArrowheads="1"/>
+                      </p:cNvPicPr>
+                      <p:nvPr/>
+                    </p:nvPicPr>
+                    <p:blipFill>
+                      <a:blip r:embed="rId7"/>
+                      <a:srcRect/>
+                      <a:stretch>
+                        <a:fillRect/>
+                      </a:stretch>
+                    </p:blipFill>
+                    <p:spPr bwMode="auto">
+                      <a:xfrm>
+                        <a:off x="1851025" y="4495800"/>
+                        <a:ext cx="2951163" cy="1189038"/>
+                      </a:xfrm>
+                      <a:prstGeom prst="rect">
+                        <a:avLst/>
+                      </a:prstGeom>
+                      <a:noFill/>
+                      <a:ln>
+                        <a:noFill/>
+                      </a:ln>
+                      <a:extLst>
+                        <a:ext uri="{909E8E84-426E-40DD-AFC4-6F175D3DCCD1}">
+                          <a14:hiddenFill xmlns:a14="http://schemas.microsoft.com/office/drawing/2010/main">
+                            <a:solidFill>
+                              <a:srgbClr val="FFFFFF"/>
+                            </a:solidFill>
+                          </a14:hiddenFill>
+                        </a:ext>
+                        <a:ext uri="{91240B29-F687-4F45-9708-019B960494DF}">
+                          <a14:hiddenLine xmlns:a14="http://schemas.microsoft.com/office/drawing/2010/main" w="9525">
+                            <a:solidFill>
+                              <a:srgbClr val="000000"/>
+                            </a:solidFill>
+                            <a:miter lim="800000"/>
+                            <a:headEnd/>
+                            <a:tailEnd/>
+                          </a14:hiddenLine>
+                        </a:ext>
+                      </a:extLst>
+                    </p:spPr>
+                  </p:pic>
+                </p:oleObj>
+              </mc:Fallback>
+            </mc:AlternateContent>
+          </a:graphicData>
+        </a:graphic>
+      </p:graphicFrame>
+      <p:sp>
+        <p:nvSpPr>
+          <p:cNvPr id="4" name="Slide Number Placeholder 3">
+            <a:extLst>
+              <a:ext uri="{FF2B5EF4-FFF2-40B4-BE49-F238E27FC236}">
+                <a16:creationId xmlns:a16="http://schemas.microsoft.com/office/drawing/2014/main" id="{BFEF2904-E5F8-5C43-9451-AC6B9FE1C84E}"/>
+              </a:ext>
+            </a:extLst>
+          </p:cNvPr>
+          <p:cNvSpPr>
+            <a:spLocks noGrp="1"/>
+          </p:cNvSpPr>
+          <p:nvPr>
+            <p:ph type="sldNum" sz="quarter" idx="12"/>
+          </p:nvPr>
+        </p:nvSpPr>
+        <p:spPr/>
+        <p:txBody>
+          <a:bodyPr/>
+          <a:lstStyle/>
+          <a:p>
+            <a:fld id="{DF9221D8-3A4D-495B-963C-88FDE081B2F3}" type="slidenum">
+              <a:rPr lang="en-US" smtClean="0"/>
+              <a:t>12</a:t>
+            </a:fld>
+            <a:endParaRPr lang="en-US"/>
+          </a:p>
+        </p:txBody>
+      </p:sp>
+    </p:spTree>
+    <p:extLst>
+      <p:ext uri="{BB962C8B-B14F-4D97-AF65-F5344CB8AC3E}">
+        <p14:creationId xmlns:p14="http://schemas.microsoft.com/office/powerpoint/2010/main" val="149823157"/>
+      </p:ext>
+    </p:extLst>
+  </p:cSld>
+  <p:clrMapOvr>
+    <a:masterClrMapping/>
+  </p:clrMapOvr>
+</p:sld>
+</file>
+
+<file path=ppt/slides/slide13.xml><?xml version="1.0" encoding="utf-8"?>
+<p:sld xmlns:a="http://schemas.openxmlformats.org/drawingml/2006/main" xmlns:r="http://schemas.openxmlformats.org/officeDocument/2006/relationships" xmlns:p="http://schemas.openxmlformats.org/presentationml/2006/main">
+  <p:cSld>
+    <p:spTree>
+      <p:nvGrpSpPr>
+        <p:cNvPr id="1" name=""/>
+        <p:cNvGrpSpPr/>
+        <p:nvPr/>
+      </p:nvGrpSpPr>
+      <p:grpSpPr>
+        <a:xfrm>
+          <a:off x="0" y="0"/>
+          <a:ext cx="0" cy="0"/>
+          <a:chOff x="0" y="0"/>
+          <a:chExt cx="0" cy="0"/>
+        </a:xfrm>
+      </p:grpSpPr>
+      <p:sp>
+        <p:nvSpPr>
+          <p:cNvPr id="2" name="Title 1"/>
+          <p:cNvSpPr>
+            <a:spLocks noGrp="1"/>
+          </p:cNvSpPr>
+          <p:nvPr>
+            <p:ph type="title"/>
+          </p:nvPr>
+        </p:nvSpPr>
+        <p:spPr/>
+        <p:txBody>
+          <a:bodyPr>
+            <a:normAutofit/>
+          </a:bodyPr>
+          <a:lstStyle/>
+          <a:p>
+            <a:r>
+              <a:rPr lang="en-US" b="1" dirty="0">
+                <a:solidFill>
+                  <a:srgbClr val="000099"/>
+                </a:solidFill>
+                <a:latin typeface="Palatino Linotype" pitchFamily="18" charset="0"/>
+                <a:ea typeface="Cambria Math" pitchFamily="18" charset="0"/>
+              </a:rPr>
+              <a:t>Sample Standard Deviation</a:t>
+            </a:r>
+            <a:endParaRPr lang="en-US" dirty="0">
+              <a:solidFill>
+                <a:srgbClr val="000099"/>
+              </a:solidFill>
+              <a:latin typeface="Palatino Linotype" pitchFamily="18" charset="0"/>
+              <a:ea typeface="Cambria Math" pitchFamily="18" charset="0"/>
+            </a:endParaRPr>
+          </a:p>
+        </p:txBody>
+      </p:sp>
+      <p:sp>
+        <p:nvSpPr>
+          <p:cNvPr id="3" name="Subtitle 2"/>
+          <p:cNvSpPr>
+            <a:spLocks noGrp="1"/>
+          </p:cNvSpPr>
+          <p:nvPr>
+            <p:ph idx="1"/>
+          </p:nvPr>
+        </p:nvSpPr>
+        <p:spPr>
+          <a:xfrm>
+            <a:off x="457200" y="1600200"/>
+            <a:ext cx="8534400" cy="4572000"/>
+          </a:xfrm>
+        </p:spPr>
+        <p:txBody>
+          <a:bodyPr>
+            <a:normAutofit/>
+          </a:bodyPr>
+          <a:lstStyle/>
+          <a:p>
+            <a:r>
+              <a:rPr lang="en-US" dirty="0">
+                <a:latin typeface="Palatino Linotype" pitchFamily="18" charset="0"/>
+                <a:ea typeface="Cambria Math" pitchFamily="18" charset="0"/>
+                <a:cs typeface="Times New Roman" pitchFamily="18" charset="0"/>
+              </a:rPr>
+              <a:t>Variance</a:t>
+            </a:r>
+          </a:p>
+          <a:p>
+            <a:pPr lvl="1"/>
+            <a:endParaRPr lang="en-US" dirty="0">
+              <a:latin typeface="Palatino Linotype" pitchFamily="18" charset="0"/>
+              <a:ea typeface="Cambria Math" pitchFamily="18" charset="0"/>
+              <a:cs typeface="Times New Roman" pitchFamily="18" charset="0"/>
+            </a:endParaRPr>
+          </a:p>
+          <a:p>
+            <a:pPr lvl="1"/>
+            <a:endParaRPr lang="en-US" dirty="0">
+              <a:latin typeface="Palatino Linotype" pitchFamily="18" charset="0"/>
+              <a:ea typeface="Cambria Math" pitchFamily="18" charset="0"/>
+              <a:cs typeface="Times New Roman" pitchFamily="18" charset="0"/>
+            </a:endParaRPr>
+          </a:p>
+          <a:p>
+            <a:pPr lvl="1"/>
+            <a:endParaRPr lang="en-US" dirty="0">
+              <a:latin typeface="Palatino Linotype" pitchFamily="18" charset="0"/>
+              <a:ea typeface="Cambria Math" pitchFamily="18" charset="0"/>
+              <a:cs typeface="Times New Roman" pitchFamily="18" charset="0"/>
+            </a:endParaRPr>
+          </a:p>
+          <a:p>
+            <a:r>
+              <a:rPr lang="en-US" dirty="0">
+                <a:latin typeface="Palatino Linotype" pitchFamily="18" charset="0"/>
+                <a:ea typeface="Cambria Math" pitchFamily="18" charset="0"/>
+                <a:cs typeface="Times New Roman" pitchFamily="18" charset="0"/>
+              </a:rPr>
+              <a:t>Standard deviation </a:t>
+            </a:r>
+          </a:p>
+          <a:p>
+            <a:pPr marL="457200" lvl="1" indent="0">
+              <a:buNone/>
+            </a:pPr>
+            <a:r>
+              <a:rPr lang="en-US" dirty="0">
+                <a:latin typeface="Palatino Linotype" pitchFamily="18" charset="0"/>
+                <a:ea typeface="Cambria Math" pitchFamily="18" charset="0"/>
+                <a:cs typeface="Times New Roman" pitchFamily="18" charset="0"/>
+              </a:rPr>
+              <a:t>	</a:t>
+            </a:r>
+          </a:p>
+          <a:p>
+            <a:pPr lvl="1"/>
+            <a:endParaRPr lang="en-US" dirty="0">
+              <a:latin typeface="Palatino Linotype" pitchFamily="18" charset="0"/>
+              <a:ea typeface="Cambria Math" pitchFamily="18" charset="0"/>
+              <a:cs typeface="Times New Roman" pitchFamily="18" charset="0"/>
+            </a:endParaRPr>
+          </a:p>
+          <a:p>
+            <a:pPr lvl="1"/>
+            <a:endParaRPr lang="en-US" dirty="0">
+              <a:latin typeface="Palatino Linotype" pitchFamily="18" charset="0"/>
+              <a:ea typeface="Cambria Math" pitchFamily="18" charset="0"/>
+              <a:cs typeface="Times New Roman" pitchFamily="18" charset="0"/>
+            </a:endParaRPr>
+          </a:p>
+          <a:p>
+            <a:pPr marL="457200" lvl="1" indent="0">
+              <a:buNone/>
+            </a:pPr>
+            <a:endParaRPr lang="en-US" dirty="0">
+              <a:latin typeface="Palatino Linotype" pitchFamily="18" charset="0"/>
+              <a:ea typeface="Cambria Math" pitchFamily="18" charset="0"/>
+              <a:cs typeface="Times New Roman" pitchFamily="18" charset="0"/>
+            </a:endParaRPr>
+          </a:p>
+        </p:txBody>
+      </p:sp>
+      <p:sp>
+        <p:nvSpPr>
+          <p:cNvPr id="2050" name="Rectangle 2"/>
+          <p:cNvSpPr>
+            <a:spLocks noChangeArrowheads="1"/>
+          </p:cNvSpPr>
+          <p:nvPr/>
+        </p:nvSpPr>
+        <p:spPr bwMode="auto">
+          <a:xfrm>
+            <a:off x="0" y="-184666"/>
+            <a:ext cx="184731" cy="369332"/>
+          </a:xfrm>
+          <a:prstGeom prst="rect">
+            <a:avLst/>
+          </a:prstGeom>
+          <a:noFill/>
+          <a:ln w="9525">
+            <a:noFill/>
+            <a:miter lim="800000"/>
+            <a:headEnd/>
+            <a:tailEnd/>
+          </a:ln>
+          <a:effectLst/>
+        </p:spPr>
+        <p:txBody>
+          <a:bodyPr vert="horz" wrap="none" lIns="91440" tIns="45720" rIns="91440" bIns="45720" numCol="1" anchor="ctr" anchorCtr="0" compatLnSpc="1">
+            <a:prstTxWarp prst="textNoShape">
+              <a:avLst/>
+            </a:prstTxWarp>
+            <a:spAutoFit/>
+          </a:bodyPr>
+          <a:lstStyle/>
+          <a:p>
+            <a:endParaRPr lang="en-US" dirty="0">
+              <a:latin typeface="Palatino Linotype" pitchFamily="18" charset="0"/>
+            </a:endParaRPr>
+          </a:p>
+        </p:txBody>
+      </p:sp>
+      <p:graphicFrame>
+        <p:nvGraphicFramePr>
+          <p:cNvPr id="6" name="Object 5"/>
+          <p:cNvGraphicFramePr>
+            <a:graphicFrameLocks noChangeAspect="1"/>
+          </p:cNvGraphicFramePr>
+          <p:nvPr>
+            <p:extLst>
+              <p:ext uri="{D42A27DB-BD31-4B8C-83A1-F6EECF244321}">
+                <p14:modId xmlns:p14="http://schemas.microsoft.com/office/powerpoint/2010/main" val="2325499881"/>
+              </p:ext>
+            </p:extLst>
+          </p:nvPr>
+        </p:nvGraphicFramePr>
+        <p:xfrm>
+          <a:off x="754063" y="2286000"/>
+          <a:ext cx="6421437" cy="1096963"/>
+        </p:xfrm>
+        <a:graphic>
+          <a:graphicData uri="http://schemas.openxmlformats.org/presentationml/2006/ole">
+            <mc:AlternateContent xmlns:mc="http://schemas.openxmlformats.org/markup-compatibility/2006">
+              <mc:Choice xmlns:v="urn:schemas-microsoft-com:vml" Requires="v">
+                <p:oleObj spid="_x0000_s16697" name="Equation" r:id="rId4" imgW="3568680" imgH="609480" progId="Equation.DSMT4">
+                  <p:embed/>
+                </p:oleObj>
+              </mc:Choice>
+              <mc:Fallback>
+                <p:oleObj name="Equation" r:id="rId4" imgW="3568680" imgH="609480" progId="Equation.DSMT4">
+                  <p:embed/>
+                  <p:pic>
+                    <p:nvPicPr>
+                      <p:cNvPr id="0" name=""/>
+                      <p:cNvPicPr>
+                        <a:picLocks noChangeAspect="1" noChangeArrowheads="1"/>
+                      </p:cNvPicPr>
+                      <p:nvPr/>
+                    </p:nvPicPr>
+                    <p:blipFill>
+                      <a:blip r:embed="rId5"/>
+                      <a:srcRect/>
+                      <a:stretch>
+                        <a:fillRect/>
+                      </a:stretch>
+                    </p:blipFill>
+                    <p:spPr bwMode="auto">
+                      <a:xfrm>
+                        <a:off x="754063" y="2286000"/>
+                        <a:ext cx="6421437" cy="1096963"/>
+                      </a:xfrm>
+                      <a:prstGeom prst="rect">
+                        <a:avLst/>
+                      </a:prstGeom>
+                      <a:noFill/>
+                      <a:ln>
+                        <a:noFill/>
+                      </a:ln>
+                      <a:extLst>
+                        <a:ext uri="{909E8E84-426E-40DD-AFC4-6F175D3DCCD1}">
+                          <a14:hiddenFill xmlns:a14="http://schemas.microsoft.com/office/drawing/2010/main">
+                            <a:solidFill>
+                              <a:srgbClr val="FFFFFF"/>
+                            </a:solidFill>
+                          </a14:hiddenFill>
+                        </a:ext>
+                        <a:ext uri="{91240B29-F687-4F45-9708-019B960494DF}">
+                          <a14:hiddenLine xmlns:a14="http://schemas.microsoft.com/office/drawing/2010/main" w="9525">
+                            <a:solidFill>
+                              <a:srgbClr val="000000"/>
+                            </a:solidFill>
+                            <a:miter lim="800000"/>
+                            <a:headEnd/>
+                            <a:tailEnd/>
+                          </a14:hiddenLine>
+                        </a:ext>
+                      </a:extLst>
+                    </p:spPr>
+                  </p:pic>
+                </p:oleObj>
+              </mc:Fallback>
+            </mc:AlternateContent>
+          </a:graphicData>
+        </a:graphic>
+      </p:graphicFrame>
+      <p:graphicFrame>
+        <p:nvGraphicFramePr>
+          <p:cNvPr id="7" name="Object 6"/>
+          <p:cNvGraphicFramePr>
+            <a:graphicFrameLocks noChangeAspect="1"/>
+          </p:cNvGraphicFramePr>
+          <p:nvPr>
+            <p:extLst>
+              <p:ext uri="{D42A27DB-BD31-4B8C-83A1-F6EECF244321}">
+                <p14:modId xmlns:p14="http://schemas.microsoft.com/office/powerpoint/2010/main" val="2156890333"/>
+              </p:ext>
+            </p:extLst>
+          </p:nvPr>
+        </p:nvGraphicFramePr>
+        <p:xfrm>
+          <a:off x="1885950" y="4495800"/>
+          <a:ext cx="2881313" cy="1189038"/>
+        </p:xfrm>
+        <a:graphic>
+          <a:graphicData uri="http://schemas.openxmlformats.org/presentationml/2006/ole">
+            <mc:AlternateContent xmlns:mc="http://schemas.openxmlformats.org/markup-compatibility/2006">
+              <mc:Choice xmlns:v="urn:schemas-microsoft-com:vml" Requires="v">
+                <p:oleObj spid="_x0000_s16698" name="Equation" r:id="rId6" imgW="1600200" imgH="660240" progId="Equation.DSMT4">
+                  <p:embed/>
+                </p:oleObj>
+              </mc:Choice>
+              <mc:Fallback>
+                <p:oleObj name="Equation" r:id="rId6" imgW="1600200" imgH="660240" progId="Equation.DSMT4">
+                  <p:embed/>
+                  <p:pic>
+                    <p:nvPicPr>
+                      <p:cNvPr id="0" name=""/>
+                      <p:cNvPicPr>
+                        <a:picLocks noChangeAspect="1" noChangeArrowheads="1"/>
+                      </p:cNvPicPr>
+                      <p:nvPr/>
+                    </p:nvPicPr>
+                    <p:blipFill>
+                      <a:blip r:embed="rId7"/>
+                      <a:srcRect/>
+                      <a:stretch>
+                        <a:fillRect/>
+                      </a:stretch>
+                    </p:blipFill>
+                    <p:spPr bwMode="auto">
+                      <a:xfrm>
+                        <a:off x="1885950" y="4495800"/>
+                        <a:ext cx="2881313" cy="1189038"/>
+                      </a:xfrm>
+                      <a:prstGeom prst="rect">
+                        <a:avLst/>
+                      </a:prstGeom>
+                      <a:noFill/>
+                      <a:ln>
+                        <a:noFill/>
+                      </a:ln>
+                      <a:extLst>
+                        <a:ext uri="{909E8E84-426E-40DD-AFC4-6F175D3DCCD1}">
+                          <a14:hiddenFill xmlns:a14="http://schemas.microsoft.com/office/drawing/2010/main">
+                            <a:solidFill>
+                              <a:srgbClr val="FFFFFF"/>
+                            </a:solidFill>
+                          </a14:hiddenFill>
+                        </a:ext>
+                        <a:ext uri="{91240B29-F687-4F45-9708-019B960494DF}">
+                          <a14:hiddenLine xmlns:a14="http://schemas.microsoft.com/office/drawing/2010/main" w="9525">
+                            <a:solidFill>
+                              <a:srgbClr val="000000"/>
+                            </a:solidFill>
+                            <a:miter lim="800000"/>
+                            <a:headEnd/>
+                            <a:tailEnd/>
+                          </a14:hiddenLine>
+                        </a:ext>
+                      </a:extLst>
+                    </p:spPr>
+                  </p:pic>
+                </p:oleObj>
+              </mc:Fallback>
+            </mc:AlternateContent>
+          </a:graphicData>
+        </a:graphic>
+      </p:graphicFrame>
+      <p:sp>
+        <p:nvSpPr>
+          <p:cNvPr id="4" name="Rectangle 3"/>
+          <p:cNvSpPr/>
+          <p:nvPr/>
+        </p:nvSpPr>
+        <p:spPr>
+          <a:xfrm>
+            <a:off x="4953000" y="3505200"/>
+            <a:ext cx="4038600" cy="2062103"/>
+          </a:xfrm>
+          <a:prstGeom prst="rect">
+            <a:avLst/>
+          </a:prstGeom>
+        </p:spPr>
+        <p:txBody>
+          <a:bodyPr wrap="square">
+            <a:spAutoFit/>
+          </a:bodyPr>
+          <a:lstStyle/>
+          <a:p>
+            <a:pPr algn="ctr"/>
+            <a:r>
+              <a:rPr lang="en-US" sz="2800" dirty="0">
+                <a:latin typeface="Palatino Linotype" pitchFamily="18" charset="0"/>
+              </a:rPr>
+              <a:t>There are </a:t>
+            </a:r>
+            <a:r>
+              <a:rPr lang="en-US" sz="2800" i="1" dirty="0">
+                <a:latin typeface="Palatino Linotype" pitchFamily="18" charset="0"/>
+              </a:rPr>
+              <a:t>n-1</a:t>
+            </a:r>
+            <a:r>
+              <a:rPr lang="en-US" sz="2800" dirty="0">
+                <a:latin typeface="Palatino Linotype" pitchFamily="18" charset="0"/>
+              </a:rPr>
+              <a:t> </a:t>
+            </a:r>
+            <a:r>
+              <a:rPr lang="ja-JP" altLang="en-US" sz="2800" dirty="0">
+                <a:latin typeface="Palatino Linotype" pitchFamily="18" charset="0"/>
+              </a:rPr>
+              <a:t>“</a:t>
+            </a:r>
+            <a:r>
+              <a:rPr lang="en-US" altLang="ja-JP" sz="2800" dirty="0">
+                <a:latin typeface="Palatino Linotype" pitchFamily="18" charset="0"/>
+              </a:rPr>
+              <a:t>degrees of freedom</a:t>
+            </a:r>
+            <a:r>
+              <a:rPr lang="ja-JP" altLang="en-US" sz="2800" dirty="0">
+                <a:latin typeface="Palatino Linotype" pitchFamily="18" charset="0"/>
+              </a:rPr>
+              <a:t>”</a:t>
+            </a:r>
+            <a:endParaRPr lang="en-US" altLang="ja-JP" sz="2800" dirty="0">
+              <a:latin typeface="Palatino Linotype" pitchFamily="18" charset="0"/>
+            </a:endParaRPr>
+          </a:p>
+          <a:p>
+            <a:r>
+              <a:rPr lang="en-US" dirty="0">
+                <a:latin typeface="Palatino Linotype" pitchFamily="18" charset="0"/>
+              </a:rPr>
+              <a:t>(If you know the mean and n-1 observations</a:t>
+            </a:r>
+          </a:p>
+          <a:p>
+            <a:r>
+              <a:rPr lang="en-US" dirty="0">
+                <a:latin typeface="Palatino Linotype" pitchFamily="18" charset="0"/>
+              </a:rPr>
+              <a:t>then you can figure out the n</a:t>
+            </a:r>
+            <a:r>
+              <a:rPr lang="ja-JP" altLang="en-US" dirty="0">
+                <a:latin typeface="Palatino Linotype" pitchFamily="18" charset="0"/>
+              </a:rPr>
+              <a:t>’</a:t>
+            </a:r>
+            <a:r>
+              <a:rPr lang="en-US" altLang="ja-JP" dirty="0" err="1">
+                <a:latin typeface="Palatino Linotype" pitchFamily="18" charset="0"/>
+              </a:rPr>
+              <a:t>th</a:t>
+            </a:r>
+            <a:r>
+              <a:rPr lang="en-US" altLang="ja-JP" dirty="0">
+                <a:latin typeface="Palatino Linotype" pitchFamily="18" charset="0"/>
+              </a:rPr>
+              <a:t> observation)</a:t>
+            </a:r>
+            <a:endParaRPr lang="en-US" dirty="0">
+              <a:latin typeface="Palatino Linotype" pitchFamily="18" charset="0"/>
+            </a:endParaRPr>
+          </a:p>
+        </p:txBody>
+      </p:sp>
+      <p:sp>
+        <p:nvSpPr>
+          <p:cNvPr id="8" name="Oval 7"/>
+          <p:cNvSpPr>
+            <a:spLocks noChangeArrowheads="1"/>
+          </p:cNvSpPr>
+          <p:nvPr/>
+        </p:nvSpPr>
+        <p:spPr bwMode="auto">
+          <a:xfrm>
+            <a:off x="4648200" y="3031526"/>
+            <a:ext cx="838200" cy="411892"/>
+          </a:xfrm>
+          <a:prstGeom prst="ellipse">
+            <a:avLst/>
+          </a:prstGeom>
+          <a:noFill/>
+          <a:ln w="38100">
+            <a:solidFill>
+              <a:srgbClr val="FF0066"/>
+            </a:solidFill>
+            <a:round/>
+            <a:headEnd/>
+            <a:tailEnd/>
+          </a:ln>
+          <a:effectLst/>
+          <a:extLst>
+            <a:ext uri="{909E8E84-426E-40DD-AFC4-6F175D3DCCD1}">
+              <a14:hiddenFill xmlns:a14="http://schemas.microsoft.com/office/drawing/2010/main">
+                <a:solidFill>
+                  <a:schemeClr val="accent1"/>
+                </a:solidFill>
+              </a14:hiddenFill>
+            </a:ext>
+            <a:ext uri="{AF507438-7753-43E0-B8FC-AC1667EBCBE1}">
+              <a14:hiddenEffects xmlns:a14="http://schemas.microsoft.com/office/drawing/2010/main">
+                <a:effectLst>
+                  <a:outerShdw blurRad="63500" dist="38099" dir="2700000" algn="ctr" rotWithShape="0">
+                    <a:schemeClr val="bg2">
+                      <a:alpha val="74998"/>
+                    </a:schemeClr>
+                  </a:outerShdw>
+                </a:effectLst>
+              </a14:hiddenEffects>
+            </a:ext>
+          </a:extLst>
+        </p:spPr>
+        <p:txBody>
+          <a:bodyPr wrap="none" anchor="ctr"/>
+          <a:lstStyle/>
+          <a:p>
+            <a:endParaRPr lang="en-US">
+              <a:latin typeface="Palatino Linotype" pitchFamily="18" charset="0"/>
+            </a:endParaRPr>
+          </a:p>
+        </p:txBody>
+      </p:sp>
+      <p:sp>
+        <p:nvSpPr>
+          <p:cNvPr id="5" name="Slide Number Placeholder 4">
+            <a:extLst>
+              <a:ext uri="{FF2B5EF4-FFF2-40B4-BE49-F238E27FC236}">
+                <a16:creationId xmlns:a16="http://schemas.microsoft.com/office/drawing/2014/main" id="{789B64CC-22E7-6F46-846A-88B3AB3A6FC1}"/>
+              </a:ext>
+            </a:extLst>
+          </p:cNvPr>
+          <p:cNvSpPr>
+            <a:spLocks noGrp="1"/>
+          </p:cNvSpPr>
+          <p:nvPr>
+            <p:ph type="sldNum" sz="quarter" idx="12"/>
+          </p:nvPr>
+        </p:nvSpPr>
+        <p:spPr/>
+        <p:txBody>
+          <a:bodyPr/>
+          <a:lstStyle/>
+          <a:p>
+            <a:fld id="{DF9221D8-3A4D-495B-963C-88FDE081B2F3}" type="slidenum">
+              <a:rPr lang="en-US" smtClean="0"/>
+              <a:t>13</a:t>
+            </a:fld>
+            <a:endParaRPr lang="en-US"/>
+          </a:p>
+        </p:txBody>
+      </p:sp>
+    </p:spTree>
+    <p:extLst>
+      <p:ext uri="{BB962C8B-B14F-4D97-AF65-F5344CB8AC3E}">
+        <p14:creationId xmlns:p14="http://schemas.microsoft.com/office/powerpoint/2010/main" val="3292316261"/>
+      </p:ext>
+    </p:extLst>
+  </p:cSld>
+  <p:clrMapOvr>
+    <a:masterClrMapping/>
+  </p:clrMapOvr>
+  <p:timing>
+    <p:tnLst>
+      <p:par>
+        <p:cTn id="1" dur="indefinite" restart="never" nodeType="tmRoot">
+          <p:childTnLst>
+            <p:seq concurrent="1" nextAc="seek">
+              <p:cTn id="2" dur="indefinite" nodeType="mainSeq">
+                <p:childTnLst>
+                  <p:par>
+                    <p:cTn id="3" fill="hold">
+                      <p:stCondLst>
+                        <p:cond delay="indefinite"/>
+                      </p:stCondLst>
+                      <p:childTnLst>
+                        <p:par>
+                          <p:cTn id="4" fill="hold">
+                            <p:stCondLst>
+                              <p:cond delay="0"/>
+                            </p:stCondLst>
+                            <p:childTnLst>
+                              <p:par>
+                                <p:cTn id="5" presetID="1" presetClass="entr" presetSubtype="0" fill="hold" grpId="0" nodeType="clickEffect">
+                                  <p:stCondLst>
+                                    <p:cond delay="0"/>
+                                  </p:stCondLst>
+                                  <p:childTnLst>
+                                    <p:set>
+                                      <p:cBhvr>
+                                        <p:cTn id="6" dur="1" fill="hold">
+                                          <p:stCondLst>
+                                            <p:cond delay="499"/>
+                                          </p:stCondLst>
+                                        </p:cTn>
+                                        <p:tgtEl>
+                                          <p:spTgt spid="8"/>
+                                        </p:tgtEl>
+                                        <p:attrNameLst>
+                                          <p:attrName>style.visibility</p:attrName>
+                                        </p:attrNameLst>
+                                      </p:cBhvr>
+                                      <p:to>
+                                        <p:strVal val="visible"/>
+                                      </p:to>
+                                    </p:set>
+                                  </p:childTnLst>
+                                </p:cTn>
+                              </p:par>
+                            </p:childTnLst>
+                          </p:cTn>
+                        </p:par>
+                      </p:childTnLst>
+                    </p:cTn>
+                  </p:par>
+                </p:childTnLst>
+              </p:cTn>
+              <p:prevCondLst>
+                <p:cond evt="onPrev" delay="0">
+                  <p:tgtEl>
+                    <p:sldTgt/>
+                  </p:tgtEl>
+                </p:cond>
+              </p:prevCondLst>
+              <p:nextCondLst>
+                <p:cond evt="onNext" delay="0">
+                  <p:tgtEl>
+                    <p:sldTgt/>
+                  </p:tgtEl>
+                </p:cond>
+              </p:nextCondLst>
+            </p:seq>
+          </p:childTnLst>
+        </p:cTn>
+      </p:par>
+    </p:tnLst>
+    <p:bldLst>
+      <p:bldP spid="8" grpId="0" animBg="1"/>
+    </p:bldLst>
+  </p:timing>
+</p:sld>
+</file>
+
+<file path=ppt/slides/slide14.xml><?xml version="1.0" encoding="utf-8"?>
+<p:sld xmlns:a="http://schemas.openxmlformats.org/drawingml/2006/main" xmlns:r="http://schemas.openxmlformats.org/officeDocument/2006/relationships" xmlns:p="http://schemas.openxmlformats.org/presentationml/2006/main">
+  <p:cSld>
+    <p:spTree>
+      <p:nvGrpSpPr>
+        <p:cNvPr id="1" name=""/>
+        <p:cNvGrpSpPr/>
+        <p:nvPr/>
+      </p:nvGrpSpPr>
+      <p:grpSpPr>
+        <a:xfrm>
+          <a:off x="0" y="0"/>
+          <a:ext cx="0" cy="0"/>
+          <a:chOff x="0" y="0"/>
+          <a:chExt cx="0" cy="0"/>
+        </a:xfrm>
+      </p:grpSpPr>
+      <p:sp>
+        <p:nvSpPr>
+          <p:cNvPr id="2" name="Title 1">
+            <a:extLst>
+              <a:ext uri="{FF2B5EF4-FFF2-40B4-BE49-F238E27FC236}">
+                <a16:creationId xmlns:a16="http://schemas.microsoft.com/office/drawing/2014/main" id="{107F04A5-2F9A-AF48-823B-250BC8028176}"/>
+              </a:ext>
+            </a:extLst>
+          </p:cNvPr>
+          <p:cNvSpPr>
+            <a:spLocks noGrp="1"/>
+          </p:cNvSpPr>
+          <p:nvPr>
+            <p:ph type="title"/>
+          </p:nvPr>
+        </p:nvSpPr>
+        <p:spPr/>
+        <p:txBody>
+          <a:bodyPr>
+            <a:normAutofit fontScale="90000"/>
+          </a:bodyPr>
+          <a:lstStyle/>
+          <a:p>
+            <a:r>
+              <a:rPr lang="en-US" b="1" dirty="0"/>
+              <a:t>How to find the variance "by hand”</a:t>
+            </a:r>
+            <a:r>
+              <a:rPr lang="en-US" altLang="zh-Hans" b="1" dirty="0"/>
+              <a:t>?</a:t>
+            </a:r>
+            <a:endParaRPr lang="en-US" dirty="0"/>
+          </a:p>
+        </p:txBody>
+      </p:sp>
+      <p:sp>
+        <p:nvSpPr>
+          <p:cNvPr id="3" name="Content Placeholder 2">
+            <a:extLst>
+              <a:ext uri="{FF2B5EF4-FFF2-40B4-BE49-F238E27FC236}">
+                <a16:creationId xmlns:a16="http://schemas.microsoft.com/office/drawing/2014/main" id="{284BF116-83F2-A747-BD99-DD0F95B4A73B}"/>
+              </a:ext>
+            </a:extLst>
+          </p:cNvPr>
+          <p:cNvSpPr>
+            <a:spLocks noGrp="1"/>
+          </p:cNvSpPr>
+          <p:nvPr>
+            <p:ph idx="1"/>
+          </p:nvPr>
+        </p:nvSpPr>
+        <p:spPr/>
+        <p:txBody>
+          <a:bodyPr/>
+          <a:lstStyle/>
+          <a:p>
+            <a:pPr marL="514350" indent="-514350">
+              <a:buFont typeface="+mj-lt"/>
+              <a:buAutoNum type="arabicPeriod"/>
+            </a:pPr>
+            <a:r>
+              <a:rPr lang="en-US" dirty="0"/>
+              <a:t>Make a table of all x values</a:t>
+            </a:r>
+          </a:p>
+          <a:p>
+            <a:pPr marL="514350" indent="-514350">
+              <a:buFont typeface="+mj-lt"/>
+              <a:buAutoNum type="arabicPeriod"/>
+            </a:pPr>
+            <a:r>
+              <a:rPr lang="en-US" dirty="0"/>
+              <a:t>Find the mean of the data</a:t>
+            </a:r>
+          </a:p>
+          <a:p>
+            <a:pPr marL="514350" indent="-514350">
+              <a:buFont typeface="+mj-lt"/>
+              <a:buAutoNum type="arabicPeriod"/>
+            </a:pPr>
+            <a:r>
+              <a:rPr lang="en-US" dirty="0"/>
+              <a:t>Include a column with the difference to the mean</a:t>
+            </a:r>
+          </a:p>
+          <a:p>
+            <a:pPr marL="514350" indent="-514350">
+              <a:buFont typeface="+mj-lt"/>
+              <a:buAutoNum type="arabicPeriod"/>
+            </a:pPr>
+            <a:r>
+              <a:rPr lang="en-US" dirty="0"/>
+              <a:t>Include a column with the square of difference to the mean</a:t>
+            </a:r>
+          </a:p>
+          <a:p>
+            <a:pPr marL="514350" indent="-514350">
+              <a:buFont typeface="+mj-lt"/>
+              <a:buAutoNum type="arabicPeriod"/>
+            </a:pPr>
+            <a:r>
+              <a:rPr lang="en-US" dirty="0"/>
+              <a:t>Add the last column and divide the sum by (n - 1).</a:t>
+            </a:r>
+          </a:p>
+          <a:p>
+            <a:pPr marL="514350" indent="-514350">
+              <a:buFont typeface="+mj-lt"/>
+              <a:buAutoNum type="arabicPeriod"/>
+            </a:pPr>
+            <a:endParaRPr lang="en-US" dirty="0"/>
+          </a:p>
+        </p:txBody>
+      </p:sp>
+      <p:sp>
+        <p:nvSpPr>
+          <p:cNvPr id="4" name="Slide Number Placeholder 3">
+            <a:extLst>
+              <a:ext uri="{FF2B5EF4-FFF2-40B4-BE49-F238E27FC236}">
+                <a16:creationId xmlns:a16="http://schemas.microsoft.com/office/drawing/2014/main" id="{77969D13-3FAD-5E4E-BA70-A1F965B26E6A}"/>
+              </a:ext>
+            </a:extLst>
+          </p:cNvPr>
+          <p:cNvSpPr>
+            <a:spLocks noGrp="1"/>
+          </p:cNvSpPr>
+          <p:nvPr>
+            <p:ph type="sldNum" sz="quarter" idx="12"/>
+          </p:nvPr>
+        </p:nvSpPr>
+        <p:spPr/>
+        <p:txBody>
+          <a:bodyPr/>
+          <a:lstStyle/>
+          <a:p>
+            <a:fld id="{DF9221D8-3A4D-495B-963C-88FDE081B2F3}" type="slidenum">
+              <a:rPr lang="en-US" smtClean="0"/>
+              <a:t>14</a:t>
+            </a:fld>
+            <a:endParaRPr lang="en-US"/>
+          </a:p>
+        </p:txBody>
+      </p:sp>
+    </p:spTree>
+    <p:extLst>
+      <p:ext uri="{BB962C8B-B14F-4D97-AF65-F5344CB8AC3E}">
+        <p14:creationId xmlns:p14="http://schemas.microsoft.com/office/powerpoint/2010/main" val="260966816"/>
+      </p:ext>
+    </p:extLst>
+  </p:cSld>
+  <p:clrMapOvr>
+    <a:masterClrMapping/>
+  </p:clrMapOvr>
+</p:sld>
+</file>
+
+<file path=ppt/slides/slide15.xml><?xml version="1.0" encoding="utf-8"?>
+<p:sld xmlns:a="http://schemas.openxmlformats.org/drawingml/2006/main" xmlns:r="http://schemas.openxmlformats.org/officeDocument/2006/relationships" xmlns:p="http://schemas.openxmlformats.org/presentationml/2006/main">
+  <p:cSld>
+    <p:spTree>
+      <p:nvGrpSpPr>
+        <p:cNvPr id="1" name=""/>
+        <p:cNvGrpSpPr/>
+        <p:nvPr/>
+      </p:nvGrpSpPr>
+      <p:grpSpPr>
+        <a:xfrm>
+          <a:off x="0" y="0"/>
+          <a:ext cx="0" cy="0"/>
+          <a:chOff x="0" y="0"/>
+          <a:chExt cx="0" cy="0"/>
+        </a:xfrm>
+      </p:grpSpPr>
+      <p:sp>
+        <p:nvSpPr>
+          <p:cNvPr id="2" name="Title 1">
+            <a:extLst>
+              <a:ext uri="{FF2B5EF4-FFF2-40B4-BE49-F238E27FC236}">
+                <a16:creationId xmlns:a16="http://schemas.microsoft.com/office/drawing/2014/main" id="{107F04A5-2F9A-AF48-823B-250BC8028176}"/>
+              </a:ext>
+            </a:extLst>
+          </p:cNvPr>
+          <p:cNvSpPr>
+            <a:spLocks noGrp="1"/>
+          </p:cNvSpPr>
+          <p:nvPr>
+            <p:ph type="title"/>
+          </p:nvPr>
+        </p:nvSpPr>
+        <p:spPr/>
+        <p:txBody>
+          <a:bodyPr>
+            <a:normAutofit fontScale="90000"/>
+          </a:bodyPr>
+          <a:lstStyle/>
+          <a:p>
+            <a:r>
+              <a:rPr lang="en-US" altLang="zh-Hans" b="1" dirty="0"/>
+              <a:t>[Exercise]</a:t>
+            </a:r>
+            <a:r>
+              <a:rPr lang="zh-Hans" altLang="en-US" b="1" dirty="0"/>
+              <a:t> </a:t>
+            </a:r>
+            <a:r>
+              <a:rPr lang="en-US" b="1" dirty="0"/>
+              <a:t>How to find the variance "by hand”</a:t>
+            </a:r>
+            <a:r>
+              <a:rPr lang="en-US" altLang="zh-Hans" b="1" dirty="0"/>
+              <a:t>?</a:t>
+            </a:r>
+            <a:endParaRPr lang="en-US" dirty="0"/>
+          </a:p>
+        </p:txBody>
+      </p:sp>
+      <p:sp>
+        <p:nvSpPr>
+          <p:cNvPr id="4" name="Slide Number Placeholder 3">
+            <a:extLst>
+              <a:ext uri="{FF2B5EF4-FFF2-40B4-BE49-F238E27FC236}">
+                <a16:creationId xmlns:a16="http://schemas.microsoft.com/office/drawing/2014/main" id="{77969D13-3FAD-5E4E-BA70-A1F965B26E6A}"/>
+              </a:ext>
+            </a:extLst>
+          </p:cNvPr>
+          <p:cNvSpPr>
+            <a:spLocks noGrp="1"/>
+          </p:cNvSpPr>
+          <p:nvPr>
+            <p:ph type="sldNum" sz="quarter" idx="12"/>
+          </p:nvPr>
+        </p:nvSpPr>
+        <p:spPr/>
+        <p:txBody>
+          <a:bodyPr/>
+          <a:lstStyle/>
+          <a:p>
+            <a:fld id="{DF9221D8-3A4D-495B-963C-88FDE081B2F3}" type="slidenum">
+              <a:rPr lang="en-US" smtClean="0"/>
+              <a:t>15</a:t>
+            </a:fld>
+            <a:endParaRPr lang="en-US"/>
+          </a:p>
+        </p:txBody>
+      </p:sp>
+      <p:pic>
+        <p:nvPicPr>
+          <p:cNvPr id="8" name="Picture 7">
+            <a:extLst>
+              <a:ext uri="{FF2B5EF4-FFF2-40B4-BE49-F238E27FC236}">
+                <a16:creationId xmlns:a16="http://schemas.microsoft.com/office/drawing/2014/main" id="{75CB0364-2E63-6841-9CAC-D105D19CE522}"/>
+              </a:ext>
+            </a:extLst>
+          </p:cNvPr>
+          <p:cNvPicPr>
+            <a:picLocks noChangeAspect="1"/>
+          </p:cNvPicPr>
+          <p:nvPr/>
+        </p:nvPicPr>
+        <p:blipFill rotWithShape="1">
+          <a:blip r:embed="rId2">
+            <a:extLst>
+              <a:ext uri="{28A0092B-C50C-407E-A947-70E740481C1C}">
+                <a14:useLocalDpi xmlns:a14="http://schemas.microsoft.com/office/drawing/2010/main" val="0"/>
+              </a:ext>
+            </a:extLst>
+          </a:blip>
+          <a:srcRect l="4811" r="80126" b="9259"/>
+          <a:stretch/>
+        </p:blipFill>
+        <p:spPr>
+          <a:xfrm>
+            <a:off x="457200" y="1371600"/>
+            <a:ext cx="1371600" cy="3733800"/>
+          </a:xfrm>
+          <a:prstGeom prst="rect">
+            <a:avLst/>
+          </a:prstGeom>
+        </p:spPr>
+      </p:pic>
+    </p:spTree>
+    <p:extLst>
+      <p:ext uri="{BB962C8B-B14F-4D97-AF65-F5344CB8AC3E}">
+        <p14:creationId xmlns:p14="http://schemas.microsoft.com/office/powerpoint/2010/main" val="1547121881"/>
+      </p:ext>
+    </p:extLst>
+  </p:cSld>
+  <p:clrMapOvr>
+    <a:masterClrMapping/>
+  </p:clrMapOvr>
+</p:sld>
+</file>
+
+<file path=ppt/slides/slide16.xml><?xml version="1.0" encoding="utf-8"?>
+<p:sld xmlns:a="http://schemas.openxmlformats.org/drawingml/2006/main" xmlns:r="http://schemas.openxmlformats.org/officeDocument/2006/relationships" xmlns:p="http://schemas.openxmlformats.org/presentationml/2006/main">
+  <p:cSld>
+    <p:spTree>
+      <p:nvGrpSpPr>
+        <p:cNvPr id="1" name=""/>
+        <p:cNvGrpSpPr/>
+        <p:nvPr/>
+      </p:nvGrpSpPr>
+      <p:grpSpPr>
+        <a:xfrm>
+          <a:off x="0" y="0"/>
+          <a:ext cx="0" cy="0"/>
+          <a:chOff x="0" y="0"/>
+          <a:chExt cx="0" cy="0"/>
+        </a:xfrm>
+      </p:grpSpPr>
+      <p:sp>
+        <p:nvSpPr>
+          <p:cNvPr id="2" name="Title 1">
+            <a:extLst>
+              <a:ext uri="{FF2B5EF4-FFF2-40B4-BE49-F238E27FC236}">
+                <a16:creationId xmlns:a16="http://schemas.microsoft.com/office/drawing/2014/main" id="{107F04A5-2F9A-AF48-823B-250BC8028176}"/>
+              </a:ext>
+            </a:extLst>
+          </p:cNvPr>
+          <p:cNvSpPr>
+            <a:spLocks noGrp="1"/>
+          </p:cNvSpPr>
+          <p:nvPr>
+            <p:ph type="title"/>
+          </p:nvPr>
+        </p:nvSpPr>
+        <p:spPr/>
+        <p:txBody>
+          <a:bodyPr>
+            <a:normAutofit fontScale="90000"/>
+          </a:bodyPr>
+          <a:lstStyle/>
+          <a:p>
+            <a:r>
+              <a:rPr lang="en-US" altLang="zh-Hans" b="1" dirty="0"/>
+              <a:t>[Answer]</a:t>
+            </a:r>
+            <a:r>
+              <a:rPr lang="zh-Hans" altLang="en-US" b="1" dirty="0"/>
+              <a:t> </a:t>
+            </a:r>
+            <a:r>
+              <a:rPr lang="en-US" b="1" dirty="0"/>
+              <a:t>How to find the variance "by hand”</a:t>
+            </a:r>
+            <a:r>
+              <a:rPr lang="en-US" altLang="zh-Hans" b="1" dirty="0"/>
+              <a:t>?</a:t>
+            </a:r>
+            <a:endParaRPr lang="en-US" dirty="0"/>
+          </a:p>
+        </p:txBody>
+      </p:sp>
+      <p:sp>
+        <p:nvSpPr>
+          <p:cNvPr id="4" name="Slide Number Placeholder 3">
+            <a:extLst>
+              <a:ext uri="{FF2B5EF4-FFF2-40B4-BE49-F238E27FC236}">
+                <a16:creationId xmlns:a16="http://schemas.microsoft.com/office/drawing/2014/main" id="{77969D13-3FAD-5E4E-BA70-A1F965B26E6A}"/>
+              </a:ext>
+            </a:extLst>
+          </p:cNvPr>
+          <p:cNvSpPr>
+            <a:spLocks noGrp="1"/>
+          </p:cNvSpPr>
+          <p:nvPr>
+            <p:ph type="sldNum" sz="quarter" idx="12"/>
+          </p:nvPr>
+        </p:nvSpPr>
+        <p:spPr/>
+        <p:txBody>
+          <a:bodyPr/>
+          <a:lstStyle/>
+          <a:p>
+            <a:fld id="{DF9221D8-3A4D-495B-963C-88FDE081B2F3}" type="slidenum">
+              <a:rPr lang="en-US" smtClean="0"/>
+              <a:t>16</a:t>
+            </a:fld>
+            <a:endParaRPr lang="en-US"/>
+          </a:p>
+        </p:txBody>
+      </p:sp>
+      <p:pic>
+        <p:nvPicPr>
+          <p:cNvPr id="8" name="Picture 7">
+            <a:extLst>
+              <a:ext uri="{FF2B5EF4-FFF2-40B4-BE49-F238E27FC236}">
+                <a16:creationId xmlns:a16="http://schemas.microsoft.com/office/drawing/2014/main" id="{75CB0364-2E63-6841-9CAC-D105D19CE522}"/>
+              </a:ext>
+            </a:extLst>
+          </p:cNvPr>
+          <p:cNvPicPr>
+            <a:picLocks noChangeAspect="1"/>
+          </p:cNvPicPr>
+          <p:nvPr/>
+        </p:nvPicPr>
+        <p:blipFill>
+          <a:blip r:embed="rId2">
+            <a:extLst>
+              <a:ext uri="{28A0092B-C50C-407E-A947-70E740481C1C}">
+                <a14:useLocalDpi xmlns:a14="http://schemas.microsoft.com/office/drawing/2010/main" val="0"/>
+              </a:ext>
+            </a:extLst>
+          </a:blip>
+          <a:stretch>
+            <a:fillRect/>
+          </a:stretch>
+        </p:blipFill>
+        <p:spPr>
+          <a:xfrm>
+            <a:off x="19050" y="1371600"/>
+            <a:ext cx="9105900" cy="4114800"/>
+          </a:xfrm>
+          <a:prstGeom prst="rect">
+            <a:avLst/>
+          </a:prstGeom>
+        </p:spPr>
+      </p:pic>
+      <p:sp>
+        <p:nvSpPr>
+          <p:cNvPr id="9" name="TextBox 8">
+            <a:extLst>
+              <a:ext uri="{FF2B5EF4-FFF2-40B4-BE49-F238E27FC236}">
+                <a16:creationId xmlns:a16="http://schemas.microsoft.com/office/drawing/2014/main" id="{1E43B2D0-2307-844D-B74A-BF307B04401B}"/>
+              </a:ext>
+            </a:extLst>
+          </p:cNvPr>
+          <p:cNvSpPr txBox="1"/>
+          <p:nvPr/>
+        </p:nvSpPr>
+        <p:spPr>
+          <a:xfrm>
+            <a:off x="457200" y="5715000"/>
+            <a:ext cx="8382000" cy="646331"/>
+          </a:xfrm>
+          <a:prstGeom prst="rect">
+            <a:avLst/>
+          </a:prstGeom>
+          <a:noFill/>
+        </p:spPr>
+        <p:txBody>
+          <a:bodyPr wrap="square" rtlCol="0">
+            <a:spAutoFit/>
+          </a:bodyPr>
+          <a:lstStyle/>
+          <a:p>
+            <a:r>
+              <a:rPr lang="en-US" altLang="zh-Hans" dirty="0"/>
+              <a:t>Source:</a:t>
+            </a:r>
+            <a:r>
+              <a:rPr lang="zh-Hans" altLang="en-US" dirty="0"/>
+              <a:t> </a:t>
+            </a:r>
+            <a:r>
+              <a:rPr lang="en-US" altLang="zh-Hans" dirty="0"/>
+              <a:t>http://</a:t>
+            </a:r>
+            <a:r>
+              <a:rPr lang="en-US" altLang="zh-Hans" dirty="0" err="1"/>
+              <a:t>pirate.shu.edu</a:t>
+            </a:r>
+            <a:r>
+              <a:rPr lang="en-US" altLang="zh-Hans" dirty="0"/>
+              <a:t>/~</a:t>
+            </a:r>
+            <a:r>
+              <a:rPr lang="en-US" altLang="zh-Hans" dirty="0" err="1"/>
+              <a:t>wachsmut</a:t>
+            </a:r>
+            <a:r>
+              <a:rPr lang="en-US" altLang="zh-Hans" dirty="0"/>
+              <a:t>/Teaching/MATH1101/</a:t>
+            </a:r>
+            <a:r>
+              <a:rPr lang="en-US" altLang="zh-Hans" dirty="0" err="1"/>
+              <a:t>Descriptives</a:t>
+            </a:r>
+            <a:r>
+              <a:rPr lang="en-US" altLang="zh-Hans" dirty="0"/>
+              <a:t>/</a:t>
+            </a:r>
+            <a:r>
+              <a:rPr lang="en-US" altLang="zh-Hans" dirty="0" err="1"/>
+              <a:t>variability.html</a:t>
+            </a:r>
+            <a:endParaRPr lang="en-US" dirty="0"/>
+          </a:p>
+        </p:txBody>
+      </p:sp>
+    </p:spTree>
+    <p:extLst>
+      <p:ext uri="{BB962C8B-B14F-4D97-AF65-F5344CB8AC3E}">
+        <p14:creationId xmlns:p14="http://schemas.microsoft.com/office/powerpoint/2010/main" val="2515699516"/>
+      </p:ext>
+    </p:extLst>
+  </p:cSld>
+  <p:clrMapOvr>
+    <a:masterClrMapping/>
+  </p:clrMapOvr>
+</p:sld>
+</file>
+
+<file path=ppt/slides/slide17.xml><?xml version="1.0" encoding="utf-8"?>
+<p:sld xmlns:a="http://schemas.openxmlformats.org/drawingml/2006/main" xmlns:r="http://schemas.openxmlformats.org/officeDocument/2006/relationships" xmlns:p="http://schemas.openxmlformats.org/presentationml/2006/main">
+  <p:cSld>
+    <p:spTree>
+      <p:nvGrpSpPr>
+        <p:cNvPr id="1" name=""/>
+        <p:cNvGrpSpPr/>
+        <p:nvPr/>
+      </p:nvGrpSpPr>
+      <p:grpSpPr>
+        <a:xfrm>
+          <a:off x="0" y="0"/>
+          <a:ext cx="0" cy="0"/>
+          <a:chOff x="0" y="0"/>
+          <a:chExt cx="0" cy="0"/>
+        </a:xfrm>
+      </p:grpSpPr>
+      <p:sp>
+        <p:nvSpPr>
+          <p:cNvPr id="2" name="Title 1">
+            <a:extLst>
+              <a:ext uri="{FF2B5EF4-FFF2-40B4-BE49-F238E27FC236}">
+                <a16:creationId xmlns:a16="http://schemas.microsoft.com/office/drawing/2014/main" id="{3F826242-333B-C847-98E9-923E828C5F24}"/>
+              </a:ext>
+            </a:extLst>
+          </p:cNvPr>
+          <p:cNvSpPr>
+            <a:spLocks noGrp="1"/>
+          </p:cNvSpPr>
+          <p:nvPr>
+            <p:ph type="title"/>
+          </p:nvPr>
+        </p:nvSpPr>
+        <p:spPr/>
+        <p:txBody>
+          <a:bodyPr>
+            <a:normAutofit fontScale="90000"/>
+          </a:bodyPr>
+          <a:lstStyle/>
+          <a:p>
+            <a:r>
+              <a:rPr lang="en-US" altLang="zh-Hans" dirty="0"/>
+              <a:t>[Hands-on]</a:t>
+            </a:r>
+            <a:r>
+              <a:rPr lang="zh-Hans" altLang="en-US" dirty="0"/>
+              <a:t> </a:t>
+            </a:r>
+            <a:r>
+              <a:rPr lang="en-US" altLang="zh-Hans" dirty="0"/>
+              <a:t>using</a:t>
+            </a:r>
+            <a:r>
+              <a:rPr lang="zh-Hans" altLang="en-US" dirty="0"/>
+              <a:t> </a:t>
+            </a:r>
+            <a:r>
+              <a:rPr lang="en-US" altLang="zh-Hans" dirty="0"/>
+              <a:t>excel</a:t>
+            </a:r>
+            <a:r>
+              <a:rPr lang="zh-Hans" altLang="en-US" dirty="0"/>
+              <a:t> </a:t>
+            </a:r>
+            <a:r>
+              <a:rPr lang="en-US" altLang="zh-Hans" dirty="0"/>
+              <a:t>to</a:t>
+            </a:r>
+            <a:r>
+              <a:rPr lang="zh-Hans" altLang="en-US" dirty="0"/>
+              <a:t> </a:t>
+            </a:r>
+            <a:r>
+              <a:rPr lang="en-US" altLang="zh-Hans" dirty="0"/>
+              <a:t>calculate</a:t>
+            </a:r>
+            <a:r>
+              <a:rPr lang="zh-Hans" altLang="en-US" dirty="0"/>
+              <a:t> </a:t>
+            </a:r>
+            <a:r>
+              <a:rPr lang="en-US" altLang="zh-Hans" dirty="0"/>
+              <a:t>dispersions</a:t>
+            </a:r>
+            <a:endParaRPr lang="en-US" dirty="0"/>
+          </a:p>
+        </p:txBody>
+      </p:sp>
+      <p:sp>
+        <p:nvSpPr>
+          <p:cNvPr id="3" name="Content Placeholder 2">
+            <a:extLst>
+              <a:ext uri="{FF2B5EF4-FFF2-40B4-BE49-F238E27FC236}">
+                <a16:creationId xmlns:a16="http://schemas.microsoft.com/office/drawing/2014/main" id="{20DC0335-8E99-9549-9D8F-DB310D8E0473}"/>
+              </a:ext>
+            </a:extLst>
+          </p:cNvPr>
+          <p:cNvSpPr>
+            <a:spLocks noGrp="1"/>
+          </p:cNvSpPr>
+          <p:nvPr>
+            <p:ph idx="1"/>
+          </p:nvPr>
+        </p:nvSpPr>
+        <p:spPr/>
+        <p:txBody>
+          <a:bodyPr/>
+          <a:lstStyle/>
+          <a:p>
+            <a:r>
+              <a:rPr lang="en-US" dirty="0"/>
+              <a:t>Excel Statistics 04: Calculating Variance and Standard Deviation</a:t>
+            </a:r>
+            <a:endParaRPr lang="en-US" dirty="0">
+              <a:hlinkClick r:id="rId2"/>
+            </a:endParaRPr>
+          </a:p>
+          <a:p>
+            <a:r>
+              <a:rPr lang="en-US" dirty="0">
+                <a:hlinkClick r:id="rId2"/>
+              </a:rPr>
+              <a:t>https://www.youtube.com/watch?time_continue=44&amp;v=T5GNbSgg9lw</a:t>
+            </a:r>
+            <a:endParaRPr lang="en-US" dirty="0"/>
+          </a:p>
+          <a:p>
+            <a:endParaRPr lang="en-US" dirty="0"/>
+          </a:p>
+        </p:txBody>
+      </p:sp>
+      <p:sp>
+        <p:nvSpPr>
+          <p:cNvPr id="4" name="Slide Number Placeholder 3">
+            <a:extLst>
+              <a:ext uri="{FF2B5EF4-FFF2-40B4-BE49-F238E27FC236}">
+                <a16:creationId xmlns:a16="http://schemas.microsoft.com/office/drawing/2014/main" id="{DE4280B3-5A14-414E-AA37-5AE72C84C170}"/>
+              </a:ext>
+            </a:extLst>
+          </p:cNvPr>
+          <p:cNvSpPr>
+            <a:spLocks noGrp="1"/>
+          </p:cNvSpPr>
+          <p:nvPr>
+            <p:ph type="sldNum" sz="quarter" idx="12"/>
+          </p:nvPr>
+        </p:nvSpPr>
+        <p:spPr/>
+        <p:txBody>
+          <a:bodyPr/>
+          <a:lstStyle/>
+          <a:p>
+            <a:fld id="{DF9221D8-3A4D-495B-963C-88FDE081B2F3}" type="slidenum">
+              <a:rPr lang="en-US" smtClean="0"/>
+              <a:t>17</a:t>
+            </a:fld>
+            <a:endParaRPr lang="en-US"/>
+          </a:p>
+        </p:txBody>
+      </p:sp>
+    </p:spTree>
+    <p:extLst>
+      <p:ext uri="{BB962C8B-B14F-4D97-AF65-F5344CB8AC3E}">
+        <p14:creationId xmlns:p14="http://schemas.microsoft.com/office/powerpoint/2010/main" val="1351032522"/>
+      </p:ext>
+    </p:extLst>
+  </p:cSld>
+  <p:clrMapOvr>
+    <a:masterClrMapping/>
+  </p:clrMapOvr>
+</p:sld>
+</file>
+
+<file path=ppt/slides/slide18.xml><?xml version="1.0" encoding="utf-8"?>
+<p:sld xmlns:a="http://schemas.openxmlformats.org/drawingml/2006/main" xmlns:r="http://schemas.openxmlformats.org/officeDocument/2006/relationships" xmlns:p="http://schemas.openxmlformats.org/presentationml/2006/main">
+  <p:cSld>
+    <p:spTree>
+      <p:nvGrpSpPr>
+        <p:cNvPr id="1" name=""/>
+        <p:cNvGrpSpPr/>
+        <p:nvPr/>
+      </p:nvGrpSpPr>
+      <p:grpSpPr>
+        <a:xfrm>
+          <a:off x="0" y="0"/>
+          <a:ext cx="0" cy="0"/>
+          <a:chOff x="0" y="0"/>
+          <a:chExt cx="0" cy="0"/>
+        </a:xfrm>
+      </p:grpSpPr>
+      <p:sp>
+        <p:nvSpPr>
+          <p:cNvPr id="2" name="Title 1">
+            <a:extLst>
+              <a:ext uri="{FF2B5EF4-FFF2-40B4-BE49-F238E27FC236}">
+                <a16:creationId xmlns:a16="http://schemas.microsoft.com/office/drawing/2014/main" id="{3F826242-333B-C847-98E9-923E828C5F24}"/>
+              </a:ext>
+            </a:extLst>
+          </p:cNvPr>
+          <p:cNvSpPr>
+            <a:spLocks noGrp="1"/>
+          </p:cNvSpPr>
+          <p:nvPr>
+            <p:ph type="title"/>
+          </p:nvPr>
+        </p:nvSpPr>
+        <p:spPr/>
+        <p:txBody>
+          <a:bodyPr>
+            <a:normAutofit fontScale="90000"/>
+          </a:bodyPr>
+          <a:lstStyle/>
+          <a:p>
+            <a:r>
+              <a:rPr lang="en-US" altLang="zh-Hans" dirty="0"/>
+              <a:t>[Hands-on]</a:t>
+            </a:r>
+            <a:r>
+              <a:rPr lang="zh-Hans" altLang="en-US" dirty="0"/>
+              <a:t> </a:t>
+            </a:r>
+            <a:r>
+              <a:rPr lang="en-US" altLang="zh-Hans" dirty="0"/>
+              <a:t>using</a:t>
+            </a:r>
+            <a:r>
+              <a:rPr lang="zh-Hans" altLang="en-US" dirty="0"/>
+              <a:t> </a:t>
+            </a:r>
+            <a:r>
+              <a:rPr lang="en-US" altLang="zh-Hans" dirty="0"/>
+              <a:t>excel</a:t>
+            </a:r>
+            <a:r>
+              <a:rPr lang="zh-Hans" altLang="en-US" dirty="0"/>
+              <a:t> </a:t>
+            </a:r>
+            <a:r>
+              <a:rPr lang="en-US" altLang="zh-Hans" dirty="0"/>
+              <a:t>to</a:t>
+            </a:r>
+            <a:r>
+              <a:rPr lang="zh-Hans" altLang="en-US" dirty="0"/>
+              <a:t> </a:t>
+            </a:r>
+            <a:r>
+              <a:rPr lang="en-US" altLang="zh-Hans" dirty="0"/>
+              <a:t>calculate</a:t>
+            </a:r>
+            <a:r>
+              <a:rPr lang="zh-Hans" altLang="en-US" dirty="0"/>
+              <a:t> </a:t>
+            </a:r>
+            <a:r>
+              <a:rPr lang="en-US" altLang="zh-Hans" dirty="0"/>
+              <a:t>dispersions</a:t>
+            </a:r>
+            <a:endParaRPr lang="en-US" dirty="0"/>
+          </a:p>
+        </p:txBody>
+      </p:sp>
+      <p:sp>
+        <p:nvSpPr>
+          <p:cNvPr id="4" name="Slide Number Placeholder 3">
+            <a:extLst>
+              <a:ext uri="{FF2B5EF4-FFF2-40B4-BE49-F238E27FC236}">
+                <a16:creationId xmlns:a16="http://schemas.microsoft.com/office/drawing/2014/main" id="{DE4280B3-5A14-414E-AA37-5AE72C84C170}"/>
+              </a:ext>
+            </a:extLst>
+          </p:cNvPr>
+          <p:cNvSpPr>
+            <a:spLocks noGrp="1"/>
+          </p:cNvSpPr>
+          <p:nvPr>
+            <p:ph type="sldNum" sz="quarter" idx="12"/>
+          </p:nvPr>
+        </p:nvSpPr>
+        <p:spPr/>
+        <p:txBody>
+          <a:bodyPr/>
+          <a:lstStyle/>
+          <a:p>
+            <a:fld id="{DF9221D8-3A4D-495B-963C-88FDE081B2F3}" type="slidenum">
+              <a:rPr lang="en-US" smtClean="0"/>
+              <a:t>18</a:t>
+            </a:fld>
+            <a:endParaRPr lang="en-US"/>
+          </a:p>
+        </p:txBody>
+      </p:sp>
+      <p:sp>
+        <p:nvSpPr>
+          <p:cNvPr id="6" name="Rectangle 2">
+            <a:extLst>
+              <a:ext uri="{FF2B5EF4-FFF2-40B4-BE49-F238E27FC236}">
+                <a16:creationId xmlns:a16="http://schemas.microsoft.com/office/drawing/2014/main" id="{B6C50043-DA66-4648-B541-0D727167AEB9}"/>
+              </a:ext>
+            </a:extLst>
+          </p:cNvPr>
+          <p:cNvSpPr>
+            <a:spLocks noGrp="1" noChangeArrowheads="1"/>
+          </p:cNvSpPr>
+          <p:nvPr>
+            <p:ph idx="1"/>
+          </p:nvPr>
+        </p:nvSpPr>
+        <p:spPr bwMode="auto">
+          <a:xfrm>
+            <a:off x="685800" y="1488759"/>
+            <a:ext cx="7086600" cy="2754600"/>
+          </a:xfrm>
+          <a:prstGeom prst="rect">
+            <a:avLst/>
+          </a:prstGeom>
+          <a:solidFill>
+            <a:srgbClr val="FFFFFF"/>
+          </a:solidFill>
+          <a:ln>
+            <a:noFill/>
+          </a:ln>
+          <a:effectLst/>
+          <a:extLst>
+            <a:ext uri="{91240B29-F687-4F45-9708-019B960494DF}">
+              <a14:hiddenLine xmlns:a14="http://schemas.microsoft.com/office/drawing/2010/main" w="9525">
+                <a:solidFill>
+                  <a:schemeClr val="tx1"/>
+                </a:solidFill>
+                <a:miter lim="800000"/>
+                <a:headEnd/>
+                <a:tailEnd/>
+              </a14:hiddenLine>
+            </a:ext>
+            <a:ext uri="{AF507438-7753-43E0-B8FC-AC1667EBCBE1}">
+              <a14:hiddenEffects xmlns:a14="http://schemas.microsoft.com/office/drawing/2010/main">
+                <a:effectLst>
+                  <a:outerShdw dist="35921" dir="2700000" algn="ctr" rotWithShape="0">
+                    <a:schemeClr val="bg2"/>
+                  </a:outerShdw>
+                </a:effectLst>
+              </a14:hiddenEffects>
+            </a:ext>
+          </a:extLst>
+        </p:spPr>
+        <p:txBody>
+          <a:bodyPr vert="horz" wrap="square" lIns="91440" tIns="45720" rIns="91440" bIns="0" numCol="1" anchor="ctr" anchorCtr="0" compatLnSpc="1">
+            <a:prstTxWarp prst="textNoShape">
+              <a:avLst/>
+            </a:prstTxWarp>
+            <a:spAutoFit/>
+          </a:bodyPr>
+          <a:lstStyle>
+            <a:lvl1pPr eaLnBrk="0" fontAlgn="base" hangingPunct="0">
+              <a:spcBef>
+                <a:spcPct val="0"/>
+              </a:spcBef>
+              <a:spcAft>
+                <a:spcPct val="0"/>
+              </a:spcAft>
+              <a:defRPr>
+                <a:solidFill>
+                  <a:schemeClr val="tx1"/>
+                </a:solidFill>
+                <a:latin typeface="Arial" panose="020B0604020202020204" pitchFamily="34" charset="0"/>
+              </a:defRPr>
+            </a:lvl1pPr>
+            <a:lvl2pPr eaLnBrk="0" fontAlgn="base" hangingPunct="0">
+              <a:spcBef>
+                <a:spcPct val="0"/>
+              </a:spcBef>
+              <a:spcAft>
+                <a:spcPct val="0"/>
+              </a:spcAft>
+              <a:defRPr>
+                <a:solidFill>
+                  <a:schemeClr val="tx1"/>
+                </a:solidFill>
+                <a:latin typeface="Arial" panose="020B0604020202020204" pitchFamily="34" charset="0"/>
+              </a:defRPr>
+            </a:lvl2pPr>
+            <a:lvl3pPr eaLnBrk="0" fontAlgn="base" hangingPunct="0">
+              <a:spcBef>
+                <a:spcPct val="0"/>
+              </a:spcBef>
+              <a:spcAft>
+                <a:spcPct val="0"/>
+              </a:spcAft>
+              <a:defRPr>
+                <a:solidFill>
+                  <a:schemeClr val="tx1"/>
+                </a:solidFill>
+                <a:latin typeface="Arial" panose="020B0604020202020204" pitchFamily="34" charset="0"/>
+              </a:defRPr>
+            </a:lvl3pPr>
+            <a:lvl4pPr eaLnBrk="0" fontAlgn="base" hangingPunct="0">
+              <a:spcBef>
+                <a:spcPct val="0"/>
+              </a:spcBef>
+              <a:spcAft>
+                <a:spcPct val="0"/>
+              </a:spcAft>
+              <a:defRPr>
+                <a:solidFill>
+                  <a:schemeClr val="tx1"/>
+                </a:solidFill>
+                <a:latin typeface="Arial" panose="020B0604020202020204" pitchFamily="34" charset="0"/>
+              </a:defRPr>
+            </a:lvl4pPr>
+            <a:lvl5pPr eaLnBrk="0" fontAlgn="base" hangingPunct="0">
+              <a:spcBef>
+                <a:spcPct val="0"/>
+              </a:spcBef>
+              <a:spcAft>
+                <a:spcPct val="0"/>
+              </a:spcAft>
+              <a:defRPr>
+                <a:solidFill>
+                  <a:schemeClr val="tx1"/>
+                </a:solidFill>
+                <a:latin typeface="Arial" panose="020B0604020202020204" pitchFamily="34" charset="0"/>
+              </a:defRPr>
+            </a:lvl5pPr>
+            <a:lvl6pPr eaLnBrk="0" fontAlgn="base" hangingPunct="0">
+              <a:spcBef>
+                <a:spcPct val="0"/>
+              </a:spcBef>
+              <a:spcAft>
+                <a:spcPct val="0"/>
+              </a:spcAft>
+              <a:defRPr>
+                <a:solidFill>
+                  <a:schemeClr val="tx1"/>
+                </a:solidFill>
+                <a:latin typeface="Arial" panose="020B0604020202020204" pitchFamily="34" charset="0"/>
+              </a:defRPr>
+            </a:lvl6pPr>
+            <a:lvl7pPr eaLnBrk="0" fontAlgn="base" hangingPunct="0">
+              <a:spcBef>
+                <a:spcPct val="0"/>
+              </a:spcBef>
+              <a:spcAft>
+                <a:spcPct val="0"/>
+              </a:spcAft>
+              <a:defRPr>
+                <a:solidFill>
+                  <a:schemeClr val="tx1"/>
+                </a:solidFill>
+                <a:latin typeface="Arial" panose="020B0604020202020204" pitchFamily="34" charset="0"/>
+              </a:defRPr>
+            </a:lvl7pPr>
+            <a:lvl8pPr eaLnBrk="0" fontAlgn="base" hangingPunct="0">
+              <a:spcBef>
+                <a:spcPct val="0"/>
+              </a:spcBef>
+              <a:spcAft>
+                <a:spcPct val="0"/>
+              </a:spcAft>
+              <a:defRPr>
+                <a:solidFill>
+                  <a:schemeClr val="tx1"/>
+                </a:solidFill>
+                <a:latin typeface="Arial" panose="020B0604020202020204" pitchFamily="34" charset="0"/>
+              </a:defRPr>
+            </a:lvl8pPr>
+            <a:lvl9pPr eaLnBrk="0" fontAlgn="base" hangingPunct="0">
+              <a:spcBef>
+                <a:spcPct val="0"/>
+              </a:spcBef>
+              <a:spcAft>
+                <a:spcPct val="0"/>
+              </a:spcAft>
+              <a:defRPr>
+                <a:solidFill>
+                  <a:schemeClr val="tx1"/>
+                </a:solidFill>
+                <a:latin typeface="Arial" panose="020B0604020202020204" pitchFamily="34" charset="0"/>
+              </a:defRPr>
+            </a:lvl9pPr>
+          </a:lstStyle>
+          <a:p>
+            <a:pPr marL="0" marR="0" lvl="0" indent="0" algn="l" defTabSz="914400" rtl="0" eaLnBrk="0" fontAlgn="base" latinLnBrk="0" hangingPunct="0">
+              <a:lnSpc>
+                <a:spcPct val="100000"/>
+              </a:lnSpc>
+              <a:spcBef>
+                <a:spcPct val="0"/>
+              </a:spcBef>
+              <a:spcAft>
+                <a:spcPct val="0"/>
+              </a:spcAft>
+              <a:buClrTx/>
+              <a:buSzTx/>
+              <a:buFontTx/>
+              <a:buNone/>
+              <a:tabLst/>
+            </a:pPr>
+            <a:r>
+              <a:rPr kumimoji="0" lang="en-US" altLang="en-US" sz="1600" b="1" i="0" u="none" strike="noStrike" cap="none" normalizeH="0" baseline="0" dirty="0">
+                <a:ln>
+                  <a:noFill/>
+                </a:ln>
+                <a:solidFill>
+                  <a:srgbClr val="000000"/>
+                </a:solidFill>
+                <a:effectLst/>
+                <a:latin typeface="Arial" panose="020B0604020202020204" pitchFamily="34" charset="0"/>
+                <a:ea typeface="Times" pitchFamily="2" charset="0"/>
+              </a:rPr>
+              <a:t>Using Excel to compute Range, Variance, and Standard Deviation</a:t>
+            </a:r>
+          </a:p>
+          <a:p>
+            <a:pPr marL="0" marR="0" lvl="0" indent="0" algn="l" defTabSz="914400" rtl="0" eaLnBrk="0" fontAlgn="base" latinLnBrk="0" hangingPunct="0">
+              <a:lnSpc>
+                <a:spcPct val="100000"/>
+              </a:lnSpc>
+              <a:spcBef>
+                <a:spcPct val="0"/>
+              </a:spcBef>
+              <a:spcAft>
+                <a:spcPct val="0"/>
+              </a:spcAft>
+              <a:buClrTx/>
+              <a:buSzTx/>
+              <a:buFontTx/>
+              <a:buNone/>
+              <a:tabLst/>
+            </a:pPr>
+            <a:r>
+              <a:rPr kumimoji="0" lang="en-US" altLang="en-US" sz="1600" b="0" i="0" u="none" strike="noStrike" cap="none" normalizeH="0" baseline="0" dirty="0">
+                <a:ln>
+                  <a:noFill/>
+                </a:ln>
+                <a:solidFill>
+                  <a:srgbClr val="000000"/>
+                </a:solidFill>
+                <a:effectLst/>
+                <a:latin typeface="Arial" panose="020B0604020202020204" pitchFamily="34" charset="0"/>
+                <a:ea typeface="Times" pitchFamily="2" charset="0"/>
+              </a:rPr>
+              <a:t>Excel provides simple formulas to compute the range, the variance, and the standard deviation:</a:t>
+            </a:r>
+            <a:endParaRPr kumimoji="0" lang="en-US" altLang="en-US" sz="1600" b="0" i="0" u="none" strike="noStrike" cap="none" normalizeH="0" baseline="0" dirty="0">
+              <a:ln>
+                <a:noFill/>
+              </a:ln>
+              <a:solidFill>
+                <a:schemeClr val="tx1"/>
+              </a:solidFill>
+              <a:effectLst/>
+              <a:latin typeface="Arial" panose="020B0604020202020204" pitchFamily="34" charset="0"/>
+            </a:endParaRPr>
+          </a:p>
+          <a:p>
+            <a:r>
+              <a:rPr kumimoji="0" lang="en-US" altLang="en-US" sz="1600" b="0" i="0" u="none" strike="noStrike" cap="none" normalizeH="0" baseline="0" dirty="0">
+                <a:ln>
+                  <a:noFill/>
+                </a:ln>
+                <a:solidFill>
+                  <a:srgbClr val="000000"/>
+                </a:solidFill>
+                <a:effectLst/>
+                <a:latin typeface="Arial" panose="020B0604020202020204" pitchFamily="34" charset="0"/>
+                <a:ea typeface="Times" pitchFamily="2" charset="0"/>
+              </a:rPr>
+              <a:t>the Excel formula to compute the range is "=max(RANGE) - min(RANGE)"</a:t>
+            </a:r>
+          </a:p>
+          <a:p>
+            <a:r>
+              <a:rPr kumimoji="0" lang="en-US" altLang="en-US" sz="1600" b="0" i="0" u="none" strike="noStrike" cap="none" normalizeH="0" baseline="0" dirty="0">
+                <a:ln>
+                  <a:noFill/>
+                </a:ln>
+                <a:solidFill>
+                  <a:srgbClr val="000000"/>
+                </a:solidFill>
+                <a:effectLst/>
+                <a:latin typeface="Arial" panose="020B0604020202020204" pitchFamily="34" charset="0"/>
+                <a:ea typeface="Times" pitchFamily="2" charset="0"/>
+              </a:rPr>
+              <a:t>the Excel formula to compute the variance is "=</a:t>
+            </a:r>
+            <a:r>
+              <a:rPr kumimoji="0" lang="en-US" altLang="en-US" sz="1600" b="0" i="0" u="none" strike="noStrike" cap="none" normalizeH="0" baseline="0" dirty="0" err="1">
+                <a:ln>
+                  <a:noFill/>
+                </a:ln>
+                <a:solidFill>
+                  <a:srgbClr val="000000"/>
+                </a:solidFill>
+                <a:effectLst/>
+                <a:latin typeface="Arial" panose="020B0604020202020204" pitchFamily="34" charset="0"/>
+                <a:ea typeface="Times" pitchFamily="2" charset="0"/>
+              </a:rPr>
+              <a:t>var</a:t>
+            </a:r>
+            <a:r>
+              <a:rPr kumimoji="0" lang="en-US" altLang="en-US" sz="1600" b="0" i="0" u="none" strike="noStrike" cap="none" normalizeH="0" baseline="0" dirty="0">
+                <a:ln>
+                  <a:noFill/>
+                </a:ln>
+                <a:solidFill>
+                  <a:srgbClr val="000000"/>
+                </a:solidFill>
+                <a:effectLst/>
+                <a:latin typeface="Arial" panose="020B0604020202020204" pitchFamily="34" charset="0"/>
+                <a:ea typeface="Times" pitchFamily="2" charset="0"/>
+              </a:rPr>
+              <a:t>(RANGE)"</a:t>
+            </a:r>
+          </a:p>
+          <a:p>
+            <a:r>
+              <a:rPr kumimoji="0" lang="en-US" altLang="en-US" sz="1600" b="0" i="0" u="none" strike="noStrike" cap="none" normalizeH="0" baseline="0" dirty="0">
+                <a:ln>
+                  <a:noFill/>
+                </a:ln>
+                <a:solidFill>
+                  <a:srgbClr val="000000"/>
+                </a:solidFill>
+                <a:effectLst/>
+                <a:latin typeface="Arial" panose="020B0604020202020204" pitchFamily="34" charset="0"/>
+                <a:ea typeface="Times" pitchFamily="2" charset="0"/>
+              </a:rPr>
+              <a:t>the Excel formula to compute the standard deviation is "=</a:t>
+            </a:r>
+            <a:r>
+              <a:rPr kumimoji="0" lang="en-US" altLang="en-US" sz="1600" b="0" i="0" u="none" strike="noStrike" cap="none" normalizeH="0" baseline="0" dirty="0" err="1">
+                <a:ln>
+                  <a:noFill/>
+                </a:ln>
+                <a:solidFill>
+                  <a:srgbClr val="000000"/>
+                </a:solidFill>
+                <a:effectLst/>
+                <a:latin typeface="Arial" panose="020B0604020202020204" pitchFamily="34" charset="0"/>
+                <a:ea typeface="Times" pitchFamily="2" charset="0"/>
+              </a:rPr>
+              <a:t>stdev</a:t>
+            </a:r>
+            <a:r>
+              <a:rPr kumimoji="0" lang="en-US" altLang="en-US" sz="1600" b="0" i="0" u="none" strike="noStrike" cap="none" normalizeH="0" baseline="0" dirty="0">
+                <a:ln>
+                  <a:noFill/>
+                </a:ln>
+                <a:solidFill>
+                  <a:srgbClr val="000000"/>
+                </a:solidFill>
+                <a:effectLst/>
+                <a:latin typeface="Arial" panose="020B0604020202020204" pitchFamily="34" charset="0"/>
+                <a:ea typeface="Times" pitchFamily="2" charset="0"/>
+              </a:rPr>
+              <a:t>(RANGE)”</a:t>
+            </a:r>
+          </a:p>
+          <a:p>
+            <a:pPr marL="0" marR="0" lvl="0" indent="0" algn="l" defTabSz="914400" rtl="0" eaLnBrk="0" fontAlgn="base" latinLnBrk="0" hangingPunct="0">
+              <a:lnSpc>
+                <a:spcPct val="100000"/>
+              </a:lnSpc>
+              <a:spcBef>
+                <a:spcPct val="0"/>
+              </a:spcBef>
+              <a:spcAft>
+                <a:spcPct val="0"/>
+              </a:spcAft>
+              <a:buClrTx/>
+              <a:buSzTx/>
+              <a:buFontTx/>
+              <a:buChar char="o"/>
+              <a:tabLst/>
+            </a:pPr>
+            <a:endParaRPr lang="en-US" altLang="en-US" sz="1600" dirty="0">
+              <a:solidFill>
+                <a:srgbClr val="000000"/>
+              </a:solidFill>
+              <a:ea typeface="Times" pitchFamily="2" charset="0"/>
+            </a:endParaRPr>
+          </a:p>
+          <a:p>
+            <a:pPr marL="0" marR="0" lvl="0" indent="0" algn="l" defTabSz="914400" rtl="0" eaLnBrk="0" fontAlgn="base" latinLnBrk="0" hangingPunct="0">
+              <a:lnSpc>
+                <a:spcPct val="100000"/>
+              </a:lnSpc>
+              <a:spcBef>
+                <a:spcPct val="0"/>
+              </a:spcBef>
+              <a:spcAft>
+                <a:spcPct val="0"/>
+              </a:spcAft>
+              <a:buClrTx/>
+              <a:buSzTx/>
+              <a:buFontTx/>
+              <a:buChar char="o"/>
+              <a:tabLst/>
+            </a:pPr>
+            <a:endParaRPr kumimoji="0" lang="en-US" altLang="en-US" sz="1600" b="0" i="0" u="none" strike="noStrike" cap="none" normalizeH="0" baseline="0" dirty="0">
+              <a:ln>
+                <a:noFill/>
+              </a:ln>
+              <a:solidFill>
+                <a:srgbClr val="000000"/>
+              </a:solidFill>
+              <a:effectLst/>
+              <a:latin typeface="Arial" panose="020B0604020202020204" pitchFamily="34" charset="0"/>
+              <a:ea typeface="Times" pitchFamily="2" charset="0"/>
+            </a:endParaRPr>
+          </a:p>
+          <a:p>
+            <a:pPr marL="0" marR="0" lvl="0" indent="0" algn="l" defTabSz="914400" rtl="0" eaLnBrk="0" fontAlgn="base" latinLnBrk="0" hangingPunct="0">
+              <a:lnSpc>
+                <a:spcPct val="100000"/>
+              </a:lnSpc>
+              <a:spcBef>
+                <a:spcPct val="0"/>
+              </a:spcBef>
+              <a:spcAft>
+                <a:spcPct val="0"/>
+              </a:spcAft>
+              <a:buClrTx/>
+              <a:buSzTx/>
+              <a:buFontTx/>
+              <a:buChar char="o"/>
+              <a:tabLst/>
+            </a:pPr>
+            <a:endParaRPr kumimoji="0" lang="en-US" altLang="en-US" sz="1600" b="0" i="0" u="none" strike="noStrike" cap="none" normalizeH="0" baseline="0" dirty="0">
+              <a:ln>
+                <a:noFill/>
+              </a:ln>
+              <a:solidFill>
+                <a:srgbClr val="000000"/>
+              </a:solidFill>
+              <a:effectLst/>
+              <a:latin typeface="Arial" panose="020B0604020202020204" pitchFamily="34" charset="0"/>
+              <a:ea typeface="Times" pitchFamily="2" charset="0"/>
+            </a:endParaRPr>
+          </a:p>
+          <a:p>
+            <a:pPr marL="0" marR="0" lvl="0" indent="0" algn="l" defTabSz="914400" rtl="0" eaLnBrk="0" fontAlgn="base" latinLnBrk="0" hangingPunct="0">
+              <a:lnSpc>
+                <a:spcPct val="100000"/>
+              </a:lnSpc>
+              <a:spcBef>
+                <a:spcPct val="0"/>
+              </a:spcBef>
+              <a:spcAft>
+                <a:spcPct val="0"/>
+              </a:spcAft>
+              <a:buClrTx/>
+              <a:buSzTx/>
+              <a:buFontTx/>
+              <a:buNone/>
+              <a:tabLst/>
+            </a:pPr>
+            <a:endParaRPr kumimoji="0" lang="en-US" altLang="en-US" sz="1600" b="0" i="0" u="none" strike="noStrike" cap="none" normalizeH="0" baseline="0" dirty="0">
+              <a:ln>
+                <a:noFill/>
+              </a:ln>
+              <a:solidFill>
+                <a:schemeClr val="tx1"/>
+              </a:solidFill>
+              <a:effectLst/>
+              <a:latin typeface="Arial" panose="020B0604020202020204" pitchFamily="34" charset="0"/>
+            </a:endParaRPr>
+          </a:p>
+        </p:txBody>
+      </p:sp>
+      <p:pic>
+        <p:nvPicPr>
+          <p:cNvPr id="10" name="Picture 9">
+            <a:extLst>
+              <a:ext uri="{FF2B5EF4-FFF2-40B4-BE49-F238E27FC236}">
+                <a16:creationId xmlns:a16="http://schemas.microsoft.com/office/drawing/2014/main" id="{90DE603C-0C1F-9645-9AF9-27F1964BC27A}"/>
+              </a:ext>
+            </a:extLst>
+          </p:cNvPr>
+          <p:cNvPicPr>
+            <a:picLocks noChangeAspect="1"/>
+          </p:cNvPicPr>
+          <p:nvPr/>
+        </p:nvPicPr>
+        <p:blipFill>
+          <a:blip r:embed="rId2">
+            <a:extLst>
+              <a:ext uri="{28A0092B-C50C-407E-A947-70E740481C1C}">
+                <a14:useLocalDpi xmlns:a14="http://schemas.microsoft.com/office/drawing/2010/main" val="0"/>
+              </a:ext>
+            </a:extLst>
+          </a:blip>
+          <a:stretch>
+            <a:fillRect/>
+          </a:stretch>
+        </p:blipFill>
+        <p:spPr>
+          <a:xfrm>
+            <a:off x="279400" y="3810000"/>
+            <a:ext cx="8585200" cy="2438400"/>
+          </a:xfrm>
+          <a:prstGeom prst="rect">
+            <a:avLst/>
+          </a:prstGeom>
+        </p:spPr>
+      </p:pic>
+    </p:spTree>
+    <p:extLst>
+      <p:ext uri="{BB962C8B-B14F-4D97-AF65-F5344CB8AC3E}">
+        <p14:creationId xmlns:p14="http://schemas.microsoft.com/office/powerpoint/2010/main" val="2744176900"/>
+      </p:ext>
+    </p:extLst>
+  </p:cSld>
+  <p:clrMapOvr>
+    <a:masterClrMapping/>
+  </p:clrMapOvr>
+</p:sld>
+</file>
+
+<file path=ppt/slides/slide19.xml><?xml version="1.0" encoding="utf-8"?>
+<p:sld xmlns:a="http://schemas.openxmlformats.org/drawingml/2006/main" xmlns:r="http://schemas.openxmlformats.org/officeDocument/2006/relationships" xmlns:p="http://schemas.openxmlformats.org/presentationml/2006/main">
+  <p:cSld>
+    <p:spTree>
+      <p:nvGrpSpPr>
+        <p:cNvPr id="1" name=""/>
+        <p:cNvGrpSpPr/>
+        <p:nvPr/>
+      </p:nvGrpSpPr>
+      <p:grpSpPr>
+        <a:xfrm>
+          <a:off x="0" y="0"/>
+          <a:ext cx="0" cy="0"/>
+          <a:chOff x="0" y="0"/>
+          <a:chExt cx="0" cy="0"/>
+        </a:xfrm>
+      </p:grpSpPr>
+      <p:sp>
+        <p:nvSpPr>
+          <p:cNvPr id="2" name="Title 1">
+            <a:extLst>
+              <a:ext uri="{FF2B5EF4-FFF2-40B4-BE49-F238E27FC236}">
+                <a16:creationId xmlns:a16="http://schemas.microsoft.com/office/drawing/2014/main" id="{3F826242-333B-C847-98E9-923E828C5F24}"/>
+              </a:ext>
+            </a:extLst>
+          </p:cNvPr>
+          <p:cNvSpPr>
+            <a:spLocks noGrp="1"/>
+          </p:cNvSpPr>
+          <p:nvPr>
+            <p:ph type="title"/>
+          </p:nvPr>
+        </p:nvSpPr>
+        <p:spPr/>
+        <p:txBody>
+          <a:bodyPr>
+            <a:normAutofit fontScale="90000"/>
+          </a:bodyPr>
+          <a:lstStyle/>
+          <a:p>
+            <a:r>
+              <a:rPr lang="en-US" altLang="zh-Hans" dirty="0"/>
+              <a:t>[Hands-on]</a:t>
+            </a:r>
+            <a:r>
+              <a:rPr lang="zh-Hans" altLang="en-US" dirty="0"/>
+              <a:t> </a:t>
+            </a:r>
+            <a:r>
+              <a:rPr lang="en-US" altLang="zh-Hans" dirty="0"/>
+              <a:t>using</a:t>
+            </a:r>
+            <a:r>
+              <a:rPr lang="zh-Hans" altLang="en-US" dirty="0"/>
+              <a:t> </a:t>
+            </a:r>
+            <a:r>
+              <a:rPr lang="en-US" altLang="zh-Hans" dirty="0"/>
+              <a:t>R</a:t>
+            </a:r>
+            <a:r>
+              <a:rPr lang="zh-Hans" altLang="en-US" dirty="0"/>
+              <a:t> </a:t>
+            </a:r>
+            <a:r>
+              <a:rPr lang="en-US" altLang="zh-Hans" dirty="0"/>
+              <a:t>to</a:t>
+            </a:r>
+            <a:r>
+              <a:rPr lang="zh-Hans" altLang="en-US" dirty="0"/>
+              <a:t> </a:t>
+            </a:r>
+            <a:r>
+              <a:rPr lang="en-US" altLang="zh-Hans" dirty="0"/>
+              <a:t>calculate</a:t>
+            </a:r>
+            <a:r>
+              <a:rPr lang="zh-Hans" altLang="en-US" dirty="0"/>
+              <a:t> </a:t>
+            </a:r>
+            <a:r>
+              <a:rPr lang="en-US" altLang="zh-Hans" dirty="0"/>
+              <a:t>dispersions</a:t>
+            </a:r>
+            <a:endParaRPr lang="en-US" dirty="0"/>
+          </a:p>
+        </p:txBody>
+      </p:sp>
+      <p:sp>
+        <p:nvSpPr>
+          <p:cNvPr id="3" name="Content Placeholder 2">
+            <a:extLst>
+              <a:ext uri="{FF2B5EF4-FFF2-40B4-BE49-F238E27FC236}">
+                <a16:creationId xmlns:a16="http://schemas.microsoft.com/office/drawing/2014/main" id="{20DC0335-8E99-9549-9D8F-DB310D8E0473}"/>
+              </a:ext>
+            </a:extLst>
+          </p:cNvPr>
+          <p:cNvSpPr>
+            <a:spLocks noGrp="1"/>
+          </p:cNvSpPr>
+          <p:nvPr>
+            <p:ph idx="1"/>
+          </p:nvPr>
+        </p:nvSpPr>
+        <p:spPr/>
+        <p:txBody>
+          <a:bodyPr/>
+          <a:lstStyle/>
+          <a:p>
+            <a:r>
+              <a:rPr lang="en-US" dirty="0"/>
+              <a:t>R tutorial : Basic Statistics ( mean, median, standard deviation and variance)</a:t>
+            </a:r>
+          </a:p>
+          <a:p>
+            <a:r>
+              <a:rPr lang="en-US" dirty="0">
+                <a:hlinkClick r:id="rId2"/>
+              </a:rPr>
+              <a:t>https://www.youtube.com/watch?time_continue=1&amp;v=MyGBZf9LWbs</a:t>
+            </a:r>
+            <a:endParaRPr lang="en-US" dirty="0"/>
+          </a:p>
+          <a:p>
+            <a:endParaRPr lang="en-US" dirty="0"/>
+          </a:p>
+        </p:txBody>
+      </p:sp>
+      <p:sp>
+        <p:nvSpPr>
+          <p:cNvPr id="4" name="Slide Number Placeholder 3">
+            <a:extLst>
+              <a:ext uri="{FF2B5EF4-FFF2-40B4-BE49-F238E27FC236}">
+                <a16:creationId xmlns:a16="http://schemas.microsoft.com/office/drawing/2014/main" id="{DE4280B3-5A14-414E-AA37-5AE72C84C170}"/>
+              </a:ext>
+            </a:extLst>
+          </p:cNvPr>
+          <p:cNvSpPr>
+            <a:spLocks noGrp="1"/>
+          </p:cNvSpPr>
+          <p:nvPr>
+            <p:ph type="sldNum" sz="quarter" idx="12"/>
+          </p:nvPr>
+        </p:nvSpPr>
+        <p:spPr/>
+        <p:txBody>
+          <a:bodyPr/>
+          <a:lstStyle/>
+          <a:p>
+            <a:fld id="{DF9221D8-3A4D-495B-963C-88FDE081B2F3}" type="slidenum">
+              <a:rPr lang="en-US" smtClean="0"/>
+              <a:t>19</a:t>
+            </a:fld>
+            <a:endParaRPr lang="en-US"/>
+          </a:p>
+        </p:txBody>
+      </p:sp>
+    </p:spTree>
+    <p:extLst>
+      <p:ext uri="{BB962C8B-B14F-4D97-AF65-F5344CB8AC3E}">
+        <p14:creationId xmlns:p14="http://schemas.microsoft.com/office/powerpoint/2010/main" val="2599784729"/>
+      </p:ext>
+    </p:extLst>
+  </p:cSld>
+  <p:clrMapOvr>
+    <a:masterClrMapping/>
+  </p:clrMapOvr>
+</p:sld>
+</file>
+
+<file path=ppt/slides/slide2.xml><?xml version="1.0" encoding="utf-8"?>
+<p:sld xmlns:a="http://schemas.openxmlformats.org/drawingml/2006/main" xmlns:r="http://schemas.openxmlformats.org/officeDocument/2006/relationships" xmlns:p="http://schemas.openxmlformats.org/presentationml/2006/main">
+  <p:cSld>
+    <p:spTree>
+      <p:nvGrpSpPr>
+        <p:cNvPr id="1" name=""/>
+        <p:cNvGrpSpPr/>
+        <p:nvPr/>
+      </p:nvGrpSpPr>
+      <p:grpSpPr>
+        <a:xfrm>
+          <a:off x="0" y="0"/>
+          <a:ext cx="0" cy="0"/>
+          <a:chOff x="0" y="0"/>
+          <a:chExt cx="0" cy="0"/>
+        </a:xfrm>
+      </p:grpSpPr>
+      <p:sp>
+        <p:nvSpPr>
+          <p:cNvPr id="2" name="Title 1"/>
+          <p:cNvSpPr>
+            <a:spLocks noGrp="1"/>
+          </p:cNvSpPr>
+          <p:nvPr>
+            <p:ph type="title"/>
+          </p:nvPr>
+        </p:nvSpPr>
+        <p:spPr/>
+        <p:txBody>
+          <a:bodyPr/>
+          <a:lstStyle/>
+          <a:p>
+            <a:r>
+              <a:rPr lang="en-US" b="1" dirty="0">
+                <a:solidFill>
+                  <a:srgbClr val="000099"/>
+                </a:solidFill>
+                <a:latin typeface="Palatino Linotype" pitchFamily="18" charset="0"/>
+                <a:ea typeface="Cambria Math" pitchFamily="18" charset="0"/>
+              </a:rPr>
+              <a:t>Review from last lecture</a:t>
+            </a:r>
+            <a:endParaRPr lang="en-US" dirty="0">
+              <a:latin typeface="Palatino Linotype" pitchFamily="18" charset="0"/>
+            </a:endParaRPr>
+          </a:p>
+        </p:txBody>
+      </p:sp>
+      <p:sp>
+        <p:nvSpPr>
+          <p:cNvPr id="3" name="Content Placeholder 2"/>
+          <p:cNvSpPr>
+            <a:spLocks noGrp="1"/>
+          </p:cNvSpPr>
+          <p:nvPr>
+            <p:ph idx="1"/>
+          </p:nvPr>
+        </p:nvSpPr>
+        <p:spPr/>
+        <p:txBody>
+          <a:bodyPr/>
+          <a:lstStyle/>
+          <a:p>
+            <a:r>
+              <a:rPr lang="en-US" dirty="0">
+                <a:latin typeface="Palatino Linotype" pitchFamily="18" charset="0"/>
+              </a:rPr>
+              <a:t>Frequency table</a:t>
+            </a:r>
+          </a:p>
+          <a:p>
+            <a:pPr lvl="1"/>
+            <a:r>
+              <a:rPr lang="en-US" dirty="0">
+                <a:latin typeface="Palatino Linotype" pitchFamily="18" charset="0"/>
+              </a:rPr>
+              <a:t>Histogram</a:t>
+            </a:r>
+          </a:p>
+          <a:p>
+            <a:pPr lvl="1"/>
+            <a:r>
+              <a:rPr lang="en-US" dirty="0">
+                <a:latin typeface="Palatino Linotype" pitchFamily="18" charset="0"/>
+              </a:rPr>
+              <a:t>Frequency polygon</a:t>
+            </a:r>
+          </a:p>
+          <a:p>
+            <a:r>
+              <a:rPr lang="en-US" dirty="0">
+                <a:latin typeface="Palatino Linotype" pitchFamily="18" charset="0"/>
+              </a:rPr>
+              <a:t>Bar graph / Pie graph</a:t>
+            </a:r>
+          </a:p>
+          <a:p>
+            <a:r>
+              <a:rPr lang="en-US" dirty="0">
+                <a:latin typeface="Palatino Linotype" pitchFamily="18" charset="0"/>
+              </a:rPr>
+              <a:t>Measure of central tendency</a:t>
+            </a:r>
+          </a:p>
+          <a:p>
+            <a:pPr lvl="1"/>
+            <a:r>
+              <a:rPr lang="en-US" dirty="0">
+                <a:latin typeface="Palatino Linotype" pitchFamily="18" charset="0"/>
+              </a:rPr>
+              <a:t>Mode</a:t>
+            </a:r>
+          </a:p>
+          <a:p>
+            <a:pPr lvl="1"/>
+            <a:r>
+              <a:rPr lang="en-US" dirty="0">
+                <a:latin typeface="Palatino Linotype" pitchFamily="18" charset="0"/>
+              </a:rPr>
+              <a:t>Median </a:t>
+            </a:r>
+          </a:p>
+          <a:p>
+            <a:pPr lvl="1"/>
+            <a:r>
+              <a:rPr lang="en-US" dirty="0">
+                <a:latin typeface="Palatino Linotype" pitchFamily="18" charset="0"/>
+              </a:rPr>
+              <a:t>Mean</a:t>
+            </a:r>
+          </a:p>
+          <a:p>
+            <a:pPr lvl="1"/>
+            <a:endParaRPr lang="en-US" dirty="0">
+              <a:latin typeface="Palatino Linotype" pitchFamily="18" charset="0"/>
+            </a:endParaRPr>
+          </a:p>
+        </p:txBody>
+      </p:sp>
+      <p:sp>
+        <p:nvSpPr>
+          <p:cNvPr id="4" name="Slide Number Placeholder 3">
+            <a:extLst>
+              <a:ext uri="{FF2B5EF4-FFF2-40B4-BE49-F238E27FC236}">
+                <a16:creationId xmlns:a16="http://schemas.microsoft.com/office/drawing/2014/main" id="{9A8C9083-AB67-E945-98B3-2AD4AAAF7440}"/>
+              </a:ext>
+            </a:extLst>
+          </p:cNvPr>
+          <p:cNvSpPr>
+            <a:spLocks noGrp="1"/>
+          </p:cNvSpPr>
+          <p:nvPr>
+            <p:ph type="sldNum" sz="quarter" idx="12"/>
+          </p:nvPr>
+        </p:nvSpPr>
+        <p:spPr/>
+        <p:txBody>
+          <a:bodyPr/>
+          <a:lstStyle/>
+          <a:p>
+            <a:fld id="{DF9221D8-3A4D-495B-963C-88FDE081B2F3}" type="slidenum">
+              <a:rPr lang="en-US" smtClean="0"/>
+              <a:t>2</a:t>
+            </a:fld>
+            <a:endParaRPr lang="en-US"/>
+          </a:p>
+        </p:txBody>
+      </p:sp>
+    </p:spTree>
+    <p:extLst>
+      <p:ext uri="{BB962C8B-B14F-4D97-AF65-F5344CB8AC3E}">
+        <p14:creationId xmlns:p14="http://schemas.microsoft.com/office/powerpoint/2010/main" val="4103434553"/>
+      </p:ext>
+    </p:extLst>
+  </p:cSld>
+  <p:clrMapOvr>
+    <a:masterClrMapping/>
+  </p:clrMapOvr>
+</p:sld>
+</file>
+
+<file path=ppt/slides/slide20.xml><?xml version="1.0" encoding="utf-8"?>
+<p:sld xmlns:a="http://schemas.openxmlformats.org/drawingml/2006/main" xmlns:r="http://schemas.openxmlformats.org/officeDocument/2006/relationships" xmlns:p="http://schemas.openxmlformats.org/presentationml/2006/main">
+  <p:cSld>
+    <p:spTree>
+      <p:nvGrpSpPr>
+        <p:cNvPr id="1" name=""/>
+        <p:cNvGrpSpPr/>
+        <p:nvPr/>
+      </p:nvGrpSpPr>
+      <p:grpSpPr>
+        <a:xfrm>
+          <a:off x="0" y="0"/>
+          <a:ext cx="0" cy="0"/>
+          <a:chOff x="0" y="0"/>
+          <a:chExt cx="0" cy="0"/>
+        </a:xfrm>
+      </p:grpSpPr>
+      <p:sp>
+        <p:nvSpPr>
+          <p:cNvPr id="2" name="Title 1">
+            <a:extLst>
+              <a:ext uri="{FF2B5EF4-FFF2-40B4-BE49-F238E27FC236}">
+                <a16:creationId xmlns:a16="http://schemas.microsoft.com/office/drawing/2014/main" id="{3F826242-333B-C847-98E9-923E828C5F24}"/>
+              </a:ext>
+            </a:extLst>
+          </p:cNvPr>
+          <p:cNvSpPr>
+            <a:spLocks noGrp="1"/>
+          </p:cNvSpPr>
+          <p:nvPr>
+            <p:ph type="title"/>
+          </p:nvPr>
+        </p:nvSpPr>
+        <p:spPr/>
+        <p:txBody>
+          <a:bodyPr>
+            <a:normAutofit fontScale="90000"/>
+          </a:bodyPr>
+          <a:lstStyle/>
+          <a:p>
+            <a:r>
+              <a:rPr lang="en-US" altLang="zh-Hans" dirty="0"/>
+              <a:t>[Hands-on]</a:t>
+            </a:r>
+            <a:r>
+              <a:rPr lang="zh-Hans" altLang="en-US" dirty="0"/>
+              <a:t> </a:t>
+            </a:r>
+            <a:r>
+              <a:rPr lang="en-US" altLang="zh-Hans" dirty="0"/>
+              <a:t>using</a:t>
+            </a:r>
+            <a:r>
+              <a:rPr lang="zh-Hans" altLang="en-US" dirty="0"/>
+              <a:t> </a:t>
+            </a:r>
+            <a:r>
+              <a:rPr lang="en-US" altLang="zh-Hans" dirty="0"/>
+              <a:t>R</a:t>
+            </a:r>
+            <a:r>
+              <a:rPr lang="zh-Hans" altLang="en-US" dirty="0"/>
+              <a:t> </a:t>
+            </a:r>
+            <a:r>
+              <a:rPr lang="en-US" altLang="zh-Hans" dirty="0"/>
+              <a:t>to</a:t>
+            </a:r>
+            <a:r>
+              <a:rPr lang="zh-Hans" altLang="en-US" dirty="0"/>
+              <a:t> </a:t>
+            </a:r>
+            <a:r>
+              <a:rPr lang="en-US" altLang="zh-Hans" dirty="0"/>
+              <a:t>calculate</a:t>
+            </a:r>
+            <a:r>
+              <a:rPr lang="zh-Hans" altLang="en-US" dirty="0"/>
+              <a:t> </a:t>
+            </a:r>
+            <a:r>
+              <a:rPr lang="en-US" altLang="zh-Hans" dirty="0"/>
+              <a:t>dispersions</a:t>
+            </a:r>
+            <a:endParaRPr lang="en-US" dirty="0"/>
+          </a:p>
+        </p:txBody>
+      </p:sp>
+      <p:sp>
+        <p:nvSpPr>
+          <p:cNvPr id="3" name="Content Placeholder 2">
+            <a:extLst>
+              <a:ext uri="{FF2B5EF4-FFF2-40B4-BE49-F238E27FC236}">
+                <a16:creationId xmlns:a16="http://schemas.microsoft.com/office/drawing/2014/main" id="{20DC0335-8E99-9549-9D8F-DB310D8E0473}"/>
+              </a:ext>
+            </a:extLst>
+          </p:cNvPr>
+          <p:cNvSpPr>
+            <a:spLocks noGrp="1"/>
+          </p:cNvSpPr>
+          <p:nvPr>
+            <p:ph idx="1"/>
+          </p:nvPr>
+        </p:nvSpPr>
+        <p:spPr/>
+        <p:txBody>
+          <a:bodyPr/>
+          <a:lstStyle/>
+          <a:p>
+            <a:r>
+              <a:rPr lang="en-US" dirty="0"/>
+              <a:t>R tutorial : Basic Statistics ( mean, median, standard deviation and variance)</a:t>
+            </a:r>
+          </a:p>
+          <a:p>
+            <a:endParaRPr lang="en-US" dirty="0"/>
+          </a:p>
+        </p:txBody>
+      </p:sp>
+      <p:sp>
+        <p:nvSpPr>
+          <p:cNvPr id="4" name="Slide Number Placeholder 3">
+            <a:extLst>
+              <a:ext uri="{FF2B5EF4-FFF2-40B4-BE49-F238E27FC236}">
+                <a16:creationId xmlns:a16="http://schemas.microsoft.com/office/drawing/2014/main" id="{DE4280B3-5A14-414E-AA37-5AE72C84C170}"/>
+              </a:ext>
+            </a:extLst>
+          </p:cNvPr>
+          <p:cNvSpPr>
+            <a:spLocks noGrp="1"/>
+          </p:cNvSpPr>
+          <p:nvPr>
+            <p:ph type="sldNum" sz="quarter" idx="12"/>
+          </p:nvPr>
+        </p:nvSpPr>
+        <p:spPr/>
+        <p:txBody>
+          <a:bodyPr/>
+          <a:lstStyle/>
+          <a:p>
+            <a:fld id="{DF9221D8-3A4D-495B-963C-88FDE081B2F3}" type="slidenum">
+              <a:rPr lang="en-US" smtClean="0"/>
+              <a:t>20</a:t>
+            </a:fld>
+            <a:endParaRPr lang="en-US"/>
+          </a:p>
+        </p:txBody>
+      </p:sp>
+      <p:pic>
+        <p:nvPicPr>
+          <p:cNvPr id="6" name="Picture 5">
+            <a:extLst>
+              <a:ext uri="{FF2B5EF4-FFF2-40B4-BE49-F238E27FC236}">
+                <a16:creationId xmlns:a16="http://schemas.microsoft.com/office/drawing/2014/main" id="{245F6F4E-6F29-9E45-BAB9-23B0C4A8CFAC}"/>
+              </a:ext>
+            </a:extLst>
+          </p:cNvPr>
+          <p:cNvPicPr>
+            <a:picLocks noChangeAspect="1"/>
+          </p:cNvPicPr>
+          <p:nvPr/>
+        </p:nvPicPr>
+        <p:blipFill>
+          <a:blip r:embed="rId2">
+            <a:extLst>
+              <a:ext uri="{28A0092B-C50C-407E-A947-70E740481C1C}">
+                <a14:useLocalDpi xmlns:a14="http://schemas.microsoft.com/office/drawing/2010/main" val="0"/>
+              </a:ext>
+            </a:extLst>
+          </a:blip>
+          <a:stretch>
+            <a:fillRect/>
+          </a:stretch>
+        </p:blipFill>
+        <p:spPr>
+          <a:xfrm>
+            <a:off x="1981200" y="2694893"/>
+            <a:ext cx="4826000" cy="4029476"/>
+          </a:xfrm>
+          <a:prstGeom prst="rect">
+            <a:avLst/>
+          </a:prstGeom>
+        </p:spPr>
+      </p:pic>
+    </p:spTree>
+    <p:extLst>
+      <p:ext uri="{BB962C8B-B14F-4D97-AF65-F5344CB8AC3E}">
+        <p14:creationId xmlns:p14="http://schemas.microsoft.com/office/powerpoint/2010/main" val="1237061657"/>
+      </p:ext>
+    </p:extLst>
+  </p:cSld>
+  <p:clrMapOvr>
+    <a:masterClrMapping/>
+  </p:clrMapOvr>
+</p:sld>
+</file>
+
+<file path=ppt/slides/slide21.xml><?xml version="1.0" encoding="utf-8"?>
+<p:sld xmlns:a="http://schemas.openxmlformats.org/drawingml/2006/main" xmlns:r="http://schemas.openxmlformats.org/officeDocument/2006/relationships" xmlns:p="http://schemas.openxmlformats.org/presentationml/2006/main">
+  <p:cSld>
+    <p:spTree>
+      <p:nvGrpSpPr>
+        <p:cNvPr id="1" name=""/>
+        <p:cNvGrpSpPr/>
+        <p:nvPr/>
+      </p:nvGrpSpPr>
+      <p:grpSpPr>
+        <a:xfrm>
+          <a:off x="0" y="0"/>
+          <a:ext cx="0" cy="0"/>
+          <a:chOff x="0" y="0"/>
+          <a:chExt cx="0" cy="0"/>
+        </a:xfrm>
+      </p:grpSpPr>
+      <p:sp>
+        <p:nvSpPr>
+          <p:cNvPr id="2" name="Title 1">
+            <a:extLst>
+              <a:ext uri="{FF2B5EF4-FFF2-40B4-BE49-F238E27FC236}">
+                <a16:creationId xmlns:a16="http://schemas.microsoft.com/office/drawing/2014/main" id="{EA0AB704-F3AE-6048-84D9-EDC737AA3035}"/>
+              </a:ext>
+            </a:extLst>
+          </p:cNvPr>
+          <p:cNvSpPr>
+            <a:spLocks noGrp="1"/>
+          </p:cNvSpPr>
+          <p:nvPr>
+            <p:ph type="title"/>
+          </p:nvPr>
+        </p:nvSpPr>
+        <p:spPr/>
+        <p:txBody>
+          <a:bodyPr/>
+          <a:lstStyle/>
+          <a:p>
+            <a:r>
+              <a:rPr lang="en-US" altLang="zh-Hans" dirty="0"/>
+              <a:t>Summary</a:t>
+            </a:r>
+            <a:r>
+              <a:rPr lang="zh-Hans" altLang="en-US" dirty="0"/>
+              <a:t> </a:t>
+            </a:r>
+            <a:r>
+              <a:rPr lang="en-US" altLang="zh-Hans" dirty="0"/>
+              <a:t>of</a:t>
+            </a:r>
+            <a:r>
+              <a:rPr lang="zh-Hans" altLang="en-US" dirty="0"/>
+              <a:t> </a:t>
+            </a:r>
+            <a:r>
+              <a:rPr lang="en-US" altLang="zh-Hans" dirty="0"/>
+              <a:t>Concepts</a:t>
+            </a:r>
+            <a:endParaRPr lang="en-US" dirty="0"/>
+          </a:p>
+        </p:txBody>
+      </p:sp>
+      <p:sp>
+        <p:nvSpPr>
+          <p:cNvPr id="3" name="Content Placeholder 2">
+            <a:extLst>
+              <a:ext uri="{FF2B5EF4-FFF2-40B4-BE49-F238E27FC236}">
+                <a16:creationId xmlns:a16="http://schemas.microsoft.com/office/drawing/2014/main" id="{4807506A-F287-4C41-B685-A521F3A88582}"/>
+              </a:ext>
+            </a:extLst>
+          </p:cNvPr>
+          <p:cNvSpPr>
+            <a:spLocks noGrp="1"/>
+          </p:cNvSpPr>
+          <p:nvPr>
+            <p:ph idx="1"/>
+          </p:nvPr>
+        </p:nvSpPr>
+        <p:spPr/>
+        <p:txBody>
+          <a:bodyPr/>
+          <a:lstStyle/>
+          <a:p>
+            <a:r>
+              <a:rPr lang="en-US" altLang="zh-Hans" dirty="0"/>
+              <a:t>Range</a:t>
+            </a:r>
+          </a:p>
+          <a:p>
+            <a:r>
+              <a:rPr lang="en-US" altLang="zh-Hans" dirty="0"/>
+              <a:t>Deviation</a:t>
+            </a:r>
+          </a:p>
+          <a:p>
+            <a:r>
+              <a:rPr lang="en-US" altLang="zh-Hans" dirty="0"/>
+              <a:t>Spread</a:t>
+            </a:r>
+          </a:p>
+          <a:p>
+            <a:r>
+              <a:rPr lang="en-US" altLang="zh-Hans" dirty="0"/>
+              <a:t>Variance</a:t>
+            </a:r>
+          </a:p>
+          <a:p>
+            <a:r>
+              <a:rPr lang="en-US" altLang="zh-Hans" dirty="0"/>
+              <a:t>Standard</a:t>
+            </a:r>
+            <a:r>
+              <a:rPr lang="zh-Hans" altLang="en-US" dirty="0"/>
+              <a:t> </a:t>
+            </a:r>
+            <a:r>
+              <a:rPr lang="en-US" altLang="zh-Hans" dirty="0"/>
+              <a:t>deviation</a:t>
+            </a:r>
+          </a:p>
+          <a:p>
+            <a:endParaRPr lang="en-US" dirty="0"/>
+          </a:p>
+        </p:txBody>
+      </p:sp>
+      <p:sp>
+        <p:nvSpPr>
+          <p:cNvPr id="4" name="Slide Number Placeholder 3">
+            <a:extLst>
+              <a:ext uri="{FF2B5EF4-FFF2-40B4-BE49-F238E27FC236}">
+                <a16:creationId xmlns:a16="http://schemas.microsoft.com/office/drawing/2014/main" id="{530D4248-21B9-CE4A-A69F-9006E1FDF596}"/>
+              </a:ext>
+            </a:extLst>
+          </p:cNvPr>
+          <p:cNvSpPr>
+            <a:spLocks noGrp="1"/>
+          </p:cNvSpPr>
+          <p:nvPr>
+            <p:ph type="sldNum" sz="quarter" idx="12"/>
+          </p:nvPr>
+        </p:nvSpPr>
+        <p:spPr/>
+        <p:txBody>
+          <a:bodyPr/>
+          <a:lstStyle/>
+          <a:p>
+            <a:fld id="{DF9221D8-3A4D-495B-963C-88FDE081B2F3}" type="slidenum">
+              <a:rPr lang="en-US" smtClean="0"/>
+              <a:t>21</a:t>
+            </a:fld>
+            <a:endParaRPr lang="en-US"/>
+          </a:p>
+        </p:txBody>
+      </p:sp>
+    </p:spTree>
+    <p:extLst>
+      <p:ext uri="{BB962C8B-B14F-4D97-AF65-F5344CB8AC3E}">
+        <p14:creationId xmlns:p14="http://schemas.microsoft.com/office/powerpoint/2010/main" val="1517597915"/>
+      </p:ext>
+    </p:extLst>
+  </p:cSld>
+  <p:clrMapOvr>
+    <a:masterClrMapping/>
+  </p:clrMapOvr>
+</p:sld>
+</file>
+
+<file path=ppt/slides/slide3.xml><?xml version="1.0" encoding="utf-8"?>
+<p:sld xmlns:a="http://schemas.openxmlformats.org/drawingml/2006/main" xmlns:r="http://schemas.openxmlformats.org/officeDocument/2006/relationships" xmlns:p="http://schemas.openxmlformats.org/presentationml/2006/main">
+  <p:cSld>
+    <p:spTree>
+      <p:nvGrpSpPr>
+        <p:cNvPr id="1" name=""/>
+        <p:cNvGrpSpPr/>
+        <p:nvPr/>
+      </p:nvGrpSpPr>
+      <p:grpSpPr>
+        <a:xfrm>
+          <a:off x="0" y="0"/>
+          <a:ext cx="0" cy="0"/>
+          <a:chOff x="0" y="0"/>
+          <a:chExt cx="0" cy="0"/>
+        </a:xfrm>
+      </p:grpSpPr>
+      <p:sp>
+        <p:nvSpPr>
+          <p:cNvPr id="2" name="Title 1"/>
+          <p:cNvSpPr>
+            <a:spLocks noGrp="1"/>
+          </p:cNvSpPr>
+          <p:nvPr>
+            <p:ph type="title"/>
+          </p:nvPr>
+        </p:nvSpPr>
+        <p:spPr/>
+        <p:txBody>
+          <a:bodyPr>
+            <a:normAutofit fontScale="90000"/>
+          </a:bodyPr>
+          <a:lstStyle/>
+          <a:p>
+            <a:pPr>
+              <a:defRPr/>
+            </a:pPr>
+            <a:r>
+              <a:rPr lang="en-US" sz="4800" b="1" dirty="0">
+                <a:solidFill>
+                  <a:srgbClr val="000099"/>
+                </a:solidFill>
+                <a:latin typeface="Palatino Linotype" pitchFamily="18" charset="0"/>
+                <a:ea typeface="Cambria Math" pitchFamily="18" charset="0"/>
+              </a:rPr>
+              <a:t>Frequency Distribution: </a:t>
+            </a:r>
+            <a:r>
+              <a:rPr lang="en-US" sz="4800" b="1" dirty="0">
+                <a:solidFill>
+                  <a:srgbClr val="C00000"/>
+                </a:solidFill>
+                <a:latin typeface="Palatino Linotype" pitchFamily="18" charset="0"/>
+                <a:ea typeface="Cambria Math" pitchFamily="18" charset="0"/>
+              </a:rPr>
+              <a:t>Shape</a:t>
+            </a:r>
+          </a:p>
+        </p:txBody>
+      </p:sp>
+      <p:sp>
+        <p:nvSpPr>
+          <p:cNvPr id="3" name="Content Placeholder 2"/>
+          <p:cNvSpPr>
+            <a:spLocks noGrp="1"/>
+          </p:cNvSpPr>
+          <p:nvPr>
+            <p:ph idx="1"/>
+          </p:nvPr>
+        </p:nvSpPr>
+        <p:spPr/>
+        <p:txBody>
+          <a:bodyPr/>
+          <a:lstStyle/>
+          <a:p>
+            <a:r>
+              <a:rPr lang="en-US" dirty="0">
+                <a:latin typeface="Palatino Linotype" pitchFamily="18" charset="0"/>
+              </a:rPr>
+              <a:t>Symmetric distribution</a:t>
+            </a:r>
+          </a:p>
+          <a:p>
+            <a:pPr lvl="1"/>
+            <a:r>
+              <a:rPr lang="en-US" dirty="0">
+                <a:latin typeface="Palatino Linotype" pitchFamily="18" charset="0"/>
+              </a:rPr>
+              <a:t>Mean=median=mode</a:t>
+            </a:r>
+          </a:p>
+          <a:p>
+            <a:pPr lvl="1"/>
+            <a:endParaRPr lang="en-US" dirty="0">
+              <a:latin typeface="Palatino Linotype" pitchFamily="18" charset="0"/>
+            </a:endParaRPr>
+          </a:p>
+          <a:p>
+            <a:pPr lvl="1"/>
+            <a:endParaRPr lang="en-US" dirty="0">
+              <a:latin typeface="Palatino Linotype" pitchFamily="18" charset="0"/>
+            </a:endParaRPr>
+          </a:p>
+          <a:p>
+            <a:pPr lvl="1"/>
+            <a:endParaRPr lang="en-US" dirty="0">
+              <a:latin typeface="Palatino Linotype" pitchFamily="18" charset="0"/>
+            </a:endParaRPr>
+          </a:p>
+          <a:p>
+            <a:pPr marL="457200" lvl="1" indent="0">
+              <a:buNone/>
+            </a:pPr>
+            <a:endParaRPr lang="en-US" dirty="0">
+              <a:latin typeface="Palatino Linotype" pitchFamily="18" charset="0"/>
+            </a:endParaRPr>
+          </a:p>
+          <a:p>
+            <a:r>
+              <a:rPr lang="en-US" dirty="0">
+                <a:latin typeface="Palatino Linotype" pitchFamily="18" charset="0"/>
+              </a:rPr>
+              <a:t>Bi-modal distribution</a:t>
+            </a:r>
+          </a:p>
+        </p:txBody>
+      </p:sp>
+      <p:pic>
+        <p:nvPicPr>
+          <p:cNvPr id="4" name="Picture 3"/>
+          <p:cNvPicPr/>
+          <p:nvPr/>
+        </p:nvPicPr>
+        <p:blipFill>
+          <a:blip r:embed="rId2" cstate="print">
+            <a:extLst>
+              <a:ext uri="{28A0092B-C50C-407E-A947-70E740481C1C}">
+                <a14:useLocalDpi xmlns:a14="http://schemas.microsoft.com/office/drawing/2010/main" val="0"/>
+              </a:ext>
+            </a:extLst>
+          </a:blip>
+          <a:stretch>
+            <a:fillRect/>
+          </a:stretch>
+        </p:blipFill>
+        <p:spPr>
+          <a:xfrm>
+            <a:off x="5032218" y="2286000"/>
+            <a:ext cx="3733800" cy="2913698"/>
+          </a:xfrm>
+          <a:prstGeom prst="rect">
+            <a:avLst/>
+          </a:prstGeom>
+        </p:spPr>
+      </p:pic>
+      <p:sp>
+        <p:nvSpPr>
+          <p:cNvPr id="5" name="Slide Number Placeholder 4">
+            <a:extLst>
+              <a:ext uri="{FF2B5EF4-FFF2-40B4-BE49-F238E27FC236}">
+                <a16:creationId xmlns:a16="http://schemas.microsoft.com/office/drawing/2014/main" id="{0210A96D-1274-234A-B073-1396C281B049}"/>
+              </a:ext>
+            </a:extLst>
+          </p:cNvPr>
+          <p:cNvSpPr>
+            <a:spLocks noGrp="1"/>
+          </p:cNvSpPr>
+          <p:nvPr>
+            <p:ph type="sldNum" sz="quarter" idx="12"/>
+          </p:nvPr>
+        </p:nvSpPr>
+        <p:spPr/>
+        <p:txBody>
+          <a:bodyPr/>
+          <a:lstStyle/>
+          <a:p>
+            <a:fld id="{DF9221D8-3A4D-495B-963C-88FDE081B2F3}" type="slidenum">
+              <a:rPr lang="en-US" smtClean="0"/>
+              <a:t>3</a:t>
+            </a:fld>
+            <a:endParaRPr lang="en-US"/>
+          </a:p>
+        </p:txBody>
+      </p:sp>
+    </p:spTree>
+    <p:extLst>
+      <p:ext uri="{BB962C8B-B14F-4D97-AF65-F5344CB8AC3E}">
+        <p14:creationId xmlns:p14="http://schemas.microsoft.com/office/powerpoint/2010/main" val="271924892"/>
+      </p:ext>
+    </p:extLst>
+  </p:cSld>
+  <p:clrMapOvr>
+    <a:masterClrMapping/>
+  </p:clrMapOvr>
+</p:sld>
+</file>
+
+<file path=ppt/slides/slide4.xml><?xml version="1.0" encoding="utf-8"?>
+<p:sld xmlns:a="http://schemas.openxmlformats.org/drawingml/2006/main" xmlns:r="http://schemas.openxmlformats.org/officeDocument/2006/relationships" xmlns:p="http://schemas.openxmlformats.org/presentationml/2006/main">
+  <p:cSld>
+    <p:spTree>
+      <p:nvGrpSpPr>
+        <p:cNvPr id="1" name=""/>
+        <p:cNvGrpSpPr/>
+        <p:nvPr/>
+      </p:nvGrpSpPr>
+      <p:grpSpPr>
+        <a:xfrm>
+          <a:off x="0" y="0"/>
+          <a:ext cx="0" cy="0"/>
+          <a:chOff x="0" y="0"/>
+          <a:chExt cx="0" cy="0"/>
+        </a:xfrm>
+      </p:grpSpPr>
+      <p:sp>
+        <p:nvSpPr>
+          <p:cNvPr id="2" name="Title 1"/>
+          <p:cNvSpPr>
+            <a:spLocks noGrp="1"/>
+          </p:cNvSpPr>
+          <p:nvPr>
+            <p:ph type="title"/>
+          </p:nvPr>
+        </p:nvSpPr>
+        <p:spPr/>
+        <p:txBody>
+          <a:bodyPr>
+            <a:normAutofit fontScale="90000"/>
+          </a:bodyPr>
+          <a:lstStyle/>
+          <a:p>
+            <a:pPr>
+              <a:defRPr/>
+            </a:pPr>
+            <a:r>
+              <a:rPr lang="en-US" sz="4800" b="1" dirty="0">
+                <a:solidFill>
+                  <a:srgbClr val="000099"/>
+                </a:solidFill>
+                <a:latin typeface="Palatino Linotype" pitchFamily="18" charset="0"/>
+                <a:ea typeface="Cambria Math" pitchFamily="18" charset="0"/>
+              </a:rPr>
+              <a:t>Frequency Distribution: </a:t>
+            </a:r>
+            <a:r>
+              <a:rPr lang="en-US" sz="4800" b="1" dirty="0">
+                <a:solidFill>
+                  <a:srgbClr val="C00000"/>
+                </a:solidFill>
+                <a:latin typeface="Palatino Linotype" pitchFamily="18" charset="0"/>
+                <a:ea typeface="Cambria Math" pitchFamily="18" charset="0"/>
+              </a:rPr>
+              <a:t>Shape</a:t>
+            </a:r>
+          </a:p>
+        </p:txBody>
+      </p:sp>
+      <p:pic>
+        <p:nvPicPr>
+          <p:cNvPr id="5" name="Picture 4">
+            <a:extLst>
+              <a:ext uri="{FF2B5EF4-FFF2-40B4-BE49-F238E27FC236}">
+                <a16:creationId xmlns:a16="http://schemas.microsoft.com/office/drawing/2014/main" id="{0FF1634B-DB30-DE42-A096-D52FFD56A54D}"/>
+              </a:ext>
+            </a:extLst>
+          </p:cNvPr>
+          <p:cNvPicPr>
+            <a:picLocks noChangeAspect="1"/>
+          </p:cNvPicPr>
+          <p:nvPr/>
+        </p:nvPicPr>
+        <p:blipFill>
+          <a:blip r:embed="rId2">
+            <a:extLst>
+              <a:ext uri="{28A0092B-C50C-407E-A947-70E740481C1C}">
+                <a14:useLocalDpi xmlns:a14="http://schemas.microsoft.com/office/drawing/2010/main" val="0"/>
+              </a:ext>
+            </a:extLst>
+          </a:blip>
+          <a:stretch>
+            <a:fillRect/>
+          </a:stretch>
+        </p:blipFill>
+        <p:spPr>
+          <a:xfrm>
+            <a:off x="1447800" y="1417638"/>
+            <a:ext cx="6723708" cy="5067300"/>
+          </a:xfrm>
+          <a:prstGeom prst="rect">
+            <a:avLst/>
+          </a:prstGeom>
+        </p:spPr>
+      </p:pic>
+      <p:sp>
+        <p:nvSpPr>
+          <p:cNvPr id="6" name="Slide Number Placeholder 5">
+            <a:extLst>
+              <a:ext uri="{FF2B5EF4-FFF2-40B4-BE49-F238E27FC236}">
+                <a16:creationId xmlns:a16="http://schemas.microsoft.com/office/drawing/2014/main" id="{41F7F595-8483-A64E-A3A6-D095A8141755}"/>
+              </a:ext>
+            </a:extLst>
+          </p:cNvPr>
+          <p:cNvSpPr>
+            <a:spLocks noGrp="1"/>
+          </p:cNvSpPr>
+          <p:nvPr>
+            <p:ph type="sldNum" sz="quarter" idx="12"/>
+          </p:nvPr>
+        </p:nvSpPr>
+        <p:spPr/>
+        <p:txBody>
+          <a:bodyPr/>
+          <a:lstStyle/>
+          <a:p>
+            <a:fld id="{DF9221D8-3A4D-495B-963C-88FDE081B2F3}" type="slidenum">
+              <a:rPr lang="en-US" smtClean="0"/>
+              <a:t>4</a:t>
+            </a:fld>
+            <a:endParaRPr lang="en-US"/>
+          </a:p>
+        </p:txBody>
+      </p:sp>
+    </p:spTree>
+    <p:extLst>
+      <p:ext uri="{BB962C8B-B14F-4D97-AF65-F5344CB8AC3E}">
+        <p14:creationId xmlns:p14="http://schemas.microsoft.com/office/powerpoint/2010/main" val="3265901851"/>
+      </p:ext>
+    </p:extLst>
+  </p:cSld>
+  <p:clrMapOvr>
+    <a:masterClrMapping/>
+  </p:clrMapOvr>
+</p:sld>
+</file>
+
+<file path=ppt/slides/slide5.xml><?xml version="1.0" encoding="utf-8"?>
+<p:sld xmlns:a="http://schemas.openxmlformats.org/drawingml/2006/main" xmlns:r="http://schemas.openxmlformats.org/officeDocument/2006/relationships" xmlns:p="http://schemas.openxmlformats.org/presentationml/2006/main">
+  <p:cSld>
+    <p:spTree>
+      <p:nvGrpSpPr>
+        <p:cNvPr id="1" name=""/>
+        <p:cNvGrpSpPr/>
+        <p:nvPr/>
+      </p:nvGrpSpPr>
+      <p:grpSpPr>
+        <a:xfrm>
+          <a:off x="0" y="0"/>
+          <a:ext cx="0" cy="0"/>
+          <a:chOff x="0" y="0"/>
+          <a:chExt cx="0" cy="0"/>
+        </a:xfrm>
+      </p:grpSpPr>
+      <p:sp>
+        <p:nvSpPr>
+          <p:cNvPr id="2" name="Title 1"/>
+          <p:cNvSpPr>
+            <a:spLocks noGrp="1"/>
+          </p:cNvSpPr>
+          <p:nvPr>
+            <p:ph type="title"/>
+          </p:nvPr>
+        </p:nvSpPr>
+        <p:spPr/>
+        <p:txBody>
+          <a:bodyPr>
+            <a:noAutofit/>
+          </a:bodyPr>
+          <a:lstStyle/>
+          <a:p>
+            <a:pPr>
+              <a:defRPr/>
+            </a:pPr>
+            <a:r>
+              <a:rPr lang="en-US" sz="4800" b="1" dirty="0">
+                <a:solidFill>
+                  <a:srgbClr val="000099"/>
+                </a:solidFill>
+                <a:latin typeface="Palatino Linotype" pitchFamily="18" charset="0"/>
+                <a:ea typeface="Cambria Math" pitchFamily="18" charset="0"/>
+              </a:rPr>
+              <a:t>Frequency Distribution</a:t>
+            </a:r>
+          </a:p>
+        </p:txBody>
+      </p:sp>
+      <p:sp>
+        <p:nvSpPr>
+          <p:cNvPr id="2050" name="Rectangle 2"/>
+          <p:cNvSpPr>
+            <a:spLocks noChangeArrowheads="1"/>
+          </p:cNvSpPr>
+          <p:nvPr/>
+        </p:nvSpPr>
+        <p:spPr bwMode="auto">
+          <a:xfrm>
+            <a:off x="0" y="-184666"/>
+            <a:ext cx="184731" cy="369332"/>
+          </a:xfrm>
+          <a:prstGeom prst="rect">
+            <a:avLst/>
+          </a:prstGeom>
+          <a:noFill/>
+          <a:ln w="9525">
+            <a:noFill/>
+            <a:miter lim="800000"/>
+            <a:headEnd/>
+            <a:tailEnd/>
+          </a:ln>
+          <a:effectLst/>
+        </p:spPr>
+        <p:txBody>
+          <a:bodyPr vert="horz" wrap="none" lIns="91440" tIns="45720" rIns="91440" bIns="45720" numCol="1" anchor="ctr" anchorCtr="0" compatLnSpc="1">
+            <a:prstTxWarp prst="textNoShape">
+              <a:avLst/>
+            </a:prstTxWarp>
+            <a:spAutoFit/>
+          </a:bodyPr>
+          <a:lstStyle/>
+          <a:p>
+            <a:endParaRPr lang="en-US" dirty="0">
+              <a:latin typeface="Palatino Linotype" pitchFamily="18" charset="0"/>
+            </a:endParaRPr>
+          </a:p>
+        </p:txBody>
+      </p:sp>
+      <p:sp>
+        <p:nvSpPr>
+          <p:cNvPr id="5" name="Content Placeholder 4"/>
+          <p:cNvSpPr>
+            <a:spLocks noGrp="1"/>
+          </p:cNvSpPr>
+          <p:nvPr>
+            <p:ph idx="1"/>
+          </p:nvPr>
+        </p:nvSpPr>
+        <p:spPr>
+          <a:xfrm>
+            <a:off x="457200" y="1295400"/>
+            <a:ext cx="8229600" cy="4525963"/>
+          </a:xfrm>
+        </p:spPr>
+        <p:txBody>
+          <a:bodyPr/>
+          <a:lstStyle/>
+          <a:p>
+            <a:endParaRPr lang="en-US" sz="1200" dirty="0">
+              <a:latin typeface="Palatino Linotype" pitchFamily="18" charset="0"/>
+            </a:endParaRPr>
+          </a:p>
+          <a:p>
+            <a:r>
+              <a:rPr lang="en-US" dirty="0">
+                <a:latin typeface="Palatino Linotype" pitchFamily="18" charset="0"/>
+                <a:cs typeface="Times New Roman" pitchFamily="18" charset="0"/>
+              </a:rPr>
+              <a:t>Normal distribution</a:t>
+            </a:r>
+          </a:p>
+        </p:txBody>
+      </p:sp>
+      <p:pic>
+        <p:nvPicPr>
+          <p:cNvPr id="59394" name="Picture 2"/>
+          <p:cNvPicPr>
+            <a:picLocks noChangeAspect="1" noChangeArrowheads="1"/>
+          </p:cNvPicPr>
+          <p:nvPr/>
+        </p:nvPicPr>
+        <p:blipFill>
+          <a:blip r:embed="rId3" cstate="print"/>
+          <a:srcRect/>
+          <a:stretch>
+            <a:fillRect/>
+          </a:stretch>
+        </p:blipFill>
+        <p:spPr bwMode="auto">
+          <a:xfrm>
+            <a:off x="609600" y="2362200"/>
+            <a:ext cx="7943850" cy="4086225"/>
+          </a:xfrm>
+          <a:prstGeom prst="rect">
+            <a:avLst/>
+          </a:prstGeom>
+          <a:noFill/>
+          <a:ln w="9525">
+            <a:noFill/>
+            <a:miter lim="800000"/>
+            <a:headEnd/>
+            <a:tailEnd/>
+          </a:ln>
+        </p:spPr>
+      </p:pic>
+      <p:pic>
+        <p:nvPicPr>
+          <p:cNvPr id="7" name="Picture 7"/>
+          <p:cNvPicPr>
+            <a:picLocks noChangeAspect="1" noChangeArrowheads="1"/>
+          </p:cNvPicPr>
+          <p:nvPr/>
+        </p:nvPicPr>
+        <p:blipFill>
+          <a:blip r:embed="rId4" cstate="print"/>
+          <a:srcRect/>
+          <a:stretch>
+            <a:fillRect/>
+          </a:stretch>
+        </p:blipFill>
+        <p:spPr bwMode="auto">
+          <a:xfrm>
+            <a:off x="6096000" y="2895600"/>
+            <a:ext cx="2209800" cy="1039262"/>
+          </a:xfrm>
+          <a:prstGeom prst="rect">
+            <a:avLst/>
+          </a:prstGeom>
+          <a:noFill/>
+          <a:ln w="9525">
+            <a:noFill/>
+            <a:miter lim="800000"/>
+            <a:headEnd/>
+            <a:tailEnd/>
+          </a:ln>
+        </p:spPr>
+      </p:pic>
+      <p:sp>
+        <p:nvSpPr>
+          <p:cNvPr id="3" name="Slide Number Placeholder 2">
+            <a:extLst>
+              <a:ext uri="{FF2B5EF4-FFF2-40B4-BE49-F238E27FC236}">
+                <a16:creationId xmlns:a16="http://schemas.microsoft.com/office/drawing/2014/main" id="{5F938A26-AE78-4E49-93C5-58D587302271}"/>
+              </a:ext>
+            </a:extLst>
+          </p:cNvPr>
+          <p:cNvSpPr>
+            <a:spLocks noGrp="1"/>
+          </p:cNvSpPr>
+          <p:nvPr>
+            <p:ph type="sldNum" sz="quarter" idx="12"/>
+          </p:nvPr>
+        </p:nvSpPr>
+        <p:spPr/>
+        <p:txBody>
+          <a:bodyPr/>
+          <a:lstStyle/>
+          <a:p>
+            <a:fld id="{DF9221D8-3A4D-495B-963C-88FDE081B2F3}" type="slidenum">
+              <a:rPr lang="en-US" smtClean="0"/>
+              <a:t>5</a:t>
+            </a:fld>
+            <a:endParaRPr lang="en-US"/>
+          </a:p>
+        </p:txBody>
+      </p:sp>
+    </p:spTree>
+    <p:extLst>
+      <p:ext uri="{BB962C8B-B14F-4D97-AF65-F5344CB8AC3E}">
+        <p14:creationId xmlns:p14="http://schemas.microsoft.com/office/powerpoint/2010/main" val="1975152303"/>
+      </p:ext>
+    </p:extLst>
+  </p:cSld>
+  <p:clrMapOvr>
+    <a:masterClrMapping/>
+  </p:clrMapOvr>
+</p:sld>
+</file>
+
+<file path=ppt/slides/slide6.xml><?xml version="1.0" encoding="utf-8"?>
+<p:sld xmlns:a="http://schemas.openxmlformats.org/drawingml/2006/main" xmlns:r="http://schemas.openxmlformats.org/officeDocument/2006/relationships" xmlns:p="http://schemas.openxmlformats.org/presentationml/2006/main">
+  <p:cSld>
+    <p:spTree>
+      <p:nvGrpSpPr>
+        <p:cNvPr id="1" name=""/>
+        <p:cNvGrpSpPr/>
+        <p:nvPr/>
+      </p:nvGrpSpPr>
+      <p:grpSpPr>
+        <a:xfrm>
+          <a:off x="0" y="0"/>
+          <a:ext cx="0" cy="0"/>
+          <a:chOff x="0" y="0"/>
+          <a:chExt cx="0" cy="0"/>
+        </a:xfrm>
+      </p:grpSpPr>
+      <p:sp>
+        <p:nvSpPr>
+          <p:cNvPr id="2" name="Title 1"/>
+          <p:cNvSpPr>
+            <a:spLocks noGrp="1"/>
+          </p:cNvSpPr>
+          <p:nvPr>
+            <p:ph type="title"/>
+          </p:nvPr>
+        </p:nvSpPr>
+        <p:spPr/>
+        <p:txBody>
+          <a:bodyPr>
+            <a:normAutofit/>
+          </a:bodyPr>
+          <a:lstStyle/>
+          <a:p>
+            <a:r>
+              <a:rPr lang="en-US" b="1" dirty="0">
+                <a:solidFill>
+                  <a:srgbClr val="000099"/>
+                </a:solidFill>
+                <a:latin typeface="Palatino Linotype" pitchFamily="18" charset="0"/>
+                <a:ea typeface="Cambria Math" pitchFamily="18" charset="0"/>
+              </a:rPr>
+              <a:t>Frequency Distribution</a:t>
+            </a:r>
+            <a:endParaRPr lang="en-US" dirty="0">
+              <a:solidFill>
+                <a:srgbClr val="000099"/>
+              </a:solidFill>
+              <a:latin typeface="Palatino Linotype" pitchFamily="18" charset="0"/>
+              <a:ea typeface="Cambria Math" pitchFamily="18" charset="0"/>
+            </a:endParaRPr>
+          </a:p>
+        </p:txBody>
+      </p:sp>
+      <p:sp>
+        <p:nvSpPr>
+          <p:cNvPr id="3" name="Subtitle 2"/>
+          <p:cNvSpPr>
+            <a:spLocks noGrp="1"/>
+          </p:cNvSpPr>
+          <p:nvPr>
+            <p:ph idx="1"/>
+          </p:nvPr>
+        </p:nvSpPr>
+        <p:spPr>
+          <a:xfrm>
+            <a:off x="457200" y="1600200"/>
+            <a:ext cx="8534400" cy="4572000"/>
+          </a:xfrm>
+        </p:spPr>
+        <p:txBody>
+          <a:bodyPr>
+            <a:normAutofit/>
+          </a:bodyPr>
+          <a:lstStyle/>
+          <a:p>
+            <a:r>
+              <a:rPr lang="en-US" dirty="0">
+                <a:latin typeface="Palatino Linotype" pitchFamily="18" charset="0"/>
+                <a:ea typeface="Cambria Math" pitchFamily="18" charset="0"/>
+                <a:cs typeface="Times New Roman" pitchFamily="18" charset="0"/>
+              </a:rPr>
+              <a:t>Skew</a:t>
+            </a:r>
+          </a:p>
+          <a:p>
+            <a:pPr lvl="1"/>
+            <a:r>
+              <a:rPr lang="en-US" dirty="0">
+                <a:latin typeface="Palatino Linotype" pitchFamily="18" charset="0"/>
+                <a:ea typeface="Cambria Math" pitchFamily="18" charset="0"/>
+                <a:cs typeface="Times New Roman" pitchFamily="18" charset="0"/>
+              </a:rPr>
+              <a:t>Skew will be negative when the left tail is longer:</a:t>
+            </a:r>
+          </a:p>
+          <a:p>
+            <a:pPr lvl="2"/>
+            <a:r>
+              <a:rPr lang="en-US" dirty="0">
+                <a:latin typeface="Palatino Linotype" pitchFamily="18" charset="0"/>
+                <a:ea typeface="Cambria Math" pitchFamily="18" charset="0"/>
+                <a:cs typeface="Times New Roman" pitchFamily="18" charset="0"/>
+              </a:rPr>
+              <a:t>“Skewed to the left”</a:t>
+            </a:r>
+          </a:p>
+        </p:txBody>
+      </p:sp>
+      <p:sp>
+        <p:nvSpPr>
+          <p:cNvPr id="2050" name="Rectangle 2"/>
+          <p:cNvSpPr>
+            <a:spLocks noChangeArrowheads="1"/>
+          </p:cNvSpPr>
+          <p:nvPr/>
+        </p:nvSpPr>
+        <p:spPr bwMode="auto">
+          <a:xfrm>
+            <a:off x="0" y="-184666"/>
+            <a:ext cx="184731" cy="369332"/>
+          </a:xfrm>
+          <a:prstGeom prst="rect">
+            <a:avLst/>
+          </a:prstGeom>
+          <a:noFill/>
+          <a:ln w="9525">
+            <a:noFill/>
+            <a:miter lim="800000"/>
+            <a:headEnd/>
+            <a:tailEnd/>
+          </a:ln>
+          <a:effectLst/>
+        </p:spPr>
+        <p:txBody>
+          <a:bodyPr vert="horz" wrap="none" lIns="91440" tIns="45720" rIns="91440" bIns="45720" numCol="1" anchor="ctr" anchorCtr="0" compatLnSpc="1">
+            <a:prstTxWarp prst="textNoShape">
+              <a:avLst/>
+            </a:prstTxWarp>
+            <a:spAutoFit/>
+          </a:bodyPr>
+          <a:lstStyle/>
+          <a:p>
+            <a:endParaRPr lang="en-US" dirty="0">
+              <a:latin typeface="Palatino Linotype" pitchFamily="18" charset="0"/>
+            </a:endParaRPr>
+          </a:p>
+        </p:txBody>
+      </p:sp>
+      <p:pic>
+        <p:nvPicPr>
+          <p:cNvPr id="5" name="Picture 3"/>
+          <p:cNvPicPr>
+            <a:picLocks noChangeAspect="1" noChangeArrowheads="1"/>
+          </p:cNvPicPr>
+          <p:nvPr/>
+        </p:nvPicPr>
+        <p:blipFill>
+          <a:blip r:embed="rId3" cstate="print"/>
+          <a:srcRect/>
+          <a:stretch>
+            <a:fillRect/>
+          </a:stretch>
+        </p:blipFill>
+        <p:spPr>
+          <a:xfrm>
+            <a:off x="4648200" y="2929550"/>
+            <a:ext cx="3581400" cy="3578009"/>
+          </a:xfrm>
+          <a:prstGeom prst="rect">
+            <a:avLst/>
+          </a:prstGeom>
+          <a:noFill/>
+          <a:ln/>
+        </p:spPr>
+      </p:pic>
+      <p:sp>
+        <p:nvSpPr>
+          <p:cNvPr id="4" name="Slide Number Placeholder 3">
+            <a:extLst>
+              <a:ext uri="{FF2B5EF4-FFF2-40B4-BE49-F238E27FC236}">
+                <a16:creationId xmlns:a16="http://schemas.microsoft.com/office/drawing/2014/main" id="{8E7423CD-67CD-E94E-B53E-33E817AB1610}"/>
+              </a:ext>
+            </a:extLst>
+          </p:cNvPr>
+          <p:cNvSpPr>
+            <a:spLocks noGrp="1"/>
+          </p:cNvSpPr>
+          <p:nvPr>
+            <p:ph type="sldNum" sz="quarter" idx="12"/>
+          </p:nvPr>
+        </p:nvSpPr>
+        <p:spPr/>
+        <p:txBody>
+          <a:bodyPr/>
+          <a:lstStyle/>
+          <a:p>
+            <a:fld id="{DF9221D8-3A4D-495B-963C-88FDE081B2F3}" type="slidenum">
+              <a:rPr lang="en-US" smtClean="0"/>
+              <a:t>6</a:t>
+            </a:fld>
+            <a:endParaRPr lang="en-US"/>
+          </a:p>
+        </p:txBody>
+      </p:sp>
+    </p:spTree>
+    <p:extLst>
+      <p:ext uri="{BB962C8B-B14F-4D97-AF65-F5344CB8AC3E}">
+        <p14:creationId xmlns:p14="http://schemas.microsoft.com/office/powerpoint/2010/main" val="2451889657"/>
+      </p:ext>
+    </p:extLst>
+  </p:cSld>
+  <p:clrMapOvr>
+    <a:masterClrMapping/>
+  </p:clrMapOvr>
+  <p:timing>
+    <p:tnLst>
+      <p:par>
+        <p:cTn id="1" dur="indefinite" restart="never" nodeType="tmRoot">
+          <p:childTnLst>
+            <p:seq concurrent="1" nextAc="seek">
+              <p:cTn id="2" dur="indefinite" nodeType="mainSeq">
+                <p:childTnLst>
+                  <p:par>
+                    <p:cTn id="3" fill="hold">
+                      <p:stCondLst>
+                        <p:cond delay="indefinite"/>
+                        <p:cond evt="onBegin" delay="0">
+                          <p:tn val="2"/>
+                        </p:cond>
+                      </p:stCondLst>
+                      <p:childTnLst>
+                        <p:par>
+                          <p:cTn id="4" fill="hold">
+                            <p:stCondLst>
+                              <p:cond delay="0"/>
+                            </p:stCondLst>
+                            <p:childTnLst>
+                              <p:par>
+                                <p:cTn id="5" presetID="1" presetClass="entr" presetSubtype="0" fill="hold" nodeType="withEffect">
+                                  <p:stCondLst>
+                                    <p:cond delay="0"/>
+                                  </p:stCondLst>
+                                  <p:childTnLst>
+                                    <p:set>
+                                      <p:cBhvr>
+                                        <p:cTn id="6" dur="1" fill="hold">
+                                          <p:stCondLst>
+                                            <p:cond delay="0"/>
+                                          </p:stCondLst>
+                                        </p:cTn>
+                                        <p:tgtEl>
+                                          <p:spTgt spid="5"/>
+                                        </p:tgtEl>
+                                        <p:attrNameLst>
+                                          <p:attrName>style.visibility</p:attrName>
+                                        </p:attrNameLst>
+                                      </p:cBhvr>
+                                      <p:to>
+                                        <p:strVal val="visible"/>
+                                      </p:to>
+                                    </p:set>
+                                  </p:childTnLst>
+                                </p:cTn>
+                              </p:par>
+                            </p:childTnLst>
+                          </p:cTn>
+                        </p:par>
+                      </p:childTnLst>
+                    </p:cTn>
+                  </p:par>
+                </p:childTnLst>
+              </p:cTn>
+              <p:prevCondLst>
+                <p:cond evt="onPrev" delay="0">
+                  <p:tgtEl>
+                    <p:sldTgt/>
+                  </p:tgtEl>
+                </p:cond>
+              </p:prevCondLst>
+              <p:nextCondLst>
+                <p:cond evt="onNext" delay="0">
+                  <p:tgtEl>
+                    <p:sldTgt/>
+                  </p:tgtEl>
+                </p:cond>
+              </p:nextCondLst>
+            </p:seq>
+          </p:childTnLst>
+        </p:cTn>
+      </p:par>
+    </p:tnLst>
+  </p:timing>
+</p:sld>
+</file>
+
+<file path=ppt/slides/slide7.xml><?xml version="1.0" encoding="utf-8"?>
+<p:sld xmlns:a="http://schemas.openxmlformats.org/drawingml/2006/main" xmlns:r="http://schemas.openxmlformats.org/officeDocument/2006/relationships" xmlns:p="http://schemas.openxmlformats.org/presentationml/2006/main">
+  <p:cSld>
+    <p:spTree>
+      <p:nvGrpSpPr>
+        <p:cNvPr id="1" name=""/>
+        <p:cNvGrpSpPr/>
+        <p:nvPr/>
+      </p:nvGrpSpPr>
+      <p:grpSpPr>
+        <a:xfrm>
+          <a:off x="0" y="0"/>
+          <a:ext cx="0" cy="0"/>
+          <a:chOff x="0" y="0"/>
+          <a:chExt cx="0" cy="0"/>
+        </a:xfrm>
+      </p:grpSpPr>
+      <p:sp>
+        <p:nvSpPr>
+          <p:cNvPr id="2" name="Title 1"/>
+          <p:cNvSpPr>
+            <a:spLocks noGrp="1"/>
+          </p:cNvSpPr>
+          <p:nvPr>
+            <p:ph type="title"/>
+          </p:nvPr>
+        </p:nvSpPr>
+        <p:spPr/>
+        <p:txBody>
+          <a:bodyPr>
+            <a:noAutofit/>
+          </a:bodyPr>
+          <a:lstStyle/>
+          <a:p>
+            <a:r>
+              <a:rPr lang="en-US" b="1" dirty="0">
+                <a:solidFill>
+                  <a:srgbClr val="000099"/>
+                </a:solidFill>
+                <a:latin typeface="Palatino Linotype" pitchFamily="18" charset="0"/>
+                <a:ea typeface="Cambria Math" pitchFamily="18" charset="0"/>
+              </a:rPr>
+              <a:t>Frequency Distribution</a:t>
+            </a:r>
+          </a:p>
+        </p:txBody>
+      </p:sp>
+      <p:sp>
+        <p:nvSpPr>
+          <p:cNvPr id="3" name="Subtitle 2"/>
+          <p:cNvSpPr>
+            <a:spLocks noGrp="1"/>
+          </p:cNvSpPr>
+          <p:nvPr>
+            <p:ph idx="1"/>
+          </p:nvPr>
+        </p:nvSpPr>
+        <p:spPr>
+          <a:xfrm>
+            <a:off x="457200" y="1600200"/>
+            <a:ext cx="8534400" cy="5029200"/>
+          </a:xfrm>
+        </p:spPr>
+        <p:txBody>
+          <a:bodyPr>
+            <a:normAutofit/>
+          </a:bodyPr>
+          <a:lstStyle/>
+          <a:p>
+            <a:r>
+              <a:rPr lang="en-US" dirty="0">
+                <a:latin typeface="Palatino Linotype" pitchFamily="18" charset="0"/>
+                <a:ea typeface="Cambria Math" pitchFamily="18" charset="0"/>
+                <a:cs typeface="Times New Roman" pitchFamily="18" charset="0"/>
+              </a:rPr>
+              <a:t>Skew</a:t>
+            </a:r>
+          </a:p>
+          <a:p>
+            <a:pPr lvl="1"/>
+            <a:r>
+              <a:rPr lang="en-US" dirty="0">
+                <a:latin typeface="Palatino Linotype" pitchFamily="18" charset="0"/>
+                <a:ea typeface="Cambria Math" pitchFamily="18" charset="0"/>
+                <a:cs typeface="Times New Roman" pitchFamily="18" charset="0"/>
+              </a:rPr>
+              <a:t>Skew will be positive when the right tail is longer:</a:t>
+            </a:r>
+          </a:p>
+          <a:p>
+            <a:pPr lvl="2"/>
+            <a:r>
+              <a:rPr lang="en-US" dirty="0">
+                <a:latin typeface="Palatino Linotype" pitchFamily="18" charset="0"/>
+                <a:ea typeface="Cambria Math" pitchFamily="18" charset="0"/>
+                <a:cs typeface="Times New Roman" pitchFamily="18" charset="0"/>
+              </a:rPr>
+              <a:t>“Skewed to the right”</a:t>
+            </a:r>
+          </a:p>
+        </p:txBody>
+      </p:sp>
+      <p:sp>
+        <p:nvSpPr>
+          <p:cNvPr id="2050" name="Rectangle 2"/>
+          <p:cNvSpPr>
+            <a:spLocks noChangeArrowheads="1"/>
+          </p:cNvSpPr>
+          <p:nvPr/>
+        </p:nvSpPr>
+        <p:spPr bwMode="auto">
+          <a:xfrm>
+            <a:off x="0" y="-184666"/>
+            <a:ext cx="184731" cy="369332"/>
+          </a:xfrm>
+          <a:prstGeom prst="rect">
+            <a:avLst/>
+          </a:prstGeom>
+          <a:noFill/>
+          <a:ln w="9525">
+            <a:noFill/>
+            <a:miter lim="800000"/>
+            <a:headEnd/>
+            <a:tailEnd/>
+          </a:ln>
+          <a:effectLst/>
+        </p:spPr>
+        <p:txBody>
+          <a:bodyPr vert="horz" wrap="none" lIns="91440" tIns="45720" rIns="91440" bIns="45720" numCol="1" anchor="ctr" anchorCtr="0" compatLnSpc="1">
+            <a:prstTxWarp prst="textNoShape">
+              <a:avLst/>
+            </a:prstTxWarp>
+            <a:spAutoFit/>
+          </a:bodyPr>
+          <a:lstStyle/>
+          <a:p>
+            <a:endParaRPr lang="en-US" dirty="0">
+              <a:latin typeface="Palatino Linotype" pitchFamily="18" charset="0"/>
+            </a:endParaRPr>
+          </a:p>
+        </p:txBody>
+      </p:sp>
+      <p:pic>
+        <p:nvPicPr>
+          <p:cNvPr id="5" name="Picture 4"/>
+          <p:cNvPicPr>
+            <a:picLocks noChangeAspect="1" noChangeArrowheads="1"/>
+          </p:cNvPicPr>
+          <p:nvPr/>
+        </p:nvPicPr>
+        <p:blipFill>
+          <a:blip r:embed="rId3" cstate="print"/>
+          <a:srcRect/>
+          <a:stretch>
+            <a:fillRect/>
+          </a:stretch>
+        </p:blipFill>
+        <p:spPr>
+          <a:xfrm>
+            <a:off x="4800600" y="2895600"/>
+            <a:ext cx="3657600" cy="3654191"/>
+          </a:xfrm>
+          <a:prstGeom prst="rect">
+            <a:avLst/>
+          </a:prstGeom>
+          <a:noFill/>
+          <a:ln/>
+        </p:spPr>
+      </p:pic>
+      <p:sp>
+        <p:nvSpPr>
+          <p:cNvPr id="4" name="Slide Number Placeholder 3">
+            <a:extLst>
+              <a:ext uri="{FF2B5EF4-FFF2-40B4-BE49-F238E27FC236}">
+                <a16:creationId xmlns:a16="http://schemas.microsoft.com/office/drawing/2014/main" id="{56039675-6349-1443-A259-44220C6AF843}"/>
+              </a:ext>
+            </a:extLst>
+          </p:cNvPr>
+          <p:cNvSpPr>
+            <a:spLocks noGrp="1"/>
+          </p:cNvSpPr>
+          <p:nvPr>
+            <p:ph type="sldNum" sz="quarter" idx="12"/>
+          </p:nvPr>
+        </p:nvSpPr>
+        <p:spPr/>
+        <p:txBody>
+          <a:bodyPr/>
+          <a:lstStyle/>
+          <a:p>
+            <a:fld id="{DF9221D8-3A4D-495B-963C-88FDE081B2F3}" type="slidenum">
+              <a:rPr lang="en-US" smtClean="0"/>
+              <a:t>7</a:t>
+            </a:fld>
+            <a:endParaRPr lang="en-US"/>
+          </a:p>
+        </p:txBody>
+      </p:sp>
+    </p:spTree>
+    <p:extLst>
+      <p:ext uri="{BB962C8B-B14F-4D97-AF65-F5344CB8AC3E}">
+        <p14:creationId xmlns:p14="http://schemas.microsoft.com/office/powerpoint/2010/main" val="149717954"/>
+      </p:ext>
+    </p:extLst>
+  </p:cSld>
+  <p:clrMapOvr>
+    <a:masterClrMapping/>
+  </p:clrMapOvr>
+  <p:timing>
+    <p:tnLst>
+      <p:par>
+        <p:cTn id="1" dur="indefinite" restart="never" nodeType="tmRoot">
+          <p:childTnLst>
+            <p:seq concurrent="1" nextAc="seek">
+              <p:cTn id="2" dur="indefinite" nodeType="mainSeq">
+                <p:childTnLst>
+                  <p:par>
+                    <p:cTn id="3" fill="hold">
+                      <p:stCondLst>
+                        <p:cond delay="indefinite"/>
+                        <p:cond evt="onBegin" delay="0">
+                          <p:tn val="2"/>
+                        </p:cond>
+                      </p:stCondLst>
+                      <p:childTnLst>
+                        <p:par>
+                          <p:cTn id="4" fill="hold">
+                            <p:stCondLst>
+                              <p:cond delay="0"/>
+                            </p:stCondLst>
+                            <p:childTnLst>
+                              <p:par>
+                                <p:cTn id="5" presetID="1" presetClass="entr" presetSubtype="0" fill="hold" nodeType="withEffect">
+                                  <p:stCondLst>
+                                    <p:cond delay="0"/>
+                                  </p:stCondLst>
+                                  <p:childTnLst>
+                                    <p:set>
+                                      <p:cBhvr>
+                                        <p:cTn id="6" dur="1" fill="hold">
+                                          <p:stCondLst>
+                                            <p:cond delay="0"/>
+                                          </p:stCondLst>
+                                        </p:cTn>
+                                        <p:tgtEl>
+                                          <p:spTgt spid="5"/>
+                                        </p:tgtEl>
+                                        <p:attrNameLst>
+                                          <p:attrName>style.visibility</p:attrName>
+                                        </p:attrNameLst>
+                                      </p:cBhvr>
+                                      <p:to>
+                                        <p:strVal val="visible"/>
+                                      </p:to>
+                                    </p:set>
+                                  </p:childTnLst>
+                                </p:cTn>
+                              </p:par>
+                            </p:childTnLst>
+                          </p:cTn>
+                        </p:par>
+                      </p:childTnLst>
+                    </p:cTn>
+                  </p:par>
+                </p:childTnLst>
+              </p:cTn>
+              <p:prevCondLst>
+                <p:cond evt="onPrev" delay="0">
+                  <p:tgtEl>
+                    <p:sldTgt/>
+                  </p:tgtEl>
+                </p:cond>
+              </p:prevCondLst>
+              <p:nextCondLst>
+                <p:cond evt="onNext" delay="0">
+                  <p:tgtEl>
+                    <p:sldTgt/>
+                  </p:tgtEl>
+                </p:cond>
+              </p:nextCondLst>
+            </p:seq>
+          </p:childTnLst>
+        </p:cTn>
+      </p:par>
+    </p:tnLst>
+  </p:timing>
+</p:sld>
+</file>
+
+<file path=ppt/slides/slide8.xml><?xml version="1.0" encoding="utf-8"?>
+<p:sld xmlns:a="http://schemas.openxmlformats.org/drawingml/2006/main" xmlns:r="http://schemas.openxmlformats.org/officeDocument/2006/relationships" xmlns:p="http://schemas.openxmlformats.org/presentationml/2006/main">
+  <p:cSld>
+    <p:spTree>
+      <p:nvGrpSpPr>
+        <p:cNvPr id="1" name=""/>
+        <p:cNvGrpSpPr/>
+        <p:nvPr/>
+      </p:nvGrpSpPr>
+      <p:grpSpPr>
+        <a:xfrm>
+          <a:off x="0" y="0"/>
+          <a:ext cx="0" cy="0"/>
+          <a:chOff x="0" y="0"/>
+          <a:chExt cx="0" cy="0"/>
+        </a:xfrm>
+      </p:grpSpPr>
+      <p:sp>
+        <p:nvSpPr>
+          <p:cNvPr id="2" name="Title 1"/>
+          <p:cNvSpPr>
+            <a:spLocks noGrp="1"/>
+          </p:cNvSpPr>
+          <p:nvPr>
+            <p:ph type="title"/>
+          </p:nvPr>
+        </p:nvSpPr>
+        <p:spPr/>
+        <p:txBody>
+          <a:bodyPr>
+            <a:noAutofit/>
+          </a:bodyPr>
+          <a:lstStyle/>
+          <a:p>
+            <a:r>
+              <a:rPr lang="en-US" altLang="zh-Hans" b="1" dirty="0">
+                <a:solidFill>
+                  <a:srgbClr val="000099"/>
+                </a:solidFill>
+                <a:latin typeface="Palatino Linotype" pitchFamily="18" charset="0"/>
+                <a:ea typeface="Cambria Math" pitchFamily="18" charset="0"/>
+              </a:rPr>
+              <a:t>Skewed</a:t>
+            </a:r>
+            <a:r>
+              <a:rPr lang="en-US" b="1" dirty="0">
+                <a:solidFill>
+                  <a:srgbClr val="000099"/>
+                </a:solidFill>
+                <a:latin typeface="Palatino Linotype" pitchFamily="18" charset="0"/>
+                <a:ea typeface="Cambria Math" pitchFamily="18" charset="0"/>
+              </a:rPr>
+              <a:t> Distribution</a:t>
+            </a:r>
+          </a:p>
+        </p:txBody>
+      </p:sp>
+      <p:sp>
+        <p:nvSpPr>
+          <p:cNvPr id="2050" name="Rectangle 2"/>
+          <p:cNvSpPr>
+            <a:spLocks noChangeArrowheads="1"/>
+          </p:cNvSpPr>
+          <p:nvPr/>
+        </p:nvSpPr>
+        <p:spPr bwMode="auto">
+          <a:xfrm>
+            <a:off x="0" y="-184666"/>
+            <a:ext cx="184731" cy="369332"/>
+          </a:xfrm>
+          <a:prstGeom prst="rect">
+            <a:avLst/>
+          </a:prstGeom>
+          <a:noFill/>
+          <a:ln w="9525">
+            <a:noFill/>
+            <a:miter lim="800000"/>
+            <a:headEnd/>
+            <a:tailEnd/>
+          </a:ln>
+          <a:effectLst/>
+        </p:spPr>
+        <p:txBody>
+          <a:bodyPr vert="horz" wrap="none" lIns="91440" tIns="45720" rIns="91440" bIns="45720" numCol="1" anchor="ctr" anchorCtr="0" compatLnSpc="1">
+            <a:prstTxWarp prst="textNoShape">
+              <a:avLst/>
+            </a:prstTxWarp>
+            <a:spAutoFit/>
+          </a:bodyPr>
+          <a:lstStyle/>
+          <a:p>
+            <a:endParaRPr lang="en-US" dirty="0">
+              <a:latin typeface="Palatino Linotype" pitchFamily="18" charset="0"/>
+            </a:endParaRPr>
+          </a:p>
+        </p:txBody>
+      </p:sp>
+      <p:sp>
+        <p:nvSpPr>
+          <p:cNvPr id="4" name="Slide Number Placeholder 3">
+            <a:extLst>
+              <a:ext uri="{FF2B5EF4-FFF2-40B4-BE49-F238E27FC236}">
+                <a16:creationId xmlns:a16="http://schemas.microsoft.com/office/drawing/2014/main" id="{56039675-6349-1443-A259-44220C6AF843}"/>
+              </a:ext>
+            </a:extLst>
+          </p:cNvPr>
+          <p:cNvSpPr>
+            <a:spLocks noGrp="1"/>
+          </p:cNvSpPr>
+          <p:nvPr>
+            <p:ph type="sldNum" sz="quarter" idx="12"/>
+          </p:nvPr>
+        </p:nvSpPr>
+        <p:spPr/>
+        <p:txBody>
+          <a:bodyPr/>
+          <a:lstStyle/>
+          <a:p>
+            <a:fld id="{DF9221D8-3A4D-495B-963C-88FDE081B2F3}" type="slidenum">
+              <a:rPr lang="en-US" smtClean="0"/>
+              <a:t>8</a:t>
+            </a:fld>
+            <a:endParaRPr lang="en-US"/>
+          </a:p>
+        </p:txBody>
+      </p:sp>
+      <p:pic>
+        <p:nvPicPr>
+          <p:cNvPr id="9" name="Picture 8">
+            <a:extLst>
+              <a:ext uri="{FF2B5EF4-FFF2-40B4-BE49-F238E27FC236}">
+                <a16:creationId xmlns:a16="http://schemas.microsoft.com/office/drawing/2014/main" id="{46F20157-197D-7840-86C5-A5BB78E5A2A4}"/>
+              </a:ext>
+            </a:extLst>
+          </p:cNvPr>
+          <p:cNvPicPr>
+            <a:picLocks noChangeAspect="1"/>
+          </p:cNvPicPr>
+          <p:nvPr/>
+        </p:nvPicPr>
+        <p:blipFill>
+          <a:blip r:embed="rId3">
+            <a:extLst>
+              <a:ext uri="{28A0092B-C50C-407E-A947-70E740481C1C}">
+                <a14:useLocalDpi xmlns:a14="http://schemas.microsoft.com/office/drawing/2010/main" val="0"/>
+              </a:ext>
+            </a:extLst>
+          </a:blip>
+          <a:stretch>
+            <a:fillRect/>
+          </a:stretch>
+        </p:blipFill>
+        <p:spPr>
+          <a:xfrm>
+            <a:off x="0" y="1295400"/>
+            <a:ext cx="9144000" cy="4458410"/>
+          </a:xfrm>
+          <a:prstGeom prst="rect">
+            <a:avLst/>
+          </a:prstGeom>
+        </p:spPr>
+      </p:pic>
+    </p:spTree>
+    <p:extLst>
+      <p:ext uri="{BB962C8B-B14F-4D97-AF65-F5344CB8AC3E}">
+        <p14:creationId xmlns:p14="http://schemas.microsoft.com/office/powerpoint/2010/main" val="2924307770"/>
+      </p:ext>
+    </p:extLst>
+  </p:cSld>
+  <p:clrMapOvr>
+    <a:masterClrMapping/>
+  </p:clrMapOvr>
+</p:sld>
+</file>
+
+<file path=ppt/slides/slide9.xml><?xml version="1.0" encoding="utf-8"?>
+<p:sld xmlns:a="http://schemas.openxmlformats.org/drawingml/2006/main" xmlns:r="http://schemas.openxmlformats.org/officeDocument/2006/relationships" xmlns:p="http://schemas.openxmlformats.org/presentationml/2006/main">
+  <p:cSld>
+    <p:spTree>
+      <p:nvGrpSpPr>
+        <p:cNvPr id="1" name=""/>
+        <p:cNvGrpSpPr/>
+        <p:nvPr/>
+      </p:nvGrpSpPr>
+      <p:grpSpPr>
+        <a:xfrm>
+          <a:off x="0" y="0"/>
+          <a:ext cx="0" cy="0"/>
+          <a:chOff x="0" y="0"/>
+          <a:chExt cx="0" cy="0"/>
+        </a:xfrm>
+      </p:grpSpPr>
+      <p:sp>
+        <p:nvSpPr>
+          <p:cNvPr id="35842" name="Rectangle 2"/>
+          <p:cNvSpPr>
+            <a:spLocks noGrp="1" noChangeArrowheads="1"/>
+          </p:cNvSpPr>
+          <p:nvPr>
+            <p:ph type="title"/>
+          </p:nvPr>
+        </p:nvSpPr>
+        <p:spPr/>
+        <p:txBody>
+          <a:bodyPr>
+            <a:normAutofit/>
+          </a:bodyPr>
+          <a:lstStyle/>
+          <a:p>
+            <a:pPr>
+              <a:defRPr/>
+            </a:pPr>
+            <a:r>
+              <a:rPr lang="en-US" b="1" dirty="0">
+                <a:solidFill>
+                  <a:srgbClr val="000099"/>
+                </a:solidFill>
+                <a:latin typeface="Palatino Linotype" pitchFamily="18" charset="0"/>
+                <a:ea typeface="Cambria Math" pitchFamily="18" charset="0"/>
+              </a:rPr>
+              <a:t>Measures of Dispersion: Range</a:t>
+            </a:r>
+          </a:p>
+        </p:txBody>
+      </p:sp>
+      <p:sp>
+        <p:nvSpPr>
+          <p:cNvPr id="35843" name="Rectangle 3"/>
+          <p:cNvSpPr>
+            <a:spLocks noGrp="1" noChangeArrowheads="1"/>
+          </p:cNvSpPr>
+          <p:nvPr>
+            <p:ph type="body" idx="1"/>
+          </p:nvPr>
+        </p:nvSpPr>
+        <p:spPr/>
+        <p:txBody>
+          <a:bodyPr/>
+          <a:lstStyle/>
+          <a:p>
+            <a:pPr eaLnBrk="1" hangingPunct="1">
+              <a:defRPr/>
+            </a:pPr>
+            <a:r>
+              <a:rPr lang="en-US" dirty="0">
+                <a:latin typeface="Palatino Linotype" pitchFamily="18" charset="0"/>
+              </a:rPr>
+              <a:t>Range</a:t>
+            </a:r>
+          </a:p>
+          <a:p>
+            <a:pPr lvl="1">
+              <a:defRPr/>
+            </a:pPr>
+            <a:r>
+              <a:rPr lang="en-US" dirty="0">
+                <a:latin typeface="Palatino Linotype" pitchFamily="18" charset="0"/>
+              </a:rPr>
+              <a:t>A simple statement of the highest and lowest scores in a distribution </a:t>
+            </a:r>
+          </a:p>
+          <a:p>
+            <a:pPr lvl="2">
+              <a:defRPr/>
+            </a:pPr>
+            <a:r>
+              <a:rPr lang="en-US" dirty="0">
+                <a:latin typeface="Palatino Linotype" pitchFamily="18" charset="0"/>
+              </a:rPr>
+              <a:t>Test scores 23-98</a:t>
+            </a:r>
+          </a:p>
+          <a:p>
+            <a:pPr lvl="2">
+              <a:defRPr/>
+            </a:pPr>
+            <a:r>
+              <a:rPr lang="en-US" dirty="0">
+                <a:latin typeface="Palatino Linotype" pitchFamily="18" charset="0"/>
+              </a:rPr>
+              <a:t>Incomes $15,000--$70,000</a:t>
+            </a:r>
+          </a:p>
+          <a:p>
+            <a:pPr lvl="2">
+              <a:defRPr/>
+            </a:pPr>
+            <a:r>
+              <a:rPr lang="en-US" dirty="0">
+                <a:latin typeface="Palatino Linotype" pitchFamily="18" charset="0"/>
+              </a:rPr>
+              <a:t>Temperature 62F-81F</a:t>
+            </a:r>
+          </a:p>
+        </p:txBody>
+      </p:sp>
+      <p:sp>
+        <p:nvSpPr>
+          <p:cNvPr id="2" name="Slide Number Placeholder 1">
+            <a:extLst>
+              <a:ext uri="{FF2B5EF4-FFF2-40B4-BE49-F238E27FC236}">
+                <a16:creationId xmlns:a16="http://schemas.microsoft.com/office/drawing/2014/main" id="{E10AAF15-5C40-E446-9F4D-B6BD11744571}"/>
+              </a:ext>
+            </a:extLst>
+          </p:cNvPr>
+          <p:cNvSpPr>
+            <a:spLocks noGrp="1"/>
+          </p:cNvSpPr>
+          <p:nvPr>
+            <p:ph type="sldNum" sz="quarter" idx="12"/>
+          </p:nvPr>
+        </p:nvSpPr>
+        <p:spPr/>
+        <p:txBody>
+          <a:bodyPr/>
+          <a:lstStyle/>
+          <a:p>
+            <a:fld id="{DF9221D8-3A4D-495B-963C-88FDE081B2F3}" type="slidenum">
+              <a:rPr lang="en-US" smtClean="0"/>
+              <a:t>9</a:t>
+            </a:fld>
+            <a:endParaRPr lang="en-US"/>
+          </a:p>
+        </p:txBody>
+      </p:sp>
+    </p:spTree>
+    <p:extLst>
+      <p:ext uri="{BB962C8B-B14F-4D97-AF65-F5344CB8AC3E}">
+        <p14:creationId xmlns:p14="http://schemas.microsoft.com/office/powerpoint/2010/main" val="2229382210"/>
+      </p:ext>
+    </p:extLst>
+  </p:cSld>
+  <p:clrMapOvr>
+    <a:masterClrMapping/>
+  </p:clrMapOvr>
 </p:sld>
 </file>
 

--- a/Lecture 3- Measure of Dispersion/Lecture 3- Measure of Dispersion.pptx
+++ b/Lecture 3- Measure of Dispersion/Lecture 3- Measure of Dispersion.pptx
@@ -132,7 +132,7 @@
   </p:defaultTextStyle>
   <p:extLst>
     <p:ext uri="{EFAFB233-063F-42B5-8137-9DF3F51BA10A}">
-      <p15:sldGuideLst xmlns:p15="http://schemas.microsoft.com/office/powerpoint/2012/main">
+      <p15:sldGuideLst xmlns:p15="http://schemas.microsoft.com/office/powerpoint/2012/main" xmlns="">
         <p15:guide id="1" orient="horz" pos="2160">
           <p15:clr>
             <a:srgbClr val="A4A3A4"/>
@@ -231,7 +231,7 @@
           <a:p>
             <a:fld id="{BC2C9D67-2894-46E8-A621-C43BB8A942DE}" type="datetimeFigureOut">
               <a:rPr lang="en-US" smtClean="0"/>
-              <a:t>1/29/18</a:t>
+              <a:t>1/30/18</a:t>
             </a:fld>
             <a:endParaRPr lang="en-US"/>
           </a:p>
@@ -396,7 +396,7 @@
           <a:p>
             <a:fld id="{22FED149-BAF0-4A18-86DF-12A2D0010507}" type="datetimeFigureOut">
               <a:rPr lang="en-US" smtClean="0"/>
-              <a:t>1/29/18</a:t>
+              <a:t>1/30/18</a:t>
             </a:fld>
             <a:endParaRPr lang="en-US"/>
           </a:p>
@@ -1544,7 +1544,7 @@
           <a:p>
             <a:fld id="{387AFFB7-327E-4244-BF99-9EC937550CC8}" type="datetime1">
               <a:rPr lang="en-US" smtClean="0"/>
-              <a:t>1/29/18</a:t>
+              <a:t>1/30/18</a:t>
             </a:fld>
             <a:endParaRPr lang="en-US"/>
           </a:p>
@@ -1712,7 +1712,7 @@
           <a:p>
             <a:fld id="{78509075-CBA1-0148-815B-229E0E0ED975}" type="datetime1">
               <a:rPr lang="en-US" smtClean="0"/>
-              <a:t>1/29/18</a:t>
+              <a:t>1/30/18</a:t>
             </a:fld>
             <a:endParaRPr lang="en-US"/>
           </a:p>
@@ -1890,7 +1890,7 @@
           <a:p>
             <a:fld id="{B19CC703-417E-AC4D-B8B0-F8BFFF55B67F}" type="datetime1">
               <a:rPr lang="en-US" smtClean="0"/>
-              <a:t>1/29/18</a:t>
+              <a:t>1/30/18</a:t>
             </a:fld>
             <a:endParaRPr lang="en-US"/>
           </a:p>
@@ -2058,7 +2058,7 @@
           <a:p>
             <a:fld id="{3F8851D0-A4C8-EA45-98EB-437854DD1D1A}" type="datetime1">
               <a:rPr lang="en-US" smtClean="0"/>
-              <a:t>1/29/18</a:t>
+              <a:t>1/30/18</a:t>
             </a:fld>
             <a:endParaRPr lang="en-US"/>
           </a:p>
@@ -2303,7 +2303,7 @@
           <a:p>
             <a:fld id="{7DD8A815-1B75-914C-BC24-DC6A4DAE0827}" type="datetime1">
               <a:rPr lang="en-US" smtClean="0"/>
-              <a:t>1/29/18</a:t>
+              <a:t>1/30/18</a:t>
             </a:fld>
             <a:endParaRPr lang="en-US"/>
           </a:p>
@@ -2588,7 +2588,7 @@
           <a:p>
             <a:fld id="{FEC03772-402C-8048-8FCC-16AB8C74EC67}" type="datetime1">
               <a:rPr lang="en-US" smtClean="0"/>
-              <a:t>1/29/18</a:t>
+              <a:t>1/30/18</a:t>
             </a:fld>
             <a:endParaRPr lang="en-US"/>
           </a:p>
@@ -3007,7 +3007,7 @@
           <a:p>
             <a:fld id="{7B6DB347-E9DB-604D-8E45-00ABBE2BF3E1}" type="datetime1">
               <a:rPr lang="en-US" smtClean="0"/>
-              <a:t>1/29/18</a:t>
+              <a:t>1/30/18</a:t>
             </a:fld>
             <a:endParaRPr lang="en-US"/>
           </a:p>
@@ -3124,7 +3124,7 @@
           <a:p>
             <a:fld id="{30B0D79E-3FF4-C04C-B396-76602DF43FF7}" type="datetime1">
               <a:rPr lang="en-US" smtClean="0"/>
-              <a:t>1/29/18</a:t>
+              <a:t>1/30/18</a:t>
             </a:fld>
             <a:endParaRPr lang="en-US"/>
           </a:p>
@@ -3219,7 +3219,7 @@
           <a:p>
             <a:fld id="{47730428-692E-B34F-9E5C-D4DEECDC384F}" type="datetime1">
               <a:rPr lang="en-US" smtClean="0"/>
-              <a:t>1/29/18</a:t>
+              <a:t>1/30/18</a:t>
             </a:fld>
             <a:endParaRPr lang="en-US"/>
           </a:p>
@@ -3494,7 +3494,7 @@
           <a:p>
             <a:fld id="{4D76951C-75D2-794D-8F9B-9036B45AB683}" type="datetime1">
               <a:rPr lang="en-US" smtClean="0"/>
-              <a:t>1/29/18</a:t>
+              <a:t>1/30/18</a:t>
             </a:fld>
             <a:endParaRPr lang="en-US"/>
           </a:p>
@@ -3746,7 +3746,7 @@
           <a:p>
             <a:fld id="{7B76F858-7D35-A448-B378-D6CD46B1BD89}" type="datetime1">
               <a:rPr lang="en-US" smtClean="0"/>
-              <a:t>1/29/18</a:t>
+              <a:t>1/30/18</a:t>
             </a:fld>
             <a:endParaRPr lang="en-US"/>
           </a:p>
@@ -3957,7 +3957,7 @@
           <a:p>
             <a:fld id="{EA946669-154F-F947-B4D6-A8687781ABE6}" type="datetime1">
               <a:rPr lang="en-US" smtClean="0"/>
-              <a:t>1/29/18</a:t>
+              <a:t>1/30/18</a:t>
             </a:fld>
             <a:endParaRPr lang="en-US"/>
           </a:p>
@@ -4384,7 +4384,7 @@
           <a:lstStyle/>
           <a:p>
             <a:r>
-              <a:rPr lang="en-US" altLang="zh-Hans" dirty="0">
+              <a:rPr lang="en-US" altLang="zh-CHS" dirty="0">
                 <a:solidFill>
                   <a:srgbClr val="898989"/>
                 </a:solidFill>
@@ -4393,7 +4393,7 @@
               <a:t>Jibo</a:t>
             </a:r>
             <a:r>
-              <a:rPr lang="zh-Hans" altLang="en-US" dirty="0">
+              <a:rPr lang="zh-CHS" altLang="en-US" dirty="0">
                 <a:solidFill>
                   <a:srgbClr val="898989"/>
                 </a:solidFill>
@@ -4402,7 +4402,7 @@
               <a:t> </a:t>
             </a:r>
             <a:r>
-              <a:rPr lang="en-US" altLang="zh-Hans" dirty="0">
+              <a:rPr lang="en-US" altLang="zh-CHS" dirty="0">
                 <a:solidFill>
                   <a:srgbClr val="898989"/>
                 </a:solidFill>
@@ -4411,7 +4411,7 @@
               <a:t>He,</a:t>
             </a:r>
             <a:r>
-              <a:rPr lang="zh-Hans" altLang="en-US" dirty="0">
+              <a:rPr lang="zh-CHS" altLang="en-US" dirty="0">
                 <a:solidFill>
                   <a:srgbClr val="898989"/>
                 </a:solidFill>
@@ -4420,7 +4420,7 @@
               <a:t> </a:t>
             </a:r>
             <a:r>
-              <a:rPr lang="en-US" altLang="zh-Hans" dirty="0">
+              <a:rPr lang="en-US" altLang="zh-CHS" dirty="0">
                 <a:solidFill>
                   <a:srgbClr val="898989"/>
                 </a:solidFill>
@@ -4431,7 +4431,7 @@
           </a:p>
           <a:p>
             <a:r>
-              <a:rPr lang="en-US" altLang="zh-Hans" dirty="0">
+              <a:rPr lang="en-US" altLang="zh-CHS" dirty="0">
                 <a:solidFill>
                   <a:srgbClr val="898989"/>
                 </a:solidFill>
@@ -4440,7 +4440,7 @@
               <a:t>Associate</a:t>
             </a:r>
             <a:r>
-              <a:rPr lang="zh-Hans" altLang="en-US" dirty="0">
+              <a:rPr lang="zh-CHS" altLang="en-US" dirty="0">
                 <a:solidFill>
                   <a:srgbClr val="898989"/>
                 </a:solidFill>
@@ -4449,7 +4449,7 @@
               <a:t> </a:t>
             </a:r>
             <a:r>
-              <a:rPr lang="en-US" altLang="zh-Hans" dirty="0">
+              <a:rPr lang="en-US" altLang="zh-CHS" dirty="0">
                 <a:solidFill>
                   <a:srgbClr val="898989"/>
                 </a:solidFill>
@@ -4460,7 +4460,7 @@
           </a:p>
           <a:p>
             <a:r>
-              <a:rPr lang="en-US" altLang="zh-Hans" dirty="0">
+              <a:rPr lang="en-US" altLang="zh-CHS" dirty="0">
                 <a:solidFill>
                   <a:srgbClr val="898989"/>
                 </a:solidFill>
@@ -4469,7 +4469,7 @@
               <a:t>Wichita</a:t>
             </a:r>
             <a:r>
-              <a:rPr lang="zh-Hans" altLang="en-US" dirty="0">
+              <a:rPr lang="zh-CHS" altLang="en-US" dirty="0">
                 <a:solidFill>
                   <a:srgbClr val="898989"/>
                 </a:solidFill>
@@ -4478,7 +4478,7 @@
               <a:t> </a:t>
             </a:r>
             <a:r>
-              <a:rPr lang="en-US" altLang="zh-Hans" dirty="0">
+              <a:rPr lang="en-US" altLang="zh-CHS" dirty="0">
                 <a:solidFill>
                   <a:srgbClr val="898989"/>
                 </a:solidFill>
@@ -4487,7 +4487,7 @@
               <a:t>State</a:t>
             </a:r>
             <a:r>
-              <a:rPr lang="zh-Hans" altLang="en-US" dirty="0">
+              <a:rPr lang="zh-CHS" altLang="en-US" dirty="0">
                 <a:solidFill>
                   <a:srgbClr val="898989"/>
                 </a:solidFill>
@@ -4496,7 +4496,7 @@
               <a:t> </a:t>
             </a:r>
             <a:r>
-              <a:rPr lang="en-US" altLang="zh-Hans" dirty="0">
+              <a:rPr lang="en-US" altLang="zh-CHS" dirty="0">
                 <a:solidFill>
                   <a:srgbClr val="898989"/>
                 </a:solidFill>
@@ -4507,7 +4507,7 @@
           </a:p>
           <a:p>
             <a:r>
-              <a:rPr lang="en-US" altLang="zh-Hans" dirty="0" err="1">
+              <a:rPr lang="en-US" altLang="zh-CHS" dirty="0" err="1">
                 <a:solidFill>
                   <a:srgbClr val="898989"/>
                 </a:solidFill>
@@ -4529,7 +4529,7 @@
           <p:cNvPr id="4" name="Slide Number Placeholder 3">
             <a:extLst>
               <a:ext uri="{FF2B5EF4-FFF2-40B4-BE49-F238E27FC236}">
-                <a16:creationId xmlns:a16="http://schemas.microsoft.com/office/drawing/2014/main" id="{04B5A287-4E1A-544D-A8CA-306FA13AA340}"/>
+                <a16:creationId xmlns:a16="http://schemas.microsoft.com/office/drawing/2014/main" xmlns="" id="{04B5A287-4E1A-544D-A8CA-306FA13AA340}"/>
               </a:ext>
             </a:extLst>
           </p:cNvPr>
@@ -4818,7 +4818,7 @@
           <a:graphicData uri="http://schemas.openxmlformats.org/presentationml/2006/ole">
             <mc:AlternateContent xmlns:mc="http://schemas.openxmlformats.org/markup-compatibility/2006">
               <mc:Choice xmlns:v="urn:schemas-microsoft-com:vml" Requires="v">
-                <p:oleObj spid="_x0000_s14648" name="Equation" r:id="rId4" imgW="596880" imgH="279360" progId="Equation.DSMT4">
+                <p:oleObj spid="_x0000_s14663" name="Equation" r:id="rId4" imgW="596880" imgH="279360" progId="Equation.DSMT4">
                   <p:embed/>
                 </p:oleObj>
               </mc:Choice>
@@ -4856,7 +4856,7 @@
                       </a:prstGeom>
                       <a:noFill/>
                       <a:extLst>
-                        <a:ext uri="{909E8E84-426E-40DD-AFC4-6F175D3DCCD1}">
+                        <a:ext uri="{909E8E84-426E-40dd-AFC4-6F175D3DCCD1}">
                           <a14:hiddenFill xmlns:a14="http://schemas.microsoft.com/office/drawing/2010/main">
                             <a:solidFill>
                               <a:srgbClr val="FFFFFF"/>
@@ -4894,7 +4894,7 @@
           <a:graphicData uri="http://schemas.openxmlformats.org/presentationml/2006/ole">
             <mc:AlternateContent xmlns:mc="http://schemas.openxmlformats.org/markup-compatibility/2006">
               <mc:Choice xmlns:v="urn:schemas-microsoft-com:vml" Requires="v">
-                <p:oleObj spid="_x0000_s14649" name="Equation" r:id="rId6" imgW="799920" imgH="609480" progId="Equation.DSMT4">
+                <p:oleObj spid="_x0000_s14664" name="Equation" r:id="rId6" imgW="799920" imgH="609480" progId="Equation.DSMT4">
                   <p:embed/>
                 </p:oleObj>
               </mc:Choice>
@@ -4926,7 +4926,7 @@
                       </a:prstGeom>
                       <a:noFill/>
                       <a:extLst>
-                        <a:ext uri="{909E8E84-426E-40DD-AFC4-6F175D3DCCD1}">
+                        <a:ext uri="{909E8E84-426E-40dd-AFC4-6F175D3DCCD1}">
                           <a14:hiddenFill xmlns:a14="http://schemas.microsoft.com/office/drawing/2010/main">
                             <a:solidFill>
                               <a:srgbClr val="FFFFFF"/>
@@ -4947,7 +4947,7 @@
           <p:cNvPr id="4" name="Slide Number Placeholder 3">
             <a:extLst>
               <a:ext uri="{FF2B5EF4-FFF2-40B4-BE49-F238E27FC236}">
-                <a16:creationId xmlns:a16="http://schemas.microsoft.com/office/drawing/2014/main" id="{8BFA34C6-E215-4C48-AEAB-567546E18F87}"/>
+                <a16:creationId xmlns:a16="http://schemas.microsoft.com/office/drawing/2014/main" xmlns="" id="{8BFA34C6-E215-4C48-AEAB-567546E18F87}"/>
               </a:ext>
             </a:extLst>
           </p:cNvPr>
@@ -4984,7 +4984,7 @@
   <p:timing>
     <p:tnLst>
       <p:par>
-        <p:cTn id="1" dur="indefinite" restart="never" nodeType="tmRoot">
+        <p:cTn xmlns:p14="http://schemas.microsoft.com/office/powerpoint/2010/main" id="1" dur="indefinite" restart="never" nodeType="tmRoot">
           <p:childTnLst>
             <p:seq concurrent="1" nextAc="seek">
               <p:cTn id="2" dur="indefinite" nodeType="mainSeq">
@@ -5495,7 +5495,7 @@
           <a:graphicData uri="http://schemas.openxmlformats.org/presentationml/2006/ole">
             <mc:AlternateContent xmlns:mc="http://schemas.openxmlformats.org/markup-compatibility/2006">
               <mc:Choice xmlns:v="urn:schemas-microsoft-com:vml" Requires="v">
-                <p:oleObj spid="_x0000_s17694" name="Equation" r:id="rId4" imgW="736560" imgH="609480" progId="Equation.DSMT4">
+                <p:oleObj spid="_x0000_s17709" name="Equation" r:id="rId4" imgW="736560" imgH="609480" progId="Equation.DSMT4">
                   <p:embed/>
                 </p:oleObj>
               </mc:Choice>
@@ -5557,7 +5557,7 @@
           <a:graphicData uri="http://schemas.openxmlformats.org/presentationml/2006/ole">
             <mc:AlternateContent xmlns:mc="http://schemas.openxmlformats.org/markup-compatibility/2006">
               <mc:Choice xmlns:v="urn:schemas-microsoft-com:vml" Requires="v">
-                <p:oleObj spid="_x0000_s17695" name="Equation" r:id="rId6" imgW="1155600" imgH="431640" progId="Equation.DSMT4">
+                <p:oleObj spid="_x0000_s17710" name="Equation" r:id="rId6" imgW="1155600" imgH="431640" progId="Equation.DSMT4">
                   <p:embed/>
                 </p:oleObj>
               </mc:Choice>
@@ -5602,7 +5602,7 @@
           <p:cNvPr id="4" name="Slide Number Placeholder 3">
             <a:extLst>
               <a:ext uri="{FF2B5EF4-FFF2-40B4-BE49-F238E27FC236}">
-                <a16:creationId xmlns:a16="http://schemas.microsoft.com/office/drawing/2014/main" id="{EAAB81A8-A5D3-1144-B066-233E58E0932B}"/>
+                <a16:creationId xmlns:a16="http://schemas.microsoft.com/office/drawing/2014/main" xmlns="" id="{EAAB81A8-A5D3-1144-B066-233E58E0932B}"/>
               </a:ext>
             </a:extLst>
           </p:cNvPr>
@@ -5639,7 +5639,7 @@
   <p:timing>
     <p:tnLst>
       <p:par>
-        <p:cTn id="1" dur="indefinite" restart="never" nodeType="tmRoot">
+        <p:cTn xmlns:p14="http://schemas.microsoft.com/office/powerpoint/2010/main" id="1" dur="indefinite" restart="never" nodeType="tmRoot">
           <p:childTnLst>
             <p:seq concurrent="1" nextAc="seek">
               <p:cTn id="2" dur="indefinite" nodeType="mainSeq">
@@ -6095,7 +6095,7 @@
           <a:graphicData uri="http://schemas.openxmlformats.org/presentationml/2006/ole">
             <mc:AlternateContent xmlns:mc="http://schemas.openxmlformats.org/markup-compatibility/2006">
               <mc:Choice xmlns:v="urn:schemas-microsoft-com:vml" Requires="v">
-                <p:oleObj spid="_x0000_s15673" name="Equation" r:id="rId4" imgW="3517560" imgH="609480" progId="Equation.DSMT4">
+                <p:oleObj spid="_x0000_s15688" name="Equation" r:id="rId4" imgW="3517560" imgH="609480" progId="Equation.DSMT4">
                   <p:embed/>
                 </p:oleObj>
               </mc:Choice>
@@ -6130,14 +6130,14 @@
                         <a:noFill/>
                       </a:ln>
                       <a:extLst>
-                        <a:ext uri="{909E8E84-426E-40DD-AFC4-6F175D3DCCD1}">
+                        <a:ext uri="{909E8E84-426E-40dd-AFC4-6F175D3DCCD1}">
                           <a14:hiddenFill xmlns:a14="http://schemas.microsoft.com/office/drawing/2010/main">
                             <a:solidFill>
                               <a:srgbClr val="FFFFFF"/>
                             </a:solidFill>
                           </a14:hiddenFill>
                         </a:ext>
-                        <a:ext uri="{91240B29-F687-4F45-9708-019B960494DF}">
+                        <a:ext uri="{91240B29-F687-4f45-9708-019B960494DF}">
                           <a14:hiddenLine xmlns:a14="http://schemas.microsoft.com/office/drawing/2010/main" w="9525">
                             <a:solidFill>
                               <a:srgbClr val="000000"/>
@@ -6178,7 +6178,7 @@
           <a:graphicData uri="http://schemas.openxmlformats.org/presentationml/2006/ole">
             <mc:AlternateContent xmlns:mc="http://schemas.openxmlformats.org/markup-compatibility/2006">
               <mc:Choice xmlns:v="urn:schemas-microsoft-com:vml" Requires="v">
-                <p:oleObj spid="_x0000_s15674" name="Equation" r:id="rId6" imgW="1638000" imgH="660240" progId="Equation.DSMT4">
+                <p:oleObj spid="_x0000_s15689" name="Equation" r:id="rId6" imgW="1638000" imgH="660240" progId="Equation.DSMT4">
                   <p:embed/>
                 </p:oleObj>
               </mc:Choice>
@@ -6213,14 +6213,14 @@
                         <a:noFill/>
                       </a:ln>
                       <a:extLst>
-                        <a:ext uri="{909E8E84-426E-40DD-AFC4-6F175D3DCCD1}">
+                        <a:ext uri="{909E8E84-426E-40dd-AFC4-6F175D3DCCD1}">
                           <a14:hiddenFill xmlns:a14="http://schemas.microsoft.com/office/drawing/2010/main">
                             <a:solidFill>
                               <a:srgbClr val="FFFFFF"/>
                             </a:solidFill>
                           </a14:hiddenFill>
                         </a:ext>
-                        <a:ext uri="{91240B29-F687-4F45-9708-019B960494DF}">
+                        <a:ext uri="{91240B29-F687-4f45-9708-019B960494DF}">
                           <a14:hiddenLine xmlns:a14="http://schemas.microsoft.com/office/drawing/2010/main" w="9525">
                             <a:solidFill>
                               <a:srgbClr val="000000"/>
@@ -6244,7 +6244,7 @@
           <p:cNvPr id="4" name="Slide Number Placeholder 3">
             <a:extLst>
               <a:ext uri="{FF2B5EF4-FFF2-40B4-BE49-F238E27FC236}">
-                <a16:creationId xmlns:a16="http://schemas.microsoft.com/office/drawing/2014/main" id="{BFEF2904-E5F8-5C43-9451-AC6B9FE1C84E}"/>
+                <a16:creationId xmlns:a16="http://schemas.microsoft.com/office/drawing/2014/main" xmlns="" id="{BFEF2904-E5F8-5C43-9451-AC6B9FE1C84E}"/>
               </a:ext>
             </a:extLst>
           </p:cNvPr>
@@ -6503,7 +6503,7 @@
           <a:graphicData uri="http://schemas.openxmlformats.org/presentationml/2006/ole">
             <mc:AlternateContent xmlns:mc="http://schemas.openxmlformats.org/markup-compatibility/2006">
               <mc:Choice xmlns:v="urn:schemas-microsoft-com:vml" Requires="v">
-                <p:oleObj spid="_x0000_s16697" name="Equation" r:id="rId4" imgW="3568680" imgH="609480" progId="Equation.DSMT4">
+                <p:oleObj spid="_x0000_s16712" name="Equation" r:id="rId4" imgW="3568680" imgH="609480" progId="Equation.DSMT4">
                   <p:embed/>
                 </p:oleObj>
               </mc:Choice>
@@ -6538,14 +6538,14 @@
                         <a:noFill/>
                       </a:ln>
                       <a:extLst>
-                        <a:ext uri="{909E8E84-426E-40DD-AFC4-6F175D3DCCD1}">
+                        <a:ext uri="{909E8E84-426E-40dd-AFC4-6F175D3DCCD1}">
                           <a14:hiddenFill xmlns:a14="http://schemas.microsoft.com/office/drawing/2010/main">
                             <a:solidFill>
                               <a:srgbClr val="FFFFFF"/>
                             </a:solidFill>
                           </a14:hiddenFill>
                         </a:ext>
-                        <a:ext uri="{91240B29-F687-4F45-9708-019B960494DF}">
+                        <a:ext uri="{91240B29-F687-4f45-9708-019B960494DF}">
                           <a14:hiddenLine xmlns:a14="http://schemas.microsoft.com/office/drawing/2010/main" w="9525">
                             <a:solidFill>
                               <a:srgbClr val="000000"/>
@@ -6586,7 +6586,7 @@
           <a:graphicData uri="http://schemas.openxmlformats.org/presentationml/2006/ole">
             <mc:AlternateContent xmlns:mc="http://schemas.openxmlformats.org/markup-compatibility/2006">
               <mc:Choice xmlns:v="urn:schemas-microsoft-com:vml" Requires="v">
-                <p:oleObj spid="_x0000_s16698" name="Equation" r:id="rId6" imgW="1600200" imgH="660240" progId="Equation.DSMT4">
+                <p:oleObj spid="_x0000_s16713" name="Equation" r:id="rId6" imgW="1600200" imgH="660240" progId="Equation.DSMT4">
                   <p:embed/>
                 </p:oleObj>
               </mc:Choice>
@@ -6621,14 +6621,14 @@
                         <a:noFill/>
                       </a:ln>
                       <a:extLst>
-                        <a:ext uri="{909E8E84-426E-40DD-AFC4-6F175D3DCCD1}">
+                        <a:ext uri="{909E8E84-426E-40dd-AFC4-6F175D3DCCD1}">
                           <a14:hiddenFill xmlns:a14="http://schemas.microsoft.com/office/drawing/2010/main">
                             <a:solidFill>
                               <a:srgbClr val="FFFFFF"/>
                             </a:solidFill>
                           </a14:hiddenFill>
                         </a:ext>
-                        <a:ext uri="{91240B29-F687-4F45-9708-019B960494DF}">
+                        <a:ext uri="{91240B29-F687-4f45-9708-019B960494DF}">
                           <a14:hiddenLine xmlns:a14="http://schemas.microsoft.com/office/drawing/2010/main" w="9525">
                             <a:solidFill>
                               <a:srgbClr val="000000"/>
@@ -6775,14 +6775,14 @@
           </a:ln>
           <a:effectLst/>
           <a:extLst>
-            <a:ext uri="{909E8E84-426E-40DD-AFC4-6F175D3DCCD1}">
+            <a:ext uri="{909E8E84-426E-40dd-AFC4-6F175D3DCCD1}">
               <a14:hiddenFill xmlns:a14="http://schemas.microsoft.com/office/drawing/2010/main">
                 <a:solidFill>
                   <a:schemeClr val="accent1"/>
                 </a:solidFill>
               </a14:hiddenFill>
             </a:ext>
-            <a:ext uri="{AF507438-7753-43E0-B8FC-AC1667EBCBE1}">
+            <a:ext uri="{AF507438-7753-43e0-B8FC-AC1667EBCBE1}">
               <a14:hiddenEffects xmlns:a14="http://schemas.microsoft.com/office/drawing/2010/main">
                 <a:effectLst>
                   <a:outerShdw blurRad="63500" dist="38099" dir="2700000" algn="ctr" rotWithShape="0">
@@ -6810,7 +6810,7 @@
           <p:cNvPr id="5" name="Slide Number Placeholder 4">
             <a:extLst>
               <a:ext uri="{FF2B5EF4-FFF2-40B4-BE49-F238E27FC236}">
-                <a16:creationId xmlns:a16="http://schemas.microsoft.com/office/drawing/2014/main" id="{789B64CC-22E7-6F46-846A-88B3AB3A6FC1}"/>
+                <a16:creationId xmlns:a16="http://schemas.microsoft.com/office/drawing/2014/main" xmlns="" id="{789B64CC-22E7-6F46-846A-88B3AB3A6FC1}"/>
               </a:ext>
             </a:extLst>
           </p:cNvPr>
@@ -6847,7 +6847,7 @@
   <p:timing>
     <p:tnLst>
       <p:par>
-        <p:cTn id="1" dur="indefinite" restart="never" nodeType="tmRoot">
+        <p:cTn xmlns:p14="http://schemas.microsoft.com/office/powerpoint/2010/main" id="1" dur="indefinite" restart="never" nodeType="tmRoot">
           <p:childTnLst>
             <p:seq concurrent="1" nextAc="seek">
               <p:cTn id="2" dur="indefinite" nodeType="mainSeq">
@@ -6947,7 +6947,7 @@
           <p:cNvPr id="2" name="Title 1">
             <a:extLst>
               <a:ext uri="{FF2B5EF4-FFF2-40B4-BE49-F238E27FC236}">
-                <a16:creationId xmlns:a16="http://schemas.microsoft.com/office/drawing/2014/main" id="{107F04A5-2F9A-AF48-823B-250BC8028176}"/>
+                <a16:creationId xmlns:a16="http://schemas.microsoft.com/office/drawing/2014/main" xmlns="" id="{107F04A5-2F9A-AF48-823B-250BC8028176}"/>
               </a:ext>
             </a:extLst>
           </p:cNvPr>
@@ -6970,7 +6970,7 @@
               <a:t>How to find the variance "by hand”</a:t>
             </a:r>
             <a:r>
-              <a:rPr lang="en-US" altLang="zh-Hans" b="1" dirty="0"/>
+              <a:rPr lang="en-US" altLang="zh-CHS" b="1" dirty="0"/>
               <a:t>?</a:t>
             </a:r>
             <a:endParaRPr lang="en-US" dirty="0"/>
@@ -6982,7 +6982,7 @@
           <p:cNvPr id="3" name="Content Placeholder 2">
             <a:extLst>
               <a:ext uri="{FF2B5EF4-FFF2-40B4-BE49-F238E27FC236}">
-                <a16:creationId xmlns:a16="http://schemas.microsoft.com/office/drawing/2014/main" id="{284BF116-83F2-A747-BD99-DD0F95B4A73B}"/>
+                <a16:creationId xmlns:a16="http://schemas.microsoft.com/office/drawing/2014/main" xmlns="" id="{284BF116-83F2-A747-BD99-DD0F95B4A73B}"/>
               </a:ext>
             </a:extLst>
           </p:cNvPr>
@@ -7061,7 +7061,7 @@
           <p:cNvPr id="4" name="Slide Number Placeholder 3">
             <a:extLst>
               <a:ext uri="{FF2B5EF4-FFF2-40B4-BE49-F238E27FC236}">
-                <a16:creationId xmlns:a16="http://schemas.microsoft.com/office/drawing/2014/main" id="{77969D13-3FAD-5E4E-BA70-A1F965B26E6A}"/>
+                <a16:creationId xmlns:a16="http://schemas.microsoft.com/office/drawing/2014/main" xmlns="" id="{77969D13-3FAD-5E4E-BA70-A1F965B26E6A}"/>
               </a:ext>
             </a:extLst>
           </p:cNvPr>
@@ -7120,7 +7120,7 @@
           <p:cNvPr id="2" name="Title 1">
             <a:extLst>
               <a:ext uri="{FF2B5EF4-FFF2-40B4-BE49-F238E27FC236}">
-                <a16:creationId xmlns:a16="http://schemas.microsoft.com/office/drawing/2014/main" id="{107F04A5-2F9A-AF48-823B-250BC8028176}"/>
+                <a16:creationId xmlns:a16="http://schemas.microsoft.com/office/drawing/2014/main" xmlns="" id="{107F04A5-2F9A-AF48-823B-250BC8028176}"/>
               </a:ext>
             </a:extLst>
           </p:cNvPr>
@@ -7139,11 +7139,11 @@
           <a:lstStyle/>
           <a:p>
             <a:r>
-              <a:rPr lang="en-US" altLang="zh-Hans" b="1" dirty="0"/>
+              <a:rPr lang="en-US" altLang="zh-CHS" b="1" dirty="0"/>
               <a:t>[Exercise]</a:t>
             </a:r>
             <a:r>
-              <a:rPr lang="zh-Hans" altLang="en-US" b="1" dirty="0"/>
+              <a:rPr lang="zh-CHS" altLang="en-US" b="1" dirty="0"/>
               <a:t> </a:t>
             </a:r>
             <a:r>
@@ -7151,7 +7151,7 @@
               <a:t>How to find the variance "by hand”</a:t>
             </a:r>
             <a:r>
-              <a:rPr lang="en-US" altLang="zh-Hans" b="1" dirty="0"/>
+              <a:rPr lang="en-US" altLang="zh-CHS" b="1" dirty="0"/>
               <a:t>?</a:t>
             </a:r>
             <a:endParaRPr lang="en-US" dirty="0"/>
@@ -7163,7 +7163,7 @@
           <p:cNvPr id="4" name="Slide Number Placeholder 3">
             <a:extLst>
               <a:ext uri="{FF2B5EF4-FFF2-40B4-BE49-F238E27FC236}">
-                <a16:creationId xmlns:a16="http://schemas.microsoft.com/office/drawing/2014/main" id="{77969D13-3FAD-5E4E-BA70-A1F965B26E6A}"/>
+                <a16:creationId xmlns:a16="http://schemas.microsoft.com/office/drawing/2014/main" xmlns="" id="{77969D13-3FAD-5E4E-BA70-A1F965B26E6A}"/>
               </a:ext>
             </a:extLst>
           </p:cNvPr>
@@ -7192,7 +7192,7 @@
           <p:cNvPr id="8" name="Picture 7">
             <a:extLst>
               <a:ext uri="{FF2B5EF4-FFF2-40B4-BE49-F238E27FC236}">
-                <a16:creationId xmlns:a16="http://schemas.microsoft.com/office/drawing/2014/main" id="{75CB0364-2E63-6841-9CAC-D105D19CE522}"/>
+                <a16:creationId xmlns:a16="http://schemas.microsoft.com/office/drawing/2014/main" xmlns="" id="{75CB0364-2E63-6841-9CAC-D105D19CE522}"/>
               </a:ext>
             </a:extLst>
           </p:cNvPr>
@@ -7257,7 +7257,7 @@
           <p:cNvPr id="2" name="Title 1">
             <a:extLst>
               <a:ext uri="{FF2B5EF4-FFF2-40B4-BE49-F238E27FC236}">
-                <a16:creationId xmlns:a16="http://schemas.microsoft.com/office/drawing/2014/main" id="{107F04A5-2F9A-AF48-823B-250BC8028176}"/>
+                <a16:creationId xmlns:a16="http://schemas.microsoft.com/office/drawing/2014/main" xmlns="" id="{107F04A5-2F9A-AF48-823B-250BC8028176}"/>
               </a:ext>
             </a:extLst>
           </p:cNvPr>
@@ -7276,11 +7276,11 @@
           <a:lstStyle/>
           <a:p>
             <a:r>
-              <a:rPr lang="en-US" altLang="zh-Hans" b="1" dirty="0"/>
+              <a:rPr lang="en-US" altLang="zh-CHS" b="1" dirty="0"/>
               <a:t>[Answer]</a:t>
             </a:r>
             <a:r>
-              <a:rPr lang="zh-Hans" altLang="en-US" b="1" dirty="0"/>
+              <a:rPr lang="zh-CHS" altLang="en-US" b="1" dirty="0"/>
               <a:t> </a:t>
             </a:r>
             <a:r>
@@ -7288,7 +7288,7 @@
               <a:t>How to find the variance "by hand”</a:t>
             </a:r>
             <a:r>
-              <a:rPr lang="en-US" altLang="zh-Hans" b="1" dirty="0"/>
+              <a:rPr lang="en-US" altLang="zh-CHS" b="1" dirty="0"/>
               <a:t>?</a:t>
             </a:r>
             <a:endParaRPr lang="en-US" dirty="0"/>
@@ -7300,7 +7300,7 @@
           <p:cNvPr id="4" name="Slide Number Placeholder 3">
             <a:extLst>
               <a:ext uri="{FF2B5EF4-FFF2-40B4-BE49-F238E27FC236}">
-                <a16:creationId xmlns:a16="http://schemas.microsoft.com/office/drawing/2014/main" id="{77969D13-3FAD-5E4E-BA70-A1F965B26E6A}"/>
+                <a16:creationId xmlns:a16="http://schemas.microsoft.com/office/drawing/2014/main" xmlns="" id="{77969D13-3FAD-5E4E-BA70-A1F965B26E6A}"/>
               </a:ext>
             </a:extLst>
           </p:cNvPr>
@@ -7329,7 +7329,7 @@
           <p:cNvPr id="8" name="Picture 7">
             <a:extLst>
               <a:ext uri="{FF2B5EF4-FFF2-40B4-BE49-F238E27FC236}">
-                <a16:creationId xmlns:a16="http://schemas.microsoft.com/office/drawing/2014/main" id="{75CB0364-2E63-6841-9CAC-D105D19CE522}"/>
+                <a16:creationId xmlns:a16="http://schemas.microsoft.com/office/drawing/2014/main" xmlns="" id="{75CB0364-2E63-6841-9CAC-D105D19CE522}"/>
               </a:ext>
             </a:extLst>
           </p:cNvPr>
@@ -7365,7 +7365,7 @@
           <p:cNvPr id="9" name="TextBox 8">
             <a:extLst>
               <a:ext uri="{FF2B5EF4-FFF2-40B4-BE49-F238E27FC236}">
-                <a16:creationId xmlns:a16="http://schemas.microsoft.com/office/drawing/2014/main" id="{1E43B2D0-2307-844D-B74A-BF307B04401B}"/>
+                <a16:creationId xmlns:a16="http://schemas.microsoft.com/office/drawing/2014/main" xmlns="" id="{1E43B2D0-2307-844D-B74A-BF307B04401B}"/>
               </a:ext>
             </a:extLst>
           </p:cNvPr>
@@ -7389,49 +7389,633 @@
           <a:lstStyle/>
           <a:p>
             <a:r>
-              <a:rPr lang="en-US" altLang="zh-Hans" dirty="0"/>
+              <a:rPr lang="en-US" altLang="zh-CHS" dirty="0"/>
               <a:t>Source:</a:t>
             </a:r>
             <a:r>
-              <a:rPr lang="zh-Hans" altLang="en-US" dirty="0"/>
+              <a:rPr lang="zh-CHS" altLang="en-US" dirty="0"/>
               <a:t> </a:t>
             </a:r>
             <a:r>
-              <a:rPr lang="en-US" altLang="zh-Hans" dirty="0"/>
+              <a:rPr lang="en-US" altLang="zh-CHS" dirty="0"/>
               <a:t>http://</a:t>
             </a:r>
             <a:r>
-              <a:rPr lang="en-US" altLang="zh-Hans" dirty="0" err="1"/>
+              <a:rPr lang="en-US" altLang="zh-CHS" dirty="0" err="1"/>
               <a:t>pirate.shu.edu</a:t>
             </a:r>
             <a:r>
-              <a:rPr lang="en-US" altLang="zh-Hans" dirty="0"/>
+              <a:rPr lang="en-US" altLang="zh-CHS" dirty="0"/>
               <a:t>/~</a:t>
             </a:r>
             <a:r>
-              <a:rPr lang="en-US" altLang="zh-Hans" dirty="0" err="1"/>
+              <a:rPr lang="en-US" altLang="zh-CHS" dirty="0" err="1"/>
               <a:t>wachsmut</a:t>
             </a:r>
             <a:r>
-              <a:rPr lang="en-US" altLang="zh-Hans" dirty="0"/>
+              <a:rPr lang="en-US" altLang="zh-CHS" dirty="0"/>
               <a:t>/Teaching/MATH1101/</a:t>
             </a:r>
             <a:r>
-              <a:rPr lang="en-US" altLang="zh-Hans" dirty="0" err="1"/>
+              <a:rPr lang="en-US" altLang="zh-CHS" dirty="0" err="1"/>
               <a:t>Descriptives</a:t>
             </a:r>
             <a:r>
-              <a:rPr lang="en-US" altLang="zh-Hans" dirty="0"/>
+              <a:rPr lang="en-US" altLang="zh-CHS" dirty="0"/>
               <a:t>/</a:t>
             </a:r>
             <a:r>
-              <a:rPr lang="en-US" altLang="zh-Hans" dirty="0" err="1"/>
+              <a:rPr lang="en-US" altLang="zh-CHS" dirty="0" err="1"/>
               <a:t>variability.html</a:t>
             </a:r>
             <a:endParaRPr lang="en-US" dirty="0"/>
           </a:p>
         </p:txBody>
       </p:sp>
+      <p:graphicFrame>
+        <p:nvGraphicFramePr>
+          <p:cNvPr id="5" name="Table 4"/>
+          <p:cNvGraphicFramePr>
+            <a:graphicFrameLocks noGrp="1"/>
+          </p:cNvGraphicFramePr>
+          <p:nvPr>
+            <p:extLst>
+              <p:ext uri="{D42A27DB-BD31-4B8C-83A1-F6EECF244321}">
+                <p14:modId xmlns:p14="http://schemas.microsoft.com/office/powerpoint/2010/main" val="632832526"/>
+              </p:ext>
+            </p:extLst>
+          </p:nvPr>
+        </p:nvGraphicFramePr>
+        <p:xfrm>
+          <a:off x="685800" y="1600200"/>
+          <a:ext cx="3200400" cy="3505200"/>
+        </p:xfrm>
+        <a:graphic>
+          <a:graphicData uri="http://schemas.openxmlformats.org/drawingml/2006/table">
+            <a:tbl>
+              <a:tblPr firstRow="1" bandRow="1">
+                <a:tableStyleId>{5C22544A-7EE6-4342-B048-85BDC9FD1C3A}</a:tableStyleId>
+              </a:tblPr>
+              <a:tblGrid>
+                <a:gridCol w="1066800"/>
+                <a:gridCol w="1066800"/>
+                <a:gridCol w="1066800"/>
+              </a:tblGrid>
+              <a:tr h="292100">
+                <a:tc>
+                  <a:txBody>
+                    <a:bodyPr/>
+                    <a:lstStyle/>
+                    <a:p>
+                      <a:endParaRPr lang="en-US" sz="1200" dirty="0"/>
+                    </a:p>
+                  </a:txBody>
+                  <a:tcPr/>
+                </a:tc>
+                <a:tc>
+                  <a:txBody>
+                    <a:bodyPr/>
+                    <a:lstStyle/>
+                    <a:p>
+                      <a:endParaRPr lang="en-US" sz="1200" dirty="0"/>
+                    </a:p>
+                  </a:txBody>
+                  <a:tcPr/>
+                </a:tc>
+                <a:tc>
+                  <a:txBody>
+                    <a:bodyPr/>
+                    <a:lstStyle/>
+                    <a:p>
+                      <a:endParaRPr lang="en-US" sz="1200" dirty="0"/>
+                    </a:p>
+                  </a:txBody>
+                  <a:tcPr/>
+                </a:tc>
+              </a:tr>
+              <a:tr h="292100">
+                <a:tc>
+                  <a:txBody>
+                    <a:bodyPr/>
+                    <a:lstStyle/>
+                    <a:p>
+                      <a:r>
+                        <a:rPr lang="en-US" altLang="zh-CN" sz="1200" dirty="0" smtClean="0"/>
+                        <a:t>6</a:t>
+                      </a:r>
+                      <a:endParaRPr lang="en-US" sz="1200" dirty="0"/>
+                    </a:p>
+                  </a:txBody>
+                  <a:tcPr/>
+                </a:tc>
+                <a:tc>
+                  <a:txBody>
+                    <a:bodyPr/>
+                    <a:lstStyle/>
+                    <a:p>
+                      <a:r>
+                        <a:rPr lang="en-US" altLang="zh-CN" sz="1200" dirty="0" smtClean="0"/>
+                        <a:t>4</a:t>
+                      </a:r>
+                      <a:endParaRPr lang="en-US" sz="1200" dirty="0"/>
+                    </a:p>
+                  </a:txBody>
+                  <a:tcPr/>
+                </a:tc>
+                <a:tc>
+                  <a:txBody>
+                    <a:bodyPr/>
+                    <a:lstStyle/>
+                    <a:p>
+                      <a:r>
+                        <a:rPr lang="en-US" altLang="zh-CN" sz="1200" dirty="0" smtClean="0"/>
+                        <a:t>16</a:t>
+                      </a:r>
+                      <a:endParaRPr lang="en-US" sz="1200" dirty="0"/>
+                    </a:p>
+                  </a:txBody>
+                  <a:tcPr/>
+                </a:tc>
+              </a:tr>
+              <a:tr h="292100">
+                <a:tc>
+                  <a:txBody>
+                    <a:bodyPr/>
+                    <a:lstStyle/>
+                    <a:p>
+                      <a:r>
+                        <a:rPr lang="en-US" altLang="zh-CN" sz="1200" dirty="0" smtClean="0"/>
+                        <a:t>8</a:t>
+                      </a:r>
+                      <a:endParaRPr lang="en-US" sz="1200" dirty="0"/>
+                    </a:p>
+                  </a:txBody>
+                  <a:tcPr/>
+                </a:tc>
+                <a:tc>
+                  <a:txBody>
+                    <a:bodyPr/>
+                    <a:lstStyle/>
+                    <a:p>
+                      <a:r>
+                        <a:rPr lang="en-US" altLang="zh-CN" sz="1200" dirty="0" smtClean="0"/>
+                        <a:t>-2</a:t>
+                      </a:r>
+                      <a:endParaRPr lang="en-US" sz="1200" dirty="0"/>
+                    </a:p>
+                  </a:txBody>
+                  <a:tcPr/>
+                </a:tc>
+                <a:tc>
+                  <a:txBody>
+                    <a:bodyPr/>
+                    <a:lstStyle/>
+                    <a:p>
+                      <a:r>
+                        <a:rPr lang="en-US" altLang="zh-CN" sz="1200" dirty="0" smtClean="0"/>
+                        <a:t>4</a:t>
+                      </a:r>
+                      <a:endParaRPr lang="en-US" sz="1200" dirty="0"/>
+                    </a:p>
+                  </a:txBody>
+                  <a:tcPr/>
+                </a:tc>
+              </a:tr>
+              <a:tr h="292100">
+                <a:tc>
+                  <a:txBody>
+                    <a:bodyPr/>
+                    <a:lstStyle/>
+                    <a:p>
+                      <a:r>
+                        <a:rPr lang="en-US" altLang="zh-CN" sz="1200" dirty="0" smtClean="0"/>
+                        <a:t>8</a:t>
+                      </a:r>
+                      <a:endParaRPr lang="en-US" sz="1200" dirty="0"/>
+                    </a:p>
+                  </a:txBody>
+                  <a:tcPr/>
+                </a:tc>
+                <a:tc>
+                  <a:txBody>
+                    <a:bodyPr/>
+                    <a:lstStyle/>
+                    <a:p>
+                      <a:r>
+                        <a:rPr lang="en-US" altLang="zh-CN" sz="1200" dirty="0" smtClean="0"/>
+                        <a:t>-2</a:t>
+                      </a:r>
+                      <a:endParaRPr lang="en-US" sz="1200" dirty="0"/>
+                    </a:p>
+                  </a:txBody>
+                  <a:tcPr/>
+                </a:tc>
+                <a:tc>
+                  <a:txBody>
+                    <a:bodyPr/>
+                    <a:lstStyle/>
+                    <a:p>
+                      <a:r>
+                        <a:rPr lang="en-US" altLang="zh-CN" sz="1200" dirty="0" smtClean="0"/>
+                        <a:t>4</a:t>
+                      </a:r>
+                      <a:endParaRPr lang="en-US" sz="1200" dirty="0"/>
+                    </a:p>
+                  </a:txBody>
+                  <a:tcPr/>
+                </a:tc>
+              </a:tr>
+              <a:tr h="292100">
+                <a:tc>
+                  <a:txBody>
+                    <a:bodyPr/>
+                    <a:lstStyle/>
+                    <a:p>
+                      <a:r>
+                        <a:rPr lang="en-US" altLang="zh-CN" sz="1200" dirty="0" smtClean="0"/>
+                        <a:t>10</a:t>
+                      </a:r>
+                      <a:endParaRPr lang="en-US" sz="1200" dirty="0"/>
+                    </a:p>
+                  </a:txBody>
+                  <a:tcPr/>
+                </a:tc>
+                <a:tc>
+                  <a:txBody>
+                    <a:bodyPr/>
+                    <a:lstStyle/>
+                    <a:p>
+                      <a:r>
+                        <a:rPr lang="en-US" altLang="zh-CN" sz="1200" dirty="0" smtClean="0"/>
+                        <a:t>0</a:t>
+                      </a:r>
+                      <a:endParaRPr lang="en-US" sz="1200" dirty="0"/>
+                    </a:p>
+                  </a:txBody>
+                  <a:tcPr/>
+                </a:tc>
+                <a:tc>
+                  <a:txBody>
+                    <a:bodyPr/>
+                    <a:lstStyle/>
+                    <a:p>
+                      <a:r>
+                        <a:rPr lang="en-US" altLang="zh-CN" sz="1200" dirty="0" smtClean="0"/>
+                        <a:t>0</a:t>
+                      </a:r>
+                      <a:endParaRPr lang="en-US" sz="1200" dirty="0"/>
+                    </a:p>
+                  </a:txBody>
+                  <a:tcPr/>
+                </a:tc>
+              </a:tr>
+              <a:tr h="292100">
+                <a:tc>
+                  <a:txBody>
+                    <a:bodyPr/>
+                    <a:lstStyle/>
+                    <a:p>
+                      <a:r>
+                        <a:rPr lang="en-US" altLang="zh-CN" sz="1200" dirty="0" smtClean="0"/>
+                        <a:t>10</a:t>
+                      </a:r>
+                      <a:endParaRPr lang="en-US" sz="1200" dirty="0"/>
+                    </a:p>
+                  </a:txBody>
+                  <a:tcPr/>
+                </a:tc>
+                <a:tc>
+                  <a:txBody>
+                    <a:bodyPr/>
+                    <a:lstStyle/>
+                    <a:p>
+                      <a:r>
+                        <a:rPr lang="en-US" altLang="zh-CN" sz="1200" dirty="0" smtClean="0"/>
+                        <a:t>0</a:t>
+                      </a:r>
+                      <a:endParaRPr lang="en-US" sz="1200" dirty="0"/>
+                    </a:p>
+                  </a:txBody>
+                  <a:tcPr/>
+                </a:tc>
+                <a:tc>
+                  <a:txBody>
+                    <a:bodyPr/>
+                    <a:lstStyle/>
+                    <a:p>
+                      <a:r>
+                        <a:rPr lang="en-US" altLang="zh-CN" sz="1200" dirty="0" smtClean="0"/>
+                        <a:t>0</a:t>
+                      </a:r>
+                      <a:endParaRPr lang="en-US" sz="1200" dirty="0"/>
+                    </a:p>
+                  </a:txBody>
+                  <a:tcPr/>
+                </a:tc>
+              </a:tr>
+              <a:tr h="292100">
+                <a:tc>
+                  <a:txBody>
+                    <a:bodyPr/>
+                    <a:lstStyle/>
+                    <a:p>
+                      <a:r>
+                        <a:rPr lang="en-US" altLang="zh-CN" sz="1200" dirty="0" smtClean="0"/>
+                        <a:t>10</a:t>
+                      </a:r>
+                      <a:endParaRPr lang="en-US" sz="1200" dirty="0"/>
+                    </a:p>
+                  </a:txBody>
+                  <a:tcPr/>
+                </a:tc>
+                <a:tc>
+                  <a:txBody>
+                    <a:bodyPr/>
+                    <a:lstStyle/>
+                    <a:p>
+                      <a:r>
+                        <a:rPr lang="en-US" altLang="zh-CN" sz="1200" dirty="0" smtClean="0"/>
+                        <a:t>0</a:t>
+                      </a:r>
+                      <a:endParaRPr lang="en-US" sz="1200" dirty="0"/>
+                    </a:p>
+                  </a:txBody>
+                  <a:tcPr/>
+                </a:tc>
+                <a:tc>
+                  <a:txBody>
+                    <a:bodyPr/>
+                    <a:lstStyle/>
+                    <a:p>
+                      <a:r>
+                        <a:rPr lang="en-US" altLang="zh-CN" sz="1200" dirty="0" smtClean="0"/>
+                        <a:t>0</a:t>
+                      </a:r>
+                      <a:endParaRPr lang="en-US" sz="1200" dirty="0"/>
+                    </a:p>
+                  </a:txBody>
+                  <a:tcPr/>
+                </a:tc>
+              </a:tr>
+              <a:tr h="292100">
+                <a:tc>
+                  <a:txBody>
+                    <a:bodyPr/>
+                    <a:lstStyle/>
+                    <a:p>
+                      <a:r>
+                        <a:rPr lang="en-US" altLang="zh-CN" sz="1200" dirty="0" smtClean="0"/>
+                        <a:t>10</a:t>
+                      </a:r>
+                      <a:endParaRPr lang="en-US" sz="1200" dirty="0"/>
+                    </a:p>
+                  </a:txBody>
+                  <a:tcPr/>
+                </a:tc>
+                <a:tc>
+                  <a:txBody>
+                    <a:bodyPr/>
+                    <a:lstStyle/>
+                    <a:p>
+                      <a:r>
+                        <a:rPr lang="en-US" altLang="zh-CN" sz="1200" dirty="0" smtClean="0"/>
+                        <a:t>0</a:t>
+                      </a:r>
+                      <a:endParaRPr lang="en-US" sz="1200" dirty="0"/>
+                    </a:p>
+                  </a:txBody>
+                  <a:tcPr/>
+                </a:tc>
+                <a:tc>
+                  <a:txBody>
+                    <a:bodyPr/>
+                    <a:lstStyle/>
+                    <a:p>
+                      <a:r>
+                        <a:rPr lang="en-US" altLang="zh-CN" sz="1200" dirty="0" smtClean="0"/>
+                        <a:t>0</a:t>
+                      </a:r>
+                      <a:endParaRPr lang="en-US" sz="1200" dirty="0"/>
+                    </a:p>
+                  </a:txBody>
+                  <a:tcPr/>
+                </a:tc>
+              </a:tr>
+              <a:tr h="292100">
+                <a:tc>
+                  <a:txBody>
+                    <a:bodyPr/>
+                    <a:lstStyle/>
+                    <a:p>
+                      <a:r>
+                        <a:rPr lang="en-US" altLang="zh-CN" sz="1200" dirty="0" smtClean="0"/>
+                        <a:t>10</a:t>
+                      </a:r>
+                      <a:endParaRPr lang="en-US" sz="1200" dirty="0"/>
+                    </a:p>
+                  </a:txBody>
+                  <a:tcPr/>
+                </a:tc>
+                <a:tc>
+                  <a:txBody>
+                    <a:bodyPr/>
+                    <a:lstStyle/>
+                    <a:p>
+                      <a:r>
+                        <a:rPr lang="en-US" altLang="zh-CN" sz="1200" dirty="0" smtClean="0"/>
+                        <a:t>0</a:t>
+                      </a:r>
+                      <a:endParaRPr lang="en-US" sz="1200" dirty="0"/>
+                    </a:p>
+                  </a:txBody>
+                  <a:tcPr/>
+                </a:tc>
+                <a:tc>
+                  <a:txBody>
+                    <a:bodyPr/>
+                    <a:lstStyle/>
+                    <a:p>
+                      <a:r>
+                        <a:rPr lang="en-US" altLang="zh-CN" sz="1200" dirty="0" smtClean="0"/>
+                        <a:t>0</a:t>
+                      </a:r>
+                      <a:endParaRPr lang="en-US" sz="1200" dirty="0"/>
+                    </a:p>
+                  </a:txBody>
+                  <a:tcPr/>
+                </a:tc>
+              </a:tr>
+              <a:tr h="292100">
+                <a:tc>
+                  <a:txBody>
+                    <a:bodyPr/>
+                    <a:lstStyle/>
+                    <a:p>
+                      <a:r>
+                        <a:rPr lang="en-US" altLang="zh-CN" sz="1200" dirty="0" smtClean="0"/>
+                        <a:t>12</a:t>
+                      </a:r>
+                      <a:endParaRPr lang="en-US" sz="1200" dirty="0"/>
+                    </a:p>
+                  </a:txBody>
+                  <a:tcPr/>
+                </a:tc>
+                <a:tc>
+                  <a:txBody>
+                    <a:bodyPr/>
+                    <a:lstStyle/>
+                    <a:p>
+                      <a:r>
+                        <a:rPr lang="en-US" altLang="zh-CN" sz="1200" dirty="0" smtClean="0"/>
+                        <a:t>2</a:t>
+                      </a:r>
+                      <a:endParaRPr lang="en-US" sz="1200" dirty="0"/>
+                    </a:p>
+                  </a:txBody>
+                  <a:tcPr/>
+                </a:tc>
+                <a:tc>
+                  <a:txBody>
+                    <a:bodyPr/>
+                    <a:lstStyle/>
+                    <a:p>
+                      <a:r>
+                        <a:rPr lang="en-US" altLang="zh-CN" sz="1200" dirty="0" smtClean="0"/>
+                        <a:t>4</a:t>
+                      </a:r>
+                      <a:endParaRPr lang="en-US" sz="1200" dirty="0"/>
+                    </a:p>
+                  </a:txBody>
+                  <a:tcPr/>
+                </a:tc>
+              </a:tr>
+              <a:tr h="292100">
+                <a:tc>
+                  <a:txBody>
+                    <a:bodyPr/>
+                    <a:lstStyle/>
+                    <a:p>
+                      <a:r>
+                        <a:rPr lang="en-US" altLang="zh-CN" sz="1200" dirty="0" smtClean="0"/>
+                        <a:t>12</a:t>
+                      </a:r>
+                      <a:endParaRPr lang="en-US" sz="1200" dirty="0"/>
+                    </a:p>
+                  </a:txBody>
+                  <a:tcPr/>
+                </a:tc>
+                <a:tc>
+                  <a:txBody>
+                    <a:bodyPr/>
+                    <a:lstStyle/>
+                    <a:p>
+                      <a:r>
+                        <a:rPr lang="en-US" altLang="zh-CN" sz="1200" dirty="0" smtClean="0"/>
+                        <a:t>2</a:t>
+                      </a:r>
+                      <a:endParaRPr lang="en-US" sz="1200" dirty="0"/>
+                    </a:p>
+                  </a:txBody>
+                  <a:tcPr/>
+                </a:tc>
+                <a:tc>
+                  <a:txBody>
+                    <a:bodyPr/>
+                    <a:lstStyle/>
+                    <a:p>
+                      <a:r>
+                        <a:rPr lang="en-US" altLang="zh-CN" sz="1200" dirty="0" smtClean="0"/>
+                        <a:t>4</a:t>
+                      </a:r>
+                      <a:endParaRPr lang="en-US" sz="1200" dirty="0"/>
+                    </a:p>
+                  </a:txBody>
+                  <a:tcPr/>
+                </a:tc>
+              </a:tr>
+              <a:tr h="292100">
+                <a:tc>
+                  <a:txBody>
+                    <a:bodyPr/>
+                    <a:lstStyle/>
+                    <a:p>
+                      <a:r>
+                        <a:rPr lang="en-US" altLang="zh-CN" sz="1200" dirty="0" smtClean="0"/>
+                        <a:t>14</a:t>
+                      </a:r>
+                      <a:endParaRPr lang="en-US" sz="1200" dirty="0"/>
+                    </a:p>
+                  </a:txBody>
+                  <a:tcPr/>
+                </a:tc>
+                <a:tc>
+                  <a:txBody>
+                    <a:bodyPr/>
+                    <a:lstStyle/>
+                    <a:p>
+                      <a:r>
+                        <a:rPr lang="en-US" altLang="zh-CN" sz="1200" dirty="0" smtClean="0"/>
+                        <a:t>4</a:t>
+                      </a:r>
+                      <a:endParaRPr lang="en-US" sz="1200" dirty="0"/>
+                    </a:p>
+                  </a:txBody>
+                  <a:tcPr/>
+                </a:tc>
+                <a:tc>
+                  <a:txBody>
+                    <a:bodyPr/>
+                    <a:lstStyle/>
+                    <a:p>
+                      <a:r>
+                        <a:rPr lang="en-US" altLang="zh-CN" sz="1200" dirty="0" smtClean="0"/>
+                        <a:t>16</a:t>
+                      </a:r>
+                      <a:endParaRPr lang="en-US" sz="1200" dirty="0"/>
+                    </a:p>
+                  </a:txBody>
+                  <a:tcPr/>
+                </a:tc>
+              </a:tr>
+            </a:tbl>
+          </a:graphicData>
+        </a:graphic>
+      </p:graphicFrame>
+      <p:pic>
+        <p:nvPicPr>
+          <p:cNvPr id="10" name="Picture 9">
+            <a:extLst>
+              <a:ext uri="{FF2B5EF4-FFF2-40B4-BE49-F238E27FC236}">
+                <a16:creationId xmlns:a16="http://schemas.microsoft.com/office/drawing/2014/main" xmlns="" id="{75CB0364-2E63-6841-9CAC-D105D19CE522}"/>
+              </a:ext>
+            </a:extLst>
+          </p:cNvPr>
+          <p:cNvPicPr>
+            <a:picLocks noChangeAspect="1"/>
+          </p:cNvPicPr>
+          <p:nvPr/>
+        </p:nvPicPr>
+        <p:blipFill rotWithShape="1">
+          <a:blip r:embed="rId2">
+            <a:extLst>
+              <a:ext uri="{28A0092B-C50C-407E-A947-70E740481C1C}">
+                <a14:useLocalDpi xmlns:a14="http://schemas.microsoft.com/office/drawing/2010/main" val="0"/>
+              </a:ext>
+            </a:extLst>
+          </a:blip>
+          <a:srcRect r="56526" b="87456"/>
+          <a:stretch/>
+        </p:blipFill>
+        <p:spPr>
+          <a:xfrm>
+            <a:off x="-76200" y="1371600"/>
+            <a:ext cx="4043079" cy="516149"/>
+          </a:xfrm>
+          <a:prstGeom prst="rect">
+            <a:avLst/>
+          </a:prstGeom>
+        </p:spPr>
+      </p:pic>
     </p:spTree>
     <p:extLst>
       <p:ext uri="{BB962C8B-B14F-4D97-AF65-F5344CB8AC3E}">
@@ -7467,7 +8051,7 @@
           <p:cNvPr id="2" name="Title 1">
             <a:extLst>
               <a:ext uri="{FF2B5EF4-FFF2-40B4-BE49-F238E27FC236}">
-                <a16:creationId xmlns:a16="http://schemas.microsoft.com/office/drawing/2014/main" id="{3F826242-333B-C847-98E9-923E828C5F24}"/>
+                <a16:creationId xmlns:a16="http://schemas.microsoft.com/office/drawing/2014/main" xmlns="" id="{3F826242-333B-C847-98E9-923E828C5F24}"/>
               </a:ext>
             </a:extLst>
           </p:cNvPr>
@@ -7486,47 +8070,47 @@
           <a:lstStyle/>
           <a:p>
             <a:r>
-              <a:rPr lang="en-US" altLang="zh-Hans" dirty="0"/>
+              <a:rPr lang="en-US" altLang="zh-CHS" dirty="0"/>
               <a:t>[Hands-on]</a:t>
             </a:r>
             <a:r>
-              <a:rPr lang="zh-Hans" altLang="en-US" dirty="0"/>
+              <a:rPr lang="zh-CHS" altLang="en-US" dirty="0"/>
               <a:t> </a:t>
             </a:r>
             <a:r>
-              <a:rPr lang="en-US" altLang="zh-Hans" dirty="0"/>
+              <a:rPr lang="en-US" altLang="zh-CHS" dirty="0"/>
               <a:t>using</a:t>
             </a:r>
             <a:r>
-              <a:rPr lang="zh-Hans" altLang="en-US" dirty="0"/>
+              <a:rPr lang="zh-CHS" altLang="en-US" dirty="0"/>
               <a:t> </a:t>
             </a:r>
             <a:r>
-              <a:rPr lang="en-US" altLang="zh-Hans" dirty="0"/>
+              <a:rPr lang="en-US" altLang="zh-CHS" dirty="0"/>
               <a:t>excel</a:t>
             </a:r>
             <a:r>
-              <a:rPr lang="zh-Hans" altLang="en-US" dirty="0"/>
+              <a:rPr lang="zh-CHS" altLang="en-US" dirty="0"/>
               <a:t> </a:t>
             </a:r>
             <a:r>
-              <a:rPr lang="en-US" altLang="zh-Hans" dirty="0"/>
+              <a:rPr lang="en-US" altLang="zh-CHS" dirty="0"/>
               <a:t>to</a:t>
             </a:r>
             <a:r>
-              <a:rPr lang="zh-Hans" altLang="en-US" dirty="0"/>
+              <a:rPr lang="zh-CHS" altLang="en-US" dirty="0"/>
               <a:t> </a:t>
             </a:r>
             <a:r>
-              <a:rPr lang="en-US" altLang="zh-Hans" dirty="0"/>
+              <a:rPr lang="en-US" altLang="zh-CHS" dirty="0"/>
               <a:t>calculate</a:t>
             </a:r>
             <a:r>
-              <a:rPr lang="zh-Hans" altLang="en-US" dirty="0"/>
+              <a:rPr lang="zh-CHS" altLang="en-US" dirty="0"/>
               <a:t> </a:t>
             </a:r>
             <a:r>
-              <a:rPr lang="en-US" altLang="zh-Hans" dirty="0"/>
+              <a:rPr lang="en-US" altLang="zh-CHS" dirty="0"/>
               <a:t>dispersions</a:t>
             </a:r>
             <a:endParaRPr lang="en-US" dirty="0"/>
@@ -7538,7 +8122,7 @@
           <p:cNvPr id="3" name="Content Placeholder 2">
             <a:extLst>
               <a:ext uri="{FF2B5EF4-FFF2-40B4-BE49-F238E27FC236}">
-                <a16:creationId xmlns:a16="http://schemas.microsoft.com/office/drawing/2014/main" id="{20DC0335-8E99-9549-9D8F-DB310D8E0473}"/>
+                <a16:creationId xmlns:a16="http://schemas.microsoft.com/office/drawing/2014/main" xmlns="" id="{20DC0335-8E99-9549-9D8F-DB310D8E0473}"/>
               </a:ext>
             </a:extLst>
           </p:cNvPr>
@@ -7581,7 +8165,7 @@
           <p:cNvPr id="4" name="Slide Number Placeholder 3">
             <a:extLst>
               <a:ext uri="{FF2B5EF4-FFF2-40B4-BE49-F238E27FC236}">
-                <a16:creationId xmlns:a16="http://schemas.microsoft.com/office/drawing/2014/main" id="{DE4280B3-5A14-414E-AA37-5AE72C84C170}"/>
+                <a16:creationId xmlns:a16="http://schemas.microsoft.com/office/drawing/2014/main" xmlns="" id="{DE4280B3-5A14-414E-AA37-5AE72C84C170}"/>
               </a:ext>
             </a:extLst>
           </p:cNvPr>
@@ -7640,7 +8224,7 @@
           <p:cNvPr id="2" name="Title 1">
             <a:extLst>
               <a:ext uri="{FF2B5EF4-FFF2-40B4-BE49-F238E27FC236}">
-                <a16:creationId xmlns:a16="http://schemas.microsoft.com/office/drawing/2014/main" id="{3F826242-333B-C847-98E9-923E828C5F24}"/>
+                <a16:creationId xmlns:a16="http://schemas.microsoft.com/office/drawing/2014/main" xmlns="" id="{3F826242-333B-C847-98E9-923E828C5F24}"/>
               </a:ext>
             </a:extLst>
           </p:cNvPr>
@@ -7659,47 +8243,47 @@
           <a:lstStyle/>
           <a:p>
             <a:r>
-              <a:rPr lang="en-US" altLang="zh-Hans" dirty="0"/>
+              <a:rPr lang="en-US" altLang="zh-CHS" dirty="0"/>
               <a:t>[Hands-on]</a:t>
             </a:r>
             <a:r>
-              <a:rPr lang="zh-Hans" altLang="en-US" dirty="0"/>
+              <a:rPr lang="zh-CHS" altLang="en-US" dirty="0"/>
               <a:t> </a:t>
             </a:r>
             <a:r>
-              <a:rPr lang="en-US" altLang="zh-Hans" dirty="0"/>
+              <a:rPr lang="en-US" altLang="zh-CHS" dirty="0"/>
               <a:t>using</a:t>
             </a:r>
             <a:r>
-              <a:rPr lang="zh-Hans" altLang="en-US" dirty="0"/>
+              <a:rPr lang="zh-CHS" altLang="en-US" dirty="0"/>
               <a:t> </a:t>
             </a:r>
             <a:r>
-              <a:rPr lang="en-US" altLang="zh-Hans" dirty="0"/>
+              <a:rPr lang="en-US" altLang="zh-CHS" dirty="0"/>
               <a:t>excel</a:t>
             </a:r>
             <a:r>
-              <a:rPr lang="zh-Hans" altLang="en-US" dirty="0"/>
+              <a:rPr lang="zh-CHS" altLang="en-US" dirty="0"/>
               <a:t> </a:t>
             </a:r>
             <a:r>
-              <a:rPr lang="en-US" altLang="zh-Hans" dirty="0"/>
+              <a:rPr lang="en-US" altLang="zh-CHS" dirty="0"/>
               <a:t>to</a:t>
             </a:r>
             <a:r>
-              <a:rPr lang="zh-Hans" altLang="en-US" dirty="0"/>
+              <a:rPr lang="zh-CHS" altLang="en-US" dirty="0"/>
               <a:t> </a:t>
             </a:r>
             <a:r>
-              <a:rPr lang="en-US" altLang="zh-Hans" dirty="0"/>
+              <a:rPr lang="en-US" altLang="zh-CHS" dirty="0"/>
               <a:t>calculate</a:t>
             </a:r>
             <a:r>
-              <a:rPr lang="zh-Hans" altLang="en-US" dirty="0"/>
+              <a:rPr lang="zh-CHS" altLang="en-US" dirty="0"/>
               <a:t> </a:t>
             </a:r>
             <a:r>
-              <a:rPr lang="en-US" altLang="zh-Hans" dirty="0"/>
+              <a:rPr lang="en-US" altLang="zh-CHS" dirty="0"/>
               <a:t>dispersions</a:t>
             </a:r>
             <a:endParaRPr lang="en-US" dirty="0"/>
@@ -7711,7 +8295,7 @@
           <p:cNvPr id="4" name="Slide Number Placeholder 3">
             <a:extLst>
               <a:ext uri="{FF2B5EF4-FFF2-40B4-BE49-F238E27FC236}">
-                <a16:creationId xmlns:a16="http://schemas.microsoft.com/office/drawing/2014/main" id="{DE4280B3-5A14-414E-AA37-5AE72C84C170}"/>
+                <a16:creationId xmlns:a16="http://schemas.microsoft.com/office/drawing/2014/main" xmlns="" id="{DE4280B3-5A14-414E-AA37-5AE72C84C170}"/>
               </a:ext>
             </a:extLst>
           </p:cNvPr>
@@ -7740,7 +8324,7 @@
           <p:cNvPr id="6" name="Rectangle 2">
             <a:extLst>
               <a:ext uri="{FF2B5EF4-FFF2-40B4-BE49-F238E27FC236}">
-                <a16:creationId xmlns:a16="http://schemas.microsoft.com/office/drawing/2014/main" id="{B6C50043-DA66-4648-B541-0D727167AEB9}"/>
+                <a16:creationId xmlns:a16="http://schemas.microsoft.com/office/drawing/2014/main" xmlns="" id="{B6C50043-DA66-4648-B541-0D727167AEB9}"/>
               </a:ext>
             </a:extLst>
           </p:cNvPr>
@@ -7767,7 +8351,7 @@
           </a:ln>
           <a:effectLst/>
           <a:extLst>
-            <a:ext uri="{91240B29-F687-4F45-9708-019B960494DF}">
+            <a:ext uri="{91240B29-F687-4f45-9708-019B960494DF}">
               <a14:hiddenLine xmlns:a14="http://schemas.microsoft.com/office/drawing/2010/main" w="9525">
                 <a:solidFill>
                   <a:schemeClr val="tx1"/>
@@ -7777,7 +8361,7 @@
                 <a:tailEnd/>
               </a14:hiddenLine>
             </a:ext>
-            <a:ext uri="{AF507438-7753-43E0-B8FC-AC1667EBCBE1}">
+            <a:ext uri="{AF507438-7753-43e0-B8FC-AC1667EBCBE1}">
               <a14:hiddenEffects xmlns:a14="http://schemas.microsoft.com/office/drawing/2010/main">
                 <a:effectLst>
                   <a:outerShdw dist="35921" dir="2700000" algn="ctr" rotWithShape="0">
@@ -8218,7 +8802,7 @@
           <p:cNvPr id="10" name="Picture 9">
             <a:extLst>
               <a:ext uri="{FF2B5EF4-FFF2-40B4-BE49-F238E27FC236}">
-                <a16:creationId xmlns:a16="http://schemas.microsoft.com/office/drawing/2014/main" id="{90DE603C-0C1F-9645-9AF9-27F1964BC27A}"/>
+                <a16:creationId xmlns:a16="http://schemas.microsoft.com/office/drawing/2014/main" xmlns="" id="{90DE603C-0C1F-9645-9AF9-27F1964BC27A}"/>
               </a:ext>
             </a:extLst>
           </p:cNvPr>
@@ -8284,7 +8868,7 @@
           <p:cNvPr id="2" name="Title 1">
             <a:extLst>
               <a:ext uri="{FF2B5EF4-FFF2-40B4-BE49-F238E27FC236}">
-                <a16:creationId xmlns:a16="http://schemas.microsoft.com/office/drawing/2014/main" id="{3F826242-333B-C847-98E9-923E828C5F24}"/>
+                <a16:creationId xmlns:a16="http://schemas.microsoft.com/office/drawing/2014/main" xmlns="" id="{3F826242-333B-C847-98E9-923E828C5F24}"/>
               </a:ext>
             </a:extLst>
           </p:cNvPr>
@@ -8303,47 +8887,47 @@
           <a:lstStyle/>
           <a:p>
             <a:r>
-              <a:rPr lang="en-US" altLang="zh-Hans" dirty="0"/>
+              <a:rPr lang="en-US" altLang="zh-CHS" dirty="0"/>
               <a:t>[Hands-on]</a:t>
             </a:r>
             <a:r>
-              <a:rPr lang="zh-Hans" altLang="en-US" dirty="0"/>
+              <a:rPr lang="zh-CHS" altLang="en-US" dirty="0"/>
               <a:t> </a:t>
             </a:r>
             <a:r>
-              <a:rPr lang="en-US" altLang="zh-Hans" dirty="0"/>
+              <a:rPr lang="en-US" altLang="zh-CHS" dirty="0"/>
               <a:t>using</a:t>
             </a:r>
             <a:r>
-              <a:rPr lang="zh-Hans" altLang="en-US" dirty="0"/>
+              <a:rPr lang="zh-CHS" altLang="en-US" dirty="0"/>
               <a:t> </a:t>
             </a:r>
             <a:r>
-              <a:rPr lang="en-US" altLang="zh-Hans" dirty="0"/>
+              <a:rPr lang="en-US" altLang="zh-CHS" dirty="0"/>
               <a:t>R</a:t>
             </a:r>
             <a:r>
-              <a:rPr lang="zh-Hans" altLang="en-US" dirty="0"/>
+              <a:rPr lang="zh-CHS" altLang="en-US" dirty="0"/>
               <a:t> </a:t>
             </a:r>
             <a:r>
-              <a:rPr lang="en-US" altLang="zh-Hans" dirty="0"/>
+              <a:rPr lang="en-US" altLang="zh-CHS" dirty="0"/>
               <a:t>to</a:t>
             </a:r>
             <a:r>
-              <a:rPr lang="zh-Hans" altLang="en-US" dirty="0"/>
+              <a:rPr lang="zh-CHS" altLang="en-US" dirty="0"/>
               <a:t> </a:t>
             </a:r>
             <a:r>
-              <a:rPr lang="en-US" altLang="zh-Hans" dirty="0"/>
+              <a:rPr lang="en-US" altLang="zh-CHS" dirty="0"/>
               <a:t>calculate</a:t>
             </a:r>
             <a:r>
-              <a:rPr lang="zh-Hans" altLang="en-US" dirty="0"/>
+              <a:rPr lang="zh-CHS" altLang="en-US" dirty="0"/>
               <a:t> </a:t>
             </a:r>
             <a:r>
-              <a:rPr lang="en-US" altLang="zh-Hans" dirty="0"/>
+              <a:rPr lang="en-US" altLang="zh-CHS" dirty="0"/>
               <a:t>dispersions</a:t>
             </a:r>
             <a:endParaRPr lang="en-US" dirty="0"/>
@@ -8355,7 +8939,7 @@
           <p:cNvPr id="3" name="Content Placeholder 2">
             <a:extLst>
               <a:ext uri="{FF2B5EF4-FFF2-40B4-BE49-F238E27FC236}">
-                <a16:creationId xmlns:a16="http://schemas.microsoft.com/office/drawing/2014/main" id="{20DC0335-8E99-9549-9D8F-DB310D8E0473}"/>
+                <a16:creationId xmlns:a16="http://schemas.microsoft.com/office/drawing/2014/main" xmlns="" id="{20DC0335-8E99-9549-9D8F-DB310D8E0473}"/>
               </a:ext>
             </a:extLst>
           </p:cNvPr>
@@ -8395,7 +8979,7 @@
           <p:cNvPr id="4" name="Slide Number Placeholder 3">
             <a:extLst>
               <a:ext uri="{FF2B5EF4-FFF2-40B4-BE49-F238E27FC236}">
-                <a16:creationId xmlns:a16="http://schemas.microsoft.com/office/drawing/2014/main" id="{DE4280B3-5A14-414E-AA37-5AE72C84C170}"/>
+                <a16:creationId xmlns:a16="http://schemas.microsoft.com/office/drawing/2014/main" xmlns="" id="{DE4280B3-5A14-414E-AA37-5AE72C84C170}"/>
               </a:ext>
             </a:extLst>
           </p:cNvPr>
@@ -8576,7 +9160,7 @@
           <p:cNvPr id="4" name="Slide Number Placeholder 3">
             <a:extLst>
               <a:ext uri="{FF2B5EF4-FFF2-40B4-BE49-F238E27FC236}">
-                <a16:creationId xmlns:a16="http://schemas.microsoft.com/office/drawing/2014/main" id="{9A8C9083-AB67-E945-98B3-2AD4AAAF7440}"/>
+                <a16:creationId xmlns:a16="http://schemas.microsoft.com/office/drawing/2014/main" xmlns="" id="{9A8C9083-AB67-E945-98B3-2AD4AAAF7440}"/>
               </a:ext>
             </a:extLst>
           </p:cNvPr>
@@ -8635,7 +9219,7 @@
           <p:cNvPr id="2" name="Title 1">
             <a:extLst>
               <a:ext uri="{FF2B5EF4-FFF2-40B4-BE49-F238E27FC236}">
-                <a16:creationId xmlns:a16="http://schemas.microsoft.com/office/drawing/2014/main" id="{3F826242-333B-C847-98E9-923E828C5F24}"/>
+                <a16:creationId xmlns:a16="http://schemas.microsoft.com/office/drawing/2014/main" xmlns="" id="{3F826242-333B-C847-98E9-923E828C5F24}"/>
               </a:ext>
             </a:extLst>
           </p:cNvPr>
@@ -8654,47 +9238,47 @@
           <a:lstStyle/>
           <a:p>
             <a:r>
-              <a:rPr lang="en-US" altLang="zh-Hans" dirty="0"/>
+              <a:rPr lang="en-US" altLang="zh-CHS" dirty="0"/>
               <a:t>[Hands-on]</a:t>
             </a:r>
             <a:r>
-              <a:rPr lang="zh-Hans" altLang="en-US" dirty="0"/>
+              <a:rPr lang="zh-CHS" altLang="en-US" dirty="0"/>
               <a:t> </a:t>
             </a:r>
             <a:r>
-              <a:rPr lang="en-US" altLang="zh-Hans" dirty="0"/>
+              <a:rPr lang="en-US" altLang="zh-CHS" dirty="0"/>
               <a:t>using</a:t>
             </a:r>
             <a:r>
-              <a:rPr lang="zh-Hans" altLang="en-US" dirty="0"/>
+              <a:rPr lang="zh-CHS" altLang="en-US" dirty="0"/>
               <a:t> </a:t>
             </a:r>
             <a:r>
-              <a:rPr lang="en-US" altLang="zh-Hans" dirty="0"/>
+              <a:rPr lang="en-US" altLang="zh-CHS" dirty="0"/>
               <a:t>R</a:t>
             </a:r>
             <a:r>
-              <a:rPr lang="zh-Hans" altLang="en-US" dirty="0"/>
+              <a:rPr lang="zh-CHS" altLang="en-US" dirty="0"/>
               <a:t> </a:t>
             </a:r>
             <a:r>
-              <a:rPr lang="en-US" altLang="zh-Hans" dirty="0"/>
+              <a:rPr lang="en-US" altLang="zh-CHS" dirty="0"/>
               <a:t>to</a:t>
             </a:r>
             <a:r>
-              <a:rPr lang="zh-Hans" altLang="en-US" dirty="0"/>
+              <a:rPr lang="zh-CHS" altLang="en-US" dirty="0"/>
               <a:t> </a:t>
             </a:r>
             <a:r>
-              <a:rPr lang="en-US" altLang="zh-Hans" dirty="0"/>
+              <a:rPr lang="en-US" altLang="zh-CHS" dirty="0"/>
               <a:t>calculate</a:t>
             </a:r>
             <a:r>
-              <a:rPr lang="zh-Hans" altLang="en-US" dirty="0"/>
+              <a:rPr lang="zh-CHS" altLang="en-US" dirty="0"/>
               <a:t> </a:t>
             </a:r>
             <a:r>
-              <a:rPr lang="en-US" altLang="zh-Hans" dirty="0"/>
+              <a:rPr lang="en-US" altLang="zh-CHS" dirty="0"/>
               <a:t>dispersions</a:t>
             </a:r>
             <a:endParaRPr lang="en-US" dirty="0"/>
@@ -8706,7 +9290,7 @@
           <p:cNvPr id="3" name="Content Placeholder 2">
             <a:extLst>
               <a:ext uri="{FF2B5EF4-FFF2-40B4-BE49-F238E27FC236}">
-                <a16:creationId xmlns:a16="http://schemas.microsoft.com/office/drawing/2014/main" id="{20DC0335-8E99-9549-9D8F-DB310D8E0473}"/>
+                <a16:creationId xmlns:a16="http://schemas.microsoft.com/office/drawing/2014/main" xmlns="" id="{20DC0335-8E99-9549-9D8F-DB310D8E0473}"/>
               </a:ext>
             </a:extLst>
           </p:cNvPr>
@@ -8737,7 +9321,7 @@
           <p:cNvPr id="4" name="Slide Number Placeholder 3">
             <a:extLst>
               <a:ext uri="{FF2B5EF4-FFF2-40B4-BE49-F238E27FC236}">
-                <a16:creationId xmlns:a16="http://schemas.microsoft.com/office/drawing/2014/main" id="{DE4280B3-5A14-414E-AA37-5AE72C84C170}"/>
+                <a16:creationId xmlns:a16="http://schemas.microsoft.com/office/drawing/2014/main" xmlns="" id="{DE4280B3-5A14-414E-AA37-5AE72C84C170}"/>
               </a:ext>
             </a:extLst>
           </p:cNvPr>
@@ -8766,7 +9350,7 @@
           <p:cNvPr id="6" name="Picture 5">
             <a:extLst>
               <a:ext uri="{FF2B5EF4-FFF2-40B4-BE49-F238E27FC236}">
-                <a16:creationId xmlns:a16="http://schemas.microsoft.com/office/drawing/2014/main" id="{245F6F4E-6F29-9E45-BAB9-23B0C4A8CFAC}"/>
+                <a16:creationId xmlns:a16="http://schemas.microsoft.com/office/drawing/2014/main" xmlns="" id="{245F6F4E-6F29-9E45-BAB9-23B0C4A8CFAC}"/>
               </a:ext>
             </a:extLst>
           </p:cNvPr>
@@ -8832,7 +9416,7 @@
           <p:cNvPr id="2" name="Title 1">
             <a:extLst>
               <a:ext uri="{FF2B5EF4-FFF2-40B4-BE49-F238E27FC236}">
-                <a16:creationId xmlns:a16="http://schemas.microsoft.com/office/drawing/2014/main" id="{EA0AB704-F3AE-6048-84D9-EDC737AA3035}"/>
+                <a16:creationId xmlns:a16="http://schemas.microsoft.com/office/drawing/2014/main" xmlns="" id="{EA0AB704-F3AE-6048-84D9-EDC737AA3035}"/>
               </a:ext>
             </a:extLst>
           </p:cNvPr>
@@ -8849,23 +9433,23 @@
           <a:lstStyle/>
           <a:p>
             <a:r>
-              <a:rPr lang="en-US" altLang="zh-Hans" dirty="0"/>
+              <a:rPr lang="en-US" altLang="zh-CHS" dirty="0"/>
               <a:t>Summary</a:t>
             </a:r>
             <a:r>
-              <a:rPr lang="zh-Hans" altLang="en-US" dirty="0"/>
+              <a:rPr lang="zh-CHS" altLang="en-US" dirty="0"/>
               <a:t> </a:t>
             </a:r>
             <a:r>
-              <a:rPr lang="en-US" altLang="zh-Hans" dirty="0"/>
+              <a:rPr lang="en-US" altLang="zh-CHS" dirty="0"/>
               <a:t>of</a:t>
             </a:r>
             <a:r>
-              <a:rPr lang="zh-Hans" altLang="en-US" dirty="0"/>
+              <a:rPr lang="zh-CHS" altLang="en-US" dirty="0"/>
               <a:t> </a:t>
             </a:r>
             <a:r>
-              <a:rPr lang="en-US" altLang="zh-Hans" dirty="0"/>
+              <a:rPr lang="en-US" altLang="zh-CHS" dirty="0"/>
               <a:t>Concepts</a:t>
             </a:r>
             <a:endParaRPr lang="en-US" dirty="0"/>
@@ -8877,7 +9461,7 @@
           <p:cNvPr id="3" name="Content Placeholder 2">
             <a:extLst>
               <a:ext uri="{FF2B5EF4-FFF2-40B4-BE49-F238E27FC236}">
-                <a16:creationId xmlns:a16="http://schemas.microsoft.com/office/drawing/2014/main" id="{4807506A-F287-4C41-B685-A521F3A88582}"/>
+                <a16:creationId xmlns:a16="http://schemas.microsoft.com/office/drawing/2014/main" xmlns="" id="{4807506A-F287-4C41-B685-A521F3A88582}"/>
               </a:ext>
             </a:extLst>
           </p:cNvPr>
@@ -8894,39 +9478,39 @@
           <a:lstStyle/>
           <a:p>
             <a:r>
-              <a:rPr lang="en-US" altLang="zh-Hans" dirty="0"/>
+              <a:rPr lang="en-US" altLang="zh-CHS" dirty="0"/>
               <a:t>Range</a:t>
             </a:r>
           </a:p>
           <a:p>
             <a:r>
-              <a:rPr lang="en-US" altLang="zh-Hans" dirty="0"/>
+              <a:rPr lang="en-US" altLang="zh-CHS" dirty="0"/>
               <a:t>Deviation</a:t>
             </a:r>
           </a:p>
           <a:p>
             <a:r>
-              <a:rPr lang="en-US" altLang="zh-Hans" dirty="0"/>
+              <a:rPr lang="en-US" altLang="zh-CHS" dirty="0"/>
               <a:t>Spread</a:t>
             </a:r>
           </a:p>
           <a:p>
             <a:r>
-              <a:rPr lang="en-US" altLang="zh-Hans" dirty="0"/>
+              <a:rPr lang="en-US" altLang="zh-CHS" dirty="0"/>
               <a:t>Variance</a:t>
             </a:r>
           </a:p>
           <a:p>
             <a:r>
-              <a:rPr lang="en-US" altLang="zh-Hans" dirty="0"/>
+              <a:rPr lang="en-US" altLang="zh-CHS" dirty="0"/>
               <a:t>Standard</a:t>
             </a:r>
             <a:r>
-              <a:rPr lang="zh-Hans" altLang="en-US" dirty="0"/>
+              <a:rPr lang="zh-CHS" altLang="en-US" dirty="0"/>
               <a:t> </a:t>
             </a:r>
             <a:r>
-              <a:rPr lang="en-US" altLang="zh-Hans" dirty="0"/>
+              <a:rPr lang="en-US" altLang="zh-CHS" dirty="0"/>
               <a:t>deviation</a:t>
             </a:r>
           </a:p>
@@ -8940,7 +9524,7 @@
           <p:cNvPr id="4" name="Slide Number Placeholder 3">
             <a:extLst>
               <a:ext uri="{FF2B5EF4-FFF2-40B4-BE49-F238E27FC236}">
-                <a16:creationId xmlns:a16="http://schemas.microsoft.com/office/drawing/2014/main" id="{530D4248-21B9-CE4A-A69F-9006E1FDF596}"/>
+                <a16:creationId xmlns:a16="http://schemas.microsoft.com/office/drawing/2014/main" xmlns="" id="{530D4248-21B9-CE4A-A69F-9006E1FDF596}"/>
               </a:ext>
             </a:extLst>
           </p:cNvPr>
@@ -9137,7 +9721,7 @@
           <p:cNvPr id="5" name="Slide Number Placeholder 4">
             <a:extLst>
               <a:ext uri="{FF2B5EF4-FFF2-40B4-BE49-F238E27FC236}">
-                <a16:creationId xmlns:a16="http://schemas.microsoft.com/office/drawing/2014/main" id="{0210A96D-1274-234A-B073-1396C281B049}"/>
+                <a16:creationId xmlns:a16="http://schemas.microsoft.com/office/drawing/2014/main" xmlns="" id="{0210A96D-1274-234A-B073-1396C281B049}"/>
               </a:ext>
             </a:extLst>
           </p:cNvPr>
@@ -9239,7 +9823,7 @@
           <p:cNvPr id="5" name="Picture 4">
             <a:extLst>
               <a:ext uri="{FF2B5EF4-FFF2-40B4-BE49-F238E27FC236}">
-                <a16:creationId xmlns:a16="http://schemas.microsoft.com/office/drawing/2014/main" id="{0FF1634B-DB30-DE42-A096-D52FFD56A54D}"/>
+                <a16:creationId xmlns:a16="http://schemas.microsoft.com/office/drawing/2014/main" xmlns="" id="{0FF1634B-DB30-DE42-A096-D52FFD56A54D}"/>
               </a:ext>
             </a:extLst>
           </p:cNvPr>
@@ -9275,7 +9859,7 @@
           <p:cNvPr id="6" name="Slide Number Placeholder 5">
             <a:extLst>
               <a:ext uri="{FF2B5EF4-FFF2-40B4-BE49-F238E27FC236}">
-                <a16:creationId xmlns:a16="http://schemas.microsoft.com/office/drawing/2014/main" id="{41F7F595-8483-A64E-A3A6-D095A8141755}"/>
+                <a16:creationId xmlns:a16="http://schemas.microsoft.com/office/drawing/2014/main" xmlns="" id="{41F7F595-8483-A64E-A3A6-D095A8141755}"/>
               </a:ext>
             </a:extLst>
           </p:cNvPr>
@@ -9506,7 +10090,7 @@
           <p:cNvPr id="3" name="Slide Number Placeholder 2">
             <a:extLst>
               <a:ext uri="{FF2B5EF4-FFF2-40B4-BE49-F238E27FC236}">
-                <a16:creationId xmlns:a16="http://schemas.microsoft.com/office/drawing/2014/main" id="{5F938A26-AE78-4E49-93C5-58D587302271}"/>
+                <a16:creationId xmlns:a16="http://schemas.microsoft.com/office/drawing/2014/main" xmlns="" id="{5F938A26-AE78-4E49-93C5-58D587302271}"/>
               </a:ext>
             </a:extLst>
           </p:cNvPr>
@@ -9724,7 +10308,7 @@
           <p:cNvPr id="4" name="Slide Number Placeholder 3">
             <a:extLst>
               <a:ext uri="{FF2B5EF4-FFF2-40B4-BE49-F238E27FC236}">
-                <a16:creationId xmlns:a16="http://schemas.microsoft.com/office/drawing/2014/main" id="{8E7423CD-67CD-E94E-B53E-33E817AB1610}"/>
+                <a16:creationId xmlns:a16="http://schemas.microsoft.com/office/drawing/2014/main" xmlns="" id="{8E7423CD-67CD-E94E-B53E-33E817AB1610}"/>
               </a:ext>
             </a:extLst>
           </p:cNvPr>
@@ -9761,7 +10345,7 @@
   <p:timing>
     <p:tnLst>
       <p:par>
-        <p:cTn id="1" dur="indefinite" restart="never" nodeType="tmRoot">
+        <p:cTn xmlns:p14="http://schemas.microsoft.com/office/powerpoint/2010/main" id="1" dur="indefinite" restart="never" nodeType="tmRoot">
           <p:childTnLst>
             <p:seq concurrent="1" nextAc="seek">
               <p:cTn id="2" dur="indefinite" nodeType="mainSeq">
@@ -10013,7 +10597,7 @@
           <p:cNvPr id="4" name="Slide Number Placeholder 3">
             <a:extLst>
               <a:ext uri="{FF2B5EF4-FFF2-40B4-BE49-F238E27FC236}">
-                <a16:creationId xmlns:a16="http://schemas.microsoft.com/office/drawing/2014/main" id="{56039675-6349-1443-A259-44220C6AF843}"/>
+                <a16:creationId xmlns:a16="http://schemas.microsoft.com/office/drawing/2014/main" xmlns="" id="{56039675-6349-1443-A259-44220C6AF843}"/>
               </a:ext>
             </a:extLst>
           </p:cNvPr>
@@ -10050,7 +10634,7 @@
   <p:timing>
     <p:tnLst>
       <p:par>
-        <p:cTn id="1" dur="indefinite" restart="never" nodeType="tmRoot">
+        <p:cTn xmlns:p14="http://schemas.microsoft.com/office/powerpoint/2010/main" id="1" dur="indefinite" restart="never" nodeType="tmRoot">
           <p:childTnLst>
             <p:seq concurrent="1" nextAc="seek">
               <p:cTn id="2" dur="indefinite" nodeType="mainSeq">
@@ -10163,7 +10747,7 @@
           <a:lstStyle/>
           <a:p>
             <a:r>
-              <a:rPr lang="en-US" altLang="zh-Hans" b="1" dirty="0">
+              <a:rPr lang="en-US" altLang="zh-CHS" b="1" dirty="0">
                 <a:solidFill>
                   <a:srgbClr val="000099"/>
                 </a:solidFill>
@@ -10230,7 +10814,7 @@
           <p:cNvPr id="4" name="Slide Number Placeholder 3">
             <a:extLst>
               <a:ext uri="{FF2B5EF4-FFF2-40B4-BE49-F238E27FC236}">
-                <a16:creationId xmlns:a16="http://schemas.microsoft.com/office/drawing/2014/main" id="{56039675-6349-1443-A259-44220C6AF843}"/>
+                <a16:creationId xmlns:a16="http://schemas.microsoft.com/office/drawing/2014/main" xmlns="" id="{56039675-6349-1443-A259-44220C6AF843}"/>
               </a:ext>
             </a:extLst>
           </p:cNvPr>
@@ -10259,7 +10843,7 @@
           <p:cNvPr id="9" name="Picture 8">
             <a:extLst>
               <a:ext uri="{FF2B5EF4-FFF2-40B4-BE49-F238E27FC236}">
-                <a16:creationId xmlns:a16="http://schemas.microsoft.com/office/drawing/2014/main" id="{46F20157-197D-7840-86C5-A5BB78E5A2A4}"/>
+                <a16:creationId xmlns:a16="http://schemas.microsoft.com/office/drawing/2014/main" xmlns="" id="{46F20157-197D-7840-86C5-A5BB78E5A2A4}"/>
               </a:ext>
             </a:extLst>
           </p:cNvPr>
@@ -10429,7 +11013,7 @@
           <p:cNvPr id="2" name="Slide Number Placeholder 1">
             <a:extLst>
               <a:ext uri="{FF2B5EF4-FFF2-40B4-BE49-F238E27FC236}">
-                <a16:creationId xmlns:a16="http://schemas.microsoft.com/office/drawing/2014/main" id="{E10AAF15-5C40-E446-9F4D-B6BD11744571}"/>
+                <a16:creationId xmlns:a16="http://schemas.microsoft.com/office/drawing/2014/main" xmlns="" id="{E10AAF15-5C40-E446-9F4D-B6BD11744571}"/>
               </a:ext>
             </a:extLst>
           </p:cNvPr>

--- a/Lecture 3- Measure of Dispersion/Lecture 3- Measure of Dispersion.pptx
+++ b/Lecture 3- Measure of Dispersion/Lecture 3- Measure of Dispersion.pptx
@@ -5,10 +5,10 @@
     <p:sldMasterId id="2147483648" r:id="rId1"/>
   </p:sldMasterIdLst>
   <p:notesMasterIdLst>
-    <p:notesMasterId r:id="rId23"/>
+    <p:notesMasterId r:id="rId27"/>
   </p:notesMasterIdLst>
   <p:handoutMasterIdLst>
-    <p:handoutMasterId r:id="rId24"/>
+    <p:handoutMasterId r:id="rId28"/>
   </p:handoutMasterIdLst>
   <p:sldIdLst>
     <p:sldId id="256" r:id="rId2"/>
@@ -31,7 +31,11 @@
     <p:sldId id="308" r:id="rId19"/>
     <p:sldId id="309" r:id="rId20"/>
     <p:sldId id="310" r:id="rId21"/>
-    <p:sldId id="304" r:id="rId22"/>
+    <p:sldId id="312" r:id="rId22"/>
+    <p:sldId id="313" r:id="rId23"/>
+    <p:sldId id="314" r:id="rId24"/>
+    <p:sldId id="315" r:id="rId25"/>
+    <p:sldId id="304" r:id="rId26"/>
   </p:sldIdLst>
   <p:sldSz cx="9144000" cy="6858000" type="screen4x3"/>
   <p:notesSz cx="7315200" cy="9601200"/>
@@ -4818,7 +4822,7 @@
           <a:graphicData uri="http://schemas.openxmlformats.org/presentationml/2006/ole">
             <mc:AlternateContent xmlns:mc="http://schemas.openxmlformats.org/markup-compatibility/2006">
               <mc:Choice xmlns:v="urn:schemas-microsoft-com:vml" Requires="v">
-                <p:oleObj spid="_x0000_s14663" name="Equation" r:id="rId4" imgW="596880" imgH="279360" progId="Equation.DSMT4">
+                <p:oleObj spid="_x0000_s14695" name="Equation" r:id="rId4" imgW="596880" imgH="279360" progId="Equation.DSMT4">
                   <p:embed/>
                 </p:oleObj>
               </mc:Choice>
@@ -4894,7 +4898,7 @@
           <a:graphicData uri="http://schemas.openxmlformats.org/presentationml/2006/ole">
             <mc:AlternateContent xmlns:mc="http://schemas.openxmlformats.org/markup-compatibility/2006">
               <mc:Choice xmlns:v="urn:schemas-microsoft-com:vml" Requires="v">
-                <p:oleObj spid="_x0000_s14664" name="Equation" r:id="rId6" imgW="799920" imgH="609480" progId="Equation.DSMT4">
+                <p:oleObj spid="_x0000_s14696" name="Equation" r:id="rId6" imgW="799920" imgH="609480" progId="Equation.DSMT4">
                   <p:embed/>
                 </p:oleObj>
               </mc:Choice>
@@ -5495,7 +5499,7 @@
           <a:graphicData uri="http://schemas.openxmlformats.org/presentationml/2006/ole">
             <mc:AlternateContent xmlns:mc="http://schemas.openxmlformats.org/markup-compatibility/2006">
               <mc:Choice xmlns:v="urn:schemas-microsoft-com:vml" Requires="v">
-                <p:oleObj spid="_x0000_s17709" name="Equation" r:id="rId4" imgW="736560" imgH="609480" progId="Equation.DSMT4">
+                <p:oleObj spid="_x0000_s17741" name="Equation" r:id="rId4" imgW="736560" imgH="609480" progId="Equation.DSMT4">
                   <p:embed/>
                 </p:oleObj>
               </mc:Choice>
@@ -5557,7 +5561,7 @@
           <a:graphicData uri="http://schemas.openxmlformats.org/presentationml/2006/ole">
             <mc:AlternateContent xmlns:mc="http://schemas.openxmlformats.org/markup-compatibility/2006">
               <mc:Choice xmlns:v="urn:schemas-microsoft-com:vml" Requires="v">
-                <p:oleObj spid="_x0000_s17710" name="Equation" r:id="rId6" imgW="1155600" imgH="431640" progId="Equation.DSMT4">
+                <p:oleObj spid="_x0000_s17742" name="Equation" r:id="rId6" imgW="1155600" imgH="431640" progId="Equation.DSMT4">
                   <p:embed/>
                 </p:oleObj>
               </mc:Choice>
@@ -6095,7 +6099,7 @@
           <a:graphicData uri="http://schemas.openxmlformats.org/presentationml/2006/ole">
             <mc:AlternateContent xmlns:mc="http://schemas.openxmlformats.org/markup-compatibility/2006">
               <mc:Choice xmlns:v="urn:schemas-microsoft-com:vml" Requires="v">
-                <p:oleObj spid="_x0000_s15688" name="Equation" r:id="rId4" imgW="3517560" imgH="609480" progId="Equation.DSMT4">
+                <p:oleObj spid="_x0000_s15720" name="Equation" r:id="rId4" imgW="3517560" imgH="609480" progId="Equation.DSMT4">
                   <p:embed/>
                 </p:oleObj>
               </mc:Choice>
@@ -6178,7 +6182,7 @@
           <a:graphicData uri="http://schemas.openxmlformats.org/presentationml/2006/ole">
             <mc:AlternateContent xmlns:mc="http://schemas.openxmlformats.org/markup-compatibility/2006">
               <mc:Choice xmlns:v="urn:schemas-microsoft-com:vml" Requires="v">
-                <p:oleObj spid="_x0000_s15689" name="Equation" r:id="rId6" imgW="1638000" imgH="660240" progId="Equation.DSMT4">
+                <p:oleObj spid="_x0000_s15721" name="Equation" r:id="rId6" imgW="1638000" imgH="660240" progId="Equation.DSMT4">
                   <p:embed/>
                 </p:oleObj>
               </mc:Choice>
@@ -6503,7 +6507,7 @@
           <a:graphicData uri="http://schemas.openxmlformats.org/presentationml/2006/ole">
             <mc:AlternateContent xmlns:mc="http://schemas.openxmlformats.org/markup-compatibility/2006">
               <mc:Choice xmlns:v="urn:schemas-microsoft-com:vml" Requires="v">
-                <p:oleObj spid="_x0000_s16712" name="Equation" r:id="rId4" imgW="3568680" imgH="609480" progId="Equation.DSMT4">
+                <p:oleObj spid="_x0000_s16744" name="Equation" r:id="rId4" imgW="3568680" imgH="609480" progId="Equation.DSMT4">
                   <p:embed/>
                 </p:oleObj>
               </mc:Choice>
@@ -6586,7 +6590,7 @@
           <a:graphicData uri="http://schemas.openxmlformats.org/presentationml/2006/ole">
             <mc:AlternateContent xmlns:mc="http://schemas.openxmlformats.org/markup-compatibility/2006">
               <mc:Choice xmlns:v="urn:schemas-microsoft-com:vml" Requires="v">
-                <p:oleObj spid="_x0000_s16713" name="Equation" r:id="rId6" imgW="1600200" imgH="660240" progId="Equation.DSMT4">
+                <p:oleObj spid="_x0000_s16745" name="Equation" r:id="rId6" imgW="1600200" imgH="660240" progId="Equation.DSMT4">
                   <p:embed/>
                 </p:oleObj>
               </mc:Choice>
@@ -9416,6 +9420,876 @@
           <p:cNvPr id="2" name="Title 1">
             <a:extLst>
               <a:ext uri="{FF2B5EF4-FFF2-40B4-BE49-F238E27FC236}">
+                <a16:creationId xmlns:a16="http://schemas.microsoft.com/office/drawing/2014/main" xmlns="" id="{3F826242-333B-C847-98E9-923E828C5F24}"/>
+              </a:ext>
+            </a:extLst>
+          </p:cNvPr>
+          <p:cNvSpPr>
+            <a:spLocks noGrp="1"/>
+          </p:cNvSpPr>
+          <p:nvPr>
+            <p:ph type="title"/>
+          </p:nvPr>
+        </p:nvSpPr>
+        <p:spPr/>
+        <p:txBody>
+          <a:bodyPr>
+            <a:normAutofit fontScale="90000"/>
+          </a:bodyPr>
+          <a:lstStyle/>
+          <a:p>
+            <a:r>
+              <a:rPr lang="en-US" altLang="zh-CHS" dirty="0"/>
+              <a:t>[Hands-on]</a:t>
+            </a:r>
+            <a:r>
+              <a:rPr lang="zh-CHS" altLang="en-US" dirty="0"/>
+              <a:t> </a:t>
+            </a:r>
+            <a:r>
+              <a:rPr lang="en-US" altLang="zh-CHS" dirty="0"/>
+              <a:t>using</a:t>
+            </a:r>
+            <a:r>
+              <a:rPr lang="zh-CHS" altLang="en-US" dirty="0"/>
+              <a:t> </a:t>
+            </a:r>
+            <a:r>
+              <a:rPr lang="en-US" altLang="zh-CHS" dirty="0" smtClean="0"/>
+              <a:t>SPSS</a:t>
+            </a:r>
+            <a:r>
+              <a:rPr lang="zh-CHS" altLang="en-US" dirty="0" smtClean="0"/>
+              <a:t> </a:t>
+            </a:r>
+            <a:r>
+              <a:rPr lang="en-US" altLang="zh-CHS" dirty="0"/>
+              <a:t>to</a:t>
+            </a:r>
+            <a:r>
+              <a:rPr lang="zh-CHS" altLang="en-US" dirty="0"/>
+              <a:t> </a:t>
+            </a:r>
+            <a:r>
+              <a:rPr lang="en-US" altLang="zh-CHS" dirty="0"/>
+              <a:t>calculate</a:t>
+            </a:r>
+            <a:r>
+              <a:rPr lang="zh-CHS" altLang="en-US" dirty="0"/>
+              <a:t> </a:t>
+            </a:r>
+            <a:r>
+              <a:rPr lang="en-US" altLang="zh-CHS" dirty="0"/>
+              <a:t>dispersions</a:t>
+            </a:r>
+            <a:endParaRPr lang="en-US" dirty="0"/>
+          </a:p>
+        </p:txBody>
+      </p:sp>
+      <p:sp>
+        <p:nvSpPr>
+          <p:cNvPr id="3" name="Content Placeholder 2">
+            <a:extLst>
+              <a:ext uri="{FF2B5EF4-FFF2-40B4-BE49-F238E27FC236}">
+                <a16:creationId xmlns:a16="http://schemas.microsoft.com/office/drawing/2014/main" xmlns="" id="{20DC0335-8E99-9549-9D8F-DB310D8E0473}"/>
+              </a:ext>
+            </a:extLst>
+          </p:cNvPr>
+          <p:cNvSpPr>
+            <a:spLocks noGrp="1"/>
+          </p:cNvSpPr>
+          <p:nvPr>
+            <p:ph idx="1"/>
+          </p:nvPr>
+        </p:nvSpPr>
+        <p:spPr/>
+        <p:txBody>
+          <a:bodyPr/>
+          <a:lstStyle/>
+          <a:p>
+            <a:endParaRPr lang="en-US" dirty="0" smtClean="0"/>
+          </a:p>
+          <a:p>
+            <a:endParaRPr lang="en-US" dirty="0"/>
+          </a:p>
+        </p:txBody>
+      </p:sp>
+      <p:sp>
+        <p:nvSpPr>
+          <p:cNvPr id="4" name="Slide Number Placeholder 3">
+            <a:extLst>
+              <a:ext uri="{FF2B5EF4-FFF2-40B4-BE49-F238E27FC236}">
+                <a16:creationId xmlns:a16="http://schemas.microsoft.com/office/drawing/2014/main" xmlns="" id="{DE4280B3-5A14-414E-AA37-5AE72C84C170}"/>
+              </a:ext>
+            </a:extLst>
+          </p:cNvPr>
+          <p:cNvSpPr>
+            <a:spLocks noGrp="1"/>
+          </p:cNvSpPr>
+          <p:nvPr>
+            <p:ph type="sldNum" sz="quarter" idx="12"/>
+          </p:nvPr>
+        </p:nvSpPr>
+        <p:spPr/>
+        <p:txBody>
+          <a:bodyPr/>
+          <a:lstStyle/>
+          <a:p>
+            <a:fld id="{DF9221D8-3A4D-495B-963C-88FDE081B2F3}" type="slidenum">
+              <a:rPr lang="en-US" smtClean="0"/>
+              <a:t>21</a:t>
+            </a:fld>
+            <a:endParaRPr lang="en-US"/>
+          </a:p>
+        </p:txBody>
+      </p:sp>
+      <p:sp>
+        <p:nvSpPr>
+          <p:cNvPr id="5" name="TextBox 4"/>
+          <p:cNvSpPr txBox="1"/>
+          <p:nvPr/>
+        </p:nvSpPr>
+        <p:spPr>
+          <a:xfrm>
+            <a:off x="609600" y="1524000"/>
+            <a:ext cx="8001000" cy="1754327"/>
+          </a:xfrm>
+          <a:prstGeom prst="rect">
+            <a:avLst/>
+          </a:prstGeom>
+          <a:noFill/>
+        </p:spPr>
+        <p:txBody>
+          <a:bodyPr wrap="square" rtlCol="0">
+            <a:spAutoFit/>
+          </a:bodyPr>
+          <a:lstStyle/>
+          <a:p>
+            <a:endParaRPr lang="en-US" dirty="0" smtClean="0"/>
+          </a:p>
+          <a:p>
+            <a:r>
+              <a:rPr lang="en-US" b="1" dirty="0"/>
+              <a:t>SPSS for newbies: how to get mean, median, mode, standard deviation </a:t>
+            </a:r>
+            <a:r>
+              <a:rPr lang="en-US" b="1" dirty="0" err="1" smtClean="0"/>
+              <a:t>etc</a:t>
+            </a:r>
+            <a:r>
+              <a:rPr lang="en-US" altLang="zh-CN" b="1" dirty="0" smtClean="0"/>
+              <a:t>?</a:t>
+            </a:r>
+            <a:endParaRPr lang="en-US" b="1" dirty="0" smtClean="0"/>
+          </a:p>
+          <a:p>
+            <a:endParaRPr lang="en-US" dirty="0"/>
+          </a:p>
+          <a:p>
+            <a:r>
+              <a:rPr lang="en-US" dirty="0" smtClean="0">
+                <a:hlinkClick r:id="rId2"/>
+              </a:rPr>
+              <a:t>https</a:t>
+            </a:r>
+            <a:r>
+              <a:rPr lang="en-US" dirty="0">
+                <a:hlinkClick r:id="rId2"/>
+              </a:rPr>
+              <a:t>://www.youtube.com/watch?v=J3ax2c4s8Tghttps://www.youtube.com/watch?v</a:t>
+            </a:r>
+            <a:r>
+              <a:rPr lang="en-US">
+                <a:hlinkClick r:id="rId2"/>
+              </a:rPr>
+              <a:t>=</a:t>
+            </a:r>
+            <a:r>
+              <a:rPr lang="en-US" smtClean="0">
+                <a:hlinkClick r:id="rId2"/>
+              </a:rPr>
+              <a:t>J3ax2c4s8Tg</a:t>
+            </a:r>
+            <a:endParaRPr lang="en-US" smtClean="0"/>
+          </a:p>
+          <a:p>
+            <a:endParaRPr lang="en-US" dirty="0"/>
+          </a:p>
+        </p:txBody>
+      </p:sp>
+    </p:spTree>
+    <p:extLst>
+      <p:ext uri="{BB962C8B-B14F-4D97-AF65-F5344CB8AC3E}">
+        <p14:creationId xmlns:p14="http://schemas.microsoft.com/office/powerpoint/2010/main" val="3861332895"/>
+      </p:ext>
+    </p:extLst>
+  </p:cSld>
+  <p:clrMapOvr>
+    <a:masterClrMapping/>
+  </p:clrMapOvr>
+</p:sld>
+</file>
+
+<file path=ppt/slides/slide22.xml><?xml version="1.0" encoding="utf-8"?>
+<p:sld xmlns:a="http://schemas.openxmlformats.org/drawingml/2006/main" xmlns:r="http://schemas.openxmlformats.org/officeDocument/2006/relationships" xmlns:p="http://schemas.openxmlformats.org/presentationml/2006/main">
+  <p:cSld>
+    <p:spTree>
+      <p:nvGrpSpPr>
+        <p:cNvPr id="1" name=""/>
+        <p:cNvGrpSpPr/>
+        <p:nvPr/>
+      </p:nvGrpSpPr>
+      <p:grpSpPr>
+        <a:xfrm>
+          <a:off x="0" y="0"/>
+          <a:ext cx="0" cy="0"/>
+          <a:chOff x="0" y="0"/>
+          <a:chExt cx="0" cy="0"/>
+        </a:xfrm>
+      </p:grpSpPr>
+      <p:sp>
+        <p:nvSpPr>
+          <p:cNvPr id="2" name="Title 1">
+            <a:extLst>
+              <a:ext uri="{FF2B5EF4-FFF2-40B4-BE49-F238E27FC236}">
+                <a16:creationId xmlns:a16="http://schemas.microsoft.com/office/drawing/2014/main" xmlns="" id="{3F826242-333B-C847-98E9-923E828C5F24}"/>
+              </a:ext>
+            </a:extLst>
+          </p:cNvPr>
+          <p:cNvSpPr>
+            <a:spLocks noGrp="1"/>
+          </p:cNvSpPr>
+          <p:nvPr>
+            <p:ph type="title"/>
+          </p:nvPr>
+        </p:nvSpPr>
+        <p:spPr/>
+        <p:txBody>
+          <a:bodyPr>
+            <a:normAutofit fontScale="90000"/>
+          </a:bodyPr>
+          <a:lstStyle/>
+          <a:p>
+            <a:r>
+              <a:rPr lang="en-US" altLang="zh-CHS" dirty="0"/>
+              <a:t>[Hands-on]</a:t>
+            </a:r>
+            <a:r>
+              <a:rPr lang="zh-CHS" altLang="en-US" dirty="0"/>
+              <a:t> </a:t>
+            </a:r>
+            <a:r>
+              <a:rPr lang="en-US" altLang="zh-CHS" dirty="0"/>
+              <a:t>using</a:t>
+            </a:r>
+            <a:r>
+              <a:rPr lang="zh-CHS" altLang="en-US" dirty="0"/>
+              <a:t> </a:t>
+            </a:r>
+            <a:r>
+              <a:rPr lang="en-US" altLang="zh-CHS" dirty="0" smtClean="0"/>
+              <a:t>SPSS</a:t>
+            </a:r>
+            <a:r>
+              <a:rPr lang="zh-CHS" altLang="en-US" dirty="0" smtClean="0"/>
+              <a:t> </a:t>
+            </a:r>
+            <a:r>
+              <a:rPr lang="en-US" altLang="zh-CHS" dirty="0"/>
+              <a:t>to</a:t>
+            </a:r>
+            <a:r>
+              <a:rPr lang="zh-CHS" altLang="en-US" dirty="0"/>
+              <a:t> </a:t>
+            </a:r>
+            <a:r>
+              <a:rPr lang="en-US" altLang="zh-CHS" dirty="0"/>
+              <a:t>calculate</a:t>
+            </a:r>
+            <a:r>
+              <a:rPr lang="zh-CHS" altLang="en-US" dirty="0"/>
+              <a:t> </a:t>
+            </a:r>
+            <a:r>
+              <a:rPr lang="en-US" altLang="zh-CHS" dirty="0"/>
+              <a:t>dispersions</a:t>
+            </a:r>
+            <a:endParaRPr lang="en-US" dirty="0"/>
+          </a:p>
+        </p:txBody>
+      </p:sp>
+      <p:sp>
+        <p:nvSpPr>
+          <p:cNvPr id="3" name="Content Placeholder 2">
+            <a:extLst>
+              <a:ext uri="{FF2B5EF4-FFF2-40B4-BE49-F238E27FC236}">
+                <a16:creationId xmlns:a16="http://schemas.microsoft.com/office/drawing/2014/main" xmlns="" id="{20DC0335-8E99-9549-9D8F-DB310D8E0473}"/>
+              </a:ext>
+            </a:extLst>
+          </p:cNvPr>
+          <p:cNvSpPr>
+            <a:spLocks noGrp="1"/>
+          </p:cNvSpPr>
+          <p:nvPr>
+            <p:ph idx="1"/>
+          </p:nvPr>
+        </p:nvSpPr>
+        <p:spPr/>
+        <p:txBody>
+          <a:bodyPr/>
+          <a:lstStyle/>
+          <a:p>
+            <a:endParaRPr lang="en-US" dirty="0" smtClean="0"/>
+          </a:p>
+          <a:p>
+            <a:endParaRPr lang="en-US" dirty="0"/>
+          </a:p>
+        </p:txBody>
+      </p:sp>
+      <p:sp>
+        <p:nvSpPr>
+          <p:cNvPr id="4" name="Slide Number Placeholder 3">
+            <a:extLst>
+              <a:ext uri="{FF2B5EF4-FFF2-40B4-BE49-F238E27FC236}">
+                <a16:creationId xmlns:a16="http://schemas.microsoft.com/office/drawing/2014/main" xmlns="" id="{DE4280B3-5A14-414E-AA37-5AE72C84C170}"/>
+              </a:ext>
+            </a:extLst>
+          </p:cNvPr>
+          <p:cNvSpPr>
+            <a:spLocks noGrp="1"/>
+          </p:cNvSpPr>
+          <p:nvPr>
+            <p:ph type="sldNum" sz="quarter" idx="12"/>
+          </p:nvPr>
+        </p:nvSpPr>
+        <p:spPr/>
+        <p:txBody>
+          <a:bodyPr/>
+          <a:lstStyle/>
+          <a:p>
+            <a:fld id="{DF9221D8-3A4D-495B-963C-88FDE081B2F3}" type="slidenum">
+              <a:rPr lang="en-US" smtClean="0"/>
+              <a:t>22</a:t>
+            </a:fld>
+            <a:endParaRPr lang="en-US"/>
+          </a:p>
+        </p:txBody>
+      </p:sp>
+      <p:pic>
+        <p:nvPicPr>
+          <p:cNvPr id="7" name="Picture 6" descr="Screen Shot 2018-01-30 at 2.13.09 PM.png"/>
+          <p:cNvPicPr>
+            <a:picLocks noChangeAspect="1"/>
+          </p:cNvPicPr>
+          <p:nvPr/>
+        </p:nvPicPr>
+        <p:blipFill>
+          <a:blip r:embed="rId2">
+            <a:extLst>
+              <a:ext uri="{28A0092B-C50C-407E-A947-70E740481C1C}">
+                <a14:useLocalDpi xmlns:a14="http://schemas.microsoft.com/office/drawing/2010/main" val="0"/>
+              </a:ext>
+            </a:extLst>
+          </a:blip>
+          <a:stretch>
+            <a:fillRect/>
+          </a:stretch>
+        </p:blipFill>
+        <p:spPr>
+          <a:xfrm>
+            <a:off x="228600" y="1524000"/>
+            <a:ext cx="8763000" cy="4849852"/>
+          </a:xfrm>
+          <a:prstGeom prst="rect">
+            <a:avLst/>
+          </a:prstGeom>
+        </p:spPr>
+      </p:pic>
+    </p:spTree>
+    <p:extLst>
+      <p:ext uri="{BB962C8B-B14F-4D97-AF65-F5344CB8AC3E}">
+        <p14:creationId xmlns:p14="http://schemas.microsoft.com/office/powerpoint/2010/main" val="1372962868"/>
+      </p:ext>
+    </p:extLst>
+  </p:cSld>
+  <p:clrMapOvr>
+    <a:masterClrMapping/>
+  </p:clrMapOvr>
+</p:sld>
+</file>
+
+<file path=ppt/slides/slide23.xml><?xml version="1.0" encoding="utf-8"?>
+<p:sld xmlns:a="http://schemas.openxmlformats.org/drawingml/2006/main" xmlns:r="http://schemas.openxmlformats.org/officeDocument/2006/relationships" xmlns:p="http://schemas.openxmlformats.org/presentationml/2006/main">
+  <p:cSld>
+    <p:spTree>
+      <p:nvGrpSpPr>
+        <p:cNvPr id="1" name=""/>
+        <p:cNvGrpSpPr/>
+        <p:nvPr/>
+      </p:nvGrpSpPr>
+      <p:grpSpPr>
+        <a:xfrm>
+          <a:off x="0" y="0"/>
+          <a:ext cx="0" cy="0"/>
+          <a:chOff x="0" y="0"/>
+          <a:chExt cx="0" cy="0"/>
+        </a:xfrm>
+      </p:grpSpPr>
+      <p:sp>
+        <p:nvSpPr>
+          <p:cNvPr id="2" name="Title 1">
+            <a:extLst>
+              <a:ext uri="{FF2B5EF4-FFF2-40B4-BE49-F238E27FC236}">
+                <a16:creationId xmlns:a16="http://schemas.microsoft.com/office/drawing/2014/main" xmlns="" id="{3F826242-333B-C847-98E9-923E828C5F24}"/>
+              </a:ext>
+            </a:extLst>
+          </p:cNvPr>
+          <p:cNvSpPr>
+            <a:spLocks noGrp="1"/>
+          </p:cNvSpPr>
+          <p:nvPr>
+            <p:ph type="title"/>
+          </p:nvPr>
+        </p:nvSpPr>
+        <p:spPr/>
+        <p:txBody>
+          <a:bodyPr>
+            <a:normAutofit fontScale="90000"/>
+          </a:bodyPr>
+          <a:lstStyle/>
+          <a:p>
+            <a:r>
+              <a:rPr lang="en-US" altLang="zh-CHS" dirty="0"/>
+              <a:t>[Hands-on]</a:t>
+            </a:r>
+            <a:r>
+              <a:rPr lang="zh-CHS" altLang="en-US" dirty="0"/>
+              <a:t> </a:t>
+            </a:r>
+            <a:r>
+              <a:rPr lang="en-US" altLang="zh-CHS" dirty="0"/>
+              <a:t>using</a:t>
+            </a:r>
+            <a:r>
+              <a:rPr lang="zh-CHS" altLang="en-US" dirty="0"/>
+              <a:t> </a:t>
+            </a:r>
+            <a:r>
+              <a:rPr lang="en-US" altLang="zh-CHS" dirty="0" smtClean="0"/>
+              <a:t>SPSS</a:t>
+            </a:r>
+            <a:r>
+              <a:rPr lang="zh-CHS" altLang="en-US" dirty="0" smtClean="0"/>
+              <a:t> </a:t>
+            </a:r>
+            <a:r>
+              <a:rPr lang="en-US" altLang="zh-CHS" dirty="0"/>
+              <a:t>to</a:t>
+            </a:r>
+            <a:r>
+              <a:rPr lang="zh-CHS" altLang="en-US" dirty="0"/>
+              <a:t> </a:t>
+            </a:r>
+            <a:r>
+              <a:rPr lang="en-US" altLang="zh-CHS" dirty="0"/>
+              <a:t>calculate</a:t>
+            </a:r>
+            <a:r>
+              <a:rPr lang="zh-CHS" altLang="en-US" dirty="0"/>
+              <a:t> </a:t>
+            </a:r>
+            <a:r>
+              <a:rPr lang="en-US" altLang="zh-CHS" dirty="0"/>
+              <a:t>dispersions</a:t>
+            </a:r>
+            <a:endParaRPr lang="en-US" dirty="0"/>
+          </a:p>
+        </p:txBody>
+      </p:sp>
+      <p:sp>
+        <p:nvSpPr>
+          <p:cNvPr id="3" name="Content Placeholder 2">
+            <a:extLst>
+              <a:ext uri="{FF2B5EF4-FFF2-40B4-BE49-F238E27FC236}">
+                <a16:creationId xmlns:a16="http://schemas.microsoft.com/office/drawing/2014/main" xmlns="" id="{20DC0335-8E99-9549-9D8F-DB310D8E0473}"/>
+              </a:ext>
+            </a:extLst>
+          </p:cNvPr>
+          <p:cNvSpPr>
+            <a:spLocks noGrp="1"/>
+          </p:cNvSpPr>
+          <p:nvPr>
+            <p:ph idx="1"/>
+          </p:nvPr>
+        </p:nvSpPr>
+        <p:spPr/>
+        <p:txBody>
+          <a:bodyPr/>
+          <a:lstStyle/>
+          <a:p>
+            <a:endParaRPr lang="en-US" dirty="0" smtClean="0"/>
+          </a:p>
+          <a:p>
+            <a:endParaRPr lang="en-US" dirty="0"/>
+          </a:p>
+        </p:txBody>
+      </p:sp>
+      <p:sp>
+        <p:nvSpPr>
+          <p:cNvPr id="4" name="Slide Number Placeholder 3">
+            <a:extLst>
+              <a:ext uri="{FF2B5EF4-FFF2-40B4-BE49-F238E27FC236}">
+                <a16:creationId xmlns:a16="http://schemas.microsoft.com/office/drawing/2014/main" xmlns="" id="{DE4280B3-5A14-414E-AA37-5AE72C84C170}"/>
+              </a:ext>
+            </a:extLst>
+          </p:cNvPr>
+          <p:cNvSpPr>
+            <a:spLocks noGrp="1"/>
+          </p:cNvSpPr>
+          <p:nvPr>
+            <p:ph type="sldNum" sz="quarter" idx="12"/>
+          </p:nvPr>
+        </p:nvSpPr>
+        <p:spPr/>
+        <p:txBody>
+          <a:bodyPr/>
+          <a:lstStyle/>
+          <a:p>
+            <a:fld id="{DF9221D8-3A4D-495B-963C-88FDE081B2F3}" type="slidenum">
+              <a:rPr lang="en-US" smtClean="0"/>
+              <a:t>23</a:t>
+            </a:fld>
+            <a:endParaRPr lang="en-US"/>
+          </a:p>
+        </p:txBody>
+      </p:sp>
+      <p:sp>
+        <p:nvSpPr>
+          <p:cNvPr id="5" name="TextBox 4"/>
+          <p:cNvSpPr txBox="1"/>
+          <p:nvPr/>
+        </p:nvSpPr>
+        <p:spPr>
+          <a:xfrm>
+            <a:off x="609600" y="1524000"/>
+            <a:ext cx="8001000" cy="2585323"/>
+          </a:xfrm>
+          <a:prstGeom prst="rect">
+            <a:avLst/>
+          </a:prstGeom>
+          <a:noFill/>
+        </p:spPr>
+        <p:txBody>
+          <a:bodyPr wrap="square" rtlCol="0">
+            <a:spAutoFit/>
+          </a:bodyPr>
+          <a:lstStyle/>
+          <a:p>
+            <a:endParaRPr lang="en-US" dirty="0" smtClean="0"/>
+          </a:p>
+          <a:p>
+            <a:r>
+              <a:rPr lang="en-US" b="1" dirty="0"/>
+              <a:t>SPSS </a:t>
+            </a:r>
+            <a:r>
+              <a:rPr lang="en-US" b="1" dirty="0" smtClean="0"/>
+              <a:t>Syntax</a:t>
+            </a:r>
+            <a:endParaRPr lang="en-US" b="1" dirty="0" smtClean="0"/>
+          </a:p>
+          <a:p>
+            <a:endParaRPr lang="en-US" dirty="0"/>
+          </a:p>
+          <a:p>
+            <a:endParaRPr lang="en-US" dirty="0"/>
+          </a:p>
+          <a:p>
+            <a:r>
+              <a:rPr lang="en-US" dirty="0"/>
+              <a:t>DATASET ACTIVATE DataSet0.</a:t>
+            </a:r>
+          </a:p>
+          <a:p>
+            <a:r>
+              <a:rPr lang="en-US" dirty="0"/>
+              <a:t>DESCRIPTIVES VARIABLES=x</a:t>
+            </a:r>
+          </a:p>
+          <a:p>
+            <a:r>
+              <a:rPr lang="en-US" dirty="0"/>
+              <a:t>  /STATISTICS=MEAN SUM STDDEV VARIANCE RANGE MIN MAX SEMEAN KURTOSIS SKEWNESS.</a:t>
+            </a:r>
+          </a:p>
+          <a:p>
+            <a:endParaRPr lang="en-US" dirty="0"/>
+          </a:p>
+        </p:txBody>
+      </p:sp>
+    </p:spTree>
+    <p:extLst>
+      <p:ext uri="{BB962C8B-B14F-4D97-AF65-F5344CB8AC3E}">
+        <p14:creationId xmlns:p14="http://schemas.microsoft.com/office/powerpoint/2010/main" val="2151671074"/>
+      </p:ext>
+    </p:extLst>
+  </p:cSld>
+  <p:clrMapOvr>
+    <a:masterClrMapping/>
+  </p:clrMapOvr>
+</p:sld>
+</file>
+
+<file path=ppt/slides/slide24.xml><?xml version="1.0" encoding="utf-8"?>
+<p:sld xmlns:a="http://schemas.openxmlformats.org/drawingml/2006/main" xmlns:r="http://schemas.openxmlformats.org/officeDocument/2006/relationships" xmlns:p="http://schemas.openxmlformats.org/presentationml/2006/main">
+  <p:cSld>
+    <p:spTree>
+      <p:nvGrpSpPr>
+        <p:cNvPr id="1" name=""/>
+        <p:cNvGrpSpPr/>
+        <p:nvPr/>
+      </p:nvGrpSpPr>
+      <p:grpSpPr>
+        <a:xfrm>
+          <a:off x="0" y="0"/>
+          <a:ext cx="0" cy="0"/>
+          <a:chOff x="0" y="0"/>
+          <a:chExt cx="0" cy="0"/>
+        </a:xfrm>
+      </p:grpSpPr>
+      <p:sp>
+        <p:nvSpPr>
+          <p:cNvPr id="2" name="Title 1">
+            <a:extLst>
+              <a:ext uri="{FF2B5EF4-FFF2-40B4-BE49-F238E27FC236}">
+                <a16:creationId xmlns:a16="http://schemas.microsoft.com/office/drawing/2014/main" xmlns="" id="{3F826242-333B-C847-98E9-923E828C5F24}"/>
+              </a:ext>
+            </a:extLst>
+          </p:cNvPr>
+          <p:cNvSpPr>
+            <a:spLocks noGrp="1"/>
+          </p:cNvSpPr>
+          <p:nvPr>
+            <p:ph type="title"/>
+          </p:nvPr>
+        </p:nvSpPr>
+        <p:spPr/>
+        <p:txBody>
+          <a:bodyPr>
+            <a:normAutofit fontScale="90000"/>
+          </a:bodyPr>
+          <a:lstStyle/>
+          <a:p>
+            <a:r>
+              <a:rPr lang="en-US" altLang="zh-CHS" dirty="0"/>
+              <a:t>[Hands-on]</a:t>
+            </a:r>
+            <a:r>
+              <a:rPr lang="zh-CHS" altLang="en-US" dirty="0"/>
+              <a:t> </a:t>
+            </a:r>
+            <a:r>
+              <a:rPr lang="en-US" altLang="zh-CHS" dirty="0"/>
+              <a:t>using</a:t>
+            </a:r>
+            <a:r>
+              <a:rPr lang="zh-CHS" altLang="en-US" dirty="0"/>
+              <a:t> </a:t>
+            </a:r>
+            <a:r>
+              <a:rPr lang="en-US" altLang="zh-CHS" dirty="0" smtClean="0"/>
+              <a:t>SPSS</a:t>
+            </a:r>
+            <a:r>
+              <a:rPr lang="zh-CHS" altLang="en-US" dirty="0" smtClean="0"/>
+              <a:t> </a:t>
+            </a:r>
+            <a:r>
+              <a:rPr lang="en-US" altLang="zh-CHS" dirty="0"/>
+              <a:t>to</a:t>
+            </a:r>
+            <a:r>
+              <a:rPr lang="zh-CHS" altLang="en-US" dirty="0"/>
+              <a:t> </a:t>
+            </a:r>
+            <a:r>
+              <a:rPr lang="en-US" altLang="zh-CHS" dirty="0"/>
+              <a:t>calculate</a:t>
+            </a:r>
+            <a:r>
+              <a:rPr lang="zh-CHS" altLang="en-US" dirty="0"/>
+              <a:t> </a:t>
+            </a:r>
+            <a:r>
+              <a:rPr lang="en-US" altLang="zh-CHS" dirty="0"/>
+              <a:t>dispersions</a:t>
+            </a:r>
+            <a:endParaRPr lang="en-US" dirty="0"/>
+          </a:p>
+        </p:txBody>
+      </p:sp>
+      <p:sp>
+        <p:nvSpPr>
+          <p:cNvPr id="3" name="Content Placeholder 2">
+            <a:extLst>
+              <a:ext uri="{FF2B5EF4-FFF2-40B4-BE49-F238E27FC236}">
+                <a16:creationId xmlns:a16="http://schemas.microsoft.com/office/drawing/2014/main" xmlns="" id="{20DC0335-8E99-9549-9D8F-DB310D8E0473}"/>
+              </a:ext>
+            </a:extLst>
+          </p:cNvPr>
+          <p:cNvSpPr>
+            <a:spLocks noGrp="1"/>
+          </p:cNvSpPr>
+          <p:nvPr>
+            <p:ph idx="1"/>
+          </p:nvPr>
+        </p:nvSpPr>
+        <p:spPr/>
+        <p:txBody>
+          <a:bodyPr/>
+          <a:lstStyle/>
+          <a:p>
+            <a:endParaRPr lang="en-US" dirty="0" smtClean="0"/>
+          </a:p>
+          <a:p>
+            <a:endParaRPr lang="en-US" dirty="0"/>
+          </a:p>
+        </p:txBody>
+      </p:sp>
+      <p:sp>
+        <p:nvSpPr>
+          <p:cNvPr id="4" name="Slide Number Placeholder 3">
+            <a:extLst>
+              <a:ext uri="{FF2B5EF4-FFF2-40B4-BE49-F238E27FC236}">
+                <a16:creationId xmlns:a16="http://schemas.microsoft.com/office/drawing/2014/main" xmlns="" id="{DE4280B3-5A14-414E-AA37-5AE72C84C170}"/>
+              </a:ext>
+            </a:extLst>
+          </p:cNvPr>
+          <p:cNvSpPr>
+            <a:spLocks noGrp="1"/>
+          </p:cNvSpPr>
+          <p:nvPr>
+            <p:ph type="sldNum" sz="quarter" idx="12"/>
+          </p:nvPr>
+        </p:nvSpPr>
+        <p:spPr/>
+        <p:txBody>
+          <a:bodyPr/>
+          <a:lstStyle/>
+          <a:p>
+            <a:fld id="{DF9221D8-3A4D-495B-963C-88FDE081B2F3}" type="slidenum">
+              <a:rPr lang="en-US" smtClean="0"/>
+              <a:t>24</a:t>
+            </a:fld>
+            <a:endParaRPr lang="en-US"/>
+          </a:p>
+        </p:txBody>
+      </p:sp>
+      <p:sp>
+        <p:nvSpPr>
+          <p:cNvPr id="5" name="TextBox 4"/>
+          <p:cNvSpPr txBox="1"/>
+          <p:nvPr/>
+        </p:nvSpPr>
+        <p:spPr>
+          <a:xfrm>
+            <a:off x="609600" y="1524000"/>
+            <a:ext cx="8001000" cy="923330"/>
+          </a:xfrm>
+          <a:prstGeom prst="rect">
+            <a:avLst/>
+          </a:prstGeom>
+          <a:noFill/>
+        </p:spPr>
+        <p:txBody>
+          <a:bodyPr wrap="square" rtlCol="0">
+            <a:spAutoFit/>
+          </a:bodyPr>
+          <a:lstStyle/>
+          <a:p>
+            <a:endParaRPr lang="en-US" dirty="0" smtClean="0"/>
+          </a:p>
+          <a:p>
+            <a:r>
+              <a:rPr lang="en-US" b="1" dirty="0"/>
+              <a:t>SPSS </a:t>
+            </a:r>
+            <a:r>
+              <a:rPr lang="en-US" b="1" dirty="0" smtClean="0"/>
+              <a:t>Output</a:t>
+            </a:r>
+            <a:endParaRPr lang="en-US" dirty="0"/>
+          </a:p>
+          <a:p>
+            <a:endParaRPr lang="en-US" dirty="0"/>
+          </a:p>
+        </p:txBody>
+      </p:sp>
+      <p:pic>
+        <p:nvPicPr>
+          <p:cNvPr id="6" name="Picture 5" descr="Screen Shot 2018-01-30 at 2.16.52 PM.png"/>
+          <p:cNvPicPr>
+            <a:picLocks noChangeAspect="1"/>
+          </p:cNvPicPr>
+          <p:nvPr/>
+        </p:nvPicPr>
+        <p:blipFill>
+          <a:blip r:embed="rId2">
+            <a:extLst>
+              <a:ext uri="{28A0092B-C50C-407E-A947-70E740481C1C}">
+                <a14:useLocalDpi xmlns:a14="http://schemas.microsoft.com/office/drawing/2010/main" val="0"/>
+              </a:ext>
+            </a:extLst>
+          </a:blip>
+          <a:stretch>
+            <a:fillRect/>
+          </a:stretch>
+        </p:blipFill>
+        <p:spPr>
+          <a:xfrm>
+            <a:off x="31826" y="2590800"/>
+            <a:ext cx="9144000" cy="2617365"/>
+          </a:xfrm>
+          <a:prstGeom prst="rect">
+            <a:avLst/>
+          </a:prstGeom>
+        </p:spPr>
+      </p:pic>
+    </p:spTree>
+    <p:extLst>
+      <p:ext uri="{BB962C8B-B14F-4D97-AF65-F5344CB8AC3E}">
+        <p14:creationId xmlns:p14="http://schemas.microsoft.com/office/powerpoint/2010/main" val="3808300312"/>
+      </p:ext>
+    </p:extLst>
+  </p:cSld>
+  <p:clrMapOvr>
+    <a:masterClrMapping/>
+  </p:clrMapOvr>
+</p:sld>
+</file>
+
+<file path=ppt/slides/slide25.xml><?xml version="1.0" encoding="utf-8"?>
+<p:sld xmlns:a="http://schemas.openxmlformats.org/drawingml/2006/main" xmlns:r="http://schemas.openxmlformats.org/officeDocument/2006/relationships" xmlns:p="http://schemas.openxmlformats.org/presentationml/2006/main">
+  <p:cSld>
+    <p:spTree>
+      <p:nvGrpSpPr>
+        <p:cNvPr id="1" name=""/>
+        <p:cNvGrpSpPr/>
+        <p:nvPr/>
+      </p:nvGrpSpPr>
+      <p:grpSpPr>
+        <a:xfrm>
+          <a:off x="0" y="0"/>
+          <a:ext cx="0" cy="0"/>
+          <a:chOff x="0" y="0"/>
+          <a:chExt cx="0" cy="0"/>
+        </a:xfrm>
+      </p:grpSpPr>
+      <p:sp>
+        <p:nvSpPr>
+          <p:cNvPr id="2" name="Title 1">
+            <a:extLst>
+              <a:ext uri="{FF2B5EF4-FFF2-40B4-BE49-F238E27FC236}">
                 <a16:creationId xmlns:a16="http://schemas.microsoft.com/office/drawing/2014/main" xmlns="" id="{EA0AB704-F3AE-6048-84D9-EDC737AA3035}"/>
               </a:ext>
             </a:extLst>
@@ -9542,7 +10416,7 @@
           <a:p>
             <a:fld id="{DF9221D8-3A4D-495B-963C-88FDE081B2F3}" type="slidenum">
               <a:rPr lang="en-US" smtClean="0"/>
-              <a:t>21</a:t>
+              <a:t>25</a:t>
             </a:fld>
             <a:endParaRPr lang="en-US"/>
           </a:p>
